--- a/Задача объединить-найти Система не пересекающихся множеств. Алгоритм со сжатием путей сложности O(nG(n))/Презентация.pptx
+++ b/Задача объединить-найти Система не пересекающихся множеств. Алгоритм со сжатием путей сложности O(nG(n))/Презентация.pptx
@@ -2,7 +2,7 @@
 <file path=ppt/presentation.xml><?xml version="1.0" encoding="utf-8"?>
 <p:presentation xmlns:a="http://schemas.openxmlformats.org/drawingml/2006/main" xmlns:r="http://schemas.openxmlformats.org/officeDocument/2006/relationships" xmlns:p="http://schemas.openxmlformats.org/presentationml/2006/main" saveSubsetFonts="1">
   <p:sldMasterIdLst>
-    <p:sldMasterId id="2147483660" r:id="rId1"/>
+    <p:sldMasterId id="2147483756" r:id="rId1"/>
   </p:sldMasterIdLst>
   <p:sldIdLst>
     <p:sldId id="256" r:id="rId2"/>
@@ -114,6 +114,11 @@
       </a:defRPr>
     </a:lvl9pPr>
   </p:defaultTextStyle>
+  <p:extLst>
+    <p:ext uri="{EFAFB233-063F-42B5-8137-9DF3F51BA10A}">
+      <p15:sldGuideLst xmlns:p15="http://schemas.microsoft.com/office/powerpoint/2012/main"/>
+    </p:ext>
+  </p:extLst>
 </p:presentation>
 </file>
 
@@ -169,102 +174,6 @@
           <inkml:channelProperty channel="OE" name="resolution" value="1000" units="1/deg"/>
         </inkml:channelProperties>
       </inkml:inkSource>
-      <inkml:timestamp xml:id="ts0" timeString="2024-10-11T21:28:06.797"/>
-    </inkml:context>
-    <inkml:brush xml:id="br0">
-      <inkml:brushProperty name="width" value="0.05" units="cm"/>
-      <inkml:brushProperty name="height" value="0.05" units="cm"/>
-      <inkml:brushProperty name="color" value="#E71224"/>
-    </inkml:brush>
-  </inkml:definitions>
-  <inkml:trace contextRef="#ctx0" brushRef="#br0">703 1620 1628 0 0,'1'4'138'0'0,"1"-1"0"0"0,-1 1-1 0 0,1 0 1 0 0,0-1 0 0 0,0 1-1 0 0,0-1 1 0 0,0 0 0 0 0,1 1 0 0 0,-1-1-1 0 0,1 0 1 0 0,0 0 0 0 0,3 2-1 0 0,4 6-114 0 0,-1-2 0 0 0,2 1 0 0 0,19 13 0 0 0,6 1 247 0 0,-36-24-247 0 0,0 0 0 0 0,0 0 0 0 0,0 0 0 0 0,0 0 1 0 0,0 1-1 0 0,1-1 0 0 0,-1 0 0 0 0,0 0 0 0 0,0 0 1 0 0,0 0-1 0 0,0 0 0 0 0,0 0 0 0 0,0 0 1 0 0,0 0-1 0 0,0 0 0 0 0,1 0 0 0 0,-1 1 0 0 0,0-1 1 0 0,0 0-1 0 0,0 0 0 0 0,0 0 0 0 0,0 0 0 0 0,0 0 1 0 0,0 0-1 0 0,0 1 0 0 0,0-1 0 0 0,0 0 0 0 0,0 0 1 0 0,0 0-1 0 0,0 0 0 0 0,0 0 0 0 0,0 0 0 0 0,0 1 1 0 0,0-1-1 0 0,0 0 0 0 0,0 0 0 0 0,0 0 0 0 0,0 0 1 0 0,0 0-1 0 0,0 0 0 0 0,0 0 0 0 0,0 1 0 0 0,0-1 1 0 0,-1 0-1 0 0,1 0 0 0 0,0 0 0 0 0,0 0 0 0 0,0 0 1 0 0,0 0-1 0 0,0 0 0 0 0,0 0 0 0 0,0 0 0 0 0,0 1 1 0 0,0-1-1 0 0,-1 0 0 0 0,1 0 0 0 0,0 0 0 0 0,0 0 1 0 0,0 0-1 0 0,0 0 0 0 0,-9 7 552 0 0,6-5 140 0 0,4-4 354 0 0,-1 2-965 0 0,1 0-1 0 0,-1 0 0 0 0,1 0 1 0 0,-1-1-1 0 0,1 1 0 0 0,-1 0 0 0 0,0 0 1 0 0,1 0-1 0 0,-1-1 0 0 0,1 1 1 0 0,-1 0-1 0 0,0 0 0 0 0,1-1 1 0 0,-1 1-1 0 0,0 0 0 0 0,0-1 1 0 0,1 1-1 0 0,-1-1 0 0 0,0 1 0 0 0,0 0 1 0 0,1-1-1 0 0,-1 1 0 0 0,0-1 1 0 0,0 1-1 0 0,0 0 0 0 0,0-1 1 0 0,1 1-1 0 0,-1-1 0 0 0,0 1 0 0 0,0-1 1 0 0,0 1-1 0 0,0-1 0 0 0,0 1 1 0 0,0 0-1 0 0,0-1 0 0 0,0 1 1 0 0,-1-1-1 0 0,1 1 0 0 0,0-1 1 0 0,0 1-1 0 0,0 0 0 0 0,0-1 0 0 0,-1 1 1 0 0,1-1-1 0 0,0 1 0 0 0,0 0 1 0 0,-1-1-1 0 0,1 1 0 0 0,0 0 1 0 0,0-1-1 0 0,-1 1 0 0 0,1 0 0 0 0,-1-1 1 0 0,1 1-1 0 0,0 0 0 0 0,-1 0 1 0 0,1-1-1 0 0,-1 1 0 0 0,-23-18 928 0 0,-3-1-343 0 0,1-2 0 0 0,0 0-1 0 0,-32-37 1 0 0,-125-142 833 0 0,46 52-1029 0 0,-72-73 865 0 0,198 210-1326 0 0,0-1 1 0 0,1 0-1 0 0,0 0 0 0 0,1-1 0 0 0,1-1 0 0 0,0 1 0 0 0,1-1 1 0 0,0 0-1 0 0,1-1 0 0 0,1 0 0 0 0,-4-15 0 0 0,-20-145-48 0 0,29 156 14 0 0,0 1 0 0 0,2 0 0 0 0,0 0 0 0 0,1 0 0 0 0,1 0 0 0 0,1 0 0 0 0,9-24-1 0 0,-14 40-9 0 0,5-6 10 0 0,1 1 0 0 0,-1 0 0 0 0,1 1 0 0 0,1-1 0 0 0,-1 1 1 0 0,1 1-1 0 0,0-1 0 0 0,12-7 0 0 0,53-35-52 0 0,-34 21 29 0 0,71-37 1 0 0,-45 34 8 0 0,1 2 1 0 0,137-38-1 0 0,22 4 147 0 0,-114 29-185 0 0,140-22 0 0 0,-214 49 74 0 0,4-1-57 0 0,62-1 0 0 0,-56 3 12 0 0,-37 4 35 0 0,-1-1 0 0 0,0 1-1 0 0,0 1 1 0 0,1 0-1 0 0,-1 0 1 0 0,0 0-1 0 0,0 1 1 0 0,12 3 0 0 0,4 3-6 0 0,43 6 0 0 0,-52-11-5 0 0,0 0 1 0 0,0 1-1 0 0,0 1 1 0 0,-1 0 0 0 0,1 1-1 0 0,-1 1 1 0 0,22 11-1 0 0,-27-10 3 0 0,0-1 0 0 0,-1 2 0 0 0,14 14 0 0 0,-18-18 4 0 0,0 0-1 0 0,-1 0 1 0 0,0 0-1 0 0,0 1 0 0 0,0-1 1 0 0,-1 1-1 0 0,1 0 0 0 0,-1 0 1 0 0,3 8-1 0 0,-4 2-36 0 0,0 0-1 0 0,-1 28 1 0 0,-1-30 18 0 0,1 1 1 0 0,0-1-1 0 0,3 15 1 0 0,-3-21 16 0 0,0 1 1 0 0,-1 0-1 0 0,1-1 1 0 0,-2 1-1 0 0,1-1 1 0 0,-6 15 0 0 0,-2 14 24 0 0,-9 37 110 0 0,13-57-166 0 0,1 0 0 0 0,0 0 0 0 0,1 0-1 0 0,-1 27 1 0 0,3-31 31 0 0,-1 0 1 0 0,0 0 0 0 0,0 0-1 0 0,-1 0 1 0 0,-5 11-1 0 0,-9 41 7 0 0,12-38 4 0 0,-1 0 0 0 0,-11 27-1 0 0,-8 36-18 0 0,-3 22 115 0 0,21-66-158 0 0,4-40 86 0 0,3-6 14 0 0,0 1-64 0 0,2-3-123 0 0,-4 5 128 0 0,2-1 25 0 0,0-2 45 0 0,0-2-22 0 0,-14-7-21 0 0,11 7-30 0 0,1 1 0 0 0,0 0 0 0 0,-1-1 1 0 0,1 0-1 0 0,0 1 0 0 0,1-1 0 0 0,-3-4 0 0 0,-11-14-7 0 0,1 5 43 0 0,1 0 0 0 0,1 0 0 0 0,1-1 0 0 0,0-1 0 0 0,1 0 0 0 0,-8-20 0 0 0,4 2 85 0 0,-10-40-1 0 0,17 49-73 0 0,0 4 89 0 0,1-1 0 0 0,1 0 0 0 0,-2-45 0 0 0,7 69-119 0 0,0 0-5 0 0,0 1-1 0 0,0-1 1 0 0,1 1 0 0 0,-1 0-1 0 0,0-1 1 0 0,0 1 0 0 0,0 0-1 0 0,0-1 1 0 0,1 1 0 0 0,-1 0 0 0 0,0 0-1 0 0,0-1 1 0 0,-1 1 0 0 0,1 0-1 0 0,0-1 1 0 0,0 1 0 0 0,0 0-1 0 0,0-1 1 0 0,-1 1 0 0 0,1 0-1 0 0,0-1 1 0 0,0 1 0 0 0,-1 0-1 0 0,0 0-2 0 0,1 0 0 0 0,0-1 0 0 0,-1 1-1 0 0,1-1 1 0 0,0 1 0 0 0,0-1-1 0 0,-1 1 1 0 0,1 0 0 0 0,0-1 0 0 0,0 1-1 0 0,0 0 1 0 0,0-1 0 0 0,0 1-1 0 0,0-1 1 0 0,0 1 0 0 0,0 0-1 0 0,0-1 1 0 0,0 1 0 0 0,0 0 0 0 0,0-1-1 0 0,1 2 1 0 0,22 60-94 0 0,90 208 233 0 0,-107-254-148 0 0,14 49 13 0 0,-17-50 5 0 0,2 0-1 0 0,-1 0 0 0 0,2-1 0 0 0,0 0 1 0 0,13 24-1 0 0,-17-36-9 0 0,-1 0-1 0 0,0 0 1 0 0,1 0 0 0 0,-1 0-1 0 0,1 0 1 0 0,0 0 0 0 0,0 0 0 0 0,-1-1-1 0 0,1 1 1 0 0,0-1 0 0 0,1 1-1 0 0,-1-1 1 0 0,0 0 0 0 0,0 1-1 0 0,0-1 1 0 0,1-1 0 0 0,-1 1 0 0 0,1 0-1 0 0,-1 0 1 0 0,0-1 0 0 0,1 1-1 0 0,-1-1 1 0 0,1 0 0 0 0,-1 0-1 0 0,1 0 1 0 0,3-1 0 0 0,2-1 9 0 0,-1 0 1 0 0,1-1 0 0 0,-1 0-1 0 0,0-1 1 0 0,0 0-1 0 0,0 0 1 0 0,10-8 0 0 0,132-111 25 0 0,-109 86-49 0 0,3 1-1 0 0,52-33 0 0 0,-89 65-79 0 0,-3 2-31 0 0,0-1 1 0 0,0 1-1 0 0,0 0 0 0 0,1 0 1 0 0,-1 0-1 0 0,1 1 0 0 0,0-1 1 0 0,-1 1-1 0 0,8-2 0 0 0,-33-26-8731 0 0,15 24 4450 0 0,9 4 3100 0 0</inkml:trace>
-</inkml:ink>
-</file>
-
-<file path=ppt/ink/ink11.xml><?xml version="1.0" encoding="utf-8"?>
-<inkml:ink xmlns:inkml="http://www.w3.org/2003/InkML">
-  <inkml:definitions>
-    <inkml:context xml:id="ctx0">
-      <inkml:inkSource xml:id="inkSrc0">
-        <inkml:traceFormat>
-          <inkml:channel name="X" type="integer" min="-2.14748E9" max="2.14748E9" units="cm"/>
-          <inkml:channel name="Y" type="integer" min="-2.14748E9" max="2.14748E9" units="cm"/>
-          <inkml:channel name="F" type="integer" max="32767" units="dev"/>
-          <inkml:channel name="OA" type="integer" max="360" units="deg"/>
-          <inkml:channel name="OE" type="integer" max="90" units="deg"/>
-        </inkml:traceFormat>
-        <inkml:channelProperties>
-          <inkml:channelProperty channel="X" name="resolution" value="1000" units="1/cm"/>
-          <inkml:channelProperty channel="Y" name="resolution" value="1000" units="1/cm"/>
-          <inkml:channelProperty channel="F" name="resolution" value="0" units="1/dev"/>
-          <inkml:channelProperty channel="OA" name="resolution" value="1000" units="1/deg"/>
-          <inkml:channelProperty channel="OE" name="resolution" value="1000" units="1/deg"/>
-        </inkml:channelProperties>
-      </inkml:inkSource>
-      <inkml:timestamp xml:id="ts0" timeString="2024-10-11T21:28:09.492"/>
-    </inkml:context>
-    <inkml:brush xml:id="br0">
-      <inkml:brushProperty name="width" value="0.05" units="cm"/>
-      <inkml:brushProperty name="height" value="0.05" units="cm"/>
-      <inkml:brushProperty name="color" value="#E71224"/>
-    </inkml:brush>
-  </inkml:definitions>
-  <inkml:trace contextRef="#ctx0" brushRef="#br0">236 1555 1268 0 0,'4'18'781'0'0,"-4"-16"-705"0"0,1-1-1 0 0,-1 0 1 0 0,0 0 0 0 0,1 0 0 0 0,-1 0-1 0 0,0 1 1 0 0,0-1 0 0 0,0 0-1 0 0,0 0 1 0 0,0 0 0 0 0,0 1 0 0 0,0-1-1 0 0,0 0 1 0 0,-1 0 0 0 0,1 0 0 0 0,0 1-1 0 0,-1-1 1 0 0,0 2 0 0 0,-1 1 478 0 0,0 1 0 0 0,1 0 0 0 0,-1 0 1 0 0,1 0-1 0 0,0 0 0 0 0,1 0 0 0 0,-1 8 0 0 0,1-13-434 0 0,0 0 0 0 0,0 0 0 0 0,0-1 0 0 0,0 1-1 0 0,0 0 1 0 0,-1-1 0 0 0,1 1 0 0 0,0 0 0 0 0,0 0-1 0 0,0-1 1 0 0,0 1 0 0 0,0 0 0 0 0,-1 0-1 0 0,1-1 1 0 0,0 1 0 0 0,0 0 0 0 0,0 0 0 0 0,-1 0-1 0 0,1-1 1 0 0,0 1 0 0 0,0 0 0 0 0,-1 0 0 0 0,1 0-1 0 0,0 0 1 0 0,0 0 0 0 0,-1 0 0 0 0,1-1 0 0 0,0 1-1 0 0,0 0 1 0 0,-1 0 0 0 0,1 0 0 0 0,0 0 0 0 0,-1 0-1 0 0,1 0 1 0 0,0 0 0 0 0,0 0 0 0 0,-1 0 0 0 0,1 0-1 0 0,0 0 1 0 0,-1 0 0 0 0,1 1 0 0 0,0-1 0 0 0,0 0-1 0 0,-1 0 1 0 0,1 0 0 0 0,0 0 0 0 0,0 0-1 0 0,-1 0 1 0 0,1 1 0 0 0,0-1 0 0 0,-1 0 0 0 0,2-2 167 0 0,0 1 1 0 0,0-1-1 0 0,-1 0 1 0 0,1-1-1 0 0,-1 1 1 0 0,1 0-1 0 0,-1 0 0 0 0,0 0 1 0 0,0 0-1 0 0,0 0 1 0 0,0 0-1 0 0,0 0 1 0 0,-1-4-1 0 0,-7-38-162 0 0,-44-70 810 0 0,31 72-497 0 0,-18-48 0 0 0,24 42-225 0 0,2 0 0 0 0,1-2 0 0 0,-6-68 0 0 0,11 52-84 0 0,-22-176 123 0 0,25 199-256 0 0,2 0 1 0 0,5-74-1 0 0,-3 114-1 0 0,2-17 11 0 0,0 0 1 0 0,1 0-1 0 0,2 0 0 0 0,0 1 0 0 0,0-1 1 0 0,2 1-1 0 0,0 1 0 0 0,20-35 1 0 0,-7 29-69 0 0,56-64 88 0 0,-71 80-24 0 0,1 2-1 0 0,0-1 1 0 0,1 1-1 0 0,-1 0 1 0 0,13-9 0 0 0,-2 3-2 0 0,1-3-9 0 0,1 0-1 0 0,1 2 1 0 0,0 1-1 0 0,0 0 1 0 0,1 2 0 0 0,1 0-1 0 0,0 1 1 0 0,0 1-1 0 0,39-8 1 0 0,17 2-13 0 0,121-7 0 0 0,-165 19 16 0 0,42 0 15 0 0,0 4 0 0 0,78 11 1 0 0,-132-10-6 0 0,0 2 0 0 0,-1 0 0 0 0,1 1 0 0 0,-1 2 1 0 0,29 13-1 0 0,-17-4-22 0 0,-1 1 1 0 0,45 33 0 0 0,-64-41 30 0 0,-1 0 1 0 0,0 2 0 0 0,0-1-1 0 0,-1 1 1 0 0,-1 1-1 0 0,11 15 1 0 0,-16-19-19 0 0,0 0 0 0 0,0 0 1 0 0,0 0-1 0 0,-2 0 0 0 0,1 1 1 0 0,-1-1-1 0 0,0 1 0 0 0,-1 0 1 0 0,0 0-1 0 0,-1 0 0 0 0,0 11 1 0 0,-1-19 4 0 0,1 7 1 0 0,-1 1-1 0 0,0-1 1 0 0,0 1 0 0 0,-1-1 0 0 0,0 0-1 0 0,-1 0 1 0 0,0 1 0 0 0,0-1 0 0 0,-1 0-1 0 0,-1-1 1 0 0,1 1 0 0 0,-8 11 0 0 0,-80 132-17 0 0,68-113 69 0 0,11-19-23 0 0,0 1 0 0 0,-1-2 1 0 0,-30 34-1 0 0,42-52-34 0 0,0 0 0 0 0,-1 0 0 0 0,1 0 1 0 0,0 0-1 0 0,0 0 0 0 0,1 1 1 0 0,-1-1-1 0 0,0 0 0 0 0,0 0 1 0 0,1 1-1 0 0,-1-1 0 0 0,0 1 0 0 0,1-1 1 0 0,-1 0-1 0 0,1 1 0 0 0,-1 2 1 0 0,0-4-11 0 0,0-1 23 0 0,5 3-3 0 0,-8-4 26 0 0,-5 16-99 0 0,-25 41 80 0 0,14 4-100 0 0,19-58 84 0 0,0 1 1 0 0,1 0-1 0 0,-1 0 1 0 0,0 0-1 0 0,1-1 1 0 0,0 1-1 0 0,-1 0 1 0 0,1 0-1 0 0,0 0 1 0 0,0 0-1 0 0,0-1 1 0 0,0 1-1 0 0,1 0 1 0 0,-1 0-1 0 0,1 2 1 0 0,-4-21 30 0 0,-1 1-1 0 0,0 0 1 0 0,-1 0 0 0 0,-10-22 0 0 0,-38-52-14 0 0,36 57-49 0 0,-2 2 0 0 0,-32-41 1 0 0,2 0 48 0 0,46 68-33 0 0,-8-11 62 0 0,11 14-43 0 0,0 1 0 0 0,-1 0 0 0 0,1 0 0 0 0,0-1 0 0 0,0 1 0 0 0,0 0 0 0 0,0 0 0 0 0,-1 0 0 0 0,1-1 0 0 0,0 1 0 0 0,0 0 0 0 0,0 0 0 0 0,-1 0 0 0 0,1 0 0 0 0,0-1 0 0 0,0 1 0 0 0,-1 0 0 0 0,1 0 0 0 0,0 0 0 0 0,0 0 0 0 0,-1 0 0 0 0,1 0 0 0 0,0 0 0 0 0,0 0-1 0 0,-1 0 1 0 0,1 0 0 0 0,0 0 0 0 0,0 0 0 0 0,-1 0 0 0 0,1 0 0 0 0,0 0 0 0 0,0 0 0 0 0,-1 0 0 0 0,1 0 0 0 0,0 0 0 0 0,-1 0 0 0 0,1 0 0 0 0,0 0 0 0 0,0 1 0 0 0,0-1 0 0 0,-1 0 0 0 0,1 0 0 0 0,0 0 0 0 0,0 0 0 0 0,-1 1 0 0 0,1-1 0 0 0,0 0 0 0 0,0 0 0 0 0,0 0 0 0 0,0 1 0 0 0,-1-1 0 0 0,1 0-92 0 0,3 12 123 0 0,-1-8-37 0 0,-1 1 1 0 0,1-1 0 0 0,-1 1 0 0 0,0 0 0 0 0,-1 0-1 0 0,1-1 1 0 0,-1 11 0 0 0,2 8 59 0 0,6 19-69 0 0,2 0 1 0 0,1-1-1 0 0,3-1 0 0 0,25 54 0 0 0,-36-87 17 0 0,1-1-1 0 0,-1 1 0 0 0,1-1 0 0 0,1 0 1 0 0,-1 0-1 0 0,1-1 0 0 0,0 1 0 0 0,0-1 1 0 0,1 0-1 0 0,-1 0 0 0 0,1-1 0 0 0,0 0 1 0 0,1 0-1 0 0,-1 0 0 0 0,1-1 0 0 0,-1 0 1 0 0,1 0-1 0 0,0-1 0 0 0,0 1 1 0 0,0-2-1 0 0,1 1 0 0 0,-1-1 0 0 0,0 0 1 0 0,1 0-1 0 0,-1-1 0 0 0,0 0 0 0 0,13-2 1 0 0,20-7 64 0 0,-1-3 0 0 0,54-22 0 0 0,74-43-1987 0 0,-135 62 789 0 0,13-11-1757 0 0,-31 18 743 0 0,-1 0 0 0 0,20-8 0 0 0,-18 15-218 0 0,-7 2 1095 0 0</inkml:trace>
-</inkml:ink>
-</file>
-
-<file path=ppt/ink/ink12.xml><?xml version="1.0" encoding="utf-8"?>
-<inkml:ink xmlns:inkml="http://www.w3.org/2003/InkML">
-  <inkml:definitions>
-    <inkml:context xml:id="ctx0">
-      <inkml:inkSource xml:id="inkSrc0">
-        <inkml:traceFormat>
-          <inkml:channel name="X" type="integer" min="-2.14748E9" max="2.14748E9" units="cm"/>
-          <inkml:channel name="Y" type="integer" min="-2.14748E9" max="2.14748E9" units="cm"/>
-          <inkml:channel name="F" type="integer" max="32767" units="dev"/>
-          <inkml:channel name="OA" type="integer" max="360" units="deg"/>
-          <inkml:channel name="OE" type="integer" max="90" units="deg"/>
-        </inkml:traceFormat>
-        <inkml:channelProperties>
-          <inkml:channelProperty channel="X" name="resolution" value="1000" units="1/cm"/>
-          <inkml:channelProperty channel="Y" name="resolution" value="1000" units="1/cm"/>
-          <inkml:channelProperty channel="F" name="resolution" value="0" units="1/dev"/>
-          <inkml:channelProperty channel="OA" name="resolution" value="1000" units="1/deg"/>
-          <inkml:channelProperty channel="OE" name="resolution" value="1000" units="1/deg"/>
-        </inkml:channelProperties>
-      </inkml:inkSource>
-      <inkml:timestamp xml:id="ts0" timeString="2024-10-11T21:28:11.702"/>
-    </inkml:context>
-    <inkml:brush xml:id="br0">
-      <inkml:brushProperty name="width" value="0.05" units="cm"/>
-      <inkml:brushProperty name="height" value="0.05" units="cm"/>
-      <inkml:brushProperty name="color" value="#E71224"/>
-    </inkml:brush>
-  </inkml:definitions>
-  <inkml:trace contextRef="#ctx0" brushRef="#br0">433 1612 2924 0 0,'0'0'5'0'0,"0"0"0"0"0,0 0 1 0 0,0 0-1 0 0,0 0 0 0 0,0 0 0 0 0,0-1 0 0 0,0 1 0 0 0,0 0 0 0 0,0 0 0 0 0,0 0 0 0 0,0 0 1 0 0,1 0-1 0 0,-1 0 0 0 0,0 0 0 0 0,0 0 0 0 0,0 0 0 0 0,0 0 0 0 0,0-1 0 0 0,0 1 0 0 0,0 0 0 0 0,1 0 1 0 0,-1 0-1 0 0,0 0 0 0 0,0 0 0 0 0,0 0 0 0 0,0 0 0 0 0,0 0 0 0 0,0 0 0 0 0,0 0 0 0 0,1 0 1 0 0,-1 0-1 0 0,0 0 0 0 0,0 0 0 0 0,0 0 0 0 0,0 0 0 0 0,0 0 0 0 0,0 0 0 0 0,1 0 0 0 0,-1 1 1 0 0,0-1-1 0 0,0 0 0 0 0,0 0 0 0 0,0 0 0 0 0,0 0 0 0 0,0 0 0 0 0,0 0 0 0 0,0 0 0 0 0,0 0 0 0 0,1 0 1 0 0,-1 0-1 0 0,0 0 0 0 0,0 1 0 0 0,0-1 0 0 0,0 0 0 0 0,0 0 0 0 0,0 0 0 0 0,0 0 0 0 0,2-3 390 0 0,-11 11 4634 0 0,8-21-2953 0 0,-5-2-1738 0 0,1 1 0 0 0,-2-1 0 0 0,0 1-1 0 0,-1 0 1 0 0,-1 1 0 0 0,0 0 0 0 0,0 0-1 0 0,-16-15 1 0 0,-22-32 575 0 0,2-4-164 0 0,10 15-175 0 0,-43-78 0 0 0,54 78-340 0 0,2 0 1 0 0,3-1-1 0 0,1-1 0 0 0,3-1 1 0 0,2 0-1 0 0,-10-89 0 0 0,20 111-220 0 0,1 0-1 0 0,1 1 0 0 0,2-1 0 0 0,1 0 1 0 0,1 0-1 0 0,2 1 0 0 0,1 0 0 0 0,17-52 1 0 0,-16 64-10 0 0,0 2 1 0 0,1-1-1 0 0,1 1 1 0 0,1 0-1 0 0,0 1 1 0 0,1 0-1 0 0,0 1 1 0 0,1 0-1 0 0,0 0 1 0 0,1 2-1 0 0,1-1 1 0 0,0 2-1 0 0,0 0 1 0 0,19-10-1 0 0,-9 7-2 0 0,1 0 1 0 0,0 2-1 0 0,1 1 1 0 0,0 0-1 0 0,1 2 1 0 0,41-6-1 0 0,161-36-121 0 0,-56 9 35 0 0,-157 38 82 0 0,105-16-71 0 0,-106 18 62 0 0,0 0 0 0 0,0 1 0 0 0,0 0 1 0 0,0 2-1 0 0,-1 0 0 0 0,17 4 0 0 0,-9 2-19 0 0,-1 2 0 0 0,-1 1-1 0 0,0 0 1 0 0,0 1-1 0 0,-1 2 1 0 0,33 29 0 0 0,-41-34 26 0 0,-1 1 1 0 0,-1 0 0 0 0,0 1 0 0 0,0 0-1 0 0,-1 0 1 0 0,0 1 0 0 0,-1 0 0 0 0,-1 1-1 0 0,0-1 1 0 0,0 1 0 0 0,-1 0-1 0 0,5 24 1 0 0,-6-17 6 0 0,-1 0 1 0 0,0 0-1 0 0,-2 0 0 0 0,-1 0 0 0 0,0 1 0 0 0,-1-1 0 0 0,-1 0 0 0 0,-6 24 1 0 0,-44 198 112 0 0,48-188-206 0 0,4-46 109 0 0,0 0 0 0 0,0 1 0 0 0,-1-1-1 0 0,0 1 1 0 0,-4 12 0 0 0,-4 33-44 0 0,9-53 24 0 0,-1 1 0 0 0,1-1-1 0 0,0 0 1 0 0,-1 1 0 0 0,1-1-1 0 0,0 1 1 0 0,0-1 0 0 0,0 0 0 0 0,0 1-1 0 0,1-1 1 0 0,-1 1 0 0 0,0-1-1 0 0,0 0 1 0 0,1 1 0 0 0,-1-1-1 0 0,1 0 1 0 0,-1 1 0 0 0,1-1 0 0 0,0 0-1 0 0,-1 0 1 0 0,1 0 0 0 0,1 2-1 0 0,-1-3 16 0 0,11-19 83 0 0,-12 8-56 0 0,-1 1-1 0 0,0 0 1 0 0,0 0 0 0 0,-1 0 0 0 0,-1 1-1 0 0,0-1 1 0 0,0 0 0 0 0,-1 1 0 0 0,0 0-1 0 0,0 0 1 0 0,-1 0 0 0 0,0 0 0 0 0,-1 1-1 0 0,0 0 1 0 0,0 0 0 0 0,-1 0-1 0 0,0 1 1 0 0,0 0 0 0 0,-1 0 0 0 0,-8-5-1 0 0,-110-86 147 0 0,116 89-176 0 0,0 0 1 0 0,0 0-1 0 0,1-1 0 0 0,-8-11 1 0 0,14 9 18 0 0,2 10-52 0 0,1 6-48 0 0,0-4 38 0 0,-1 3 21 0 0,1 0-1 0 0,-1 0 0 0 0,0 1 0 0 0,1-1 0 0 0,0 0 0 0 0,0 0 1 0 0,0 1-1 0 0,0-1 0 0 0,1 0 0 0 0,-1 1 0 0 0,1-1 1 0 0,0 0-1 0 0,0 0 0 0 0,2 6 0 0 0,25 51 26 0 0,-21-46-13 0 0,5 11 9 0 0,1 0-1 0 0,1-1 1 0 0,2-1 0 0 0,0 0 0 0 0,2-2 0 0 0,30 31-1 0 0,-45-49-10 0 0,0 0 0 0 0,1 0 0 0 0,-1-1 0 0 0,1 1 0 0 0,0-1 0 0 0,0 0 0 0 0,0 0 0 0 0,0 0 0 0 0,0 0 0 0 0,0-1 0 0 0,0 0 0 0 0,0 0 0 0 0,1 0 0 0 0,-1 0 0 0 0,1-1 0 0 0,-1 0 0 0 0,0 1 0 0 0,7-2 0 0 0,-5 0-1 0 0,0-1 0 0 0,0 0 1 0 0,0 0-1 0 0,-1 0 0 0 0,1-1 0 0 0,-1 0 0 0 0,1 0 1 0 0,-1 0-1 0 0,0-1 0 0 0,0 0 0 0 0,-1 0 1 0 0,8-7-1 0 0,268-312-3408 0 0,-264 304 2501 0 0,0 1-1 0 0,1 1 0 0 0,0 1 1 0 0,2 0-1 0 0,0 1 1 0 0,1 1-1 0 0,0 1 1 0 0,1 1-1 0 0,0 0 1 0 0,24-7-1 0 0,-28 13-105 0 0</inkml:trace>
-</inkml:ink>
-</file>
-
-<file path=ppt/ink/ink13.xml><?xml version="1.0" encoding="utf-8"?>
-<inkml:ink xmlns:inkml="http://www.w3.org/2003/InkML">
-  <inkml:definitions>
-    <inkml:context xml:id="ctx0">
-      <inkml:inkSource xml:id="inkSrc0">
-        <inkml:traceFormat>
-          <inkml:channel name="X" type="integer" min="-2.14748E9" max="2.14748E9" units="cm"/>
-          <inkml:channel name="Y" type="integer" min="-2.14748E9" max="2.14748E9" units="cm"/>
-          <inkml:channel name="F" type="integer" max="32767" units="dev"/>
-          <inkml:channel name="OA" type="integer" max="360" units="deg"/>
-          <inkml:channel name="OE" type="integer" max="90" units="deg"/>
-        </inkml:traceFormat>
-        <inkml:channelProperties>
-          <inkml:channelProperty channel="X" name="resolution" value="1000" units="1/cm"/>
-          <inkml:channelProperty channel="Y" name="resolution" value="1000" units="1/cm"/>
-          <inkml:channelProperty channel="F" name="resolution" value="0" units="1/dev"/>
-          <inkml:channelProperty channel="OA" name="resolution" value="1000" units="1/deg"/>
-          <inkml:channelProperty channel="OE" name="resolution" value="1000" units="1/deg"/>
-        </inkml:channelProperties>
-      </inkml:inkSource>
       <inkml:timestamp xml:id="ts0" timeString="2024-10-11T21:28:13.697"/>
     </inkml:context>
     <inkml:brush xml:id="br0">
@@ -277,7 +186,7 @@
 </inkml:ink>
 </file>
 
-<file path=ppt/ink/ink14.xml><?xml version="1.0" encoding="utf-8"?>
+<file path=ppt/ink/ink11.xml><?xml version="1.0" encoding="utf-8"?>
 <inkml:ink xmlns:inkml="http://www.w3.org/2003/InkML">
   <inkml:definitions>
     <inkml:context xml:id="ctx0">
@@ -309,7 +218,7 @@
 </inkml:ink>
 </file>
 
-<file path=ppt/ink/ink15.xml><?xml version="1.0" encoding="utf-8"?>
+<file path=ppt/ink/ink12.xml><?xml version="1.0" encoding="utf-8"?>
 <inkml:ink xmlns:inkml="http://www.w3.org/2003/InkML">
   <inkml:definitions>
     <inkml:context xml:id="ctx0">
@@ -341,7 +250,7 @@
 </inkml:ink>
 </file>
 
-<file path=ppt/ink/ink16.xml><?xml version="1.0" encoding="utf-8"?>
+<file path=ppt/ink/ink13.xml><?xml version="1.0" encoding="utf-8"?>
 <inkml:ink xmlns:inkml="http://www.w3.org/2003/InkML">
   <inkml:definitions>
     <inkml:context xml:id="ctx0">
@@ -373,7 +282,7 @@
 </inkml:ink>
 </file>
 
-<file path=ppt/ink/ink17.xml><?xml version="1.0" encoding="utf-8"?>
+<file path=ppt/ink/ink14.xml><?xml version="1.0" encoding="utf-8"?>
 <inkml:ink xmlns:inkml="http://www.w3.org/2003/InkML">
   <inkml:definitions>
     <inkml:context xml:id="ctx0">
@@ -405,7 +314,7 @@
 </inkml:ink>
 </file>
 
-<file path=ppt/ink/ink18.xml><?xml version="1.0" encoding="utf-8"?>
+<file path=ppt/ink/ink15.xml><?xml version="1.0" encoding="utf-8"?>
 <inkml:ink xmlns:inkml="http://www.w3.org/2003/InkML">
   <inkml:definitions>
     <inkml:context xml:id="ctx0">
@@ -437,7 +346,7 @@
 </inkml:ink>
 </file>
 
-<file path=ppt/ink/ink19.xml><?xml version="1.0" encoding="utf-8"?>
+<file path=ppt/ink/ink16.xml><?xml version="1.0" encoding="utf-8"?>
 <inkml:ink xmlns:inkml="http://www.w3.org/2003/InkML">
   <inkml:definitions>
     <inkml:context xml:id="ctx0">
@@ -466,6 +375,102 @@
     </inkml:brush>
   </inkml:definitions>
   <inkml:trace contextRef="#ctx0" brushRef="#br0">3 958 1708 0 0,'1'0'896'0'0,"-2"0"-734"0"0,1-1 1 0 0,0 1-1 0 0,0 0 0 0 0,-1 0 0 0 0,1 0 0 0 0,0-1 1 0 0,0 1-1 0 0,0 0 0 0 0,-1-1 0 0 0,1 1 1 0 0,0 0-1 0 0,0 0 0 0 0,0-1 0 0 0,0 1 0 0 0,0 0 1 0 0,0-1-1 0 0,0 1 0 0 0,0 0 0 0 0,-1-1 0 0 0,1 1 1 0 0,0 0-1 0 0,0-1 0 0 0,0 1 0 0 0,1 0 1 0 0,-1 0-1 0 0,0-1 0 0 0,0 1 0 0 0,0 0 0 0 0,2-4 3253 0 0,-2-2-3057 0 0,-1-43 840 0 0,0 26-658 0 0,0-1 1 0 0,2 0-1 0 0,0 0 0 0 0,2 1 0 0 0,0-1 1 0 0,10-32-1 0 0,5 4 269 0 0,-5 11-175 0 0,2 2 0 0 0,2-1 0 0 0,29-50 0 0 0,-21 50-372 0 0,-4 4-129 0 0,2 0 1 0 0,1 2 0 0 0,43-46 0 0 0,-42 57-113 0 0,1 1 1 0 0,0 1 0 0 0,2 2-1 0 0,0 1 1 0 0,1 1 0 0 0,1 1 0 0 0,1 2-1 0 0,0 1 1 0 0,33-9 0 0 0,-45 14-22 0 0,-15 6-2 0 0,0 0 0 0 0,0 1 0 0 0,1-1 1 0 0,-1 1-1 0 0,0 0 0 0 0,0 0 0 0 0,1 0 0 0 0,-1 1 1 0 0,0-1-1 0 0,1 1 0 0 0,-1 0 0 0 0,1 1 0 0 0,7 0 1 0 0,17 6-16 0 0,-16 0-26 0 0,63 49-4 0 0,-72-51 49 0 0,0-1 0 0 0,0 1-1 0 0,0 0 1 0 0,-1 0 0 0 0,0 0 0 0 0,0 1 0 0 0,0-1 0 0 0,-1 1-1 0 0,1 0 1 0 0,-2-1 0 0 0,1 1 0 0 0,0 0 0 0 0,-1 0 0 0 0,0 0-1 0 0,0 8 1 0 0,1 0 25 0 0,0 4-35 0 0,-1 1 0 0 0,-1 25 0 0 0,-1-25 0 0 0,1-1 1 0 0,3 21 0 0 0,6 52 8 0 0,-7-68 28 0 0,1-1-1 0 0,1 0 0 0 0,12 39 1 0 0,-7-33-40 0 0,10 23 34 0 0,-10-36-68 0 0,-12-23 163 0 0,1 3-95 0 0,0 1 1 0 0,-1-1-1 0 0,0 1 1 0 0,1-1 0 0 0,-1 1-1 0 0,-5-5 1 0 0,-77-66-206 0 0,0-2 85 0 0,45 39 45 0 0,37 36 90 0 0,3 2-43 0 0,0 0 0 0 0,0 0 0 0 0,0 0 1 0 0,0 0-1 0 0,0 0 0 0 0,0 0 0 0 0,0 0 0 0 0,0 0 0 0 0,0 0 0 0 0,0 1 0 0 0,0-1 1 0 0,0 0-1 0 0,0 0 0 0 0,0 0 0 0 0,0 0 0 0 0,0 0 0 0 0,0 0 0 0 0,0 0 0 0 0,0 0 1 0 0,0 0-1 0 0,0 0 0 0 0,0 0 0 0 0,0 0 0 0 0,0 0 0 0 0,-1 0 0 0 0,1 0 0 0 0,0 0 1 0 0,0 0-1 0 0,0 0 0 0 0,0 0 0 0 0,0 0 0 0 0,0 0 0 0 0,0 0 0 0 0,0 0 1 0 0,0 0-1 0 0,0 0 0 0 0,0 0 0 0 0,0 0 0 0 0,0 0 0 0 0,0 0 0 0 0,0 0 0 0 0,2 18-235 0 0,-1-12 244 0 0,0 0 1 0 0,1 0-1 0 0,0 0 0 0 0,0-1 0 0 0,0 1 0 0 0,1-1 0 0 0,-1 1 1 0 0,1-1-1 0 0,4 5 0 0 0,8 17 0 0 0,-12-21-1 0 0,-1 0 0 0 0,2 0-1 0 0,-1 0 1 0 0,0-1 0 0 0,1 1 0 0 0,0-1-1 0 0,0 0 1 0 0,1-1 0 0 0,0 1-1 0 0,-1-1 1 0 0,1 1 0 0 0,1-2 0 0 0,-1 1-1 0 0,1 0 1 0 0,-1-1 0 0 0,1 0 0 0 0,0 0-1 0 0,0-1 1 0 0,0 0 0 0 0,0 0 0 0 0,1 0-1 0 0,-1-1 1 0 0,1 0 0 0 0,-1 0-1 0 0,1 0 1 0 0,-1-1 0 0 0,1 0 0 0 0,-1-1-1 0 0,1 1 1 0 0,10-3 0 0 0,-4-1 7 0 0,0-1 1 0 0,0 0-1 0 0,-1 0 0 0 0,0-2 1 0 0,0 1-1 0 0,0-1 1 0 0,-1-1-1 0 0,0 0 0 0 0,16-16 1 0 0,-3 1-372 0 0,-1-2 0 0 0,34-48-1 0 0,-53 68 4 0 0,-1 0-1 0 0,1 0 0 0 0,-1-1 0 0 0,-1 1 0 0 0,1-1 0 0 0,-1 1 0 0 0,0-1 0 0 0,0 0 0 0 0,-1 0 0 0 0,1 0 0 0 0,-1 0 1 0 0,0-10-1 0 0,-1 15 181 0 0,-1 1 1 0 0,1-1 0 0 0,-1 0 0 0 0,1 0-1 0 0,-1 1 1 0 0,1-1 0 0 0,-1 1 0 0 0,0-1-1 0 0,1 0 1 0 0,-1 1 0 0 0,1-1 0 0 0,-1 1-1 0 0,0 0 1 0 0,0-1 0 0 0,1 1 0 0 0,-1-1-1 0 0,0 1 1 0 0,0 0 0 0 0,1 0 0 0 0,-2-1-1 0 0,-4 0-1393 0 0</inkml:trace>
+</inkml:ink>
+</file>
+
+<file path=ppt/ink/ink17.xml><?xml version="1.0" encoding="utf-8"?>
+<inkml:ink xmlns:inkml="http://www.w3.org/2003/InkML">
+  <inkml:definitions>
+    <inkml:context xml:id="ctx0">
+      <inkml:inkSource xml:id="inkSrc0">
+        <inkml:traceFormat>
+          <inkml:channel name="X" type="integer" min="-2.14748E9" max="2.14748E9" units="cm"/>
+          <inkml:channel name="Y" type="integer" min="-2.14748E9" max="2.14748E9" units="cm"/>
+          <inkml:channel name="F" type="integer" max="32767" units="dev"/>
+          <inkml:channel name="OA" type="integer" max="360" units="deg"/>
+          <inkml:channel name="OE" type="integer" max="90" units="deg"/>
+        </inkml:traceFormat>
+        <inkml:channelProperties>
+          <inkml:channelProperty channel="X" name="resolution" value="1000" units="1/cm"/>
+          <inkml:channelProperty channel="Y" name="resolution" value="1000" units="1/cm"/>
+          <inkml:channelProperty channel="F" name="resolution" value="0" units="1/dev"/>
+          <inkml:channelProperty channel="OA" name="resolution" value="1000" units="1/deg"/>
+          <inkml:channelProperty channel="OE" name="resolution" value="1000" units="1/deg"/>
+        </inkml:channelProperties>
+      </inkml:inkSource>
+      <inkml:timestamp xml:id="ts0" timeString="2024-10-11T21:29:57.713"/>
+    </inkml:context>
+    <inkml:brush xml:id="br0">
+      <inkml:brushProperty name="width" value="0.05" units="cm"/>
+      <inkml:brushProperty name="height" value="0.05" units="cm"/>
+      <inkml:brushProperty name="color" value="#E71224"/>
+    </inkml:brush>
+  </inkml:definitions>
+  <inkml:trace contextRef="#ctx0" brushRef="#br0">60 1 5060 0 0,'-18'7'231'0'0,"15"-5"72"0"0,0-1 0 0 0,0 0 0 0 0,0 1 0 0 0,0-1 0 0 0,0-1 0 0 0,0 1 0 0 0,-4 0 705 0 0,15-9-393 0 0,-8 8-617 0 0,0 0-1 0 0,0 0 1 0 0,0 0 0 0 0,0 0 0 0 0,1 0 0 0 0,-1 0-1 0 0,0 0 1 0 0,0 0 0 0 0,0 0 0 0 0,0-1 0 0 0,0 1-1 0 0,0 0 1 0 0,0 0 0 0 0,0 0 0 0 0,0 0-1 0 0,1 0 1 0 0,-1 0 0 0 0,0 0 0 0 0,0 0 0 0 0,0-1-1 0 0,0 1 1 0 0,0 0 0 0 0,0 0 0 0 0,0 0-1 0 0,0 0 1 0 0,0 0 0 0 0,0 0 0 0 0,0 0 0 0 0,0-1-1 0 0,0 1 1 0 0,0 0 0 0 0,0 0 0 0 0,0 0 0 0 0,0 0-1 0 0,0 0 1 0 0,0 0 0 0 0,0-1 0 0 0,0 1-1 0 0,0 0 1 0 0,0 0 0 0 0,0 0 0 0 0,0 0 0 0 0,0 0-1 0 0,-1 0 1 0 0,1 0 0 0 0,0-1 0 0 0,0 1-1 0 0,0 0 1 0 0,0 0 0 0 0,0 0 0 0 0,0 0 0 0 0,0 0-1 0 0,0 0 1 0 0,0 0 0 0 0,-1 0 0 0 0,1 0 0 0 0,0 0-1 0 0,0 0 1 0 0,0 0 0 0 0,0 0 0 0 0,0-1-1 0 0,0 1 1 0 0,0 0 0 0 0,-1 0 0 0 0,1 0 0 0 0,0 0-1 0 0,0 0 1 0 0,-18 4-3277 0 0,15-5 2242 0 0</inkml:trace>
+</inkml:ink>
+</file>
+
+<file path=ppt/ink/ink18.xml><?xml version="1.0" encoding="utf-8"?>
+<inkml:ink xmlns:inkml="http://www.w3.org/2003/InkML">
+  <inkml:definitions>
+    <inkml:context xml:id="ctx0">
+      <inkml:inkSource xml:id="inkSrc0">
+        <inkml:traceFormat>
+          <inkml:channel name="X" type="integer" min="-2.14748E9" max="2.14748E9" units="cm"/>
+          <inkml:channel name="Y" type="integer" min="-2.14748E9" max="2.14748E9" units="cm"/>
+          <inkml:channel name="F" type="integer" max="32767" units="dev"/>
+          <inkml:channel name="OA" type="integer" max="360" units="deg"/>
+          <inkml:channel name="OE" type="integer" max="90" units="deg"/>
+        </inkml:traceFormat>
+        <inkml:channelProperties>
+          <inkml:channelProperty channel="X" name="resolution" value="1000" units="1/cm"/>
+          <inkml:channelProperty channel="Y" name="resolution" value="1000" units="1/cm"/>
+          <inkml:channelProperty channel="F" name="resolution" value="0" units="1/dev"/>
+          <inkml:channelProperty channel="OA" name="resolution" value="1000" units="1/deg"/>
+          <inkml:channelProperty channel="OE" name="resolution" value="1000" units="1/deg"/>
+        </inkml:channelProperties>
+      </inkml:inkSource>
+      <inkml:timestamp xml:id="ts0" timeString="2024-10-11T21:29:59.197"/>
+    </inkml:context>
+    <inkml:brush xml:id="br0">
+      <inkml:brushProperty name="width" value="0.05" units="cm"/>
+      <inkml:brushProperty name="height" value="0.05" units="cm"/>
+      <inkml:brushProperty name="color" value="#E71224"/>
+    </inkml:brush>
+  </inkml:definitions>
+  <inkml:trace contextRef="#ctx0" brushRef="#br0">4 860 2232 0 0,'1'1'5'0'0,"-1"-1"48"0"0,0 0 0 0 0,0 0 1 0 0,-1 0-1 0 0,1 0 1 0 0,0 0-1 0 0,0 0 0 0 0,0 0 1 0 0,0 0-1 0 0,-1 0 1 0 0,1 0-1 0 0,0 0 1 0 0,0 0-1 0 0,0 0 0 0 0,0 0 1 0 0,0 0-1 0 0,-1 0 1 0 0,1 0-1 0 0,0 0 0 0 0,0 0 1 0 0,0 1-1 0 0,0-1 1 0 0,0 0-1 0 0,0 0 0 0 0,0 0 1 0 0,0 0-1 0 0,-1 0 1 0 0,1 0-1 0 0,0 1 1 0 0,0-1-1 0 0,0 0 0 0 0,0 0 1 0 0,0 0-1 0 0,0 0 1 0 0,0 0-1 0 0,0 1 0 0 0,0-1 1 0 0,0 0-1 0 0,0 0 1 0 0,0 0-1 0 0,0 0 0 0 0,0 0 1 0 0,0 1-1 0 0,0-1 1 0 0,0 0-1 0 0,0 0 0 0 0,0 0 1 0 0,0 0-1 0 0,0 1 1 0 0,0-1-1 0 0,0 0 1 0 0,0 0-1 0 0,1 0 0 0 0,-1 1 681 0 0,20-25 4333 0 0,75-44-774 0 0,-69 50-3992 0 0,-1 0 0 0 0,0-2 0 0 0,-1-1 0 0 0,-2-1-1 0 0,38-45 1 0 0,-45 49-114 0 0,24-27 184 0 0,-2-1 1 0 0,40-67-1 0 0,-67 97-214 0 0,0 1 0 0 0,22-23-1 0 0,14-21 195 0 0,31-44-201 0 0,-2 8 233 0 0,-71 89-329 0 0,0 1-1 0 0,0-1 1 0 0,1 1 0 0 0,-1-1-1 0 0,9-5 1 0 0,-18 11 469 0 0,5 0-495 0 0,-1 0 0 0 0,1 0 0 0 0,-1 1 0 0 0,1-1 0 0 0,0 0 1 0 0,-1 1-1 0 0,1-1 0 0 0,0 0 0 0 0,-1 1 0 0 0,1-1 0 0 0,0 0 0 0 0,-1 1 0 0 0,1-1 0 0 0,0 1 0 0 0,0-1 0 0 0,-1 0 0 0 0,1 1 0 0 0,0-1 0 0 0,0 1 1 0 0,0-1-1 0 0,0 1 0 0 0,0-1 0 0 0,-1 1 0 0 0,1-1 0 0 0,0 1 0 0 0,1 0-18 0 0,-1-1 1 0 0,0 0-1 0 0,0 0 0 0 0,0 0 0 0 0,0 1 1 0 0,0-1-1 0 0,0 0 0 0 0,0 0 1 0 0,1 0-1 0 0,-1 1 0 0 0,0-1 0 0 0,0 0 1 0 0,0 0-1 0 0,0 1 0 0 0,0-1 1 0 0,0 0-1 0 0,0 0 0 0 0,0 1 0 0 0,0-1 1 0 0,0 0-1 0 0,0 0 0 0 0,0 0 1 0 0,-1 1-1 0 0,1-1 0 0 0,0 0 0 0 0,0 0 1 0 0,0 1-1 0 0,0-1 0 0 0,0 0 1 0 0,0 0-1 0 0,0 0 0 0 0,-1 1 0 0 0,1-1 1 0 0,0 0-1 0 0,0 0 0 0 0,0 0 1 0 0,0 0-1 0 0,-1 0 0 0 0,1 1 0 0 0,0-1 1 0 0,0 0-1 0 0,0 0 0 0 0,-1 0 1 0 0,1 0-1 0 0,0 0 0 0 0,0 0 0 0 0,-1 0 1 0 0,1 0-1 0 0,0 0 0 0 0,0 0 1 0 0,-1 0-1 0 0,1 0 0 0 0,0 0 0 0 0,0 0 1 0 0,0 0-1 0 0,-1 0 0 0 0,1 0 1 0 0,0 0-1 0 0,0 0 0 0 0,-1 0 0 0 0,-8-11 588 0 0,8 11-587 0 0,1-1 1 0 0,-1 1 0 0 0,0-1-1 0 0,1 1 1 0 0,-1 0-1 0 0,0-1 1 0 0,1 1 0 0 0,-1 0-1 0 0,0-1 1 0 0,0 1 0 0 0,1 0-1 0 0,-1 0 1 0 0,0-1-1 0 0,0 1 1 0 0,0 0 0 0 0,0 0-1 0 0,1 0 1 0 0,-1 0 0 0 0,0 0-1 0 0,0 0 1 0 0,0 1 0 0 0,1-1-1 0 0,-1 0 1 0 0,0 0-1 0 0,0 0 1 0 0,1 1 0 0 0,-1-1-1 0 0,-1 1 1 0 0,-29 13-13 0 0,20-8-24 0 0,-95 46 26 0 0,-22 8-35 0 0,44-22 18 0 0,45-19 43 0 0,-70 22 1 0 0,113-38-288 0 0,-4-2 252 0 0,0-1-1 0 0,0 0 1 0 0,0 1-1 0 0,1-1 1 0 0,-1 0-1 0 0,0 0 1 0 0,0 1-1 0 0,0-1 1 0 0,1 0 0 0 0,-1 1-1 0 0,0-1 1 0 0,0 0-1 0 0,1 0 1 0 0,-1 0-1 0 0,0 1 1 0 0,1-1 0 0 0,-1 0-1 0 0,0 0 1 0 0,0 0-1 0 0,1 0 1 0 0,-1 1-1 0 0,0-1 1 0 0,1 0 0 0 0,-1 0-1 0 0,0 0 1 0 0,1 0-1 0 0,-1 0 1 0 0,1 0-1 0 0,-1 0 1 0 0,0 0-1 0 0,1 0 1 0 0,-1 0 0 0 0,0 0-1 0 0,1 0 1 0 0,-1 0-1 0 0,0-1 1 0 0,1 1-1 0 0,-1 0 1 0 0,0 0 0 0 0,0 0-1 0 0,1 0 1 0 0,-1-1-1 0 0,0 1 1 0 0,1 0-1 0 0,-1 0 1 0 0,0 0 0 0 0,0-1-1 0 0,1 1 1 0 0,-1 0-1 0 0,0 0 1 0 0,1-1-1 0 0,37-32-58 0 0,-30 27 62 0 0,34-25-109 0 0,2 1-1 0 0,0 2 1 0 0,82-36-1 0 0,11-1-323 0 0,-114 60 137 0 0,-23 5 273 0 0,1 0-1 0 0,-1 1 1 0 0,1-1-1 0 0,-1 0 1 0 0,0 1 0 0 0,1-1-1 0 0,-1 1 1 0 0,0-1-1 0 0,1 1 1 0 0,-1-1-1 0 0,0 0 1 0 0,1 1 0 0 0,-1-1-1 0 0,0 1 1 0 0,0-1-1 0 0,0 1 1 0 0,0-1 0 0 0,0 1-1 0 0,1-1 1 0 0,-1 1-1 0 0,0 0 1 0 0,0 0-1 0 0,3 12-31 0 0,33 139 58 0 0,2 4-6 0 0,-34-144-5 0 0,0-1 1 0 0,0 0-1 0 0,1 0 1 0 0,0 0-1 0 0,1-1 0 0 0,10 15 1 0 0,-15-24-33 0 0,-1-1 0 0 0,0 0 0 0 0,1 1-1 0 0,-1-1 1 0 0,1 0 0 0 0,-1 0 0 0 0,0 1 0 0 0,1-1 0 0 0,-1 0 0 0 0,1 0 0 0 0,-1 0 0 0 0,1 0 0 0 0,-1 0 0 0 0,0 1-1 0 0,1-1 1 0 0,-1 0 0 0 0,1 0 0 0 0,-1 0 0 0 0,1 0 0 0 0,-1 0 0 0 0,1 0 0 0 0,-1-1 0 0 0,0 1 0 0 0,1 0 0 0 0,-1 0-1 0 0,1 0 1 0 0,-1 0 0 0 0,1 0 0 0 0,-1-1 0 0 0,0 1 0 0 0,1 0 0 0 0,-1 0 0 0 0,0-1 0 0 0,1 1 0 0 0,-1 0 0 0 0,0 0-1 0 0,1-1 1 0 0,-1 1 0 0 0,0-1 0 0 0,1 1 0 0 0,-1-1 0 0 0,9-17-6248 0 0,-9 13 4431 0 0</inkml:trace>
+</inkml:ink>
+</file>
+
+<file path=ppt/ink/ink19.xml><?xml version="1.0" encoding="utf-8"?>
+<inkml:ink xmlns:inkml="http://www.w3.org/2003/InkML">
+  <inkml:definitions>
+    <inkml:context xml:id="ctx0">
+      <inkml:inkSource xml:id="inkSrc0">
+        <inkml:traceFormat>
+          <inkml:channel name="X" type="integer" min="-2.14748E9" max="2.14748E9" units="cm"/>
+          <inkml:channel name="Y" type="integer" min="-2.14748E9" max="2.14748E9" units="cm"/>
+          <inkml:channel name="F" type="integer" max="32767" units="dev"/>
+          <inkml:channel name="OA" type="integer" max="360" units="deg"/>
+          <inkml:channel name="OE" type="integer" max="90" units="deg"/>
+        </inkml:traceFormat>
+        <inkml:channelProperties>
+          <inkml:channelProperty channel="X" name="resolution" value="1000" units="1/cm"/>
+          <inkml:channelProperty channel="Y" name="resolution" value="1000" units="1/cm"/>
+          <inkml:channelProperty channel="F" name="resolution" value="0" units="1/dev"/>
+          <inkml:channelProperty channel="OA" name="resolution" value="1000" units="1/deg"/>
+          <inkml:channelProperty channel="OE" name="resolution" value="1000" units="1/deg"/>
+        </inkml:channelProperties>
+      </inkml:inkSource>
+      <inkml:timestamp xml:id="ts0" timeString="2024-10-11T21:30:00.922"/>
+    </inkml:context>
+    <inkml:brush xml:id="br0">
+      <inkml:brushProperty name="width" value="0.05" units="cm"/>
+      <inkml:brushProperty name="height" value="0.05" units="cm"/>
+      <inkml:brushProperty name="color" value="#E71224"/>
+    </inkml:brush>
+  </inkml:definitions>
+  <inkml:trace contextRef="#ctx0" brushRef="#br0">586 1079 1828 0 0,'0'1'74'0'0,"1"0"0"0"0,0 0-1 0 0,0-1 1 0 0,-1 1 0 0 0,1-1 0 0 0,0 1-1 0 0,0 0 1 0 0,0-1 0 0 0,0 0 0 0 0,-1 1-1 0 0,5 1 3352 0 0,-7-5-2282 0 0,1-1 0 0 0,0 1 1 0 0,0-1-1 0 0,0 1 0 0 0,0-1 1 0 0,1 1-1 0 0,-1-1 0 0 0,1-4 0 0 0,1-2-812 0 0,0-1-1 0 0,-2 1 0 0 0,1-1 0 0 0,-1 1 1 0 0,0-1-1 0 0,-1 1 0 0 0,-1-1 0 0 0,-6-17 1 0 0,-2-14 235 0 0,3 12-214 0 0,-1 1 1 0 0,-18-39-1 0 0,6 19-68 0 0,-42-87 576 0 0,11 27-326 0 0,44 94-447 0 0,0 0 0 0 0,-1 1 0 0 0,-1 0 0 0 0,-14-16 0 0 0,-17-25 149 0 0,27 35-175 0 0,-27-30-1 0 0,35 44-53 0 0,5 5 284 0 0,0-1-264 0 0,0 0 0 0 0,-1 0 0 0 0,1 0 0 0 0,-1 0 0 0 0,1 1 0 0 0,-1-1 0 0 0,0 0 0 0 0,1 1 0 0 0,-1 0 0 0 0,-2-2 0 0 0,-2-1-25 0 0,1 0 0 0 0,0 0-1 0 0,0-1 1 0 0,0 1 0 0 0,0-1 0 0 0,1 0-1 0 0,-4-7 1 0 0,-11-10-122 0 0,19 21 123 0 0,-1 0 1 0 0,1 1 0 0 0,-1-1 0 0 0,0 0-1 0 0,1 0 1 0 0,-1 1 0 0 0,0-1 0 0 0,0 1-1 0 0,0-1 1 0 0,0 1 0 0 0,1-1-1 0 0,-1 1 1 0 0,0-1 0 0 0,0 1 0 0 0,0 0-1 0 0,0-1 1 0 0,0 1 0 0 0,-1 0 0 0 0,1 0-26 0 0,1 0 0 0 0,-1 1 1 0 0,1-1-1 0 0,-1 0 1 0 0,1 1-1 0 0,-1-1 0 0 0,1 0 1 0 0,0 1-1 0 0,-1-1 1 0 0,1 1-1 0 0,-1-1 0 0 0,1 1 1 0 0,0-1-1 0 0,-1 1 0 0 0,1-1 1 0 0,0 1-1 0 0,0-1 1 0 0,0 1-1 0 0,-1-1 0 0 0,1 1 1 0 0,0-1-1 0 0,0 1 0 0 0,0-1 1 0 0,0 1-1 0 0,0 0 1 0 0,0-1-1 0 0,0 1 0 0 0,0-1 1 0 0,0 1-1 0 0,0-1 0 0 0,0 2 1 0 0,-9 61-276 0 0,1-19 336 0 0,-2 7-34 0 0,-1-1 1 0 0,-30 78 0 0 0,40-124-4 0 0,-36 85-79 0 0,38-90 78 0 0,0-3 4 0 0,1 1 0 0 0,-1 0 0 0 0,0-1 0 0 0,0 0 0 0 0,0 1 0 0 0,-1-1 1 0 0,1 1-1 0 0,-1-1 0 0 0,1 0 0 0 0,-2-3 0 0 0,0-2-21 0 0,-4-40-108 0 0,1-97 1 0 0,6 120 150 0 0,9-100-101 0 0,-8 108 50 0 0,1-1 1 0 0,1 1 0 0 0,0-1 0 0 0,13-28-1 0 0,-11 32 67 0 0,14-28-114 0 0,-20 41 69 0 0,0 0 0 0 0,0 0-1 0 0,1 0 1 0 0,-1 0 0 0 0,1 0-1 0 0,0 0 1 0 0,-1 1 0 0 0,1-1-1 0 0,0 1 1 0 0,0-1 0 0 0,0 1 0 0 0,0 0-1 0 0,0 0 1 0 0,0 0 0 0 0,0 0-1 0 0,4-1 1 0 0,0 3-3 0 0,-1 0-1 0 0,1 0 1 0 0,0 1-1 0 0,-1-1 1 0 0,1 1-1 0 0,-1 1 1 0 0,0-1-1 0 0,6 4 1 0 0,-2-1-1 0 0,17 8-2 0 0,-1 2 1 0 0,0 0 0 0 0,-1 2-1 0 0,-1 1 1 0 0,-1 0 0 0 0,0 2-1 0 0,29 35 1 0 0,-39-41-145 0 0,1 0 1 0 0,1-1-1 0 0,-1 0 0 0 0,2-1 1 0 0,16 10-1 0 0,-31-22 24 0 0,1 0 0 0 0,-1 1 0 0 0,0-1 0 0 0,1 0 0 0 0,-1 0 0 0 0,1 1 0 0 0,-1-1 0 0 0,1 0 0 0 0,-1 0 0 0 0,1 0 0 0 0,-1 0 0 0 0,1 0 0 0 0,-1 0 0 0 0,1 0 0 0 0,-1 0 0 0 0,1 0 0 0 0,0 0 0 0 0,-1 0 0 0 0,1 0 0 0 0,-1 0 0 0 0,1 0 0 0 0,-1 0 0 0 0,1-1 0 0 0,-1 1 0 0 0,1 0 0 0 0,-1 0 0 0 0,0 0 0 0 0,1-1 0 0 0,-1 1 0 0 0,1 0 0 0 0,-1-1 0 0 0,0 1 0 0 0,1 0 0 0 0,-1-1 0 0 0,1 1 0 0 0,-1-1 0 0 0,0 1 0 0 0,0-1 0 0 0,1 1 0 0 0,-1 0 0 0 0,0-1 0 0 0,0 1 0 0 0,0-1 0 0 0,1 1 0 0 0,-1-1 0 0 0,0 1 0 0 0,0-1 0 0 0,0 1 0 0 0,0-1 0 0 0,0 0 0 0 0,0 1 0 0 0,0-1 0 0 0,0 0 0 0 0</inkml:trace>
 </inkml:ink>
 </file>
 
@@ -521,102 +526,6 @@
           <inkml:channelProperty channel="OE" name="resolution" value="1000" units="1/deg"/>
         </inkml:channelProperties>
       </inkml:inkSource>
-      <inkml:timestamp xml:id="ts0" timeString="2024-10-11T21:29:57.713"/>
-    </inkml:context>
-    <inkml:brush xml:id="br0">
-      <inkml:brushProperty name="width" value="0.05" units="cm"/>
-      <inkml:brushProperty name="height" value="0.05" units="cm"/>
-      <inkml:brushProperty name="color" value="#E71224"/>
-    </inkml:brush>
-  </inkml:definitions>
-  <inkml:trace contextRef="#ctx0" brushRef="#br0">60 1 5060 0 0,'-18'7'231'0'0,"15"-5"72"0"0,0-1 0 0 0,0 0 0 0 0,0 1 0 0 0,0-1 0 0 0,0-1 0 0 0,0 1 0 0 0,-4 0 705 0 0,15-9-393 0 0,-8 8-617 0 0,0 0-1 0 0,0 0 1 0 0,0 0 0 0 0,0 0 0 0 0,1 0 0 0 0,-1 0-1 0 0,0 0 1 0 0,0 0 0 0 0,0 0 0 0 0,0-1 0 0 0,0 1-1 0 0,0 0 1 0 0,0 0 0 0 0,0 0 0 0 0,0 0-1 0 0,1 0 1 0 0,-1 0 0 0 0,0 0 0 0 0,0 0 0 0 0,0-1-1 0 0,0 1 1 0 0,0 0 0 0 0,0 0 0 0 0,0 0-1 0 0,0 0 1 0 0,0 0 0 0 0,0 0 0 0 0,0 0 0 0 0,0-1-1 0 0,0 1 1 0 0,0 0 0 0 0,0 0 0 0 0,0 0 0 0 0,0 0-1 0 0,0 0 1 0 0,0 0 0 0 0,0-1 0 0 0,0 1-1 0 0,0 0 1 0 0,0 0 0 0 0,0 0 0 0 0,0 0 0 0 0,0 0-1 0 0,-1 0 1 0 0,1 0 0 0 0,0-1 0 0 0,0 1-1 0 0,0 0 1 0 0,0 0 0 0 0,0 0 0 0 0,0 0 0 0 0,0 0-1 0 0,0 0 1 0 0,0 0 0 0 0,-1 0 0 0 0,1 0 0 0 0,0 0-1 0 0,0 0 1 0 0,0 0 0 0 0,0 0 0 0 0,0-1-1 0 0,0 1 1 0 0,0 0 0 0 0,-1 0 0 0 0,1 0 0 0 0,0 0-1 0 0,0 0 1 0 0,-18 4-3277 0 0,15-5 2242 0 0</inkml:trace>
-</inkml:ink>
-</file>
-
-<file path=ppt/ink/ink21.xml><?xml version="1.0" encoding="utf-8"?>
-<inkml:ink xmlns:inkml="http://www.w3.org/2003/InkML">
-  <inkml:definitions>
-    <inkml:context xml:id="ctx0">
-      <inkml:inkSource xml:id="inkSrc0">
-        <inkml:traceFormat>
-          <inkml:channel name="X" type="integer" min="-2.14748E9" max="2.14748E9" units="cm"/>
-          <inkml:channel name="Y" type="integer" min="-2.14748E9" max="2.14748E9" units="cm"/>
-          <inkml:channel name="F" type="integer" max="32767" units="dev"/>
-          <inkml:channel name="OA" type="integer" max="360" units="deg"/>
-          <inkml:channel name="OE" type="integer" max="90" units="deg"/>
-        </inkml:traceFormat>
-        <inkml:channelProperties>
-          <inkml:channelProperty channel="X" name="resolution" value="1000" units="1/cm"/>
-          <inkml:channelProperty channel="Y" name="resolution" value="1000" units="1/cm"/>
-          <inkml:channelProperty channel="F" name="resolution" value="0" units="1/dev"/>
-          <inkml:channelProperty channel="OA" name="resolution" value="1000" units="1/deg"/>
-          <inkml:channelProperty channel="OE" name="resolution" value="1000" units="1/deg"/>
-        </inkml:channelProperties>
-      </inkml:inkSource>
-      <inkml:timestamp xml:id="ts0" timeString="2024-10-11T21:29:59.197"/>
-    </inkml:context>
-    <inkml:brush xml:id="br0">
-      <inkml:brushProperty name="width" value="0.05" units="cm"/>
-      <inkml:brushProperty name="height" value="0.05" units="cm"/>
-      <inkml:brushProperty name="color" value="#E71224"/>
-    </inkml:brush>
-  </inkml:definitions>
-  <inkml:trace contextRef="#ctx0" brushRef="#br0">4 860 2232 0 0,'1'1'5'0'0,"-1"-1"48"0"0,0 0 0 0 0,0 0 1 0 0,-1 0-1 0 0,1 0 1 0 0,0 0-1 0 0,0 0 0 0 0,0 0 1 0 0,0 0-1 0 0,-1 0 1 0 0,1 0-1 0 0,0 0 1 0 0,0 0-1 0 0,0 0 0 0 0,0 0 1 0 0,0 0-1 0 0,-1 0 1 0 0,1 0-1 0 0,0 0 0 0 0,0 0 1 0 0,0 1-1 0 0,0-1 1 0 0,0 0-1 0 0,0 0 0 0 0,0 0 1 0 0,0 0-1 0 0,-1 0 1 0 0,1 0-1 0 0,0 1 1 0 0,0-1-1 0 0,0 0 0 0 0,0 0 1 0 0,0 0-1 0 0,0 0 1 0 0,0 0-1 0 0,0 1 0 0 0,0-1 1 0 0,0 0-1 0 0,0 0 1 0 0,0 0-1 0 0,0 0 0 0 0,0 0 1 0 0,0 1-1 0 0,0-1 1 0 0,0 0-1 0 0,0 0 0 0 0,0 0 1 0 0,0 0-1 0 0,0 1 1 0 0,0-1-1 0 0,0 0 1 0 0,0 0-1 0 0,1 0 0 0 0,-1 1 681 0 0,20-25 4333 0 0,75-44-774 0 0,-69 50-3992 0 0,-1 0 0 0 0,0-2 0 0 0,-1-1 0 0 0,-2-1-1 0 0,38-45 1 0 0,-45 49-114 0 0,24-27 184 0 0,-2-1 1 0 0,40-67-1 0 0,-67 97-214 0 0,0 1 0 0 0,22-23-1 0 0,14-21 195 0 0,31-44-201 0 0,-2 8 233 0 0,-71 89-329 0 0,0 1-1 0 0,0-1 1 0 0,1 1 0 0 0,-1-1-1 0 0,9-5 1 0 0,-18 11 469 0 0,5 0-495 0 0,-1 0 0 0 0,1 0 0 0 0,-1 1 0 0 0,1-1 0 0 0,0 0 1 0 0,-1 1-1 0 0,1-1 0 0 0,0 0 0 0 0,-1 1 0 0 0,1-1 0 0 0,0 0 0 0 0,-1 1 0 0 0,1-1 0 0 0,0 1 0 0 0,0-1 0 0 0,-1 0 0 0 0,1 1 0 0 0,0-1 0 0 0,0 1 1 0 0,0-1-1 0 0,0 1 0 0 0,0-1 0 0 0,-1 1 0 0 0,1-1 0 0 0,0 1 0 0 0,1 0-18 0 0,-1-1 1 0 0,0 0-1 0 0,0 0 0 0 0,0 0 0 0 0,0 1 1 0 0,0-1-1 0 0,0 0 0 0 0,0 0 1 0 0,1 0-1 0 0,-1 1 0 0 0,0-1 0 0 0,0 0 1 0 0,0 0-1 0 0,0 1 0 0 0,0-1 1 0 0,0 0-1 0 0,0 0 0 0 0,0 1 0 0 0,0-1 1 0 0,0 0-1 0 0,0 0 0 0 0,0 0 1 0 0,-1 1-1 0 0,1-1 0 0 0,0 0 0 0 0,0 0 1 0 0,0 1-1 0 0,0-1 0 0 0,0 0 1 0 0,0 0-1 0 0,0 0 0 0 0,-1 1 0 0 0,1-1 1 0 0,0 0-1 0 0,0 0 0 0 0,0 0 1 0 0,0 0-1 0 0,-1 0 0 0 0,1 1 0 0 0,0-1 1 0 0,0 0-1 0 0,0 0 0 0 0,-1 0 1 0 0,1 0-1 0 0,0 0 0 0 0,0 0 0 0 0,-1 0 1 0 0,1 0-1 0 0,0 0 0 0 0,0 0 1 0 0,-1 0-1 0 0,1 0 0 0 0,0 0 0 0 0,0 0 1 0 0,0 0-1 0 0,-1 0 0 0 0,1 0 1 0 0,0 0-1 0 0,0 0 0 0 0,-1 0 0 0 0,-8-11 588 0 0,8 11-587 0 0,1-1 1 0 0,-1 1 0 0 0,0-1-1 0 0,1 1 1 0 0,-1 0-1 0 0,0-1 1 0 0,1 1 0 0 0,-1 0-1 0 0,0-1 1 0 0,0 1 0 0 0,1 0-1 0 0,-1 0 1 0 0,0-1-1 0 0,0 1 1 0 0,0 0 0 0 0,0 0-1 0 0,1 0 1 0 0,-1 0 0 0 0,0 0-1 0 0,0 0 1 0 0,0 1 0 0 0,1-1-1 0 0,-1 0 1 0 0,0 0-1 0 0,0 0 1 0 0,1 1 0 0 0,-1-1-1 0 0,-1 1 1 0 0,-29 13-13 0 0,20-8-24 0 0,-95 46 26 0 0,-22 8-35 0 0,44-22 18 0 0,45-19 43 0 0,-70 22 1 0 0,113-38-288 0 0,-4-2 252 0 0,0-1-1 0 0,0 0 1 0 0,0 1-1 0 0,1-1 1 0 0,-1 0-1 0 0,0 0 1 0 0,0 1-1 0 0,0-1 1 0 0,1 0 0 0 0,-1 1-1 0 0,0-1 1 0 0,0 0-1 0 0,1 0 1 0 0,-1 0-1 0 0,0 1 1 0 0,1-1 0 0 0,-1 0-1 0 0,0 0 1 0 0,0 0-1 0 0,1 0 1 0 0,-1 1-1 0 0,0-1 1 0 0,1 0 0 0 0,-1 0-1 0 0,0 0 1 0 0,1 0-1 0 0,-1 0 1 0 0,1 0-1 0 0,-1 0 1 0 0,0 0-1 0 0,1 0 1 0 0,-1 0 0 0 0,0 0-1 0 0,1 0 1 0 0,-1 0-1 0 0,0-1 1 0 0,1 1-1 0 0,-1 0 1 0 0,0 0 0 0 0,0 0-1 0 0,1 0 1 0 0,-1-1-1 0 0,0 1 1 0 0,1 0-1 0 0,-1 0 1 0 0,0 0 0 0 0,0-1-1 0 0,1 1 1 0 0,-1 0-1 0 0,0 0 1 0 0,1-1-1 0 0,37-32-58 0 0,-30 27 62 0 0,34-25-109 0 0,2 1-1 0 0,0 2 1 0 0,82-36-1 0 0,11-1-323 0 0,-114 60 137 0 0,-23 5 273 0 0,1 0-1 0 0,-1 1 1 0 0,1-1-1 0 0,-1 0 1 0 0,0 1 0 0 0,1-1-1 0 0,-1 1 1 0 0,0-1-1 0 0,1 1 1 0 0,-1-1-1 0 0,0 0 1 0 0,1 1 0 0 0,-1-1-1 0 0,0 1 1 0 0,0-1-1 0 0,0 1 1 0 0,0-1 0 0 0,0 1-1 0 0,1-1 1 0 0,-1 1-1 0 0,0 0 1 0 0,0 0-1 0 0,3 12-31 0 0,33 139 58 0 0,2 4-6 0 0,-34-144-5 0 0,0-1 1 0 0,0 0-1 0 0,1 0 1 0 0,0 0-1 0 0,1-1 0 0 0,10 15 1 0 0,-15-24-33 0 0,-1-1 0 0 0,0 0 0 0 0,1 1-1 0 0,-1-1 1 0 0,1 0 0 0 0,-1 0 0 0 0,0 1 0 0 0,1-1 0 0 0,-1 0 0 0 0,1 0 0 0 0,-1 0 0 0 0,1 0 0 0 0,-1 0 0 0 0,0 1-1 0 0,1-1 1 0 0,-1 0 0 0 0,1 0 0 0 0,-1 0 0 0 0,1 0 0 0 0,-1 0 0 0 0,1 0 0 0 0,-1-1 0 0 0,0 1 0 0 0,1 0 0 0 0,-1 0-1 0 0,1 0 1 0 0,-1 0 0 0 0,1 0 0 0 0,-1-1 0 0 0,0 1 0 0 0,1 0 0 0 0,-1 0 0 0 0,0-1 0 0 0,1 1 0 0 0,-1 0 0 0 0,0 0-1 0 0,1-1 1 0 0,-1 1 0 0 0,0-1 0 0 0,1 1 0 0 0,-1-1 0 0 0,9-17-6248 0 0,-9 13 4431 0 0</inkml:trace>
-</inkml:ink>
-</file>
-
-<file path=ppt/ink/ink22.xml><?xml version="1.0" encoding="utf-8"?>
-<inkml:ink xmlns:inkml="http://www.w3.org/2003/InkML">
-  <inkml:definitions>
-    <inkml:context xml:id="ctx0">
-      <inkml:inkSource xml:id="inkSrc0">
-        <inkml:traceFormat>
-          <inkml:channel name="X" type="integer" min="-2.14748E9" max="2.14748E9" units="cm"/>
-          <inkml:channel name="Y" type="integer" min="-2.14748E9" max="2.14748E9" units="cm"/>
-          <inkml:channel name="F" type="integer" max="32767" units="dev"/>
-          <inkml:channel name="OA" type="integer" max="360" units="deg"/>
-          <inkml:channel name="OE" type="integer" max="90" units="deg"/>
-        </inkml:traceFormat>
-        <inkml:channelProperties>
-          <inkml:channelProperty channel="X" name="resolution" value="1000" units="1/cm"/>
-          <inkml:channelProperty channel="Y" name="resolution" value="1000" units="1/cm"/>
-          <inkml:channelProperty channel="F" name="resolution" value="0" units="1/dev"/>
-          <inkml:channelProperty channel="OA" name="resolution" value="1000" units="1/deg"/>
-          <inkml:channelProperty channel="OE" name="resolution" value="1000" units="1/deg"/>
-        </inkml:channelProperties>
-      </inkml:inkSource>
-      <inkml:timestamp xml:id="ts0" timeString="2024-10-11T21:30:00.922"/>
-    </inkml:context>
-    <inkml:brush xml:id="br0">
-      <inkml:brushProperty name="width" value="0.05" units="cm"/>
-      <inkml:brushProperty name="height" value="0.05" units="cm"/>
-      <inkml:brushProperty name="color" value="#E71224"/>
-    </inkml:brush>
-  </inkml:definitions>
-  <inkml:trace contextRef="#ctx0" brushRef="#br0">586 1079 1828 0 0,'0'1'74'0'0,"1"0"0"0"0,0 0-1 0 0,0-1 1 0 0,-1 1 0 0 0,1-1 0 0 0,0 1-1 0 0,0 0 1 0 0,0-1 0 0 0,0 0 0 0 0,-1 1-1 0 0,5 1 3352 0 0,-7-5-2282 0 0,1-1 0 0 0,0 1 1 0 0,0-1-1 0 0,0 1 0 0 0,0-1 1 0 0,1 1-1 0 0,-1-1 0 0 0,1-4 0 0 0,1-2-812 0 0,0-1-1 0 0,-2 1 0 0 0,1-1 0 0 0,-1 1 1 0 0,0-1-1 0 0,-1 1 0 0 0,-1-1 0 0 0,-6-17 1 0 0,-2-14 235 0 0,3 12-214 0 0,-1 1 1 0 0,-18-39-1 0 0,6 19-68 0 0,-42-87 576 0 0,11 27-326 0 0,44 94-447 0 0,0 0 0 0 0,-1 1 0 0 0,-1 0 0 0 0,-14-16 0 0 0,-17-25 149 0 0,27 35-175 0 0,-27-30-1 0 0,35 44-53 0 0,5 5 284 0 0,0-1-264 0 0,0 0 0 0 0,-1 0 0 0 0,1 0 0 0 0,-1 0 0 0 0,1 1 0 0 0,-1-1 0 0 0,0 0 0 0 0,1 1 0 0 0,-1 0 0 0 0,-2-2 0 0 0,-2-1-25 0 0,1 0 0 0 0,0 0-1 0 0,0-1 1 0 0,0 1 0 0 0,0-1 0 0 0,1 0-1 0 0,-4-7 1 0 0,-11-10-122 0 0,19 21 123 0 0,-1 0 1 0 0,1 1 0 0 0,-1-1 0 0 0,0 0-1 0 0,1 0 1 0 0,-1 1 0 0 0,0-1 0 0 0,0 1-1 0 0,0-1 1 0 0,0 1 0 0 0,1-1-1 0 0,-1 1 1 0 0,0-1 0 0 0,0 1 0 0 0,0 0-1 0 0,0-1 1 0 0,0 1 0 0 0,-1 0 0 0 0,1 0-26 0 0,1 0 0 0 0,-1 1 1 0 0,1-1-1 0 0,-1 0 1 0 0,1 1-1 0 0,-1-1 0 0 0,1 0 1 0 0,0 1-1 0 0,-1-1 1 0 0,1 1-1 0 0,-1-1 0 0 0,1 1 1 0 0,0-1-1 0 0,-1 1 0 0 0,1-1 1 0 0,0 1-1 0 0,0-1 1 0 0,0 1-1 0 0,-1-1 0 0 0,1 1 1 0 0,0-1-1 0 0,0 1 0 0 0,0-1 1 0 0,0 1-1 0 0,0 0 1 0 0,0-1-1 0 0,0 1 0 0 0,0-1 1 0 0,0 1-1 0 0,0-1 0 0 0,0 2 1 0 0,-9 61-276 0 0,1-19 336 0 0,-2 7-34 0 0,-1-1 1 0 0,-30 78 0 0 0,40-124-4 0 0,-36 85-79 0 0,38-90 78 0 0,0-3 4 0 0,1 1 0 0 0,-1 0 0 0 0,0-1 0 0 0,0 0 0 0 0,0 1 0 0 0,-1-1 1 0 0,1 1-1 0 0,-1-1 0 0 0,1 0 0 0 0,-2-3 0 0 0,0-2-21 0 0,-4-40-108 0 0,1-97 1 0 0,6 120 150 0 0,9-100-101 0 0,-8 108 50 0 0,1-1 1 0 0,1 1 0 0 0,0-1 0 0 0,13-28-1 0 0,-11 32 67 0 0,14-28-114 0 0,-20 41 69 0 0,0 0 0 0 0,0 0-1 0 0,1 0 1 0 0,-1 0 0 0 0,1 0-1 0 0,0 0 1 0 0,-1 1 0 0 0,1-1-1 0 0,0 1 1 0 0,0-1 0 0 0,0 1 0 0 0,0 0-1 0 0,0 0 1 0 0,0 0 0 0 0,0 0-1 0 0,4-1 1 0 0,0 3-3 0 0,-1 0-1 0 0,1 0 1 0 0,0 1-1 0 0,-1-1 1 0 0,1 1-1 0 0,-1 1 1 0 0,0-1-1 0 0,6 4 1 0 0,-2-1-1 0 0,17 8-2 0 0,-1 2 1 0 0,0 0 0 0 0,-1 2-1 0 0,-1 1 1 0 0,-1 0 0 0 0,0 2-1 0 0,29 35 1 0 0,-39-41-145 0 0,1 0 1 0 0,1-1-1 0 0,-1 0 0 0 0,2-1 1 0 0,16 10-1 0 0,-31-22 24 0 0,1 0 0 0 0,-1 1 0 0 0,0-1 0 0 0,1 0 0 0 0,-1 0 0 0 0,1 1 0 0 0,-1-1 0 0 0,1 0 0 0 0,-1 0 0 0 0,1 0 0 0 0,-1 0 0 0 0,1 0 0 0 0,-1 0 0 0 0,1 0 0 0 0,-1 0 0 0 0,1 0 0 0 0,0 0 0 0 0,-1 0 0 0 0,1 0 0 0 0,-1 0 0 0 0,1 0 0 0 0,-1 0 0 0 0,1-1 0 0 0,-1 1 0 0 0,1 0 0 0 0,-1 0 0 0 0,0 0 0 0 0,1-1 0 0 0,-1 1 0 0 0,1 0 0 0 0,-1-1 0 0 0,0 1 0 0 0,1 0 0 0 0,-1-1 0 0 0,1 1 0 0 0,-1-1 0 0 0,0 1 0 0 0,0-1 0 0 0,1 1 0 0 0,-1 0 0 0 0,0-1 0 0 0,0 1 0 0 0,0-1 0 0 0,1 1 0 0 0,-1-1 0 0 0,0 1 0 0 0,0-1 0 0 0,0 1 0 0 0,0-1 0 0 0,0 0 0 0 0,0 1 0 0 0,0-1 0 0 0,0 0 0 0 0</inkml:trace>
-</inkml:ink>
-</file>
-
-<file path=ppt/ink/ink23.xml><?xml version="1.0" encoding="utf-8"?>
-<inkml:ink xmlns:inkml="http://www.w3.org/2003/InkML">
-  <inkml:definitions>
-    <inkml:context xml:id="ctx0">
-      <inkml:inkSource xml:id="inkSrc0">
-        <inkml:traceFormat>
-          <inkml:channel name="X" type="integer" min="-2.14748E9" max="2.14748E9" units="cm"/>
-          <inkml:channel name="Y" type="integer" min="-2.14748E9" max="2.14748E9" units="cm"/>
-          <inkml:channel name="F" type="integer" max="32767" units="dev"/>
-          <inkml:channel name="OA" type="integer" max="360" units="deg"/>
-          <inkml:channel name="OE" type="integer" max="90" units="deg"/>
-        </inkml:traceFormat>
-        <inkml:channelProperties>
-          <inkml:channelProperty channel="X" name="resolution" value="1000" units="1/cm"/>
-          <inkml:channelProperty channel="Y" name="resolution" value="1000" units="1/cm"/>
-          <inkml:channelProperty channel="F" name="resolution" value="0" units="1/dev"/>
-          <inkml:channelProperty channel="OA" name="resolution" value="1000" units="1/deg"/>
-          <inkml:channelProperty channel="OE" name="resolution" value="1000" units="1/deg"/>
-        </inkml:channelProperties>
-      </inkml:inkSource>
       <inkml:timestamp xml:id="ts0" timeString="2024-10-11T21:30:03.115"/>
     </inkml:context>
     <inkml:brush xml:id="br0">
@@ -629,7 +538,7 @@
 </inkml:ink>
 </file>
 
-<file path=ppt/ink/ink24.xml><?xml version="1.0" encoding="utf-8"?>
+<file path=ppt/ink/ink21.xml><?xml version="1.0" encoding="utf-8"?>
 <inkml:ink xmlns:inkml="http://www.w3.org/2003/InkML">
   <inkml:definitions>
     <inkml:context xml:id="ctx0">
@@ -661,7 +570,7 @@
 </inkml:ink>
 </file>
 
-<file path=ppt/ink/ink25.xml><?xml version="1.0" encoding="utf-8"?>
+<file path=ppt/ink/ink22.xml><?xml version="1.0" encoding="utf-8"?>
 <inkml:ink xmlns:inkml="http://www.w3.org/2003/InkML">
   <inkml:definitions>
     <inkml:context xml:id="ctx0">
@@ -693,7 +602,7 @@
 </inkml:ink>
 </file>
 
-<file path=ppt/ink/ink26.xml><?xml version="1.0" encoding="utf-8"?>
+<file path=ppt/ink/ink23.xml><?xml version="1.0" encoding="utf-8"?>
 <inkml:ink xmlns:inkml="http://www.w3.org/2003/InkML">
   <inkml:definitions>
     <inkml:context xml:id="ctx0">
@@ -725,7 +634,7 @@
 </inkml:ink>
 </file>
 
-<file path=ppt/ink/ink27.xml><?xml version="1.0" encoding="utf-8"?>
+<file path=ppt/ink/ink24.xml><?xml version="1.0" encoding="utf-8"?>
 <inkml:ink xmlns:inkml="http://www.w3.org/2003/InkML">
   <inkml:definitions>
     <inkml:context xml:id="ctx0">
@@ -905,15 +814,15 @@
           <inkml:channelProperty channel="OE" name="resolution" value="1000" units="1/deg"/>
         </inkml:channelProperties>
       </inkml:inkSource>
-      <inkml:timestamp xml:id="ts0" timeString="2024-10-11T21:44:06.799"/>
+      <inkml:timestamp xml:id="ts0" timeString="2024-10-11T21:28:06.797"/>
     </inkml:context>
     <inkml:brush xml:id="br0">
       <inkml:brushProperty name="width" value="0.05" units="cm"/>
       <inkml:brushProperty name="height" value="0.05" units="cm"/>
-      <inkml:brushProperty name="color" value="#004F8B"/>
+      <inkml:brushProperty name="color" value="#E71224"/>
     </inkml:brush>
   </inkml:definitions>
-  <inkml:trace contextRef="#ctx0" brushRef="#br0">305 309 2964 0 0,'-22'21'5615'0'0,"1"-17"-4861"0"0,0-1 0 0 0,-32 1 1 0 0,53-4-728 0 0,0 0 0 0 0,0 0 0 0 0,1 0 0 0 0,-1 0 0 0 0,0-1 0 0 0,0 1 0 0 0,0 0 0 0 0,1 0 1 0 0,-1 0-1 0 0,0 0 0 0 0,0-1 0 0 0,0 1 0 0 0,0 0 0 0 0,1 0 0 0 0,-1 0 0 0 0,0-1 0 0 0,0 1 1 0 0,0 0-1 0 0,0 0 0 0 0,0 0 0 0 0,0-1 0 0 0,0 1 0 0 0,0 0 0 0 0,0 0 0 0 0,0-1 0 0 0,0 1 0 0 0,0 0 1 0 0,0 0-1 0 0,0-1 0 0 0,0 1 0 0 0,0 0 0 0 0,0 0 0 0 0,0-1 0 0 0,0 1 0 0 0,0 0 0 0 0,0 0 0 0 0,0 0 1 0 0,0-1-1 0 0,0 1 0 0 0,36-13 1786 0 0,7-3-1168 0 0,-1-3-1 0 0,64-38 1 0 0,-78 41-544 0 0,51-34 126 0 0,-47 29-212 0 0,40-20 0 0 0,-52 30 263 0 0,0-1 0 0 0,32-25-1 0 0,-36 25-7 0 0,17-15 965 0 0,-37 28-566 0 0,-18 20 58 0 0,-196 159-318 0 0,45-34 255 0 0,97-87-94 0 0,-135 79 0 0 0,184-121-531 0 0,18-11-9 0 0,13-8 114 0 0,5-3-136 0 0,-1-2 0 0 0,0 1 0 0 0,0-1 0 0 0,7-8 1 0 0,19-15 5 0 0,140-102-47 0 0,-43 46-32 0 0,-122 81 59 0 0,-1-1 0 0 0,0 0 0 0 0,-1 0 0 0 0,1-1 0 0 0,10-13 0 0 0,-25 26 24 0 0,-2 1-1 0 0,1-1 1 0 0,-1-1-1 0 0,-12 7 1 0 0,-18 11 5 0 0,-146 86 245 0 0,129-78-12 0 0,48-26-231 0 0,-2 1 5 0 0,13-12 6 0 0,24-26-76 0 0,-12 13-34 0 0,27-26 1 0 0,-32 34 10 0 0,-7 7 11 0 0,-5 5-30 0 0,-6 7 26 0 0,-1-1-1 0 0,1 0 1 0 0,-2-1-1 0 0,1 0 1 0 0,-19 9 0 0 0,14-8 72 0 0,1 0 0 0 0,0 1-1 0 0,-15 12 1 0 0,-50 47 348 0 0,78-67-363 0 0,-1 0-1 0 0,1 1 1 0 0,0-1-1 0 0,-1 0 1 0 0,1 0-1 0 0,0 1 1 0 0,-1-1-1 0 0,1 0 1 0 0,0 0-1 0 0,-1 1 1 0 0,1-1-1 0 0,0 1 1 0 0,-1-1-1 0 0,1 0 1 0 0,0 1-1 0 0,0-1 1 0 0,0 0-1 0 0,-1 1 1 0 0,1-1-1 0 0,0 1 1 0 0,0-1-1 0 0,0 1 1 0 0,0-1-1 0 0,0 1 1 0 0,0-1-1 0 0,0 0 1 0 0,0 1 0 0 0,0-1-1 0 0,0 1 1 0 0,0-1-1 0 0,0 1 1 0 0,0-1-1 0 0,0 1 1 0 0,0-1-1 0 0,0 0 1 0 0,1 1-1 0 0,-1-1 1 0 0,0 1-1 0 0,0-1 1 0 0,0 0-1 0 0,1 1 1 0 0,-1-1-1 0 0,0 1 1 0 0,1-1-1 0 0,-1 0 1 0 0,0 1-1 0 0,1-1 1 0 0,-1 0-1 0 0,0 0 1 0 0,1 1-1 0 0,-1-1 1 0 0,1 0-1 0 0,14 7 23 0 0,0-2 0 0 0,1 1 0 0 0,0-2 1 0 0,0 0-1 0 0,0-1 0 0 0,19 1 0 0 0,9 2 27 0 0,84 15 100 0 0,136 29-173 0 0,-239-43 27 0 0,0 1 0 0 0,-1 2 0 0 0,0 1 0 0 0,0 0 0 0 0,27 19 0 0 0,-32-19-107 0 0,-25-21 2575 0 0,-1 4-2382 0 0,-1 1-1 0 0,0-1 1 0 0,0 1 0 0 0,-1 1 0 0 0,1 0 0 0 0,-1 0 0 0 0,0 0 0 0 0,-17-3-1 0 0,6 0-35 0 0,-214-64 34 0 0,183 64-96 0 0,41 7 15 0 0,0-1 0 0 0,0 0 0 0 0,0-1 0 0 0,0 0 0 0 0,0-1 0 0 0,1 0 0 0 0,-16-6 0 0 0,14 3 51 0 0,11 6-61 0 0,0 0 1 0 0,0 0-1 0 0,0 0 1 0 0,0 1-1 0 0,0-1 1 0 0,0 0-1 0 0,0 0 0 0 0,0 0 1 0 0,0 0-1 0 0,0 0 1 0 0,0 0-1 0 0,0 0 1 0 0,0 0-1 0 0,0 0 0 0 0,0 0 1 0 0,0 0-1 0 0,0 0 1 0 0,0 0-1 0 0,0 1 0 0 0,0-1 1 0 0,0 0-1 0 0,0 0 1 0 0,0 0-1 0 0,0 0 1 0 0,0 0-1 0 0,0 0 0 0 0,0 0 1 0 0,0 0-1 0 0,0 0 1 0 0,0 0-1 0 0,0 0 1 0 0,-1 0-1 0 0,1 0 0 0 0,0 0 1 0 0,0 0-1 0 0,0 0 1 0 0,0 0-1 0 0,0 1 0 0 0,0-1 1 0 0,0 0-1 0 0,0 0 1 0 0,0 0-1 0 0,0 0 1 0 0,0 0-1 0 0,0 0 0 0 0,0 0 1 0 0,0 0-1 0 0,0 0 1 0 0,-1 0-1 0 0,6 4-11 0 0,0 0 0 0 0,0 0 0 0 0,0 0 1 0 0,0 0-1 0 0,1-1 0 0 0,-1 0 0 0 0,1 0 0 0 0,0 0 0 0 0,0-1 0 0 0,0 0 0 0 0,0 0 1 0 0,11 1-1 0 0,11 1 50 0 0,47 2 0 0 0,-30-4-29 0 0,99 0-88 0 0,-83-2-422 0 0,-54-2-1250 0 0,-28-10-7795 0 0,10 6 7106 0 0</inkml:trace>
+  <inkml:trace contextRef="#ctx0" brushRef="#br0">703 1620 1628 0 0,'1'4'138'0'0,"1"-1"0"0"0,-1 1-1 0 0,1 0 1 0 0,0-1 0 0 0,0 1-1 0 0,0-1 1 0 0,0 0 0 0 0,1 1 0 0 0,-1-1-1 0 0,1 0 1 0 0,0 0 0 0 0,3 2-1 0 0,4 6-114 0 0,-1-2 0 0 0,2 1 0 0 0,19 13 0 0 0,6 1 247 0 0,-36-24-247 0 0,0 0 0 0 0,0 0 0 0 0,0 0 0 0 0,0 0 1 0 0,0 1-1 0 0,1-1 0 0 0,-1 0 0 0 0,0 0 0 0 0,0 0 1 0 0,0 0-1 0 0,0 0 0 0 0,0 0 0 0 0,0 0 1 0 0,0 0-1 0 0,0 0 0 0 0,1 0 0 0 0,-1 1 0 0 0,0-1 1 0 0,0 0-1 0 0,0 0 0 0 0,0 0 0 0 0,0 0 0 0 0,0 0 1 0 0,0 0-1 0 0,0 1 0 0 0,0-1 0 0 0,0 0 0 0 0,0 0 1 0 0,0 0-1 0 0,0 0 0 0 0,0 0 0 0 0,0 0 0 0 0,0 1 1 0 0,0-1-1 0 0,0 0 0 0 0,0 0 0 0 0,0 0 0 0 0,0 0 1 0 0,0 0-1 0 0,0 0 0 0 0,0 0 0 0 0,0 1 0 0 0,0-1 1 0 0,-1 0-1 0 0,1 0 0 0 0,0 0 0 0 0,0 0 0 0 0,0 0 1 0 0,0 0-1 0 0,0 0 0 0 0,0 0 0 0 0,0 0 0 0 0,0 1 1 0 0,0-1-1 0 0,-1 0 0 0 0,1 0 0 0 0,0 0 0 0 0,0 0 1 0 0,0 0-1 0 0,0 0 0 0 0,-9 7 552 0 0,6-5 140 0 0,4-4 354 0 0,-1 2-965 0 0,1 0-1 0 0,-1 0 0 0 0,1 0 1 0 0,-1-1-1 0 0,1 1 0 0 0,-1 0 0 0 0,0 0 1 0 0,1 0-1 0 0,-1-1 0 0 0,1 1 1 0 0,-1 0-1 0 0,0 0 0 0 0,1-1 1 0 0,-1 1-1 0 0,0 0 0 0 0,0-1 1 0 0,1 1-1 0 0,-1-1 0 0 0,0 1 0 0 0,0 0 1 0 0,1-1-1 0 0,-1 1 0 0 0,0-1 1 0 0,0 1-1 0 0,0 0 0 0 0,0-1 1 0 0,1 1-1 0 0,-1-1 0 0 0,0 1 0 0 0,0-1 1 0 0,0 1-1 0 0,0-1 0 0 0,0 1 1 0 0,0 0-1 0 0,0-1 0 0 0,0 1 1 0 0,-1-1-1 0 0,1 1 0 0 0,0-1 1 0 0,0 1-1 0 0,0 0 0 0 0,0-1 0 0 0,-1 1 1 0 0,1-1-1 0 0,0 1 0 0 0,0 0 1 0 0,-1-1-1 0 0,1 1 0 0 0,0 0 1 0 0,0-1-1 0 0,-1 1 0 0 0,1 0 0 0 0,-1-1 1 0 0,1 1-1 0 0,0 0 0 0 0,-1 0 1 0 0,1-1-1 0 0,-1 1 0 0 0,-23-18 928 0 0,-3-1-343 0 0,1-2 0 0 0,0 0-1 0 0,-32-37 1 0 0,-125-142 833 0 0,46 52-1029 0 0,-72-73 865 0 0,198 210-1326 0 0,0-1 1 0 0,1 0-1 0 0,0 0 0 0 0,1-1 0 0 0,1-1 0 0 0,0 1 0 0 0,1-1 1 0 0,0 0-1 0 0,1-1 0 0 0,1 0 0 0 0,-4-15 0 0 0,-20-145-48 0 0,29 156 14 0 0,0 1 0 0 0,2 0 0 0 0,0 0 0 0 0,1 0 0 0 0,1 0 0 0 0,1 0 0 0 0,9-24-1 0 0,-14 40-9 0 0,5-6 10 0 0,1 1 0 0 0,-1 0 0 0 0,1 1 0 0 0,1-1 0 0 0,-1 1 1 0 0,1 1-1 0 0,0-1 0 0 0,12-7 0 0 0,53-35-52 0 0,-34 21 29 0 0,71-37 1 0 0,-45 34 8 0 0,1 2 1 0 0,137-38-1 0 0,22 4 147 0 0,-114 29-185 0 0,140-22 0 0 0,-214 49 74 0 0,4-1-57 0 0,62-1 0 0 0,-56 3 12 0 0,-37 4 35 0 0,-1-1 0 0 0,0 1-1 0 0,0 1 1 0 0,1 0-1 0 0,-1 0 1 0 0,0 0-1 0 0,0 1 1 0 0,12 3 0 0 0,4 3-6 0 0,43 6 0 0 0,-52-11-5 0 0,0 0 1 0 0,0 1-1 0 0,0 1 1 0 0,-1 0 0 0 0,1 1-1 0 0,-1 1 1 0 0,22 11-1 0 0,-27-10 3 0 0,0-1 0 0 0,-1 2 0 0 0,14 14 0 0 0,-18-18 4 0 0,0 0-1 0 0,-1 0 1 0 0,0 0-1 0 0,0 1 0 0 0,0-1 1 0 0,-1 1-1 0 0,1 0 0 0 0,-1 0 1 0 0,3 8-1 0 0,-4 2-36 0 0,0 0-1 0 0,-1 28 1 0 0,-1-30 18 0 0,1 1 1 0 0,0-1-1 0 0,3 15 1 0 0,-3-21 16 0 0,0 1 1 0 0,-1 0-1 0 0,1-1 1 0 0,-2 1-1 0 0,1-1 1 0 0,-6 15 0 0 0,-2 14 24 0 0,-9 37 110 0 0,13-57-166 0 0,1 0 0 0 0,0 0 0 0 0,1 0-1 0 0,-1 27 1 0 0,3-31 31 0 0,-1 0 1 0 0,0 0 0 0 0,0 0-1 0 0,-1 0 1 0 0,-5 11-1 0 0,-9 41 7 0 0,12-38 4 0 0,-1 0 0 0 0,-11 27-1 0 0,-8 36-18 0 0,-3 22 115 0 0,21-66-158 0 0,4-40 86 0 0,3-6 14 0 0,0 1-64 0 0,2-3-123 0 0,-4 5 128 0 0,2-1 25 0 0,0-2 45 0 0,0-2-22 0 0,-14-7-21 0 0,11 7-30 0 0,1 1 0 0 0,0 0 0 0 0,-1-1 1 0 0,1 0-1 0 0,0 1 0 0 0,1-1 0 0 0,-3-4 0 0 0,-11-14-7 0 0,1 5 43 0 0,1 0 0 0 0,1 0 0 0 0,1-1 0 0 0,0-1 0 0 0,1 0 0 0 0,-8-20 0 0 0,4 2 85 0 0,-10-40-1 0 0,17 49-73 0 0,0 4 89 0 0,1-1 0 0 0,1 0 0 0 0,-2-45 0 0 0,7 69-119 0 0,0 0-5 0 0,0 1-1 0 0,0-1 1 0 0,1 1 0 0 0,-1 0-1 0 0,0-1 1 0 0,0 1 0 0 0,0 0-1 0 0,0-1 1 0 0,1 1 0 0 0,-1 0 0 0 0,0 0-1 0 0,0-1 1 0 0,-1 1 0 0 0,1 0-1 0 0,0-1 1 0 0,0 1 0 0 0,0 0-1 0 0,0-1 1 0 0,-1 1 0 0 0,1 0-1 0 0,0-1 1 0 0,0 1 0 0 0,-1 0-1 0 0,0 0-2 0 0,1 0 0 0 0,0-1 0 0 0,-1 1-1 0 0,1-1 1 0 0,0 1 0 0 0,0-1-1 0 0,-1 1 1 0 0,1 0 0 0 0,0-1 0 0 0,0 1-1 0 0,0 0 1 0 0,0-1 0 0 0,0 1-1 0 0,0-1 1 0 0,0 1 0 0 0,0 0-1 0 0,0-1 1 0 0,0 1 0 0 0,0 0 0 0 0,0-1-1 0 0,1 2 1 0 0,22 60-94 0 0,90 208 233 0 0,-107-254-148 0 0,14 49 13 0 0,-17-50 5 0 0,2 0-1 0 0,-1 0 0 0 0,2-1 0 0 0,0 0 1 0 0,13 24-1 0 0,-17-36-9 0 0,-1 0-1 0 0,0 0 1 0 0,1 0 0 0 0,-1 0-1 0 0,1 0 1 0 0,0 0 0 0 0,0 0 0 0 0,-1-1-1 0 0,1 1 1 0 0,0-1 0 0 0,1 1-1 0 0,-1-1 1 0 0,0 0 0 0 0,0 1-1 0 0,0-1 1 0 0,1-1 0 0 0,-1 1 0 0 0,1 0-1 0 0,-1 0 1 0 0,0-1 0 0 0,1 1-1 0 0,-1-1 1 0 0,1 0 0 0 0,-1 0-1 0 0,1 0 1 0 0,3-1 0 0 0,2-1 9 0 0,-1 0 1 0 0,1-1 0 0 0,-1 0-1 0 0,0-1 1 0 0,0 0-1 0 0,0 0 1 0 0,10-8 0 0 0,132-111 25 0 0,-109 86-49 0 0,3 1-1 0 0,52-33 0 0 0,-89 65-79 0 0,-3 2-31 0 0,0-1 1 0 0,0 1-1 0 0,0 0 0 0 0,1 0 1 0 0,-1 0-1 0 0,1 1 0 0 0,0-1 1 0 0,-1 1-1 0 0,8-2 0 0 0,-33-26-8731 0 0,15 24 4450 0 0,9 4 3100 0 0</inkml:trace>
 </inkml:ink>
 </file>
 
@@ -937,15 +846,15 @@
           <inkml:channelProperty channel="OE" name="resolution" value="1000" units="1/deg"/>
         </inkml:channelProperties>
       </inkml:inkSource>
-      <inkml:timestamp xml:id="ts0" timeString="2024-10-11T21:44:17.610"/>
+      <inkml:timestamp xml:id="ts0" timeString="2024-10-11T21:28:09.492"/>
     </inkml:context>
     <inkml:brush xml:id="br0">
       <inkml:brushProperty name="width" value="0.05" units="cm"/>
       <inkml:brushProperty name="height" value="0.05" units="cm"/>
-      <inkml:brushProperty name="color" value="#004F8B"/>
+      <inkml:brushProperty name="color" value="#E71224"/>
     </inkml:brush>
   </inkml:definitions>
-  <inkml:trace contextRef="#ctx0" brushRef="#br0">204 389 4168 0 0,'-2'0'20999'0'0,"19"1"-18999"0"0,19 3-3061 0 0,3-2 1179 0 0,-11-1-89 0 0,22 0 66 0 0,70-6-1 0 0,175-13 625 0 0,-132 11-237 0 0,-140 6-422 0 0,23-3-37 0 0,-1 2 0 0 0,1 2 0 0 0,0 2 0 0 0,48 9 1 0 0,-92-10 25 0 0,3-1 13 0 0,17 2-26 0 0,-17-2 469 0 0,-9 0-448 0 0,-49-2-53 0 0,-112-1-1 0 0,128 3-16 0 0,-282 0-113 0 0,29 23 154 0 0,126 11 355 0 0,153-31-315 0 0,14 0-74 0 0,21 0-84 0 0,-9-1 88 0 0,22 6 34 0 0,0-3 0 0 0,1-1 0 0 0,0-2 0 0 0,58-3 0 0 0,153-28 97 0 0,-118 11-45 0 0,-74 11-46 0 0,345-36 59 0 0,0 30-219 0 0,-371 14 109 0 0,0 1 1 0 0,-1 2-1 0 0,0 1 0 0 0,0 1 0 0 0,42 14 0 0 0,-98-27 186 0 0,0 1-1 0 0,0 1 1 0 0,-50-3 0 0 0,-102 3-167 0 0,-545 34 72 0 0,701-28-62 0 0,-63 7 2 0 0,-159-8 0 0 0,141-2-14 0 0,96 1-28 0 0,10 0-10 0 0,-2 1 5 0 0,35 7-327 0 0,9 0 354 0 0,0-1-1 0 0,1-2 1 0 0,87-5-1 0 0,137-29 5 0 0,-163 14-472 0 0,129-1 1 0 0,-233 17 454 0 0,0 0 0 0 0,0 0 0 0 0,0 0 0 0 0,-1 1 0 0 0,1-1 0 0 0,0 1 0 0 0,-1-1 0 0 0,6 3 0 0 0,-8-3 14 0 0,0 0 0 0 0,0 0 0 0 0,0 0 0 0 0,0 0 0 0 0,1 0 1 0 0,-1 0-1 0 0,0 1 0 0 0,0-1 0 0 0,0 0 0 0 0,0 0 0 0 0,0 0 0 0 0,0 0 0 0 0,0 0 0 0 0,0 0 0 0 0,0 0 0 0 0,0 0 1 0 0,0 1-1 0 0,0-1 0 0 0,0 0 0 0 0,0 0 0 0 0,0 0 0 0 0,0 0 0 0 0,0 0 0 0 0,0 0 0 0 0,0 0 0 0 0,0 1 0 0 0,0-1 1 0 0,0 0-1 0 0,0 0 0 0 0,0 0 0 0 0,0 0 0 0 0,0 0 0 0 0,0 0 0 0 0,0 0 0 0 0,0 0 0 0 0,0 0 0 0 0,0 1 0 0 0,-1-1 1 0 0,1 0-1 0 0,0 0 0 0 0,0 0 0 0 0,0 0 0 0 0,0 0 0 0 0,0 0 0 0 0,0 0 0 0 0,0 0 0 0 0,0 0 0 0 0,0 0 0 0 0,0 0 1 0 0,-1 0-1 0 0,1 0 0 0 0,0 0 0 0 0,0 0 0 0 0,0 0 0 0 0,0 0 0 0 0,-17 5-23 0 0,-127 13-41 0 0,-163-2 1 0 0,178-13 53 0 0,-245 39 1 0 0,251-21 130 0 0,130-21-126 0 0,0 0 0 0 0,0 1 0 0 0,0-1 0 0 0,-1 1 0 0 0,1 1 0 0 0,12 3 0 0 0,11 2-12 0 0,9-4 28 0 0,0-2 0 0 0,0-1 0 0 0,66-9 1 0 0,-67 6-30 0 0,273-39 123 0 0,9-1-69 0 0,-188 36-8 0 0,-120 8-38 0 0,-14 3-20 0 0,-15 3 5 0 0,17-7 38 0 0,-117 18-56 0 0,-1-5 0 0 0,-151-2 0 0 0,128-8 80 0 0,-148 22 1 0 0,97 11 73 0 0,166-32 6 0 0,14-2-56 0 0,10-1-36 0 0,4-1-6 0 0,4 1-36 0 0,0 0 1 0 0,0 1 0 0 0,0-1-1 0 0,-1 1 1 0 0,7 3-1 0 0,17 6 27 0 0,7-5 17 0 0,0 0-1 0 0,0-3 1 0 0,1 0 0 0 0,42-4-1 0 0,147-22 6 0 0,-147 13-29 0 0,81-10 49 0 0,195-18-94 0 0,-334 37 24 0 0,-9 0 15 0 0,1 0 0 0 0,0 1 0 0 0,-1 0 0 0 0,25 4 1 0 0,-37-4 6 0 0,0 0 1 0 0,0 0 0 0 0,0 0-1 0 0,0 1 1 0 0,0-1-1 0 0,0 0 1 0 0,0 0 0 0 0,0 0-1 0 0,0 0 1 0 0,0 0 0 0 0,0 0-1 0 0,0 0 1 0 0,0 0 0 0 0,0 0-1 0 0,0 0 1 0 0,0 0 0 0 0,0 0-1 0 0,0 1 1 0 0,0-1-1 0 0,0 0 1 0 0,0 0 0 0 0,0 0-1 0 0,0 0 1 0 0,0 0 0 0 0,0 0-1 0 0,0 0 1 0 0,0 0 0 0 0,0 0-1 0 0,0 0 1 0 0,0 0-1 0 0,0 0 1 0 0,1 0 0 0 0,-1 0-1 0 0,0 0 1 0 0,0 0 0 0 0,0 1-1 0 0,0-1 1 0 0,0 0 0 0 0,0 0-1 0 0,-14 1 65 0 0,-18-2-113 0 0,-116-7 21 0 0,-1 7 0 0 0,-169 21 0 0 0,196-5 47 0 0,-200 53 0 0 0,296-60-5 0 0,40-7-86 0 0,0 0 1 0 0,24 7 0 0 0,30 4 124 0 0,1-11 11 0 0,112-10 0 0 0,71-24 29 0 0,-110 12-45 0 0,-67 11-43 0 0,17-4-46 0 0,0 5 0 0 0,105 1 0 0 0,-191 9 29 0 0,1-1 0 0 0,-1 1 0 0 0,0 0 0 0 0,0 0 0 0 0,0 0 0 0 0,10 5 0 0 0,-27-10 99 0 0,-1 1 1 0 0,0 1-1 0 0,-18-2 0 0 0,-15-3-90 0 0,-80-14-55 0 0,-1 5 0 0 0,-1 6 0 0 0,-157 8 0 0 0,197 7 54 0 0,-133 25 0 0 0,219-30-1 0 0,-25 5 6 0 0,18-2-84 0 0,12-2-134 0 0,58 12 197 0 0,7-8 56 0 0,-1-2 1 0 0,119-12-1 0 0,-114 4-19 0 0,296-34 30 0 0,-69 4-124 0 0,-198 29 27 0 0,-102 6 49 0 0,0 0-1 0 0,0 0 1 0 0,0 0-1 0 0,0 0 1 0 0,0 0-1 0 0,0 0 1 0 0,0 0-1 0 0,0 0 1 0 0,0 0-1 0 0,0 0 1 0 0,0 0-1 0 0,0 0 1 0 0,0 0-1 0 0,0 0 1 0 0,0 0-1 0 0,-1 0 1 0 0,1 0-1 0 0,0 0 1 0 0,0 0-1 0 0,0 0 1 0 0,0 0-1 0 0,0-1 1 0 0,0 1-1 0 0,0 0 1 0 0,0 0-1 0 0,0 0 1 0 0,0 0-1 0 0,0 0 1 0 0,0 0-1 0 0,0 0 1 0 0,0 0-1 0 0,0 0 1 0 0,0 0-1 0 0,0 0 1 0 0,0 0-1 0 0,0 0 1 0 0,0 0-1 0 0,0-1 1 0 0,0 1-1 0 0,0 0 1 0 0,1 0-1 0 0,-1 0 1 0 0,0 0-1 0 0,0 0 1 0 0,0 0-1 0 0,0 0 1 0 0,0 0-1 0 0,0 0 1 0 0,0 0-1 0 0,0 0 1 0 0,0 0-1 0 0,0 0 1 0 0,0 0-1 0 0,0 0 1 0 0,0 0-1 0 0,0 0 1 0 0,0 0-1 0 0,0 0 1 0 0,0 0-1 0 0,1 0 1 0 0,-11-7 63 0 0,-10-3-50 0 0,-17-1-32 0 0,0 1 0 0 0,-67-7 1 0 0,-78 3 15 0 0,96 9-36 0 0,65 5 25 0 0,-1 1 0 0 0,1 1 1 0 0,-1 0-1 0 0,-23 7 0 0 0,21-4-39 0 0,24-2-65 0 0,9 3 47 0 0,19 7 26 0 0,-18-8 43 0 0,8 3 14 0 0,2 0 0 0 0,-1-2 0 0 0,1 0 0 0 0,0-1 1 0 0,0-1-1 0 0,30 2 0 0 0,129-1-42 0 0,-130-6 30 0 0,-20 1 8 0 0,14 0-25 0 0,0 1 0 0 0,61 10 0 0 0,-101-11 70 0 0,-8-2-28 0 0,-19-7-32 0 0,-38-7-91 0 0,22 11 108 0 0,1 2 0 0 0,-79 4 0 0 0,104 2-66 0 0,13 2-63 0 0,20 9-76 0 0,-3-4 278 0 0,-12-7-78 0 0,1-1 0 0 0,0 1 0 0 0,0-1 0 0 0,0 1 0 0 0,0-2 0 0 0,0 1 0 0 0,0 0 0 0 0,1-1 0 0 0,-1 0 0 0 0,6 0 1 0 0,60 1-14 0 0,-30-3-41 0 0,12 1 3 0 0,-29 0 29 0 0,41 3 0 0 0,-61 0 55 0 0,-10 0-43 0 0,-18 0-88 0 0,-17-6 99 0 0,0 1 0 0 0,-1 3-1 0 0,-45 6 1 0 0,72-5 15 0 0,-13 1-72 0 0,50-1-73 0 0,276-20 42 0 0,-234 21 272 0 0,-158-15 277 0 0,-12 8-431 0 0,-114 12 0 0 0,3 1 71 0 0,158-10-109 0 0,4 0-29 0 0,0 2 0 0 0,-85 13 0 0 0,25 2 666 0 0,-142 1-1 0 0,225-16-643 0 0,-17 1 75 0 0,-1-2 0 0 0,0-2 0 0 0,-73-13 0 0 0,77 3-21 0 0,30 8-44 0 0,0 0 1 0 0,0 0-1 0 0,0 2 0 0 0,-22-2 0 0 0,20 4-11 0 0,0-1 0 0 0,1-1 0 0 0,-27-6-1 0 0,37 8-22 0 0,13 5-168 0 0,21 4-2 0 0,48-5 224 0 0,0-3 0 0 0,1-4-1 0 0,101-17 1 0 0,-44 5-91 0 0,-12 9-14 0 0,-215 5 172 0 0,-175 6-94 0 0,169 8-58 0 0,-132 36 0 0 0,219-41-14 0 0,99-10-579 0 0,-80 0 646 0 0,5 1-33 0 0,-1-2 0 0 0,1 1-1 0 0,-1-2 1 0 0,0 1 0 0 0,0-1-1 0 0,0-1 1 0 0,0 0 0 0 0,9-6-1 0 0,-17 12-7 0 0,-4 6-59 0 0,-2-1-4 0 0,3-8 55 0 0,1 2 43 0 0,0 0 21 0 0,46-33-142 0 0,412-287 210 0 0,-442 309-68 0 0,-10 7-5 0 0,0 0 1 0 0,0-1 0 0 0,0 1-1 0 0,6-8 1 0 0,-15 14 17 0 0,0 0 1 0 0,0-1-1 0 0,0 1 1 0 0,0-1-1 0 0,0 0 0 0 0,0 0 1 0 0,-6 1-1 0 0,-18 8-24 0 0,-377 241-116 0 0,325-197 112 0 0,14-9 62 0 0,236-174-127 0 0,-24 20 110 0 0,-144 107-37 0 0,45-35 18 0 0,52-53-1 0 0,-89 78 92 0 0,-26 25-109 0 0,-22 20-73 0 0,-197 149 33 0 0,52-37 155 0 0,138-113-133 0 0,36-27 1 0 0,30-22 44 0 0,122-111 1 0 0,-31 24-39 0 0,-85 81 12 0 0,-1 2 11 0 0,-2 0 0 0 0,0-2 0 0 0,39-48 0 0 0,-113 100-154 0 0,-53 48 131 0 0,3 6 0 0 0,-99 107 1 0 0,187-179 30 0 0,1 1 1 0 0,1 1-1 0 0,0-1 1 0 0,1 1-1 0 0,0 1 1 0 0,-6 15 0 0 0,14-29-22 0 0,0 0 0 0 0,1 1 0 0 0,-1-1 0 0 0,0 0 0 0 0,0 0 0 0 0,0 1 1 0 0,0-1-1 0 0,0 0 0 0 0,1 0 0 0 0,-1 1 0 0 0,0-1 0 0 0,0 0 0 0 0,0 0 0 0 0,1 1 1 0 0,-1-1-1 0 0,0 0 0 0 0,0 0 0 0 0,1 0 0 0 0,-1 0 0 0 0,0 1 0 0 0,1-1 1 0 0,-1 0-1 0 0,0 0 0 0 0,0 0 0 0 0,1 0 0 0 0,-1 0 0 0 0,0 0 0 0 0,1 0 0 0 0,-1 0 1 0 0,0 0-1 0 0,1 0 0 0 0,-1 0 0 0 0,0 0 0 0 0,1 0 0 0 0,-1 0 0 0 0,0 0 1 0 0,0 0-1 0 0,1 0 0 0 0,28-1 142 0 0,33-9 46 0 0,78-11-56 0 0,-119 20-147 0 0,0 0 0 0 0,0 1 1 0 0,0 1-1 0 0,37 7 0 0 0,-41-3 27 0 0,1 0 1 0 0,-1 1-1 0 0,0 2 0 0 0,0-1 0 0 0,19 14 0 0 0,75 55 65 0 0,-88-58-79 0 0,-12-11 6 0 0,-4-1 25 0 0,1 0 0 0 0,0-1 0 0 0,0 0 1 0 0,0 0-1 0 0,1-1 0 0 0,12 5 0 0 0,-14-9-45 0 0,-7 1 32 0 0,-1 4 193 0 0,1-7-114 0 0,-1 0 0 0 0,0 1 1 0 0,0-1-1 0 0,0 1 0 0 0,0-1 1 0 0,0 1-1 0 0,0-1 0 0 0,0 1 1 0 0,-1 0-1 0 0,1 0 1 0 0,0-1-1 0 0,-1 1 0 0 0,1 0 1 0 0,-1 0-1 0 0,1 0 0 0 0,-1 1 1 0 0,0-1-1 0 0,-2-1 0 0 0,-40-17 158 0 0,34 15-211 0 0,-70-28-58 0 0,-1 3 1 0 0,-1 4-1 0 0,-106-18 1 0 0,110 31-104 0 0,114 53-587 0 0,-2-18 727 0 0,2-2 0 0 0,0-1 0 0 0,51 20 0 0 0,97 32 22 0 0,-86-32-18 0 0,-228-116 531 0 0,-36 2-598 0 0,90 42 37 0 0,37 17 10 0 0,-41-10 0 0 0,57 21-23 0 0,14 5-53 0 0,9 4-136 0 0,42 56-195 0 0,-25-43 423 0 0,1-1 0 0 0,0-1 0 0 0,2-1 0 0 0,33 22 0 0 0,-7-11 6 0 0,54 23-1 0 0,-88-44-17 0 0,35 17-30 0 0,0-3-1 0 0,55 14 1 0 0,-82-26 260 0 0,-22-13-136 0 0,2 5-92 0 0,-1 0 1 0 0,1 0 0 0 0,0 0-1 0 0,0 0 1 0 0,-1 0 0 0 0,1 0-1 0 0,-1 0 1 0 0,1 1 0 0 0,-1-1-1 0 0,1 0 1 0 0,-1 0 0 0 0,1 1-1 0 0,-1-1 1 0 0,0 0 0 0 0,1 0-1 0 0,-1 1 1 0 0,0-1 0 0 0,1 1 0 0 0,-3-2-1 0 0,-52-34 7 0 0,10 5-47 0 0,-1 2 0 0 0,-2 2 0 0 0,-97-39 0 0 0,131 60 62 0 0,-3-2-62 0 0,17 9 27 0 0,0-1 0 0 0,0 0 0 0 0,0 0 1 0 0,0 0-1 0 0,0 0 0 0 0,1 0 0 0 0,-1 0 0 0 0,0 1 0 0 0,0-1 0 0 0,0 0 0 0 0,0 0 1 0 0,0 0-1 0 0,0 0 0 0 0,0 0 0 0 0,0 0 0 0 0,0 1 0 0 0,0-1 0 0 0,0 0 1 0 0,0 0-1 0 0,0 0 0 0 0,0 0 0 0 0,0 0 0 0 0,0 1 0 0 0,0-1 0 0 0,0 0 0 0 0,0 0 1 0 0,0 0-1 0 0,-1 0 0 0 0,1 0 0 0 0,0 1 0 0 0,0-1 0 0 0,0 0 0 0 0,0 0 0 0 0,0 0 1 0 0,0 0-1 0 0,0 0 0 0 0,0 0 0 0 0,0 0 0 0 0,-1 0 0 0 0,1 0 0 0 0,0 1 0 0 0,0-1 1 0 0,0 0-1 0 0,0 0 0 0 0,0 0 0 0 0,-1 0 0 0 0,1 0 0 0 0,0 0 0 0 0,0 0 0 0 0,0 0 1 0 0,0 0-1 0 0,0 0 0 0 0,0 0 0 0 0,-1 0 0 0 0,1 0 0 0 0,0 0 0 0 0,0 0 0 0 0,0 0 1 0 0,0 0-1 0 0,0 0 0 0 0,-1 0 0 0 0,1 0 0 0 0,0 0 0 0 0,0 0 0 0 0,0-1 0 0 0,0 1 1 0 0,0 0-1 0 0,-1 0 0 0 0,12 19-26 0 0,0 0 0 0 0,1-1 0 0 0,0-1 0 0 0,2 0-1 0 0,0-1 1 0 0,1 0 0 0 0,0-1 0 0 0,1-1 0 0 0,1 0 0 0 0,0-1 0 0 0,1-1 0 0 0,20 10 0 0 0,-8-4 161 0 0,-86-59-76 0 0,-1 2-1 0 0,-121-61 1 0 0,110 64-21 0 0,44 23-36 0 0,-1 1 0 0 0,0 2 0 0 0,0 0 0 0 0,-1 1 0 0 0,-37-7 1 0 0,40 17-172 0 0,19 8 120 0 0,4-9 49 0 0,0 0 0 0 0,0 0 1 0 0,0 0-1 0 0,0 0 0 0 0,-1 1 0 0 0,1-1 0 0 0,0 0 0 0 0,0 0 0 0 0,0 0 0 0 0,0 0 0 0 0,0 1 0 0 0,0-1 0 0 0,0 0 0 0 0,0 0 0 0 0,0 0 0 0 0,0 0 0 0 0,0 1 0 0 0,0-1 0 0 0,0 0 0 0 0,0 0 0 0 0,0 0 0 0 0,0 1 0 0 0,0-1 0 0 0,0 0 0 0 0,0 0 0 0 0,0 0 0 0 0,0 0 0 0 0,1 1 0 0 0,-1-1 0 0 0,0 0 0 0 0,0 0 0 0 0,0 0 0 0 0,0 0 0 0 0,0 0 0 0 0,0 1 0 0 0,1-1 0 0 0,-1 0 0 0 0,0 0 0 0 0,0 0 0 0 0,0 0 0 0 0,0 0 0 0 0,0 0 0 0 0,1 0 0 0 0,-1 0 0 0 0,0 1 0 0 0,0-1 0 0 0,1 0 0 0 0,-2-1 4 0 0,1 1 3 0 0,0-1-1 0 0,0 1 0 0 0,0 0 0 0 0,-1-1 1 0 0,1 1-1 0 0,0 0 0 0 0,0-1 0 0 0,0 1 1 0 0,0-1-1 0 0,0 1 0 0 0,0 0 0 0 0,0-1 1 0 0,0 1-1 0 0,0-1 0 0 0,0 1 0 0 0,0-1 1 0 0,0 1-1 0 0,0 0 0 0 0,0-1 0 0 0,0 1 1 0 0,0-1-1 0 0,0 1 0 0 0,1 0 0 0 0,-1-1 1 0 0,0 1-1 0 0,0 0 0 0 0,0-1 0 0 0,1 1 1 0 0,-1 0-1 0 0,0-1 0 0 0,0 1 0 0 0,1 0 1 0 0,-1-1-1 0 0,44-44-131 0 0,2 1-1 0 0,97-70 1 0 0,95-69 4 0 0,-205 159 117 0 0,-22 16 20 0 0,1 0 0 0 0,-2-1 1 0 0,13-12-1 0 0,-37 33-125 0 0,-1-1 0 0 0,-26 15 0 0 0,11-7 53 0 0,-41 28-25 0 0,-122 77 139 0 0,139-93-88 0 0,-96 40-1 0 0,138-67 46 0 0,0 1 68 0 0,12-5-80 0 0,0 0 0 0 0,0 0 1 0 0,0 0-1 0 0,-1 0 0 0 0,1 0 1 0 0,0 0-1 0 0,0 0 1 0 0,0 0-1 0 0,0 0 0 0 0,0 0 1 0 0,0 0-1 0 0,0 1 1 0 0,0-1-1 0 0,0 0 0 0 0,0 0 1 0 0,-1 0-1 0 0,1 0 1 0 0,0 0-1 0 0,0 0 0 0 0,0 0 1 0 0,0 0-1 0 0,0 0 1 0 0,0 0-1 0 0,0 0 0 0 0,0 1 1 0 0,0-1-1 0 0,0 0 1 0 0,0 0-1 0 0,0 0 0 0 0,0 0 1 0 0,0 0-1 0 0,0 0 0 0 0,0 0 1 0 0,0 0-1 0 0,0 1 1 0 0,0-1-1 0 0,0 0 0 0 0,0 0 1 0 0,0 0-1 0 0,0 0 1 0 0,0 0-1 0 0,0 0 0 0 0,0 0 1 0 0,0 0-1 0 0,0 1 1 0 0,0-1-1 0 0,0 0 0 0 0,0 0 1 0 0,0 0-1 0 0,0 0 1 0 0,1 0-1 0 0,-1 0 0 0 0,0 0 1 0 0,0 0-1 0 0,0 0 1 0 0,0 0-1 0 0,0 0 0 0 0,0 0 1 0 0,0 0-1 0 0,0 0 0 0 0,0 1 1 0 0,0-1-1 0 0,1 0 1 0 0,-1 0-1 0 0,35-21-118 0 0,396-273 55 0 0,-409 277 100 0 0,-53 32 96 0 0,-35 11 0 0 0,27-11-196 0 0,-48 25 1 0 0,-143 95 28 0 0,215-127 28 0 0,-14 6 14 0 0,25-11-4 0 0,14-5-4 0 0,-3-1-17 0 0,-1-1 0 0 0,0 1 0 0 0,0-1 0 0 0,8-7 0 0 0,11-6-16 0 0,306-191 100 0 0,-179 110-69 0 0,-140 91-1 0 0,9-5 18 0 0,-1-1 0 0 0,-1-1 0 0 0,35-33 0 0 0,-58 48 3 0 0,0 1 0 0 0,-1-1 0 0 0,1 0 0 0 0,0-1 0 0 0,-1 1 1 0 0,1-1-1 0 0,-7 0 0 0 0,-28 4-63 0 0,13 4 19 0 0,1 1 0 0 0,0 1 0 0 0,1 1-1 0 0,-44 28 1 0 0,-85 70 10 0 0,135-95 2 0 0,1-1 7 0 0,-69 56 28 0 0,76-60-18 0 0,0 1 0 0 0,1 0 0 0 0,0 0 0 0 0,1 1 0 0 0,1 0 0 0 0,-8 12 0 0 0,5 2-45 0 0,10-25 41 0 0,1 0 0 0 0,-1 0 0 0 0,0 0 0 0 0,0-1 0 0 0,0 1 0 0 0,1 0-1 0 0,-1 0 1 0 0,0 0 0 0 0,0 0 0 0 0,1 0 0 0 0,-1 0 0 0 0,0-1 0 0 0,0 1-1 0 0,1 0 1 0 0,-1 0 0 0 0,0 0 0 0 0,1 0 0 0 0,-1 0 0 0 0,0 0 0 0 0,0 0-1 0 0,1 0 1 0 0,-1 0 0 0 0,0 0 0 0 0,0 1 0 0 0,1-1 0 0 0,-1 0 0 0 0,0 0-1 0 0,1 0 1 0 0,-1 0 0 0 0,0 0 0 0 0,0 0 0 0 0,0 0 0 0 0,1 1 0 0 0,-1-1 0 0 0,0 0-1 0 0,0 0 1 0 0,0 0 0 0 0,1 1 0 0 0,-1-1 0 0 0,0 0 0 0 0,0 0 0 0 0,0 1-1 0 0,0-1 1 0 0,1 0 0 0 0,-1 0 0 0 0,0 1 0 0 0,0-1 0 0 0,0 0 0 0 0,0 0-1 0 0,0 1 1 0 0,0-1 0 0 0,0 0 0 0 0,0 0 0 0 0,0 1 0 0 0,0-1 0 0 0,0 0-1 0 0,0 1 1 0 0,0-1 0 0 0,0 0 0 0 0,0 0 0 0 0,0 1 0 0 0,0-1 0 0 0,0 0-1 0 0,-1 1 1 0 0,38-12 78 0 0,-5 3-40 0 0,71-37-34 0 0,-2-4 0 0 0,118-77 1 0 0,-200 114-15 0 0,-32 21-28 0 0,-33 22-104 0 0,-86 47 225 0 0,-42 29-125 0 0,43-3 40 0 0,129-102 4 0 0,-15 17 22 0 0,15-15-27 0 0,0-1 1 0 0,-1 0-1 0 0,1 0 0 0 0,-1 0 1 0 0,0 0-1 0 0,-6 4 1 0 0,10-8 12 0 0,0 0 0 0 0,-1 1 0 0 0,1-1 0 0 0,-1 0 0 0 0,1 0 0 0 0,-1 0 0 0 0,1 1 0 0 0,-1-1 0 0 0,1 0 0 0 0,-1 0 0 0 0,0 0 0 0 0,1 0 0 0 0,-1 0 0 0 0,0 0 0 0 0,0 0 0 0 0,0 0 0 0 0,0 0 0 0 0,0 0 0 0 0,0 0 0 0 0,0 0 0 0 0,0 1 0 0 0,0-1 0 0 0,0 0 0 0 0,-1 0 0 0 0,1 0 0 0 0,0 0-1 0 0,-1 0 1 0 0,1 0 0 0 0,0 0 0 0 0,-1 0 0 0 0,0 0 0 0 0,-4-20-34 0 0,5 23 19 0 0,0 0 0 0 0,0 0 0 0 0,0 0 1 0 0,1-1-1 0 0,-1 1 0 0 0,0 0 0 0 0,1 0 1 0 0,-1 0-1 0 0,1 0 0 0 0,0-1 0 0 0,-1 1 1 0 0,1 0-1 0 0,0-1 0 0 0,0 1 0 0 0,0 0 1 0 0,0-1-1 0 0,0 1 0 0 0,1-1 0 0 0,-1 0 1 0 0,0 1-1 0 0,1-1 0 0 0,-1 0 0 0 0,1 0 0 0 0,1 1 1 0 0,42 31-31 0 0,0-3 1 0 0,2-1-1 0 0,99 43 1 0 0,51 30 89 0 0,-196-102-52 0 0,-1 1 1 0 0,0-1 0 0 0,0 0 0 0 0,0 0-1 0 0,1 1 1 0 0,-1-1 0 0 0,0 0 0 0 0,1 0-1 0 0,-1 1 1 0 0,0-1 0 0 0,1 0 0 0 0,-1 0-1 0 0,0 0 1 0 0,1 0 0 0 0,-1 0 0 0 0,0 1-1 0 0,1-1 1 0 0,-1 0 0 0 0,0 0-1 0 0,1 0 1 0 0,-1 0 0 0 0,0 0 0 0 0,1 0-1 0 0,-1 0 1 0 0,1 0 0 0 0,-1 0 0 0 0,0 0-1 0 0,1-1 1 0 0,-1 1 0 0 0,0 0 0 0 0,1 0-1 0 0,-1 0 1 0 0,0 0 0 0 0,1 0-1 0 0,-1-1 1 0 0,0 1 0 0 0,1 0 0 0 0,-1 0-1 0 0,0 0 1 0 0,0-1 0 0 0,1 1 0 0 0,-1 0-1 0 0,0-1 1 0 0,0 1 0 0 0,0 0 0 0 0,1 0-1 0 0,-1-1 1 0 0,0 1 0 0 0,0 0 0 0 0,0-1-1 0 0,0 1 1 0 0,0 0 0 0 0,1-1-1 0 0,-1 1 1 0 0,0-1 0 0 0,0 1 0 0 0,-2-6 17 0 0,-1-1 1 0 0,1 1 0 0 0,-1 1 0 0 0,0-1-1 0 0,0 0 1 0 0,-1 1 0 0 0,0-1 0 0 0,-8-7-1 0 0,1-2 9 0 0,-22-30-12 0 0,-75-78 1 0 0,87 103 152 0 0,10 12-79 0 0,11 8-92 0 0,-1 0 0 0 0,1 0 1 0 0,0 0-1 0 0,0 0 0 0 0,0 0 0 0 0,0 0 0 0 0,0 0 0 0 0,0 0 0 0 0,0 0 0 0 0,0-1 0 0 0,-1 1 0 0 0,1 0 0 0 0,0 0 0 0 0,0 0 0 0 0,0 0 0 0 0,0 0 0 0 0,0 0 0 0 0,0 0 0 0 0,0 0 0 0 0,-1 0 0 0 0,1 0 0 0 0,0 0 0 0 0,0 0 0 0 0,0 0 0 0 0,0 0 0 0 0,0 0 0 0 0,0 0 0 0 0,-1 0 0 0 0,1 1 0 0 0,0-1 0 0 0,0 0 0 0 0,0 0 0 0 0,0 0 0 0 0,0 0 0 0 0,0 0 0 0 0,0 0 1 0 0,0 0-1 0 0,0 0 0 0 0,-1 0 0 0 0,1 0 0 0 0,0 0 0 0 0,0 0 0 0 0,0 1 0 0 0,0-1 0 0 0,0 0 0 0 0,0 0 0 0 0,0 0 0 0 0,0 0 0 0 0,0 0 0 0 0,0 0 0 0 0,0 0 0 0 0,0 1 0 0 0,0-1 0 0 0,0 0 0 0 0,0 0 0 0 0,0 3-35 0 0,1 0-1 0 0,0 0 1 0 0,0-1 0 0 0,0 1-1 0 0,0 0 1 0 0,0-1-1 0 0,1 1 1 0 0,-1-1 0 0 0,1 1-1 0 0,-1-1 1 0 0,1 1-1 0 0,0-1 1 0 0,3 3 0 0 0,33 30 99 0 0,-32-30-88 0 0,34 31 48 0 0,-8-7-1 0 0,0-1-1 0 0,2-2 1 0 0,1-1-1 0 0,56 30 0 0 0,-68-48-35 0 0,-23-7 17 0 0,1 0 1 0 0,-1 0 0 0 0,1 0 0 0 0,-1 0 0 0 0,0 0-1 0 0,1 0 1 0 0,-1 0 0 0 0,0 0 0 0 0,1 0-1 0 0,-1 0 1 0 0,0 0 0 0 0,1-1 0 0 0,-1 1 0 0 0,0 0-1 0 0,0 0 1 0 0,1 0 0 0 0,-1-1 0 0 0,0 1-1 0 0,0 0 1 0 0,1 0 0 0 0,-1-1 0 0 0,0 1 0 0 0,0 0-1 0 0,1-1 1 0 0,-1 1 0 0 0,0 0 0 0 0,0 0-1 0 0,0-1 1 0 0,0 1 0 0 0,0 0 0 0 0,1-1 0 0 0,-1-4 25 0 0,-1 1 1 0 0,1 0 0 0 0,-1 0 0 0 0,0-1 0 0 0,0 1 0 0 0,0 0 0 0 0,-2-5 0 0 0,-2-8-66 0 0,-2-10 49 0 0,3 12-21 0 0,0 0 0 0 0,-1 0-1 0 0,0 1 1 0 0,-11-20 0 0 0,16 33 6 0 0,0 1 0 0 0,0 0 0 0 0,0-1 0 0 0,-1 1 1 0 0,1 0-1 0 0,0 0 0 0 0,0 0 0 0 0,0-1 0 0 0,-1 1 0 0 0,1 0 0 0 0,0 0 1 0 0,0 0-1 0 0,-1-1 0 0 0,1 1 0 0 0,0 0 0 0 0,-1 0 0 0 0,1 0 1 0 0,0 0-1 0 0,0 0 0 0 0,-1 0 0 0 0,1 0 0 0 0,0 0 0 0 0,-1 0 0 0 0,1 0 1 0 0,0 0-1 0 0,-1 0 0 0 0,1 0 0 0 0,0 0 0 0 0,-1 0 0 0 0,1 0 1 0 0,0 0-1 0 0,0 0 0 0 0,-1 0 0 0 0,1 0 0 0 0,0 0 0 0 0,-1 0 0 0 0,1 1 1 0 0,0-1-1 0 0,0 0 0 0 0,-1 0 0 0 0,1 0 0 0 0,0 0 0 0 0,0 1 1 0 0,-1-1-1 0 0,1 0 0 0 0,0 0 0 0 0,0 1 0 0 0,0-1 0 0 0,0 0 0 0 0,-1 0 1 0 0,1 1-1 0 0,0-1 0 0 0,0 0 0 0 0,0 1 0 0 0,0-1 0 0 0,0 0 1 0 0,0 1-1 0 0,0-1 0 0 0,0 0 0 0 0,0 0 0 0 0,0 1 0 0 0,-7 22-283 0 0,7-10 266 0 0,1 1 0 0 0,0-1 0 0 0,1 0 0 0 0,0 0 0 0 0,6 19 0 0 0,-6-26 19 0 0,0-1-1 0 0,1 1 1 0 0,-1-1 0 0 0,1 0 0 0 0,0 0-1 0 0,0 0 1 0 0,1 0 0 0 0,0-1 0 0 0,-1 1 0 0 0,2-1-1 0 0,-1 0 1 0 0,0 0 0 0 0,1 0 0 0 0,9 6-1 0 0,-13-10 2 0 0,-1 0-1 0 0,0 1 1 0 0,1-1-1 0 0,-1 0 0 0 0,1 1 1 0 0,-1-1-1 0 0,1 0 1 0 0,-1 0-1 0 0,0 1 1 0 0,1-1-1 0 0,-1 0 0 0 0,1 0 1 0 0,-1 0-1 0 0,1 0 1 0 0,-1 0-1 0 0,1 0 1 0 0,0 1-1 0 0,-1-1 0 0 0,1 0 1 0 0,-1-1-1 0 0,1 1 1 0 0,-1 0-1 0 0,1 0 0 0 0,-1 0 1 0 0,1 0-1 0 0,-1 0 1 0 0,1 0-1 0 0,-1-1 1 0 0,1 1-1 0 0,-1 0 0 0 0,0 0 1 0 0,1-1-1 0 0,-1 1 1 0 0,1 0-1 0 0,-1-1 1 0 0,0 1-1 0 0,1 0 0 0 0,-1-1 1 0 0,0 1-1 0 0,1-1 1 0 0,-1 1-1 0 0,0 0 0 0 0,1-1 1 0 0,-1 1-1 0 0,0-1 1 0 0,0 1-1 0 0,0-1 1 0 0,1 1-1 0 0,-1-1 0 0 0,0 1 1 0 0,0-1-1 0 0,0 1 1 0 0,0-1-1 0 0,0 1 0 0 0,0-1 1 0 0,0 1-1 0 0,0-1 1 0 0,0 1-1 0 0,0-1 1 0 0,0 1-1 0 0,-1-1 0 0 0,1 1 1 0 0,0-2-1 0 0,-10-49 41 0 0,5 27-30 0 0,5 19-2 0 0,-1 0-1 0 0,1 1 1 0 0,-1-1-1 0 0,0 0 1 0 0,0 1 0 0 0,-1-1-1 0 0,1 1 1 0 0,-1-1-1 0 0,0 1 1 0 0,0 0 0 0 0,-1-1-1 0 0,1 1 1 0 0,-1 0-1 0 0,0 1 1 0 0,0-1 0 0 0,0 0-1 0 0,-4-3 1 0 0,6 7-14 0 0,1 1 0 0 0,-1-1 0 0 0,1 0 0 0 0,0 0 1 0 0,-1 0-1 0 0,1 0 0 0 0,-1 0 0 0 0,1 0 0 0 0,0 1 0 0 0,-1-1 0 0 0,1 0 1 0 0,-1 0-1 0 0,1 1 0 0 0,0-1 0 0 0,-1 0 0 0 0,1 1 0 0 0,0-1 1 0 0,0 0-1 0 0,-1 1 0 0 0,1-1 0 0 0,0 0 0 0 0,0 1 0 0 0,-1-1 1 0 0,1 0-1 0 0,0 1 0 0 0,0-1 0 0 0,0 1 0 0 0,0-1 0 0 0,0 1 0 0 0,-1-1 1 0 0,1 0-1 0 0,0 1 0 0 0,0-1 0 0 0,0 1 0 0 0,0-1 0 0 0,0 1 1 0 0,0-1-1 0 0,1 0 0 0 0,-1 1 0 0 0,0 0 0 0 0,-1 20-70 0 0,3-10 71 0 0,0 0 1 0 0,0-1 0 0 0,1 0-1 0 0,0 1 1 0 0,1-1 0 0 0,0 0-1 0 0,1-1 1 0 0,0 1 0 0 0,1-1-1 0 0,-1 0 1 0 0,2 0 0 0 0,8 9-1 0 0,-15-18-1 0 0,0 1 0 0 0,1-1-1 0 0,-1 1 1 0 0,1-1-1 0 0,-1 1 1 0 0,1-1 0 0 0,-1 1-1 0 0,1-1 1 0 0,-1 0-1 0 0,1 1 1 0 0,-1-1 0 0 0,1 0-1 0 0,-1 1 1 0 0,1-1-1 0 0,0 0 1 0 0,-1 0-1 0 0,1 0 1 0 0,-1 1 0 0 0,1-1-1 0 0,0 0 1 0 0,-1 0-1 0 0,1 0 1 0 0,0 0 0 0 0,-1 0-1 0 0,1 0 1 0 0,0 0-1 0 0,-1 0 1 0 0,1-1 0 0 0,0 1-1 0 0,-1 0 1 0 0,1 0-1 0 0,-1 0 1 0 0,1-1 0 0 0,-1 1-1 0 0,1 0 1 0 0,0-1-1 0 0,0-1 23 0 0,0 0-1 0 0,0 0 0 0 0,-1 0 0 0 0,1 0 0 0 0,-1 0 0 0 0,1 0 0 0 0,-1 0 1 0 0,0 0-1 0 0,0 0 0 0 0,0 0 0 0 0,0 0 0 0 0,0 0 0 0 0,-1-3 1 0 0,-4-33-28 0 0,4 33 28 0 0,0 3-20 0 0,0 1-1 0 0,0 0 1 0 0,0-1 0 0 0,1 1-1 0 0,-2 0 1 0 0,1-1 0 0 0,0 1-1 0 0,0 0 1 0 0,0 0 0 0 0,0 0-1 0 0,-1 0 1 0 0,1 0 0 0 0,-1 1-1 0 0,1-1 1 0 0,0 0 0 0 0,-1 1-1 0 0,1-1 1 0 0,-1 1 0 0 0,0-1-1 0 0,1 1 1 0 0,-1 0 0 0 0,1-1-1 0 0,-3 1 1 0 0,-38-2-244 0 0,39 3 233 0 0,0 1 0 0 0,0-1 0 0 0,0 1 0 0 0,1-1 0 0 0,-1 1 0 0 0,0 0 0 0 0,1 0 0 0 0,-1 1 0 0 0,1-1 0 0 0,-1 0-1 0 0,1 1 1 0 0,0-1 0 0 0,-3 6 0 0 0,4-7 0 0 0,-1 1 0 0 0,1 0 0 0 0,0 0 0 0 0,-1 0-1 0 0,1 0 1 0 0,0 0 0 0 0,0 1 0 0 0,0-1 0 0 0,1 0-1 0 0,-1 0 1 0 0,1 1 0 0 0,-1-1 0 0 0,1 0 0 0 0,-1 1 0 0 0,1-1-1 0 0,0 1 1 0 0,0-1 0 0 0,1 0 0 0 0,0 5 0 0 0,0-5 5 0 0,1 0 0 0 0,0 0 1 0 0,0 0-1 0 0,0 0 0 0 0,1-1 0 0 0,-1 1 1 0 0,0-1-1 0 0,0 1 0 0 0,1-1 1 0 0,-1 0-1 0 0,1 0 0 0 0,0 0 1 0 0,-1 0-1 0 0,1-1 0 0 0,-1 1 0 0 0,1-1 1 0 0,0 1-1 0 0,5-1 0 0 0,-5 0 7 0 0,1 1 0 0 0,0-1-1 0 0,-1 0 1 0 0,1 0-1 0 0,0-1 1 0 0,-1 1 0 0 0,1-1-1 0 0,0 0 1 0 0,-1 1 0 0 0,1-2-1 0 0,-1 1 1 0 0,1 0-1 0 0,5-4 1 0 0,-7 3-4 0 0,0 0-1 0 0,0-1 1 0 0,0 1 0 0 0,0 0-1 0 0,0-1 1 0 0,-1 0 0 0 0,0 1-1 0 0,1-1 1 0 0,-1 0 0 0 0,0 1-1 0 0,0-1 1 0 0,0 0 0 0 0,-1 0-1 0 0,1 0 1 0 0,-1 0 0 0 0,1 0-1 0 0,-1 0 1 0 0,0 0 0 0 0,0 0-1 0 0,0 0 1 0 0,-1 0 0 0 0,1 0-1 0 0,-1 1 1 0 0,0-1 0 0 0,1 0-1 0 0,-1 0 1 0 0,-1 0 0 0 0,1 1-1 0 0,0-1 1 0 0,-3-4 0 0 0,-4-7-25 0 0,0 1 0 0 0,-1-1 0 0 0,-1 1 0 0 0,-13-13 0 0 0,3 6 14 0 0,-2 1 0 0 0,0 1 0 0 0,-2 1 0 0 0,-46-26 0 0 0,14 8 2 0 0,36 23 12 0 0,0 1 0 0 0,-1 0 0 0 0,-1 2 1 0 0,-33-11-1 0 0,173 8-160 0 0,103-14 187 0 0,-120 12 21 0 0,-39 5-63 0 0,-30 3 18 0 0,0 1 0 0 0,0 2 0 0 0,1 2 0 0 0,35 2 0 0 0,-63 0-9 0 0,0 0 1 0 0,0 1 0 0 0,0-1 0 0 0,-1 1 0 0 0,1 0 0 0 0,0 1 0 0 0,-1-1 0 0 0,1 1-1 0 0,-1 0 1 0 0,0 0 0 0 0,8 7 0 0 0,16 11 50 0 0,-27-21-35 0 0,-1 0 1 0 0,1 0 0 0 0,-1 0 0 0 0,1 0 0 0 0,-1 1 0 0 0,1-1-1 0 0,-1 0 1 0 0,0 0 0 0 0,1 0 0 0 0,-1 0 0 0 0,1 0 0 0 0,-1 0 0 0 0,1 0-1 0 0,-1 0 1 0 0,1 0 0 0 0,-1 0 0 0 0,1-1 0 0 0,-1 1 0 0 0,1 0-1 0 0,-1 0 1 0 0,1 0 0 0 0,-1-1 0 0 0,1 1 0 0 0,-1 0 0 0 0,0 0 0 0 0,1-1-1 0 0,-1 1-4 0 0,1-1 1 0 0,-1 1-1 0 0,0 0 0 0 0,0 0 0 0 0,0-1 0 0 0,0 1 0 0 0,0 0 0 0 0,0-1 0 0 0,0 1 0 0 0,0 0 1 0 0,0 0-1 0 0,0-1 0 0 0,0 1 0 0 0,0 0 0 0 0,0-1 0 0 0,0 1 0 0 0,0 0 0 0 0,0 0 0 0 0,-1-1 0 0 0,1 1 1 0 0,0 0-1 0 0,0-1 0 0 0,0 1 0 0 0,0 0 0 0 0,-1 0 0 0 0,1 0 0 0 0,0-1 0 0 0,0 1 0 0 0,0 0 1 0 0,-1 0-1 0 0,1 0 0 0 0,0-1 0 0 0,0 1 0 0 0,-1 0 0 0 0,1 0 0 0 0,0 0 0 0 0,0 0 0 0 0,-1 0 1 0 0,1 0-1 0 0,0-1 0 0 0,0 1 0 0 0,-1 0 0 0 0,1 0 0 0 0,0 0 0 0 0,-1 0 0 0 0,1 0 0 0 0,0 0 0 0 0,-1 0 1 0 0,1 0-1 0 0,0 0 0 0 0,-1 1 0 0 0,-10-5 17 0 0,-38-10-17 0 0,-2 1-1 0 0,-92-10 0 0 0,59 20-31 0 0,47 3 198 0 0,-73-10 1 0 0,101 4 4 0 0,9 6-176 0 0,0 0 0 0 0,0 0-1 0 0,0 0 1 0 0,0-1 0 0 0,1 1-1 0 0,-1 0 1 0 0,0 0-1 0 0,0 0 1 0 0,0 0 0 0 0,0 0-1 0 0,0-1 1 0 0,0 1 0 0 0,0 0-1 0 0,0 0 1 0 0,0 0-1 0 0,0 0 1 0 0,1 0 0 0 0,-1-1-1 0 0,0 1 1 0 0,0 0 0 0 0,0 0-1 0 0,0 0 1 0 0,0 0-1 0 0,0 0 1 0 0,1 0 0 0 0,-1 0-1 0 0,0 0 1 0 0,0 0 0 0 0,0 0-1 0 0,0 0 1 0 0,1 0-1 0 0,-1 0 1 0 0,0 0 0 0 0,0 0-1 0 0,0 0 1 0 0,0 0 0 0 0,1 0-1 0 0,-1 0 1 0 0,0 0-1 0 0,0 0 1 0 0,0 0 0 0 0,0 0-1 0 0,0 0 1 0 0,1 0 0 0 0,-1 0-1 0 0,0 0 1 0 0,0 0-1 0 0,0 0 1 0 0,0 0 0 0 0,0 0-1 0 0,1 1 1 0 0,6 0-12 0 0,1-1 1 0 0,-1 1-1 0 0,1-1 0 0 0,-1 0 1 0 0,1-1-1 0 0,13-2 1 0 0,8-1-7 0 0,84-3 80 0 0,206-6-134 0 0,-302 18 91 0 0,-14-2 25 0 0,-10-2 9 0 0,-114-14-63 0 0,-418-4 90 0 0,529 17-51 0 0,-20 1 50 0 0,30 1-103 0 0,25 16-304 0 0,-22-15 336 0 0,1 1 1 0 0,-1-1 0 0 0,1 1-1 0 0,0-1 1 0 0,0 0 0 0 0,0 0 0 0 0,0-1-1 0 0,1 1 1 0 0,-1-1 0 0 0,7 2-1 0 0,53 17 37 0 0,-50-17-14 0 0,29 6-31 0 0,0-2 0 0 0,0-1 0 0 0,52 1 0 0 0,136-8-11 0 0,-39-1 107 0 0,-38 17-62 0 0,-124-12-74 0 0,-10-2 181 0 0,-23-6 3 0 0,-36-11 16 0 0,21 8-221 0 0,-14-4 17 0 0,0 2 1 0 0,-1 1 0 0 0,0 1 0 0 0,-60-4 0 0 0,79 13-99 0 0,27 5-107 0 0,3 3 208 0 0,-8-5 47 0 0,0 0 1 0 0,0 0 0 0 0,1 0-1 0 0,-1-1 1 0 0,1 0 0 0 0,0-1-1 0 0,0 0 1 0 0,0-1 0 0 0,12 3-1 0 0,14 0 38 0 0,37 2-1 0 0,-70-7-39 0 0,2 0-5 0 0,182 19-110 0 0,-160-16 133 0 0,49 0 1 0 0,-71-6-28 0 0,-8 3 86 0 0,1 0-78 0 0,-1-1 0 0 0,0 0 0 0 0,1 0 0 0 0,-1 0 0 0 0,1 0 0 0 0,0-1 0 0 0,-1 1 0 0 0,-5-4 0 0 0,-14-5-32 0 0,-33-12-1 0 0,45 17 29 0 0,0 1 1 0 0,0 0-1 0 0,0 0 1 0 0,0 1-1 0 0,-14-2 1 0 0,10 7-6 0 0,20-5-54 0 0,3 5-4 0 0,0-1-1 0 0,0 0 1 0 0,0 0-1 0 0,14-1 1 0 0,106-22 70 0 0,-1 0-47 0 0,-109 19 42 0 0,-14 2 27 0 0,-13 0 41 0 0,5 2-111 0 0,0 0 0 0 0,0 0 0 0 0,0 0 0 0 0,0 1 0 0 0,0-1 0 0 0,0 1 0 0 0,0 0 0 0 0,1 0 0 0 0,-6 4 0 0 0,4-2 1 0 0,0-1 0 0 0,0 0 0 0 0,0-1 0 0 0,0 1 0 0 0,-11 2 0 0 0,16-3 15 0 0,1-1 1 0 0,-1 1 0 0 0,1-1 0 0 0,-1 1-1 0 0,1-1 1 0 0,0 0 0 0 0,-1 1 0 0 0,1-1-1 0 0,0 0 1 0 0,0 1 0 0 0,0-1 0 0 0,0 0-1 0 0,0 0 1 0 0,0 0 0 0 0,0 0 0 0 0,2 1-1 0 0,24 25-58 0 0,-19-24 92 0 0,-1 0 0 0 0,1 0-1 0 0,-1 0 1 0 0,1-1 0 0 0,0 0 0 0 0,0 0-1 0 0,0-1 1 0 0,1 0 0 0 0,-1 0 0 0 0,0-1 0 0 0,13-2-1 0 0,-7 2 47 0 0,-14 4-148 0 0,1-15-1567 0 0,-2 8 991 0 0,1 0 0 0 0,0 0-1 0 0,-1 0 1 0 0,0 0 0 0 0,1 1 0 0 0,-1-1 0 0 0,0 0 0 0 0,-1 1-1 0 0,1-1 1 0 0,0 0 0 0 0,-1 1 0 0 0,1 0 0 0 0,-1-1-1 0 0,0 1 1 0 0,-2-3 0 0 0,-4-2-1579 0 0</inkml:trace>
+  <inkml:trace contextRef="#ctx0" brushRef="#br0">236 1555 1268 0 0,'4'18'781'0'0,"-4"-16"-705"0"0,1-1-1 0 0,-1 0 1 0 0,0 0 0 0 0,1 0 0 0 0,-1 0-1 0 0,0 1 1 0 0,0-1 0 0 0,0 0-1 0 0,0 0 1 0 0,0 0 0 0 0,0 1 0 0 0,0-1-1 0 0,0 0 1 0 0,-1 0 0 0 0,1 0 0 0 0,0 1-1 0 0,-1-1 1 0 0,0 2 0 0 0,-1 1 478 0 0,0 1 0 0 0,1 0 0 0 0,-1 0 1 0 0,1 0-1 0 0,0 0 0 0 0,1 0 0 0 0,-1 8 0 0 0,1-13-434 0 0,0 0 0 0 0,0 0 0 0 0,0-1 0 0 0,0 1-1 0 0,0 0 1 0 0,-1-1 0 0 0,1 1 0 0 0,0 0 0 0 0,0 0-1 0 0,0-1 1 0 0,0 1 0 0 0,0 0 0 0 0,-1 0-1 0 0,1-1 1 0 0,0 1 0 0 0,0 0 0 0 0,0 0 0 0 0,-1 0-1 0 0,1-1 1 0 0,0 1 0 0 0,0 0 0 0 0,-1 0 0 0 0,1 0-1 0 0,0 0 1 0 0,0 0 0 0 0,-1 0 0 0 0,1-1 0 0 0,0 1-1 0 0,0 0 1 0 0,-1 0 0 0 0,1 0 0 0 0,0 0 0 0 0,-1 0-1 0 0,1 0 1 0 0,0 0 0 0 0,0 0 0 0 0,-1 0 0 0 0,1 0-1 0 0,0 0 1 0 0,-1 0 0 0 0,1 1 0 0 0,0-1 0 0 0,0 0-1 0 0,-1 0 1 0 0,1 0 0 0 0,0 0 0 0 0,0 0-1 0 0,-1 0 1 0 0,1 1 0 0 0,0-1 0 0 0,-1 0 0 0 0,2-2 167 0 0,0 1 1 0 0,0-1-1 0 0,-1 0 1 0 0,1-1-1 0 0,-1 1 1 0 0,1 0-1 0 0,-1 0 0 0 0,0 0 1 0 0,0 0-1 0 0,0 0 1 0 0,0 0-1 0 0,0 0 1 0 0,-1-4-1 0 0,-7-38-162 0 0,-44-70 810 0 0,31 72-497 0 0,-18-48 0 0 0,24 42-225 0 0,2 0 0 0 0,1-2 0 0 0,-6-68 0 0 0,11 52-84 0 0,-22-176 123 0 0,25 199-256 0 0,2 0 1 0 0,5-74-1 0 0,-3 114-1 0 0,2-17 11 0 0,0 0 1 0 0,1 0-1 0 0,2 0 0 0 0,0 1 0 0 0,0-1 1 0 0,2 1-1 0 0,0 1 0 0 0,20-35 1 0 0,-7 29-69 0 0,56-64 88 0 0,-71 80-24 0 0,1 2-1 0 0,0-1 1 0 0,1 1-1 0 0,-1 0 1 0 0,13-9 0 0 0,-2 3-2 0 0,1-3-9 0 0,1 0-1 0 0,1 2 1 0 0,0 1-1 0 0,0 0 1 0 0,1 2 0 0 0,1 0-1 0 0,0 1 1 0 0,0 1-1 0 0,39-8 1 0 0,17 2-13 0 0,121-7 0 0 0,-165 19 16 0 0,42 0 15 0 0,0 4 0 0 0,78 11 1 0 0,-132-10-6 0 0,0 2 0 0 0,-1 0 0 0 0,1 1 0 0 0,-1 2 1 0 0,29 13-1 0 0,-17-4-22 0 0,-1 1 1 0 0,45 33 0 0 0,-64-41 30 0 0,-1 0 1 0 0,0 2 0 0 0,0-1-1 0 0,-1 1 1 0 0,-1 1-1 0 0,11 15 1 0 0,-16-19-19 0 0,0 0 0 0 0,0 0 1 0 0,0 0-1 0 0,-2 0 0 0 0,1 1 1 0 0,-1-1-1 0 0,0 1 0 0 0,-1 0 1 0 0,0 0-1 0 0,-1 0 0 0 0,0 11 1 0 0,-1-19 4 0 0,1 7 1 0 0,-1 1-1 0 0,0-1 1 0 0,0 1 0 0 0,-1-1 0 0 0,0 0-1 0 0,-1 0 1 0 0,0 1 0 0 0,0-1 0 0 0,-1 0-1 0 0,-1-1 1 0 0,1 1 0 0 0,-8 11 0 0 0,-80 132-17 0 0,68-113 69 0 0,11-19-23 0 0,0 1 0 0 0,-1-2 1 0 0,-30 34-1 0 0,42-52-34 0 0,0 0 0 0 0,-1 0 0 0 0,1 0 1 0 0,0 0-1 0 0,0 0 0 0 0,1 1 1 0 0,-1-1-1 0 0,0 0 0 0 0,0 0 1 0 0,1 1-1 0 0,-1-1 0 0 0,0 1 0 0 0,1-1 1 0 0,-1 0-1 0 0,1 1 0 0 0,-1 2 1 0 0,0-4-11 0 0,0-1 23 0 0,5 3-3 0 0,-8-4 26 0 0,-5 16-99 0 0,-25 41 80 0 0,14 4-100 0 0,19-58 84 0 0,0 1 1 0 0,1 0-1 0 0,-1 0 1 0 0,0 0-1 0 0,1-1 1 0 0,0 1-1 0 0,-1 0 1 0 0,1 0-1 0 0,0 0 1 0 0,0 0-1 0 0,0-1 1 0 0,0 1-1 0 0,1 0 1 0 0,-1 0-1 0 0,1 2 1 0 0,-4-21 30 0 0,-1 1-1 0 0,0 0 1 0 0,-1 0 0 0 0,-10-22 0 0 0,-38-52-14 0 0,36 57-49 0 0,-2 2 0 0 0,-32-41 1 0 0,2 0 48 0 0,46 68-33 0 0,-8-11 62 0 0,11 14-43 0 0,0 1 0 0 0,-1 0 0 0 0,1 0 0 0 0,0-1 0 0 0,0 1 0 0 0,0 0 0 0 0,0 0 0 0 0,-1 0 0 0 0,1-1 0 0 0,0 1 0 0 0,0 0 0 0 0,0 0 0 0 0,-1 0 0 0 0,1 0 0 0 0,0-1 0 0 0,0 1 0 0 0,-1 0 0 0 0,1 0 0 0 0,0 0 0 0 0,0 0 0 0 0,-1 0 0 0 0,1 0 0 0 0,0 0 0 0 0,0 0-1 0 0,-1 0 1 0 0,1 0 0 0 0,0 0 0 0 0,0 0 0 0 0,-1 0 0 0 0,1 0 0 0 0,0 0 0 0 0,0 0 0 0 0,-1 0 0 0 0,1 0 0 0 0,0 0 0 0 0,-1 0 0 0 0,1 0 0 0 0,0 0 0 0 0,0 1 0 0 0,0-1 0 0 0,-1 0 0 0 0,1 0 0 0 0,0 0 0 0 0,0 0 0 0 0,-1 1 0 0 0,1-1 0 0 0,0 0 0 0 0,0 0 0 0 0,0 0 0 0 0,0 1 0 0 0,-1-1 0 0 0,1 0-92 0 0,3 12 123 0 0,-1-8-37 0 0,-1 1 1 0 0,1-1 0 0 0,-1 1 0 0 0,0 0 0 0 0,-1 0-1 0 0,1-1 1 0 0,-1 11 0 0 0,2 8 59 0 0,6 19-69 0 0,2 0 1 0 0,1-1-1 0 0,3-1 0 0 0,25 54 0 0 0,-36-87 17 0 0,1-1-1 0 0,-1 1 0 0 0,1-1 0 0 0,1 0 1 0 0,-1 0-1 0 0,1-1 0 0 0,0 1 0 0 0,0-1 1 0 0,1 0-1 0 0,-1 0 0 0 0,1-1 0 0 0,0 0 1 0 0,1 0-1 0 0,-1 0 0 0 0,1-1 0 0 0,-1 0 1 0 0,1 0-1 0 0,0-1 0 0 0,0 1 1 0 0,0-2-1 0 0,1 1 0 0 0,-1-1 0 0 0,0 0 1 0 0,1 0-1 0 0,-1-1 0 0 0,0 0 0 0 0,13-2 1 0 0,20-7 64 0 0,-1-3 0 0 0,54-22 0 0 0,74-43-1987 0 0,-135 62 789 0 0,13-11-1757 0 0,-31 18 743 0 0,-1 0 0 0 0,20-8 0 0 0,-18 15-218 0 0,-7 2 1095 0 0</inkml:trace>
 </inkml:ink>
 </file>
 
@@ -969,7 +878,7 @@
           <inkml:channelProperty channel="OE" name="resolution" value="1000" units="1/deg"/>
         </inkml:channelProperties>
       </inkml:inkSource>
-      <inkml:timestamp xml:id="ts0" timeString="2024-10-11T21:44:23.602"/>
+      <inkml:timestamp xml:id="ts0" timeString="2024-10-11T21:28:11.702"/>
     </inkml:context>
     <inkml:brush xml:id="br0">
       <inkml:brushProperty name="width" value="0.05" units="cm"/>
@@ -977,7 +886,7 @@
       <inkml:brushProperty name="color" value="#E71224"/>
     </inkml:brush>
   </inkml:definitions>
-  <inkml:trace contextRef="#ctx0" brushRef="#br0">8945 1535 720 0 0,'0'0'149'0'0,"3"5"-50"0"0,29 34 20642 0 0,-30-45-19405 0 0,-1 3-579 0 0,-3-5-442 0 0,-1-18 336 0 0,-2 1 0 0 0,0-1 0 0 0,-2 1 0 0 0,-1 1 0 0 0,-15-34 0 0 0,-53-66 1874 0 0,58 97-2006 0 0,-1 2 0 0 0,-2 0 0 0 0,-27-27 0 0 0,11 16-449 0 0,-136-127 13 0 0,124 122-88 0 0,-93-61 0 0 0,11 23 5 0 0,-4 6 0 0 0,-283-108 0 0 0,85 83 0 0 0,-91-5 0 0 0,391 94 0 0 0,-164-26 0 0 0,94 19 0 0 0,-379-64 0 0 0,-2 28 0 0 0,-277 13 0 0 0,709 34 0 0 0,-73-5 0 0 0,-137 7 0 0 0,91 10 0 0 0,-252 25 0 0 0,222-4 0 0 0,163-24 0 0 0,-139 19 0 0 0,-191 21 0 0 0,237-32 0 0 0,42-4 0 0 0,-172 21 0 0 0,99-6 0 0 0,-109 20 0 0 0,254-40 0 0 0,0 1 0 0 0,0 1 0 0 0,0 1 0 0 0,1 0 0 0 0,0 1 0 0 0,0 1 0 0 0,-26 16 0 0 0,-369 259 0 0 0,262-168 0 0 0,99-73 0 0 0,-59 38 0 0 0,-44 7 0 0 0,-225 92 0 0 0,137-69 0 0 0,213-97 0 0 0,10-5 0 0 0,0 0 0 0 0,0 2 0 0 0,1 0 0 0 0,-17 13 0 0 0,24-9 0 0 0,8-12 0 0 0,2-4 0 0 0,3-2 0 0 0,-3 7 0 0 0,-1-4 0 0 0,1 1 0 0 0,0 0 0 0 0,0 0 0 0 0,0 0 0 0 0,0-1 0 0 0,0 1 0 0 0,0 0 0 0 0,0 0 0 0 0,0 0 0 0 0,0-1 0 0 0,0 1 0 0 0,-1 0 0 0 0,1 0 0 0 0,0 0 0 0 0,0 0 0 0 0,0 0 0 0 0,0 0 0 0 0,-1-1 0 0 0,1 1 0 0 0,0 0 0 0 0,0 0 0 0 0,0 0 0 0 0,0 0 0 0 0,-1 0 0 0 0,1 0 0 0 0,0 0 0 0 0,0 0 0 0 0,0 0 0 0 0,-1 0 0 0 0,1 0 0 0 0,0 0 0 0 0,0 0 0 0 0,0 0 0 0 0,-1 0 0 0 0,1 0 0 0 0,0 0 0 0 0,0 0 0 0 0,0 0 0 0 0,-1 0 0 0 0,1 0 0 0 0,0 0 0 0 0,0 0 0 0 0,0 0 0 0 0,-1 0 0 0 0,1 0 0 0 0,0 1 0 0 0,0-1 0 0 0,0 0 0 0 0,0 0 0 0 0,0 0 0 0 0,-1 0 0 0 0,1 1 0 0 0,-59 33 0 0 0,-11 6 0 0 0,-93 39 0 0 0,159-76 0 0 0,-14 4 0 0 0,18-8 0 0 0,-1 1 0 0 0,1-1 0 0 0,0 0 0 0 0,0 1 0 0 0,0-1 0 0 0,0 1 0 0 0,1-1 0 0 0,-1 0 0 0 0,0 1 0 0 0,0-1 0 0 0,0 1 0 0 0,0-1 0 0 0,1 0 0 0 0,-1 1 0 0 0,0-1 0 0 0,1 1 0 0 0,-1-1 0 0 0,0 1 0 0 0,1-1 0 0 0,-1 1 0 0 0,1-1 0 0 0,-1 1 0 0 0,0-1 0 0 0,1 1 0 0 0,-1 0 0 0 0,2-1 0 0 0,25-44 0 0 0,-23 36 0 0 0,63-132 0 0 0,-42 87 0 0 0,3 1 0 0 0,2 1 0 0 0,2 2 0 0 0,46-55 0 0 0,-73 100 0 0 0,-6 12 0 0 0,-13 24 0 0 0,14-30 0 0 0,-165 339 0 0 0,57-140 0 0 0,106-196 0 0 0,0 0 0 0 0,0 0 0 0 0,0 0 0 0 0,0 0 0 0 0,1 0 0 0 0,0 1 0 0 0,0-1 0 0 0,0 0 0 0 0,0 1 0 0 0,1-1 0 0 0,0 0 0 0 0,0 1 0 0 0,0 4 0 0 0,2-5 0 0 0,0-4 0 0 0,-1 1 0 0 0,1-1 0 0 0,0 0 0 0 0,-1 0 0 0 0,1 1 0 0 0,0-1 0 0 0,-1 0 0 0 0,1 0 0 0 0,0-1 0 0 0,0 1 0 0 0,1-1 0 0 0,1 1 0 0 0,79 5 0 0 0,-50-2 0 0 0,36-1 0 0 0,14-10 0 0 0,0-4 0 0 0,135-37 0 0 0,-95 19 0 0 0,-106 26 0 0 0,220-42 0 0 0,-235 46 0 0 0,-1-1 0 0 0,0 1 0 0 0,0 0 0 0 0,0 0 0 0 0,0-1 0 0 0,0 1 0 0 0,0 0 0 0 0,0 0 0 0 0,0 0 0 0 0,-1 0 0 0 0,1 0 0 0 0,0 0 0 0 0,0 1 0 0 0,0-1 0 0 0,0 0 0 0 0,0 0 0 0 0,0 0 0 0 0,1 1 0 0 0,-3-1-53 0 0,0 0 0 0 0,1 0 0 0 0,-1 0 0 0 0,0 0-1 0 0,1 1 1 0 0,-1-1 0 0 0,0 0 0 0 0,1 0 0 0 0,-1 0 0 0 0,0 1 0 0 0,1-1 0 0 0,-1 0-1 0 0,0 1 1 0 0,1-1 0 0 0,-1 0 0 0 0,1 1 0 0 0,-1-1 0 0 0,1 1 0 0 0,-1-1-1 0 0,1 1 1 0 0,-1 0 0 0 0,-16 16-4768 0 0,9-8-9 0 0,-21 17-4314 0 0,18-20 6602 0 0</inkml:trace>
+  <inkml:trace contextRef="#ctx0" brushRef="#br0">433 1612 2924 0 0,'0'0'5'0'0,"0"0"0"0"0,0 0 1 0 0,0 0-1 0 0,0 0 0 0 0,0 0 0 0 0,0-1 0 0 0,0 1 0 0 0,0 0 0 0 0,0 0 0 0 0,0 0 0 0 0,0 0 1 0 0,1 0-1 0 0,-1 0 0 0 0,0 0 0 0 0,0 0 0 0 0,0 0 0 0 0,0 0 0 0 0,0-1 0 0 0,0 1 0 0 0,0 0 0 0 0,1 0 1 0 0,-1 0-1 0 0,0 0 0 0 0,0 0 0 0 0,0 0 0 0 0,0 0 0 0 0,0 0 0 0 0,0 0 0 0 0,0 0 0 0 0,1 0 1 0 0,-1 0-1 0 0,0 0 0 0 0,0 0 0 0 0,0 0 0 0 0,0 0 0 0 0,0 0 0 0 0,0 0 0 0 0,1 0 0 0 0,-1 1 1 0 0,0-1-1 0 0,0 0 0 0 0,0 0 0 0 0,0 0 0 0 0,0 0 0 0 0,0 0 0 0 0,0 0 0 0 0,0 0 0 0 0,0 0 0 0 0,1 0 1 0 0,-1 0-1 0 0,0 0 0 0 0,0 1 0 0 0,0-1 0 0 0,0 0 0 0 0,0 0 0 0 0,0 0 0 0 0,0 0 0 0 0,2-3 390 0 0,-11 11 4634 0 0,8-21-2953 0 0,-5-2-1738 0 0,1 1 0 0 0,-2-1 0 0 0,0 1-1 0 0,-1 0 1 0 0,-1 1 0 0 0,0 0 0 0 0,0 0-1 0 0,-16-15 1 0 0,-22-32 575 0 0,2-4-164 0 0,10 15-175 0 0,-43-78 0 0 0,54 78-340 0 0,2 0 1 0 0,3-1-1 0 0,1-1 0 0 0,3-1 1 0 0,2 0-1 0 0,-10-89 0 0 0,20 111-220 0 0,1 0-1 0 0,1 1 0 0 0,2-1 0 0 0,1 0 1 0 0,1 0-1 0 0,2 1 0 0 0,1 0 0 0 0,17-52 1 0 0,-16 64-10 0 0,0 2 1 0 0,1-1-1 0 0,1 1 1 0 0,1 0-1 0 0,0 1 1 0 0,1 0-1 0 0,0 1 1 0 0,1 0-1 0 0,0 0 1 0 0,1 2-1 0 0,1-1 1 0 0,0 2-1 0 0,0 0 1 0 0,19-10-1 0 0,-9 7-2 0 0,1 0 1 0 0,0 2-1 0 0,1 1 1 0 0,0 0-1 0 0,1 2 1 0 0,41-6-1 0 0,161-36-121 0 0,-56 9 35 0 0,-157 38 82 0 0,105-16-71 0 0,-106 18 62 0 0,0 0 0 0 0,0 1 0 0 0,0 0 1 0 0,0 2-1 0 0,-1 0 0 0 0,17 4 0 0 0,-9 2-19 0 0,-1 2 0 0 0,-1 1-1 0 0,0 0 1 0 0,0 1-1 0 0,-1 2 1 0 0,33 29 0 0 0,-41-34 26 0 0,-1 1 1 0 0,-1 0 0 0 0,0 1 0 0 0,0 0-1 0 0,-1 0 1 0 0,0 1 0 0 0,-1 0 0 0 0,-1 1-1 0 0,0-1 1 0 0,0 1 0 0 0,-1 0-1 0 0,5 24 1 0 0,-6-17 6 0 0,-1 0 1 0 0,0 0-1 0 0,-2 0 0 0 0,-1 0 0 0 0,0 1 0 0 0,-1-1 0 0 0,-1 0 0 0 0,-6 24 1 0 0,-44 198 112 0 0,48-188-206 0 0,4-46 109 0 0,0 0 0 0 0,0 1 0 0 0,-1-1-1 0 0,0 1 1 0 0,-4 12 0 0 0,-4 33-44 0 0,9-53 24 0 0,-1 1 0 0 0,1-1-1 0 0,0 0 1 0 0,-1 1 0 0 0,1-1-1 0 0,0 1 1 0 0,0-1 0 0 0,0 0 0 0 0,0 1-1 0 0,1-1 1 0 0,-1 1 0 0 0,0-1-1 0 0,0 0 1 0 0,1 1 0 0 0,-1-1-1 0 0,1 0 1 0 0,-1 1 0 0 0,1-1 0 0 0,0 0-1 0 0,-1 0 1 0 0,1 0 0 0 0,1 2-1 0 0,-1-3 16 0 0,11-19 83 0 0,-12 8-56 0 0,-1 1-1 0 0,0 0 1 0 0,0 0 0 0 0,-1 0 0 0 0,-1 1-1 0 0,0-1 1 0 0,0 0 0 0 0,-1 1 0 0 0,0 0-1 0 0,0 0 1 0 0,-1 0 0 0 0,0 0 0 0 0,-1 1-1 0 0,0 0 1 0 0,0 0 0 0 0,-1 0-1 0 0,0 1 1 0 0,0 0 0 0 0,-1 0 0 0 0,-8-5-1 0 0,-110-86 147 0 0,116 89-176 0 0,0 0 1 0 0,0 0-1 0 0,1-1 0 0 0,-8-11 1 0 0,14 9 18 0 0,2 10-52 0 0,1 6-48 0 0,0-4 38 0 0,-1 3 21 0 0,1 0-1 0 0,-1 0 0 0 0,0 1 0 0 0,1-1 0 0 0,0 0 0 0 0,0 0 1 0 0,0 1-1 0 0,0-1 0 0 0,1 0 0 0 0,-1 1 0 0 0,1-1 1 0 0,0 0-1 0 0,0 0 0 0 0,2 6 0 0 0,25 51 26 0 0,-21-46-13 0 0,5 11 9 0 0,1 0-1 0 0,1-1 1 0 0,2-1 0 0 0,0 0 0 0 0,2-2 0 0 0,30 31-1 0 0,-45-49-10 0 0,0 0 0 0 0,1 0 0 0 0,-1-1 0 0 0,1 1 0 0 0,0-1 0 0 0,0 0 0 0 0,0 0 0 0 0,0 0 0 0 0,0 0 0 0 0,0-1 0 0 0,0 0 0 0 0,0 0 0 0 0,1 0 0 0 0,-1 0 0 0 0,1-1 0 0 0,-1 0 0 0 0,0 1 0 0 0,7-2 0 0 0,-5 0-1 0 0,0-1 0 0 0,0 0 1 0 0,0 0-1 0 0,-1 0 0 0 0,1-1 0 0 0,-1 0 0 0 0,1 0 1 0 0,-1 0-1 0 0,0-1 0 0 0,0 0 0 0 0,-1 0 1 0 0,8-7-1 0 0,268-312-3408 0 0,-264 304 2501 0 0,0 1-1 0 0,1 1 0 0 0,0 1 1 0 0,2 0-1 0 0,0 1 1 0 0,1 1-1 0 0,0 1 1 0 0,1 1-1 0 0,0 0 1 0 0,24-7-1 0 0,-28 13-105 0 0</inkml:trace>
 </inkml:ink>
 </file>
 
@@ -1112,7 +1021,7 @@
           <a:p>
             <a:fld id="{59B4EDF8-99C2-4B40-889E-2E99E76DA18B}" type="datetimeFigureOut">
               <a:rPr lang="ru-RU" smtClean="0"/>
-              <a:t>12.10.2024</a:t>
+              <a:t>18.10.2024</a:t>
             </a:fld>
             <a:endParaRPr lang="ru-RU"/>
           </a:p>
@@ -1163,7 +1072,7 @@
     </p:spTree>
     <p:extLst>
       <p:ext uri="{BB962C8B-B14F-4D97-AF65-F5344CB8AC3E}">
-        <p14:creationId xmlns:p14="http://schemas.microsoft.com/office/powerpoint/2010/main" val="4161694953"/>
+        <p14:creationId xmlns:p14="http://schemas.microsoft.com/office/powerpoint/2010/main" val="3960368412"/>
       </p:ext>
     </p:extLst>
   </p:cSld>
@@ -1282,7 +1191,7 @@
           <a:p>
             <a:fld id="{59B4EDF8-99C2-4B40-889E-2E99E76DA18B}" type="datetimeFigureOut">
               <a:rPr lang="ru-RU" smtClean="0"/>
-              <a:t>12.10.2024</a:t>
+              <a:t>18.10.2024</a:t>
             </a:fld>
             <a:endParaRPr lang="ru-RU"/>
           </a:p>
@@ -1333,7 +1242,7 @@
     </p:spTree>
     <p:extLst>
       <p:ext uri="{BB962C8B-B14F-4D97-AF65-F5344CB8AC3E}">
-        <p14:creationId xmlns:p14="http://schemas.microsoft.com/office/powerpoint/2010/main" val="358783593"/>
+        <p14:creationId xmlns:p14="http://schemas.microsoft.com/office/powerpoint/2010/main" val="3028285564"/>
       </p:ext>
     </p:extLst>
   </p:cSld>
@@ -1462,7 +1371,7 @@
           <a:p>
             <a:fld id="{59B4EDF8-99C2-4B40-889E-2E99E76DA18B}" type="datetimeFigureOut">
               <a:rPr lang="ru-RU" smtClean="0"/>
-              <a:t>12.10.2024</a:t>
+              <a:t>18.10.2024</a:t>
             </a:fld>
             <a:endParaRPr lang="ru-RU"/>
           </a:p>
@@ -1513,7 +1422,7 @@
     </p:spTree>
     <p:extLst>
       <p:ext uri="{BB962C8B-B14F-4D97-AF65-F5344CB8AC3E}">
-        <p14:creationId xmlns:p14="http://schemas.microsoft.com/office/powerpoint/2010/main" val="2159137186"/>
+        <p14:creationId xmlns:p14="http://schemas.microsoft.com/office/powerpoint/2010/main" val="1738917845"/>
       </p:ext>
     </p:extLst>
   </p:cSld>
@@ -1632,7 +1541,7 @@
           <a:p>
             <a:fld id="{59B4EDF8-99C2-4B40-889E-2E99E76DA18B}" type="datetimeFigureOut">
               <a:rPr lang="ru-RU" smtClean="0"/>
-              <a:t>12.10.2024</a:t>
+              <a:t>18.10.2024</a:t>
             </a:fld>
             <a:endParaRPr lang="ru-RU"/>
           </a:p>
@@ -1683,7 +1592,7 @@
     </p:spTree>
     <p:extLst>
       <p:ext uri="{BB962C8B-B14F-4D97-AF65-F5344CB8AC3E}">
-        <p14:creationId xmlns:p14="http://schemas.microsoft.com/office/powerpoint/2010/main" val="4041681647"/>
+        <p14:creationId xmlns:p14="http://schemas.microsoft.com/office/powerpoint/2010/main" val="1774455746"/>
       </p:ext>
     </p:extLst>
   </p:cSld>
@@ -1878,7 +1787,7 @@
           <a:p>
             <a:fld id="{59B4EDF8-99C2-4B40-889E-2E99E76DA18B}" type="datetimeFigureOut">
               <a:rPr lang="ru-RU" smtClean="0"/>
-              <a:t>12.10.2024</a:t>
+              <a:t>18.10.2024</a:t>
             </a:fld>
             <a:endParaRPr lang="ru-RU"/>
           </a:p>
@@ -1929,7 +1838,7 @@
     </p:spTree>
     <p:extLst>
       <p:ext uri="{BB962C8B-B14F-4D97-AF65-F5344CB8AC3E}">
-        <p14:creationId xmlns:p14="http://schemas.microsoft.com/office/powerpoint/2010/main" val="3073589850"/>
+        <p14:creationId xmlns:p14="http://schemas.microsoft.com/office/powerpoint/2010/main" val="1457987432"/>
       </p:ext>
     </p:extLst>
   </p:cSld>
@@ -2110,7 +2019,7 @@
           <a:p>
             <a:fld id="{59B4EDF8-99C2-4B40-889E-2E99E76DA18B}" type="datetimeFigureOut">
               <a:rPr lang="ru-RU" smtClean="0"/>
-              <a:t>12.10.2024</a:t>
+              <a:t>18.10.2024</a:t>
             </a:fld>
             <a:endParaRPr lang="ru-RU"/>
           </a:p>
@@ -2161,7 +2070,7 @@
     </p:spTree>
     <p:extLst>
       <p:ext uri="{BB962C8B-B14F-4D97-AF65-F5344CB8AC3E}">
-        <p14:creationId xmlns:p14="http://schemas.microsoft.com/office/powerpoint/2010/main" val="2327732841"/>
+        <p14:creationId xmlns:p14="http://schemas.microsoft.com/office/powerpoint/2010/main" val="1953484338"/>
       </p:ext>
     </p:extLst>
   </p:cSld>
@@ -2477,7 +2386,7 @@
           <a:p>
             <a:fld id="{59B4EDF8-99C2-4B40-889E-2E99E76DA18B}" type="datetimeFigureOut">
               <a:rPr lang="ru-RU" smtClean="0"/>
-              <a:t>12.10.2024</a:t>
+              <a:t>18.10.2024</a:t>
             </a:fld>
             <a:endParaRPr lang="ru-RU"/>
           </a:p>
@@ -2528,7 +2437,7 @@
     </p:spTree>
     <p:extLst>
       <p:ext uri="{BB962C8B-B14F-4D97-AF65-F5344CB8AC3E}">
-        <p14:creationId xmlns:p14="http://schemas.microsoft.com/office/powerpoint/2010/main" val="680725466"/>
+        <p14:creationId xmlns:p14="http://schemas.microsoft.com/office/powerpoint/2010/main" val="272857228"/>
       </p:ext>
     </p:extLst>
   </p:cSld>
@@ -2595,7 +2504,7 @@
           <a:p>
             <a:fld id="{59B4EDF8-99C2-4B40-889E-2E99E76DA18B}" type="datetimeFigureOut">
               <a:rPr lang="ru-RU" smtClean="0"/>
-              <a:t>12.10.2024</a:t>
+              <a:t>18.10.2024</a:t>
             </a:fld>
             <a:endParaRPr lang="ru-RU"/>
           </a:p>
@@ -2646,7 +2555,7 @@
     </p:spTree>
     <p:extLst>
       <p:ext uri="{BB962C8B-B14F-4D97-AF65-F5344CB8AC3E}">
-        <p14:creationId xmlns:p14="http://schemas.microsoft.com/office/powerpoint/2010/main" val="2593474545"/>
+        <p14:creationId xmlns:p14="http://schemas.microsoft.com/office/powerpoint/2010/main" val="705446823"/>
       </p:ext>
     </p:extLst>
   </p:cSld>
@@ -2690,7 +2599,7 @@
           <a:p>
             <a:fld id="{59B4EDF8-99C2-4B40-889E-2E99E76DA18B}" type="datetimeFigureOut">
               <a:rPr lang="ru-RU" smtClean="0"/>
-              <a:t>12.10.2024</a:t>
+              <a:t>18.10.2024</a:t>
             </a:fld>
             <a:endParaRPr lang="ru-RU"/>
           </a:p>
@@ -2741,7 +2650,7 @@
     </p:spTree>
     <p:extLst>
       <p:ext uri="{BB962C8B-B14F-4D97-AF65-F5344CB8AC3E}">
-        <p14:creationId xmlns:p14="http://schemas.microsoft.com/office/powerpoint/2010/main" val="1635478290"/>
+        <p14:creationId xmlns:p14="http://schemas.microsoft.com/office/powerpoint/2010/main" val="536596681"/>
       </p:ext>
     </p:extLst>
   </p:cSld>
@@ -2967,7 +2876,7 @@
           <a:p>
             <a:fld id="{59B4EDF8-99C2-4B40-889E-2E99E76DA18B}" type="datetimeFigureOut">
               <a:rPr lang="ru-RU" smtClean="0"/>
-              <a:t>12.10.2024</a:t>
+              <a:t>18.10.2024</a:t>
             </a:fld>
             <a:endParaRPr lang="ru-RU"/>
           </a:p>
@@ -3018,7 +2927,7 @@
     </p:spTree>
     <p:extLst>
       <p:ext uri="{BB962C8B-B14F-4D97-AF65-F5344CB8AC3E}">
-        <p14:creationId xmlns:p14="http://schemas.microsoft.com/office/powerpoint/2010/main" val="1345661270"/>
+        <p14:creationId xmlns:p14="http://schemas.microsoft.com/office/powerpoint/2010/main" val="2869285724"/>
       </p:ext>
     </p:extLst>
   </p:cSld>
@@ -3224,7 +3133,7 @@
           <a:p>
             <a:fld id="{59B4EDF8-99C2-4B40-889E-2E99E76DA18B}" type="datetimeFigureOut">
               <a:rPr lang="ru-RU" smtClean="0"/>
-              <a:t>12.10.2024</a:t>
+              <a:t>18.10.2024</a:t>
             </a:fld>
             <a:endParaRPr lang="ru-RU"/>
           </a:p>
@@ -3275,7 +3184,7 @@
     </p:spTree>
     <p:extLst>
       <p:ext uri="{BB962C8B-B14F-4D97-AF65-F5344CB8AC3E}">
-        <p14:creationId xmlns:p14="http://schemas.microsoft.com/office/powerpoint/2010/main" val="2341090237"/>
+        <p14:creationId xmlns:p14="http://schemas.microsoft.com/office/powerpoint/2010/main" val="411461853"/>
       </p:ext>
     </p:extLst>
   </p:cSld>
@@ -3437,7 +3346,7 @@
           <a:p>
             <a:fld id="{59B4EDF8-99C2-4B40-889E-2E99E76DA18B}" type="datetimeFigureOut">
               <a:rPr lang="ru-RU" smtClean="0"/>
-              <a:t>12.10.2024</a:t>
+              <a:t>18.10.2024</a:t>
             </a:fld>
             <a:endParaRPr lang="ru-RU"/>
           </a:p>
@@ -3524,23 +3433,23 @@
     </p:spTree>
     <p:extLst>
       <p:ext uri="{BB962C8B-B14F-4D97-AF65-F5344CB8AC3E}">
-        <p14:creationId xmlns:p14="http://schemas.microsoft.com/office/powerpoint/2010/main" val="2502019342"/>
+        <p14:creationId xmlns:p14="http://schemas.microsoft.com/office/powerpoint/2010/main" val="1779152036"/>
       </p:ext>
     </p:extLst>
   </p:cSld>
   <p:clrMap bg1="dk1" tx1="lt1" bg2="dk2" tx2="lt2" accent1="accent1" accent2="accent2" accent3="accent3" accent4="accent4" accent5="accent5" accent6="accent6" hlink="hlink" folHlink="folHlink"/>
   <p:sldLayoutIdLst>
-    <p:sldLayoutId id="2147483661" r:id="rId1"/>
-    <p:sldLayoutId id="2147483662" r:id="rId2"/>
-    <p:sldLayoutId id="2147483663" r:id="rId3"/>
-    <p:sldLayoutId id="2147483664" r:id="rId4"/>
-    <p:sldLayoutId id="2147483665" r:id="rId5"/>
-    <p:sldLayoutId id="2147483666" r:id="rId6"/>
-    <p:sldLayoutId id="2147483667" r:id="rId7"/>
-    <p:sldLayoutId id="2147483668" r:id="rId8"/>
-    <p:sldLayoutId id="2147483669" r:id="rId9"/>
-    <p:sldLayoutId id="2147483670" r:id="rId10"/>
-    <p:sldLayoutId id="2147483671" r:id="rId11"/>
+    <p:sldLayoutId id="2147483757" r:id="rId1"/>
+    <p:sldLayoutId id="2147483758" r:id="rId2"/>
+    <p:sldLayoutId id="2147483759" r:id="rId3"/>
+    <p:sldLayoutId id="2147483760" r:id="rId4"/>
+    <p:sldLayoutId id="2147483761" r:id="rId5"/>
+    <p:sldLayoutId id="2147483762" r:id="rId6"/>
+    <p:sldLayoutId id="2147483763" r:id="rId7"/>
+    <p:sldLayoutId id="2147483764" r:id="rId8"/>
+    <p:sldLayoutId id="2147483765" r:id="rId9"/>
+    <p:sldLayoutId id="2147483766" r:id="rId10"/>
+    <p:sldLayoutId id="2147483767" r:id="rId11"/>
   </p:sldLayoutIdLst>
   <p:txStyles>
     <p:titleStyle>
@@ -6606,7 +6515,7 @@
           <a:p>
             <a:r>
               <a:rPr lang="ru-RU" dirty="0"/>
-              <a:t>Устройство СТ</a:t>
+              <a:t>Устройство СНМ</a:t>
             </a:r>
           </a:p>
         </p:txBody>
@@ -6859,8 +6768,8 @@
             <a:chExt cx="241920" cy="943920"/>
           </a:xfrm>
         </p:grpSpPr>
-        <mc:AlternateContent xmlns:mc="http://schemas.openxmlformats.org/markup-compatibility/2006">
-          <mc:Choice xmlns:p14="http://schemas.microsoft.com/office/powerpoint/2010/main" Requires="p14">
+        <mc:AlternateContent xmlns:mc="http://schemas.openxmlformats.org/markup-compatibility/2006" xmlns:p14="http://schemas.microsoft.com/office/powerpoint/2010/main">
+          <mc:Choice Requires="p14">
             <p:contentPart p14:bwMode="auto" r:id="rId2">
               <p14:nvContentPartPr>
                 <p14:cNvPr id="8" name="Рукописный ввод 7">
@@ -6879,7 +6788,7 @@
               </p14:xfrm>
             </p:contentPart>
           </mc:Choice>
-          <mc:Fallback>
+          <mc:Fallback xmlns="">
             <p:pic>
               <p:nvPicPr>
                 <p:cNvPr id="8" name="Рукописный ввод 7">
@@ -6910,8 +6819,8 @@
             </p:pic>
           </mc:Fallback>
         </mc:AlternateContent>
-        <mc:AlternateContent xmlns:mc="http://schemas.openxmlformats.org/markup-compatibility/2006">
-          <mc:Choice xmlns:p14="http://schemas.microsoft.com/office/powerpoint/2010/main" Requires="p14">
+        <mc:AlternateContent xmlns:mc="http://schemas.openxmlformats.org/markup-compatibility/2006" xmlns:p14="http://schemas.microsoft.com/office/powerpoint/2010/main">
+          <mc:Choice Requires="p14">
             <p:contentPart p14:bwMode="auto" r:id="rId4">
               <p14:nvContentPartPr>
                 <p14:cNvPr id="9" name="Рукописный ввод 8">
@@ -6930,7 +6839,7 @@
               </p14:xfrm>
             </p:contentPart>
           </mc:Choice>
-          <mc:Fallback>
+          <mc:Fallback xmlns="">
             <p:pic>
               <p:nvPicPr>
                 <p:cNvPr id="9" name="Рукописный ввод 8">
@@ -6961,8 +6870,8 @@
             </p:pic>
           </mc:Fallback>
         </mc:AlternateContent>
-        <mc:AlternateContent xmlns:mc="http://schemas.openxmlformats.org/markup-compatibility/2006">
-          <mc:Choice xmlns:p14="http://schemas.microsoft.com/office/powerpoint/2010/main" Requires="p14">
+        <mc:AlternateContent xmlns:mc="http://schemas.openxmlformats.org/markup-compatibility/2006" xmlns:p14="http://schemas.microsoft.com/office/powerpoint/2010/main">
+          <mc:Choice Requires="p14">
             <p:contentPart p14:bwMode="auto" r:id="rId6">
               <p14:nvContentPartPr>
                 <p14:cNvPr id="10" name="Рукописный ввод 9">
@@ -6981,7 +6890,7 @@
               </p14:xfrm>
             </p:contentPart>
           </mc:Choice>
-          <mc:Fallback>
+          <mc:Fallback xmlns="">
             <p:pic>
               <p:nvPicPr>
                 <p:cNvPr id="10" name="Рукописный ввод 9">
@@ -7033,8 +6942,8 @@
             <a:chExt cx="869040" cy="223560"/>
           </a:xfrm>
         </p:grpSpPr>
-        <mc:AlternateContent xmlns:mc="http://schemas.openxmlformats.org/markup-compatibility/2006">
-          <mc:Choice xmlns:p14="http://schemas.microsoft.com/office/powerpoint/2010/main" Requires="p14">
+        <mc:AlternateContent xmlns:mc="http://schemas.openxmlformats.org/markup-compatibility/2006" xmlns:p14="http://schemas.microsoft.com/office/powerpoint/2010/main">
+          <mc:Choice Requires="p14">
             <p:contentPart p14:bwMode="auto" r:id="rId8">
               <p14:nvContentPartPr>
                 <p14:cNvPr id="12" name="Рукописный ввод 11">
@@ -7053,7 +6962,7 @@
               </p14:xfrm>
             </p:contentPart>
           </mc:Choice>
-          <mc:Fallback>
+          <mc:Fallback xmlns="">
             <p:pic>
               <p:nvPicPr>
                 <p:cNvPr id="12" name="Рукописный ввод 11">
@@ -7084,8 +6993,8 @@
             </p:pic>
           </mc:Fallback>
         </mc:AlternateContent>
-        <mc:AlternateContent xmlns:mc="http://schemas.openxmlformats.org/markup-compatibility/2006">
-          <mc:Choice xmlns:p14="http://schemas.microsoft.com/office/powerpoint/2010/main" Requires="p14">
+        <mc:AlternateContent xmlns:mc="http://schemas.openxmlformats.org/markup-compatibility/2006" xmlns:p14="http://schemas.microsoft.com/office/powerpoint/2010/main">
+          <mc:Choice Requires="p14">
             <p:contentPart p14:bwMode="auto" r:id="rId10">
               <p14:nvContentPartPr>
                 <p14:cNvPr id="13" name="Рукописный ввод 12">
@@ -7104,7 +7013,7 @@
               </p14:xfrm>
             </p:contentPart>
           </mc:Choice>
-          <mc:Fallback>
+          <mc:Fallback xmlns="">
             <p:pic>
               <p:nvPicPr>
                 <p:cNvPr id="13" name="Рукописный ввод 12">
@@ -7136,8 +7045,8 @@
           </mc:Fallback>
         </mc:AlternateContent>
       </p:grpSp>
-      <mc:AlternateContent xmlns:mc="http://schemas.openxmlformats.org/markup-compatibility/2006">
-        <mc:Choice xmlns:p14="http://schemas.microsoft.com/office/powerpoint/2010/main" Requires="p14">
+      <mc:AlternateContent xmlns:mc="http://schemas.openxmlformats.org/markup-compatibility/2006" xmlns:p14="http://schemas.microsoft.com/office/powerpoint/2010/main">
+        <mc:Choice Requires="p14">
           <p:contentPart p14:bwMode="auto" r:id="rId12">
             <p14:nvContentPartPr>
               <p14:cNvPr id="15" name="Рукописный ввод 14">
@@ -7156,7 +7065,7 @@
             </p14:xfrm>
           </p:contentPart>
         </mc:Choice>
-        <mc:Fallback>
+        <mc:Fallback xmlns="">
           <p:pic>
             <p:nvPicPr>
               <p:cNvPr id="15" name="Рукописный ввод 14">
@@ -7179,159 +7088,6 @@
               <a:xfrm>
                 <a:off x="8794215" y="2583840"/>
                 <a:ext cx="778320" cy="196920"/>
-              </a:xfrm>
-              <a:prstGeom prst="rect">
-                <a:avLst/>
-              </a:prstGeom>
-            </p:spPr>
-          </p:pic>
-        </mc:Fallback>
-      </mc:AlternateContent>
-      <mc:AlternateContent xmlns:mc="http://schemas.openxmlformats.org/markup-compatibility/2006">
-        <mc:Choice xmlns:p14="http://schemas.microsoft.com/office/powerpoint/2010/main" Requires="p14">
-          <p:contentPart p14:bwMode="auto" r:id="rId14">
-            <p14:nvContentPartPr>
-              <p14:cNvPr id="16" name="Рукописный ввод 15">
-                <a:extLst>
-                  <a:ext uri="{FF2B5EF4-FFF2-40B4-BE49-F238E27FC236}">
-                    <a16:creationId xmlns:a16="http://schemas.microsoft.com/office/drawing/2014/main" id="{BDEBFCD6-33DC-44C1-949A-B8014778D156}"/>
-                  </a:ext>
-                </a:extLst>
-              </p14:cNvPr>
-              <p14:cNvContentPartPr/>
-              <p14:nvPr/>
-            </p14:nvContentPartPr>
-            <p14:xfrm>
-              <a:off x="8763615" y="2555400"/>
-              <a:ext cx="277200" cy="251280"/>
-            </p14:xfrm>
-          </p:contentPart>
-        </mc:Choice>
-        <mc:Fallback>
-          <p:pic>
-            <p:nvPicPr>
-              <p:cNvPr id="16" name="Рукописный ввод 15">
-                <a:extLst>
-                  <a:ext uri="{FF2B5EF4-FFF2-40B4-BE49-F238E27FC236}">
-                    <a16:creationId xmlns:a16="http://schemas.microsoft.com/office/drawing/2014/main" id="{BDEBFCD6-33DC-44C1-949A-B8014778D156}"/>
-                  </a:ext>
-                </a:extLst>
-              </p:cNvPr>
-              <p:cNvPicPr/>
-              <p:nvPr/>
-            </p:nvPicPr>
-            <p:blipFill>
-              <a:blip r:embed="rId15"/>
-              <a:stretch>
-                <a:fillRect/>
-              </a:stretch>
-            </p:blipFill>
-            <p:spPr>
-              <a:xfrm>
-                <a:off x="8754975" y="2546760"/>
-                <a:ext cx="294840" cy="268920"/>
-              </a:xfrm>
-              <a:prstGeom prst="rect">
-                <a:avLst/>
-              </a:prstGeom>
-            </p:spPr>
-          </p:pic>
-        </mc:Fallback>
-      </mc:AlternateContent>
-      <mc:AlternateContent xmlns:mc="http://schemas.openxmlformats.org/markup-compatibility/2006">
-        <mc:Choice xmlns:p14="http://schemas.microsoft.com/office/powerpoint/2010/main" Requires="p14">
-          <p:contentPart p14:bwMode="auto" r:id="rId16">
-            <p14:nvContentPartPr>
-              <p14:cNvPr id="17" name="Рукописный ввод 16">
-                <a:extLst>
-                  <a:ext uri="{FF2B5EF4-FFF2-40B4-BE49-F238E27FC236}">
-                    <a16:creationId xmlns:a16="http://schemas.microsoft.com/office/drawing/2014/main" id="{1B734C32-1D31-4787-9C18-186301FC5652}"/>
-                  </a:ext>
-                </a:extLst>
-              </p14:cNvPr>
-              <p14:cNvContentPartPr/>
-              <p14:nvPr/>
-            </p14:nvContentPartPr>
-            <p14:xfrm>
-              <a:off x="8836695" y="2532720"/>
-              <a:ext cx="717840" cy="325440"/>
-            </p14:xfrm>
-          </p:contentPart>
-        </mc:Choice>
-        <mc:Fallback>
-          <p:pic>
-            <p:nvPicPr>
-              <p:cNvPr id="17" name="Рукописный ввод 16">
-                <a:extLst>
-                  <a:ext uri="{FF2B5EF4-FFF2-40B4-BE49-F238E27FC236}">
-                    <a16:creationId xmlns:a16="http://schemas.microsoft.com/office/drawing/2014/main" id="{1B734C32-1D31-4787-9C18-186301FC5652}"/>
-                  </a:ext>
-                </a:extLst>
-              </p:cNvPr>
-              <p:cNvPicPr/>
-              <p:nvPr/>
-            </p:nvPicPr>
-            <p:blipFill>
-              <a:blip r:embed="rId17"/>
-              <a:stretch>
-                <a:fillRect/>
-              </a:stretch>
-            </p:blipFill>
-            <p:spPr>
-              <a:xfrm>
-                <a:off x="8828055" y="2524080"/>
-                <a:ext cx="735480" cy="343080"/>
-              </a:xfrm>
-              <a:prstGeom prst="rect">
-                <a:avLst/>
-              </a:prstGeom>
-            </p:spPr>
-          </p:pic>
-        </mc:Fallback>
-      </mc:AlternateContent>
-      <mc:AlternateContent xmlns:mc="http://schemas.openxmlformats.org/markup-compatibility/2006">
-        <mc:Choice xmlns:p14="http://schemas.microsoft.com/office/powerpoint/2010/main" Requires="p14">
-          <p:contentPart p14:bwMode="auto" r:id="rId18">
-            <p14:nvContentPartPr>
-              <p14:cNvPr id="18" name="Рукописный ввод 17">
-                <a:extLst>
-                  <a:ext uri="{FF2B5EF4-FFF2-40B4-BE49-F238E27FC236}">
-                    <a16:creationId xmlns:a16="http://schemas.microsoft.com/office/drawing/2014/main" id="{DBDCC49C-014A-46EA-8771-5A254B4762F0}"/>
-                  </a:ext>
-                </a:extLst>
-              </p14:cNvPr>
-              <p14:cNvContentPartPr/>
-              <p14:nvPr/>
-            </p14:nvContentPartPr>
-            <p14:xfrm>
-              <a:off x="6555735" y="1538760"/>
-              <a:ext cx="3233880" cy="571320"/>
-            </p14:xfrm>
-          </p:contentPart>
-        </mc:Choice>
-        <mc:Fallback>
-          <p:pic>
-            <p:nvPicPr>
-              <p:cNvPr id="18" name="Рукописный ввод 17">
-                <a:extLst>
-                  <a:ext uri="{FF2B5EF4-FFF2-40B4-BE49-F238E27FC236}">
-                    <a16:creationId xmlns:a16="http://schemas.microsoft.com/office/drawing/2014/main" id="{DBDCC49C-014A-46EA-8771-5A254B4762F0}"/>
-                  </a:ext>
-                </a:extLst>
-              </p:cNvPr>
-              <p:cNvPicPr/>
-              <p:nvPr/>
-            </p:nvPicPr>
-            <p:blipFill>
-              <a:blip r:embed="rId19"/>
-              <a:stretch>
-                <a:fillRect/>
-              </a:stretch>
-            </p:blipFill>
-            <p:spPr>
-              <a:xfrm>
-                <a:off x="6546735" y="1529760"/>
-                <a:ext cx="3251520" cy="588960"/>
               </a:xfrm>
               <a:prstGeom prst="rect">
                 <a:avLst/>
@@ -7478,7 +7234,7 @@
         </p:nvSpPr>
         <p:spPr>
           <a:xfrm>
-            <a:off x="838200" y="234258"/>
+            <a:off x="838200" y="110493"/>
             <a:ext cx="10515600" cy="1325563"/>
           </a:xfrm>
         </p:spPr>
@@ -7738,8 +7494,8 @@
           </a:p>
         </p:txBody>
       </p:sp>
-      <mc:AlternateContent xmlns:mc="http://schemas.openxmlformats.org/markup-compatibility/2006">
-        <mc:Choice xmlns:p14="http://schemas.microsoft.com/office/powerpoint/2010/main" Requires="p14">
+      <mc:AlternateContent xmlns:mc="http://schemas.openxmlformats.org/markup-compatibility/2006" xmlns:p14="http://schemas.microsoft.com/office/powerpoint/2010/main">
+        <mc:Choice Requires="p14">
           <p:contentPart p14:bwMode="auto" r:id="rId2">
             <p14:nvContentPartPr>
               <p14:cNvPr id="18" name="Рукописный ввод 17">
@@ -7758,7 +7514,7 @@
             </p14:xfrm>
           </p:contentPart>
         </mc:Choice>
-        <mc:Fallback>
+        <mc:Fallback xmlns="">
           <p:pic>
             <p:nvPicPr>
               <p:cNvPr id="18" name="Рукописный ввод 17">
@@ -7809,8 +7565,8 @@
             <a:chExt cx="3251160" cy="673560"/>
           </a:xfrm>
         </p:grpSpPr>
-        <mc:AlternateContent xmlns:mc="http://schemas.openxmlformats.org/markup-compatibility/2006">
-          <mc:Choice xmlns:p14="http://schemas.microsoft.com/office/powerpoint/2010/main" Requires="p14">
+        <mc:AlternateContent xmlns:mc="http://schemas.openxmlformats.org/markup-compatibility/2006" xmlns:p14="http://schemas.microsoft.com/office/powerpoint/2010/main">
+          <mc:Choice Requires="p14">
             <p:contentPart p14:bwMode="auto" r:id="rId4">
               <p14:nvContentPartPr>
                 <p14:cNvPr id="19" name="Рукописный ввод 18">
@@ -7829,7 +7585,7 @@
               </p14:xfrm>
             </p:contentPart>
           </mc:Choice>
-          <mc:Fallback>
+          <mc:Fallback xmlns="">
             <p:pic>
               <p:nvPicPr>
                 <p:cNvPr id="19" name="Рукописный ввод 18">
@@ -7860,8 +7616,8 @@
             </p:pic>
           </mc:Fallback>
         </mc:AlternateContent>
-        <mc:AlternateContent xmlns:mc="http://schemas.openxmlformats.org/markup-compatibility/2006">
-          <mc:Choice xmlns:p14="http://schemas.microsoft.com/office/powerpoint/2010/main" Requires="p14">
+        <mc:AlternateContent xmlns:mc="http://schemas.openxmlformats.org/markup-compatibility/2006" xmlns:p14="http://schemas.microsoft.com/office/powerpoint/2010/main">
+          <mc:Choice Requires="p14">
             <p:contentPart p14:bwMode="auto" r:id="rId6">
               <p14:nvContentPartPr>
                 <p14:cNvPr id="20" name="Рукописный ввод 19">
@@ -7880,7 +7636,7 @@
               </p14:xfrm>
             </p:contentPart>
           </mc:Choice>
-          <mc:Fallback>
+          <mc:Fallback xmlns="">
             <p:pic>
               <p:nvPicPr>
                 <p:cNvPr id="20" name="Рукописный ввод 19">
@@ -7911,8 +7667,8 @@
             </p:pic>
           </mc:Fallback>
         </mc:AlternateContent>
-        <mc:AlternateContent xmlns:mc="http://schemas.openxmlformats.org/markup-compatibility/2006">
-          <mc:Choice xmlns:p14="http://schemas.microsoft.com/office/powerpoint/2010/main" Requires="p14">
+        <mc:AlternateContent xmlns:mc="http://schemas.openxmlformats.org/markup-compatibility/2006" xmlns:p14="http://schemas.microsoft.com/office/powerpoint/2010/main">
+          <mc:Choice Requires="p14">
             <p:contentPart p14:bwMode="auto" r:id="rId8">
               <p14:nvContentPartPr>
                 <p14:cNvPr id="21" name="Рукописный ввод 20">
@@ -7931,7 +7687,7 @@
               </p14:xfrm>
             </p:contentPart>
           </mc:Choice>
-          <mc:Fallback>
+          <mc:Fallback xmlns="">
             <p:pic>
               <p:nvPicPr>
                 <p:cNvPr id="21" name="Рукописный ввод 20">
@@ -7963,8 +7719,8 @@
           </mc:Fallback>
         </mc:AlternateContent>
       </p:grpSp>
-      <mc:AlternateContent xmlns:mc="http://schemas.openxmlformats.org/markup-compatibility/2006">
-        <mc:Choice xmlns:p14="http://schemas.microsoft.com/office/powerpoint/2010/main" Requires="p14">
+      <mc:AlternateContent xmlns:mc="http://schemas.openxmlformats.org/markup-compatibility/2006" xmlns:p14="http://schemas.microsoft.com/office/powerpoint/2010/main">
+        <mc:Choice Requires="p14">
           <p:contentPart p14:bwMode="auto" r:id="rId10">
             <p14:nvContentPartPr>
               <p14:cNvPr id="22" name="Рукописный ввод 21">
@@ -7983,7 +7739,7 @@
             </p14:xfrm>
           </p:contentPart>
         </mc:Choice>
-        <mc:Fallback>
+        <mc:Fallback xmlns="">
           <p:pic>
             <p:nvPicPr>
               <p:cNvPr id="22" name="Рукописный ввод 21">
@@ -8279,8 +8035,8 @@
             <a:chExt cx="602640" cy="212040"/>
           </a:xfrm>
         </p:grpSpPr>
-        <mc:AlternateContent xmlns:mc="http://schemas.openxmlformats.org/markup-compatibility/2006">
-          <mc:Choice xmlns:p14="http://schemas.microsoft.com/office/powerpoint/2010/main" Requires="p14">
+        <mc:AlternateContent xmlns:mc="http://schemas.openxmlformats.org/markup-compatibility/2006" xmlns:p14="http://schemas.microsoft.com/office/powerpoint/2010/main">
+          <mc:Choice Requires="p14">
             <p:contentPart p14:bwMode="auto" r:id="rId12">
               <p14:nvContentPartPr>
                 <p14:cNvPr id="34" name="Рукописный ввод 33">
@@ -8299,7 +8055,7 @@
               </p14:xfrm>
             </p:contentPart>
           </mc:Choice>
-          <mc:Fallback>
+          <mc:Fallback xmlns="">
             <p:pic>
               <p:nvPicPr>
                 <p:cNvPr id="34" name="Рукописный ввод 33">
@@ -8330,8 +8086,8 @@
             </p:pic>
           </mc:Fallback>
         </mc:AlternateContent>
-        <mc:AlternateContent xmlns:mc="http://schemas.openxmlformats.org/markup-compatibility/2006">
-          <mc:Choice xmlns:p14="http://schemas.microsoft.com/office/powerpoint/2010/main" Requires="p14">
+        <mc:AlternateContent xmlns:mc="http://schemas.openxmlformats.org/markup-compatibility/2006" xmlns:p14="http://schemas.microsoft.com/office/powerpoint/2010/main">
+          <mc:Choice Requires="p14">
             <p:contentPart p14:bwMode="auto" r:id="rId14">
               <p14:nvContentPartPr>
                 <p14:cNvPr id="35" name="Рукописный ввод 34">
@@ -8350,7 +8106,7 @@
               </p14:xfrm>
             </p:contentPart>
           </mc:Choice>
-          <mc:Fallback>
+          <mc:Fallback xmlns="">
             <p:pic>
               <p:nvPicPr>
                 <p:cNvPr id="35" name="Рукописный ввод 34">
@@ -8382,8 +8138,8 @@
           </mc:Fallback>
         </mc:AlternateContent>
       </p:grpSp>
-      <mc:AlternateContent xmlns:mc="http://schemas.openxmlformats.org/markup-compatibility/2006">
-        <mc:Choice xmlns:p14="http://schemas.microsoft.com/office/powerpoint/2010/main" Requires="p14">
+      <mc:AlternateContent xmlns:mc="http://schemas.openxmlformats.org/markup-compatibility/2006" xmlns:p14="http://schemas.microsoft.com/office/powerpoint/2010/main">
+        <mc:Choice Requires="p14">
           <p:contentPart p14:bwMode="auto" r:id="rId16">
             <p14:nvContentPartPr>
               <p14:cNvPr id="37" name="Рукописный ввод 36">
@@ -8402,7 +8158,7 @@
             </p14:xfrm>
           </p:contentPart>
         </mc:Choice>
-        <mc:Fallback>
+        <mc:Fallback xmlns="">
           <p:pic>
             <p:nvPicPr>
               <p:cNvPr id="37" name="Рукописный ввод 36">
@@ -8433,8 +8189,8 @@
           </p:pic>
         </mc:Fallback>
       </mc:AlternateContent>
-      <mc:AlternateContent xmlns:mc="http://schemas.openxmlformats.org/markup-compatibility/2006">
-        <mc:Choice xmlns:p14="http://schemas.microsoft.com/office/powerpoint/2010/main" Requires="p14">
+      <mc:AlternateContent xmlns:mc="http://schemas.openxmlformats.org/markup-compatibility/2006" xmlns:p14="http://schemas.microsoft.com/office/powerpoint/2010/main">
+        <mc:Choice Requires="p14">
           <p:contentPart p14:bwMode="auto" r:id="rId18">
             <p14:nvContentPartPr>
               <p14:cNvPr id="38" name="Рукописный ввод 37">
@@ -8453,7 +8209,7 @@
             </p14:xfrm>
           </p:contentPart>
         </mc:Choice>
-        <mc:Fallback>
+        <mc:Fallback xmlns="">
           <p:pic>
             <p:nvPicPr>
               <p:cNvPr id="38" name="Рукописный ввод 37">
@@ -8484,8 +8240,8 @@
           </p:pic>
         </mc:Fallback>
       </mc:AlternateContent>
-      <mc:AlternateContent xmlns:mc="http://schemas.openxmlformats.org/markup-compatibility/2006">
-        <mc:Choice xmlns:p14="http://schemas.microsoft.com/office/powerpoint/2010/main" Requires="p14">
+      <mc:AlternateContent xmlns:mc="http://schemas.openxmlformats.org/markup-compatibility/2006" xmlns:p14="http://schemas.microsoft.com/office/powerpoint/2010/main">
+        <mc:Choice Requires="p14">
           <p:contentPart p14:bwMode="auto" r:id="rId20">
             <p14:nvContentPartPr>
               <p14:cNvPr id="39" name="Рукописный ввод 38">
@@ -8504,7 +8260,7 @@
             </p14:xfrm>
           </p:contentPart>
         </mc:Choice>
-        <mc:Fallback>
+        <mc:Fallback xmlns="">
           <p:pic>
             <p:nvPicPr>
               <p:cNvPr id="39" name="Рукописный ввод 38">
@@ -8800,8 +8556,8 @@
             <a:chExt cx="297720" cy="312120"/>
           </a:xfrm>
         </p:grpSpPr>
-        <mc:AlternateContent xmlns:mc="http://schemas.openxmlformats.org/markup-compatibility/2006">
-          <mc:Choice xmlns:p14="http://schemas.microsoft.com/office/powerpoint/2010/main" Requires="p14">
+        <mc:AlternateContent xmlns:mc="http://schemas.openxmlformats.org/markup-compatibility/2006" xmlns:p14="http://schemas.microsoft.com/office/powerpoint/2010/main">
+          <mc:Choice Requires="p14">
             <p:contentPart p14:bwMode="auto" r:id="rId22">
               <p14:nvContentPartPr>
                 <p14:cNvPr id="45" name="Рукописный ввод 44">
@@ -8820,7 +8576,7 @@
               </p14:xfrm>
             </p:contentPart>
           </mc:Choice>
-          <mc:Fallback>
+          <mc:Fallback xmlns="">
             <p:pic>
               <p:nvPicPr>
                 <p:cNvPr id="45" name="Рукописный ввод 44">
@@ -8851,8 +8607,8 @@
             </p:pic>
           </mc:Fallback>
         </mc:AlternateContent>
-        <mc:AlternateContent xmlns:mc="http://schemas.openxmlformats.org/markup-compatibility/2006">
-          <mc:Choice xmlns:p14="http://schemas.microsoft.com/office/powerpoint/2010/main" Requires="p14">
+        <mc:AlternateContent xmlns:mc="http://schemas.openxmlformats.org/markup-compatibility/2006" xmlns:p14="http://schemas.microsoft.com/office/powerpoint/2010/main">
+          <mc:Choice Requires="p14">
             <p:contentPart p14:bwMode="auto" r:id="rId24">
               <p14:nvContentPartPr>
                 <p14:cNvPr id="46" name="Рукописный ввод 45">
@@ -8871,7 +8627,7 @@
               </p14:xfrm>
             </p:contentPart>
           </mc:Choice>
-          <mc:Fallback>
+          <mc:Fallback xmlns="">
             <p:pic>
               <p:nvPicPr>
                 <p:cNvPr id="46" name="Рукописный ввод 45">
@@ -8903,8 +8659,8 @@
           </mc:Fallback>
         </mc:AlternateContent>
       </p:grpSp>
-      <mc:AlternateContent xmlns:mc="http://schemas.openxmlformats.org/markup-compatibility/2006">
-        <mc:Choice xmlns:p14="http://schemas.microsoft.com/office/powerpoint/2010/main" Requires="p14">
+      <mc:AlternateContent xmlns:mc="http://schemas.openxmlformats.org/markup-compatibility/2006" xmlns:p14="http://schemas.microsoft.com/office/powerpoint/2010/main">
+        <mc:Choice Requires="p14">
           <p:contentPart p14:bwMode="auto" r:id="rId26">
             <p14:nvContentPartPr>
               <p14:cNvPr id="47" name="Рукописный ввод 46">
@@ -8923,7 +8679,7 @@
             </p14:xfrm>
           </p:contentPart>
         </mc:Choice>
-        <mc:Fallback>
+        <mc:Fallback xmlns="">
           <p:pic>
             <p:nvPicPr>
               <p:cNvPr id="47" name="Рукописный ввод 46">
@@ -8954,8 +8710,8 @@
           </p:pic>
         </mc:Fallback>
       </mc:AlternateContent>
-      <mc:AlternateContent xmlns:mc="http://schemas.openxmlformats.org/markup-compatibility/2006">
-        <mc:Choice xmlns:p14="http://schemas.microsoft.com/office/powerpoint/2010/main" Requires="p14">
+      <mc:AlternateContent xmlns:mc="http://schemas.openxmlformats.org/markup-compatibility/2006" xmlns:p14="http://schemas.microsoft.com/office/powerpoint/2010/main">
+        <mc:Choice Requires="p14">
           <p:contentPart p14:bwMode="auto" r:id="rId28">
             <p14:nvContentPartPr>
               <p14:cNvPr id="49" name="Рукописный ввод 48">
@@ -8974,7 +8730,7 @@
             </p14:xfrm>
           </p:contentPart>
         </mc:Choice>
-        <mc:Fallback>
+        <mc:Fallback xmlns="">
           <p:pic>
             <p:nvPicPr>
               <p:cNvPr id="49" name="Рукописный ввод 48">
@@ -9025,8 +8781,8 @@
             <a:chExt cx="402480" cy="413280"/>
           </a:xfrm>
         </p:grpSpPr>
-        <mc:AlternateContent xmlns:mc="http://schemas.openxmlformats.org/markup-compatibility/2006">
-          <mc:Choice xmlns:p14="http://schemas.microsoft.com/office/powerpoint/2010/main" Requires="p14">
+        <mc:AlternateContent xmlns:mc="http://schemas.openxmlformats.org/markup-compatibility/2006" xmlns:p14="http://schemas.microsoft.com/office/powerpoint/2010/main">
+          <mc:Choice Requires="p14">
             <p:contentPart p14:bwMode="auto" r:id="rId30">
               <p14:nvContentPartPr>
                 <p14:cNvPr id="51" name="Рукописный ввод 50">
@@ -9045,7 +8801,7 @@
               </p14:xfrm>
             </p:contentPart>
           </mc:Choice>
-          <mc:Fallback>
+          <mc:Fallback xmlns="">
             <p:pic>
               <p:nvPicPr>
                 <p:cNvPr id="51" name="Рукописный ввод 50">
@@ -9076,8 +8832,8 @@
             </p:pic>
           </mc:Fallback>
         </mc:AlternateContent>
-        <mc:AlternateContent xmlns:mc="http://schemas.openxmlformats.org/markup-compatibility/2006">
-          <mc:Choice xmlns:p14="http://schemas.microsoft.com/office/powerpoint/2010/main" Requires="p14">
+        <mc:AlternateContent xmlns:mc="http://schemas.openxmlformats.org/markup-compatibility/2006" xmlns:p14="http://schemas.microsoft.com/office/powerpoint/2010/main">
+          <mc:Choice Requires="p14">
             <p:contentPart p14:bwMode="auto" r:id="rId32">
               <p14:nvContentPartPr>
                 <p14:cNvPr id="52" name="Рукописный ввод 51">
@@ -9096,7 +8852,7 @@
               </p14:xfrm>
             </p:contentPart>
           </mc:Choice>
-          <mc:Fallback>
+          <mc:Fallback xmlns="">
             <p:pic>
               <p:nvPicPr>
                 <p:cNvPr id="52" name="Рукописный ввод 51">
@@ -9127,8 +8883,8 @@
             </p:pic>
           </mc:Fallback>
         </mc:AlternateContent>
-        <mc:AlternateContent xmlns:mc="http://schemas.openxmlformats.org/markup-compatibility/2006">
-          <mc:Choice xmlns:p14="http://schemas.microsoft.com/office/powerpoint/2010/main" Requires="p14">
+        <mc:AlternateContent xmlns:mc="http://schemas.openxmlformats.org/markup-compatibility/2006" xmlns:p14="http://schemas.microsoft.com/office/powerpoint/2010/main">
+          <mc:Choice Requires="p14">
             <p:contentPart p14:bwMode="auto" r:id="rId34">
               <p14:nvContentPartPr>
                 <p14:cNvPr id="55" name="Рукописный ввод 54">
@@ -9147,7 +8903,7 @@
               </p14:xfrm>
             </p:contentPart>
           </mc:Choice>
-          <mc:Fallback>
+          <mc:Fallback xmlns="">
             <p:pic>
               <p:nvPicPr>
                 <p:cNvPr id="55" name="Рукописный ввод 54">
@@ -9178,8 +8934,8 @@
             </p:pic>
           </mc:Fallback>
         </mc:AlternateContent>
-        <mc:AlternateContent xmlns:mc="http://schemas.openxmlformats.org/markup-compatibility/2006">
-          <mc:Choice xmlns:p14="http://schemas.microsoft.com/office/powerpoint/2010/main" Requires="p14">
+        <mc:AlternateContent xmlns:mc="http://schemas.openxmlformats.org/markup-compatibility/2006" xmlns:p14="http://schemas.microsoft.com/office/powerpoint/2010/main">
+          <mc:Choice Requires="p14">
             <p:contentPart p14:bwMode="auto" r:id="rId36">
               <p14:nvContentPartPr>
                 <p14:cNvPr id="56" name="Рукописный ввод 55">
@@ -9198,7 +8954,7 @@
               </p14:xfrm>
             </p:contentPart>
           </mc:Choice>
-          <mc:Fallback>
+          <mc:Fallback xmlns="">
             <p:pic>
               <p:nvPicPr>
                 <p:cNvPr id="56" name="Рукописный ввод 55">
@@ -13918,454 +13674,81 @@
           </a:p>
         </p:txBody>
       </p:sp>
-      <mc:AlternateContent xmlns:mc="http://schemas.openxmlformats.org/markup-compatibility/2006">
-        <mc:Choice xmlns:a14="http://schemas.microsoft.com/office/drawing/2010/main" Requires="a14">
-          <p:sp>
-            <p:nvSpPr>
-              <p:cNvPr id="3" name="Объект 2">
-                <a:extLst>
-                  <a:ext uri="{FF2B5EF4-FFF2-40B4-BE49-F238E27FC236}">
-                    <a16:creationId xmlns:a16="http://schemas.microsoft.com/office/drawing/2014/main" id="{EDEC2CA5-62EC-45B5-87C5-EE7091EAF5D5}"/>
-                  </a:ext>
-                </a:extLst>
-              </p:cNvPr>
-              <p:cNvSpPr>
-                <a:spLocks noGrp="1"/>
-              </p:cNvSpPr>
-              <p:nvPr>
-                <p:ph idx="1"/>
-              </p:nvPr>
-            </p:nvSpPr>
-            <p:spPr/>
-            <p:txBody>
-              <a:bodyPr>
-                <a:normAutofit lnSpcReduction="10000"/>
-              </a:bodyPr>
-              <a:lstStyle/>
-              <a:p>
-                <a:pPr marL="0" indent="0">
-                  <a:buNone/>
-                </a:pPr>
-                <a:r>
-                  <a:rPr lang="ru-RU" dirty="0"/>
-                  <a:t>Принцип работы как у </a:t>
-                </a:r>
-                <a:r>
-                  <a:rPr lang="en-US" dirty="0"/>
-                  <a:t>DSU</a:t>
-                </a:r>
-                <a:r>
-                  <a:rPr lang="ru-RU" dirty="0"/>
-                  <a:t>, но учитываются параметры множества, такие как:</a:t>
-                </a:r>
-              </a:p>
-              <a:p>
-                <a:pPr marL="0" indent="0">
-                  <a:buNone/>
-                </a:pPr>
-                <a:r>
-                  <a:rPr lang="ru-RU" dirty="0"/>
-                  <a:t>	1. размерность</a:t>
-                </a:r>
-              </a:p>
-              <a:p>
-                <a:pPr marL="0" indent="0">
-                  <a:buNone/>
-                </a:pPr>
-                <a:r>
-                  <a:rPr lang="ru-RU" dirty="0"/>
-                  <a:t>	2. глубина</a:t>
-                </a:r>
-                <a:endParaRPr lang="en-US" dirty="0"/>
-              </a:p>
-              <a:p>
-                <a:pPr marL="0" indent="0">
-                  <a:buNone/>
-                </a:pPr>
-                <a:r>
-                  <a:rPr lang="ru-RU" dirty="0"/>
-                  <a:t>В результате асимптотика: </a:t>
-                </a:r>
-                <a:r>
-                  <a:rPr lang="en-US" dirty="0"/>
-                  <a:t>O(a(m, n)), a(</a:t>
-                </a:r>
-                <a:r>
-                  <a:rPr lang="en-US" dirty="0" err="1"/>
-                  <a:t>m,n</a:t>
-                </a:r>
-                <a:r>
-                  <a:rPr lang="en-US" dirty="0"/>
-                  <a:t>) – </a:t>
-                </a:r>
-                <a:r>
-                  <a:rPr lang="ru-RU" dirty="0"/>
-                  <a:t>обратная функция от функции Аккермана</a:t>
-                </a:r>
-              </a:p>
-              <a:p>
-                <a:pPr marL="0" indent="0">
-                  <a:buNone/>
-                </a:pPr>
-                <a:br>
-                  <a:rPr lang="pt-BR" dirty="0"/>
-                </a:br>
-                <a14:m>
-                  <m:oMathPara xmlns:m="http://schemas.openxmlformats.org/officeDocument/2006/math">
-                    <m:oMathParaPr>
-                      <m:jc m:val="centerGroup"/>
-                    </m:oMathParaPr>
-                    <m:oMath xmlns:m="http://schemas.openxmlformats.org/officeDocument/2006/math">
-                      <m:r>
-                        <a:rPr lang="en-US" b="0" i="1" smtClean="0">
-                          <a:latin typeface="Cambria Math" panose="02040503050406030204" pitchFamily="18" charset="0"/>
-                        </a:rPr>
-                        <m:t>𝐴</m:t>
-                      </m:r>
-                      <m:d>
-                        <m:dPr>
-                          <m:ctrlPr>
-                            <a:rPr lang="en-US" b="0" i="1" smtClean="0">
-                              <a:solidFill>
-                                <a:srgbClr val="836967"/>
-                              </a:solidFill>
-                              <a:latin typeface="Cambria Math" panose="02040503050406030204" pitchFamily="18" charset="0"/>
-                            </a:rPr>
-                          </m:ctrlPr>
-                        </m:dPr>
-                        <m:e>
-                          <m:r>
-                            <a:rPr lang="en-US" b="0" i="1" smtClean="0">
-                              <a:latin typeface="Cambria Math" panose="02040503050406030204" pitchFamily="18" charset="0"/>
-                            </a:rPr>
-                            <m:t>𝑚</m:t>
-                          </m:r>
-                          <m:r>
-                            <a:rPr lang="en-US" b="0" i="0" smtClean="0">
-                              <a:latin typeface="Cambria Math" panose="02040503050406030204" pitchFamily="18" charset="0"/>
-                            </a:rPr>
-                            <m:t>,</m:t>
-                          </m:r>
-                          <m:r>
-                            <a:rPr lang="en-US" b="0" i="1" smtClean="0">
-                              <a:latin typeface="Cambria Math" panose="02040503050406030204" pitchFamily="18" charset="0"/>
-                            </a:rPr>
-                            <m:t>𝑛</m:t>
-                          </m:r>
-                        </m:e>
-                      </m:d>
-                      <m:r>
-                        <a:rPr lang="en-US" b="0" i="0" smtClean="0">
-                          <a:latin typeface="Cambria Math" panose="02040503050406030204" pitchFamily="18" charset="0"/>
-                        </a:rPr>
-                        <m:t>=</m:t>
-                      </m:r>
-                      <m:d>
-                        <m:dPr>
-                          <m:begChr m:val="{"/>
-                          <m:endChr m:val=""/>
-                          <m:ctrlPr>
-                            <a:rPr lang="en-US" b="0" i="1" smtClean="0">
-                              <a:solidFill>
-                                <a:srgbClr val="836967"/>
-                              </a:solidFill>
-                              <a:latin typeface="Cambria Math" panose="02040503050406030204" pitchFamily="18" charset="0"/>
-                            </a:rPr>
-                          </m:ctrlPr>
-                        </m:dPr>
-                        <m:e>
-                          <m:m>
-                            <m:mPr>
-                              <m:plcHide m:val="on"/>
-                              <m:mcs>
-                                <m:mc>
-                                  <m:mcPr>
-                                    <m:count m:val="1"/>
-                                    <m:mcJc m:val="center"/>
-                                  </m:mcPr>
-                                </m:mc>
-                              </m:mcs>
-                              <m:ctrlPr>
-                                <a:rPr lang="en-US" b="0" i="1" smtClean="0">
-                                  <a:solidFill>
-                                    <a:srgbClr val="836967"/>
-                                  </a:solidFill>
-                                  <a:latin typeface="Cambria Math" panose="02040503050406030204" pitchFamily="18" charset="0"/>
-                                </a:rPr>
-                              </m:ctrlPr>
-                            </m:mPr>
-                            <m:mr>
-                              <m:e>
-                                <m:sSup>
-                                  <m:sSupPr>
-                                    <m:ctrlPr>
-                                      <a:rPr lang="en-US" b="0" i="1" smtClean="0">
-                                        <a:solidFill>
-                                          <a:srgbClr val="836967"/>
-                                        </a:solidFill>
-                                        <a:latin typeface="Cambria Math" panose="02040503050406030204" pitchFamily="18" charset="0"/>
-                                      </a:rPr>
-                                    </m:ctrlPr>
-                                  </m:sSupPr>
-                                  <m:e>
-                                    <m:r>
-                                      <a:rPr lang="en-US" b="0" i="0" smtClean="0">
-                                        <a:latin typeface="Cambria Math" panose="02040503050406030204" pitchFamily="18" charset="0"/>
-                                      </a:rPr>
-                                      <m:t>2</m:t>
-                                    </m:r>
-                                  </m:e>
-                                  <m:sup>
-                                    <m:r>
-                                      <a:rPr lang="en-US" b="0" i="1" smtClean="0">
-                                        <a:latin typeface="Cambria Math" panose="02040503050406030204" pitchFamily="18" charset="0"/>
-                                      </a:rPr>
-                                      <m:t>𝑛</m:t>
-                                    </m:r>
-                                  </m:sup>
-                                </m:sSup>
-                                <m:r>
-                                  <a:rPr lang="en-US" b="0" i="0" smtClean="0">
-                                    <a:latin typeface="Cambria Math" panose="02040503050406030204" pitchFamily="18" charset="0"/>
-                                  </a:rPr>
-                                  <m:t>,</m:t>
-                                </m:r>
-                                <m:r>
-                                  <a:rPr lang="en-US" b="0" i="1" smtClean="0">
-                                    <a:latin typeface="Cambria Math" panose="02040503050406030204" pitchFamily="18" charset="0"/>
-                                  </a:rPr>
-                                  <m:t>𝑚</m:t>
-                                </m:r>
-                                <m:r>
-                                  <a:rPr lang="en-US" b="0" i="0" smtClean="0">
-                                    <a:latin typeface="Cambria Math" panose="02040503050406030204" pitchFamily="18" charset="0"/>
-                                  </a:rPr>
-                                  <m:t>=1</m:t>
-                                </m:r>
-                              </m:e>
-                            </m:mr>
-                            <m:mr>
-                              <m:e>
-                                <m:r>
-                                  <a:rPr lang="en-US" b="0" i="0" smtClean="0">
-                                    <a:latin typeface="Cambria Math" panose="02040503050406030204" pitchFamily="18" charset="0"/>
-                                  </a:rPr>
-                                  <m:t>2</m:t>
-                                </m:r>
-                                <m:r>
-                                  <a:rPr lang="en-US" b="0" i="1" smtClean="0">
-                                    <a:latin typeface="Cambria Math" panose="02040503050406030204" pitchFamily="18" charset="0"/>
-                                  </a:rPr>
-                                  <m:t>, </m:t>
-                                </m:r>
-                                <m:r>
-                                  <a:rPr lang="en-US" b="0" i="1" smtClean="0">
-                                    <a:latin typeface="Cambria Math" panose="02040503050406030204" pitchFamily="18" charset="0"/>
-                                  </a:rPr>
-                                  <m:t>𝑚</m:t>
-                                </m:r>
-                                <m:r>
-                                  <a:rPr lang="en-US" b="0" i="1" smtClean="0">
-                                    <a:latin typeface="Cambria Math" panose="02040503050406030204" pitchFamily="18" charset="0"/>
-                                  </a:rPr>
-                                  <m:t>&gt;1,</m:t>
-                                </m:r>
-                                <m:r>
-                                  <a:rPr lang="en-US" b="0" i="1" smtClean="0">
-                                    <a:latin typeface="Cambria Math" panose="02040503050406030204" pitchFamily="18" charset="0"/>
-                                  </a:rPr>
-                                  <m:t>𝑛</m:t>
-                                </m:r>
-                                <m:r>
-                                  <a:rPr lang="en-US" b="0" i="0" smtClean="0">
-                                    <a:latin typeface="Cambria Math" panose="02040503050406030204" pitchFamily="18" charset="0"/>
-                                  </a:rPr>
-                                  <m:t>=0</m:t>
-                                </m:r>
-                              </m:e>
-                            </m:mr>
-                            <m:mr>
-                              <m:e>
-                                <m:r>
-                                  <a:rPr lang="en-US" b="0" i="1" smtClean="0">
-                                    <a:latin typeface="Cambria Math" panose="02040503050406030204" pitchFamily="18" charset="0"/>
-                                  </a:rPr>
-                                  <m:t>𝐴</m:t>
-                                </m:r>
-                                <m:d>
-                                  <m:dPr>
-                                    <m:ctrlPr>
-                                      <a:rPr lang="en-US" b="0" i="0" smtClean="0">
-                                        <a:latin typeface="Cambria Math" panose="02040503050406030204" pitchFamily="18" charset="0"/>
-                                      </a:rPr>
-                                    </m:ctrlPr>
-                                  </m:dPr>
-                                  <m:e>
-                                    <m:r>
-                                      <m:rPr>
-                                        <m:sty m:val="p"/>
-                                      </m:rPr>
-                                      <a:rPr lang="en-US" b="0" i="0" smtClean="0">
-                                        <a:latin typeface="Cambria Math" panose="02040503050406030204" pitchFamily="18" charset="0"/>
-                                      </a:rPr>
-                                      <m:t>m</m:t>
-                                    </m:r>
-                                    <m:r>
-                                      <a:rPr lang="en-US" b="0" i="0" smtClean="0">
-                                        <a:latin typeface="Cambria Math" panose="02040503050406030204" pitchFamily="18" charset="0"/>
-                                      </a:rPr>
-                                      <m:t>−1, </m:t>
-                                    </m:r>
-                                    <m:r>
-                                      <m:rPr>
-                                        <m:sty m:val="p"/>
-                                      </m:rPr>
-                                      <a:rPr lang="en-US" b="0" i="0" smtClean="0">
-                                        <a:latin typeface="Cambria Math" panose="02040503050406030204" pitchFamily="18" charset="0"/>
-                                      </a:rPr>
-                                      <m:t>A</m:t>
-                                    </m:r>
-                                    <m:d>
-                                      <m:dPr>
-                                        <m:ctrlPr>
-                                          <a:rPr lang="en-US" b="0" i="0" smtClean="0">
-                                            <a:latin typeface="Cambria Math" panose="02040503050406030204" pitchFamily="18" charset="0"/>
-                                          </a:rPr>
-                                        </m:ctrlPr>
-                                      </m:dPr>
-                                      <m:e>
-                                        <m:r>
-                                          <m:rPr>
-                                            <m:sty m:val="p"/>
-                                          </m:rPr>
-                                          <a:rPr lang="en-US" b="0" i="0" smtClean="0">
-                                            <a:latin typeface="Cambria Math" panose="02040503050406030204" pitchFamily="18" charset="0"/>
-                                          </a:rPr>
-                                          <m:t>m</m:t>
-                                        </m:r>
-                                        <m:r>
-                                          <a:rPr lang="en-US" b="0" i="0" smtClean="0">
-                                            <a:latin typeface="Cambria Math" panose="02040503050406030204" pitchFamily="18" charset="0"/>
-                                          </a:rPr>
-                                          <m:t>, </m:t>
-                                        </m:r>
-                                        <m:r>
-                                          <m:rPr>
-                                            <m:sty m:val="p"/>
-                                          </m:rPr>
-                                          <a:rPr lang="en-US" b="0" i="0" smtClean="0">
-                                            <a:latin typeface="Cambria Math" panose="02040503050406030204" pitchFamily="18" charset="0"/>
-                                          </a:rPr>
-                                          <m:t>n</m:t>
-                                        </m:r>
-                                        <m:r>
-                                          <a:rPr lang="en-US" b="0" i="0" smtClean="0">
-                                            <a:latin typeface="Cambria Math" panose="02040503050406030204" pitchFamily="18" charset="0"/>
-                                          </a:rPr>
-                                          <m:t>−1</m:t>
-                                        </m:r>
-                                      </m:e>
-                                    </m:d>
-                                  </m:e>
-                                </m:d>
-                                <m:r>
-                                  <a:rPr lang="en-US" b="0" i="0" smtClean="0">
-                                    <a:latin typeface="Cambria Math" panose="02040503050406030204" pitchFamily="18" charset="0"/>
-                                  </a:rPr>
-                                  <m:t>,</m:t>
-                                </m:r>
-                                <m:r>
-                                  <m:rPr>
-                                    <m:sty m:val="p"/>
-                                  </m:rPr>
-                                  <a:rPr lang="en-US" b="0" i="0" smtClean="0">
-                                    <a:latin typeface="Cambria Math" panose="02040503050406030204" pitchFamily="18" charset="0"/>
-                                  </a:rPr>
-                                  <m:t>m</m:t>
-                                </m:r>
-                                <m:r>
-                                  <a:rPr lang="en-US" b="0" i="0" smtClean="0">
-                                    <a:latin typeface="Cambria Math" panose="02040503050406030204" pitchFamily="18" charset="0"/>
-                                  </a:rPr>
-                                  <m:t>&gt;1</m:t>
-                                </m:r>
-                                <m:r>
-                                  <a:rPr lang="en-US" b="0" i="1" smtClean="0">
-                                    <a:latin typeface="Cambria Math" panose="02040503050406030204" pitchFamily="18" charset="0"/>
-                                  </a:rPr>
-                                  <m:t>,</m:t>
-                                </m:r>
-                                <m:r>
-                                  <a:rPr lang="en-US" b="0" i="1" smtClean="0">
-                                    <a:latin typeface="Cambria Math" panose="02040503050406030204" pitchFamily="18" charset="0"/>
-                                  </a:rPr>
-                                  <m:t>𝑛</m:t>
-                                </m:r>
-                                <m:r>
-                                  <a:rPr lang="en-US" b="0" i="1" smtClean="0">
-                                    <a:latin typeface="Cambria Math" panose="02040503050406030204" pitchFamily="18" charset="0"/>
-                                  </a:rPr>
-                                  <m:t>&gt;1</m:t>
-                                </m:r>
-                              </m:e>
-                            </m:mr>
-                          </m:m>
-                        </m:e>
-                      </m:d>
-                    </m:oMath>
-                  </m:oMathPara>
-                </a14:m>
-                <a:endParaRPr lang="en-US" b="0" dirty="0"/>
-              </a:p>
-              <a:p>
-                <a:pPr marL="0" indent="0">
-                  <a:buNone/>
-                </a:pPr>
-                <a:endParaRPr lang="ru-RU" dirty="0"/>
-              </a:p>
-            </p:txBody>
-          </p:sp>
-        </mc:Choice>
-        <mc:Fallback>
-          <p:sp>
-            <p:nvSpPr>
-              <p:cNvPr id="3" name="Объект 2">
-                <a:extLst>
-                  <a:ext uri="{FF2B5EF4-FFF2-40B4-BE49-F238E27FC236}">
-                    <a16:creationId xmlns:a16="http://schemas.microsoft.com/office/drawing/2014/main" id="{EDEC2CA5-62EC-45B5-87C5-EE7091EAF5D5}"/>
-                  </a:ext>
-                </a:extLst>
-              </p:cNvPr>
-              <p:cNvSpPr>
-                <a:spLocks noGrp="1" noRot="1" noChangeAspect="1" noMove="1" noResize="1" noEditPoints="1" noAdjustHandles="1" noChangeArrowheads="1" noChangeShapeType="1" noTextEdit="1"/>
-              </p:cNvSpPr>
-              <p:nvPr>
-                <p:ph idx="1"/>
-              </p:nvPr>
-            </p:nvSpPr>
-            <p:spPr>
-              <a:blipFill>
-                <a:blip r:embed="rId2"/>
-                <a:stretch>
-                  <a:fillRect l="-1217" t="-3081" r="-870"/>
-                </a:stretch>
-              </a:blipFill>
-            </p:spPr>
-            <p:txBody>
-              <a:bodyPr/>
-              <a:lstStyle/>
-              <a:p>
-                <a:r>
-                  <a:rPr lang="ru-RU">
-                    <a:noFill/>
-                  </a:rPr>
-                  <a:t> </a:t>
-                </a:r>
-              </a:p>
-            </p:txBody>
-          </p:sp>
-        </mc:Fallback>
-      </mc:AlternateContent>
+      <p:sp>
+        <p:nvSpPr>
+          <p:cNvPr id="3" name="Объект 2">
+            <a:extLst>
+              <a:ext uri="{FF2B5EF4-FFF2-40B4-BE49-F238E27FC236}">
+                <a16:creationId xmlns:a16="http://schemas.microsoft.com/office/drawing/2014/main" id="{EDEC2CA5-62EC-45B5-87C5-EE7091EAF5D5}"/>
+              </a:ext>
+            </a:extLst>
+          </p:cNvPr>
+          <p:cNvSpPr>
+            <a:spLocks noGrp="1"/>
+          </p:cNvSpPr>
+          <p:nvPr>
+            <p:ph idx="1"/>
+          </p:nvPr>
+        </p:nvSpPr>
+        <p:spPr/>
+        <p:txBody>
+          <a:bodyPr>
+            <a:normAutofit/>
+          </a:bodyPr>
+          <a:lstStyle/>
+          <a:p>
+            <a:pPr marL="0" indent="0">
+              <a:buNone/>
+            </a:pPr>
+            <a:r>
+              <a:rPr lang="ru-RU" dirty="0"/>
+              <a:t>Принцип работы как у </a:t>
+            </a:r>
+            <a:r>
+              <a:rPr lang="en-US" dirty="0"/>
+              <a:t>DSU</a:t>
+            </a:r>
+            <a:r>
+              <a:rPr lang="ru-RU" dirty="0"/>
+              <a:t>, но учитываются параметры множества, такие как:</a:t>
+            </a:r>
+          </a:p>
+          <a:p>
+            <a:pPr marL="0" indent="0">
+              <a:buNone/>
+            </a:pPr>
+            <a:r>
+              <a:rPr lang="ru-RU" dirty="0"/>
+              <a:t>	1. размерность</a:t>
+            </a:r>
+          </a:p>
+          <a:p>
+            <a:pPr marL="0" indent="0">
+              <a:buNone/>
+            </a:pPr>
+            <a:r>
+              <a:rPr lang="ru-RU" dirty="0"/>
+              <a:t>	2. глубина</a:t>
+            </a:r>
+          </a:p>
+          <a:p>
+            <a:pPr marL="0" indent="0">
+              <a:buNone/>
+            </a:pPr>
+            <a:r>
+              <a:rPr lang="ru-RU" b="0" dirty="0"/>
+              <a:t>Сохранение асимптотики при поиске «главной» вершины</a:t>
+            </a:r>
+            <a:endParaRPr lang="en-US" b="0" dirty="0"/>
+          </a:p>
+          <a:p>
+            <a:pPr marL="0" indent="0">
+              <a:buNone/>
+            </a:pPr>
+            <a:endParaRPr lang="ru-RU" dirty="0"/>
+          </a:p>
+        </p:txBody>
+      </p:sp>
     </p:spTree>
     <p:extLst>
       <p:ext uri="{BB962C8B-B14F-4D97-AF65-F5344CB8AC3E}">
@@ -16533,22 +15916,22 @@
         <a:srgbClr val="E7E6E6"/>
       </a:lt2>
       <a:accent1>
-        <a:srgbClr val="4472C4"/>
+        <a:srgbClr val="29AF8C"/>
       </a:accent1>
       <a:accent2>
-        <a:srgbClr val="ED7D31"/>
+        <a:srgbClr val="97BE49"/>
       </a:accent2>
       <a:accent3>
-        <a:srgbClr val="A5A5A5"/>
+        <a:srgbClr val="3D9CCC"/>
       </a:accent3>
       <a:accent4>
-        <a:srgbClr val="FFC000"/>
+        <a:srgbClr val="7C60C6"/>
       </a:accent4>
       <a:accent5>
-        <a:srgbClr val="5B9BD5"/>
+        <a:srgbClr val="C9492C"/>
       </a:accent5>
       <a:accent6>
-        <a:srgbClr val="70AD47"/>
+        <a:srgbClr val="D58C2E"/>
       </a:accent6>
       <a:hlink>
         <a:srgbClr val="0563C1"/>
@@ -16771,7 +16154,7 @@
   <a:extraClrSchemeLst/>
   <a:extLst>
     <a:ext uri="{05A4C25C-085E-4340-85A3-A5531E510DB2}">
-      <thm15:themeFamily xmlns:thm15="http://schemas.microsoft.com/office/thememl/2012/main" name="Office Theme" id="{62F939B6-93AF-4DB8-9C6B-D6C7DFDC589F}" vid="{4F46216B-77A9-411A-B9D3-5023FCB70208}"/>
+      <thm15:themeFamily xmlns:thm15="http://schemas.microsoft.com/office/thememl/2012/main" name="Office Theme" id="{62F939B6-93AF-4DB8-9C6B-D6C7DFDC589F}" vid="{3E4F19A7-A959-40BB-972C-4880BAF8EB09}"/>
     </a:ext>
   </a:extLst>
 </a:theme>

--- a/Задача объединить-найти Система не пересекающихся множеств. Алгоритм со сжатием путей сложности O(nG(n))/Презентация.pptx
+++ b/Задача объединить-найти Система не пересекающихся множеств. Алгоритм со сжатием путей сложности O(nG(n))/Презентация.pptx
@@ -11,11 +11,13 @@
     <p:sldId id="258" r:id="rId5"/>
     <p:sldId id="260" r:id="rId6"/>
     <p:sldId id="261" r:id="rId7"/>
-    <p:sldId id="265" r:id="rId8"/>
-    <p:sldId id="262" r:id="rId9"/>
-    <p:sldId id="263" r:id="rId10"/>
-    <p:sldId id="264" r:id="rId11"/>
-    <p:sldId id="266" r:id="rId12"/>
+    <p:sldId id="267" r:id="rId8"/>
+    <p:sldId id="265" r:id="rId9"/>
+    <p:sldId id="262" r:id="rId10"/>
+    <p:sldId id="263" r:id="rId11"/>
+    <p:sldId id="264" r:id="rId12"/>
+    <p:sldId id="266" r:id="rId13"/>
+    <p:sldId id="268" r:id="rId14"/>
   </p:sldIdLst>
   <p:sldSz cx="12192000" cy="6858000"/>
   <p:notesSz cx="6858000" cy="9144000"/>
@@ -1021,7 +1023,7 @@
           <a:p>
             <a:fld id="{59B4EDF8-99C2-4B40-889E-2E99E76DA18B}" type="datetimeFigureOut">
               <a:rPr lang="ru-RU" smtClean="0"/>
-              <a:t>18.10.2024</a:t>
+              <a:t>01.11.2024</a:t>
             </a:fld>
             <a:endParaRPr lang="ru-RU"/>
           </a:p>
@@ -1191,7 +1193,7 @@
           <a:p>
             <a:fld id="{59B4EDF8-99C2-4B40-889E-2E99E76DA18B}" type="datetimeFigureOut">
               <a:rPr lang="ru-RU" smtClean="0"/>
-              <a:t>18.10.2024</a:t>
+              <a:t>01.11.2024</a:t>
             </a:fld>
             <a:endParaRPr lang="ru-RU"/>
           </a:p>
@@ -1371,7 +1373,7 @@
           <a:p>
             <a:fld id="{59B4EDF8-99C2-4B40-889E-2E99E76DA18B}" type="datetimeFigureOut">
               <a:rPr lang="ru-RU" smtClean="0"/>
-              <a:t>18.10.2024</a:t>
+              <a:t>01.11.2024</a:t>
             </a:fld>
             <a:endParaRPr lang="ru-RU"/>
           </a:p>
@@ -1541,7 +1543,7 @@
           <a:p>
             <a:fld id="{59B4EDF8-99C2-4B40-889E-2E99E76DA18B}" type="datetimeFigureOut">
               <a:rPr lang="ru-RU" smtClean="0"/>
-              <a:t>18.10.2024</a:t>
+              <a:t>01.11.2024</a:t>
             </a:fld>
             <a:endParaRPr lang="ru-RU"/>
           </a:p>
@@ -1787,7 +1789,7 @@
           <a:p>
             <a:fld id="{59B4EDF8-99C2-4B40-889E-2E99E76DA18B}" type="datetimeFigureOut">
               <a:rPr lang="ru-RU" smtClean="0"/>
-              <a:t>18.10.2024</a:t>
+              <a:t>01.11.2024</a:t>
             </a:fld>
             <a:endParaRPr lang="ru-RU"/>
           </a:p>
@@ -2019,7 +2021,7 @@
           <a:p>
             <a:fld id="{59B4EDF8-99C2-4B40-889E-2E99E76DA18B}" type="datetimeFigureOut">
               <a:rPr lang="ru-RU" smtClean="0"/>
-              <a:t>18.10.2024</a:t>
+              <a:t>01.11.2024</a:t>
             </a:fld>
             <a:endParaRPr lang="ru-RU"/>
           </a:p>
@@ -2386,7 +2388,7 @@
           <a:p>
             <a:fld id="{59B4EDF8-99C2-4B40-889E-2E99E76DA18B}" type="datetimeFigureOut">
               <a:rPr lang="ru-RU" smtClean="0"/>
-              <a:t>18.10.2024</a:t>
+              <a:t>01.11.2024</a:t>
             </a:fld>
             <a:endParaRPr lang="ru-RU"/>
           </a:p>
@@ -2504,7 +2506,7 @@
           <a:p>
             <a:fld id="{59B4EDF8-99C2-4B40-889E-2E99E76DA18B}" type="datetimeFigureOut">
               <a:rPr lang="ru-RU" smtClean="0"/>
-              <a:t>18.10.2024</a:t>
+              <a:t>01.11.2024</a:t>
             </a:fld>
             <a:endParaRPr lang="ru-RU"/>
           </a:p>
@@ -2599,7 +2601,7 @@
           <a:p>
             <a:fld id="{59B4EDF8-99C2-4B40-889E-2E99E76DA18B}" type="datetimeFigureOut">
               <a:rPr lang="ru-RU" smtClean="0"/>
-              <a:t>18.10.2024</a:t>
+              <a:t>01.11.2024</a:t>
             </a:fld>
             <a:endParaRPr lang="ru-RU"/>
           </a:p>
@@ -2876,7 +2878,7 @@
           <a:p>
             <a:fld id="{59B4EDF8-99C2-4B40-889E-2E99E76DA18B}" type="datetimeFigureOut">
               <a:rPr lang="ru-RU" smtClean="0"/>
-              <a:t>18.10.2024</a:t>
+              <a:t>01.11.2024</a:t>
             </a:fld>
             <a:endParaRPr lang="ru-RU"/>
           </a:p>
@@ -3133,7 +3135,7 @@
           <a:p>
             <a:fld id="{59B4EDF8-99C2-4B40-889E-2E99E76DA18B}" type="datetimeFigureOut">
               <a:rPr lang="ru-RU" smtClean="0"/>
-              <a:t>18.10.2024</a:t>
+              <a:t>01.11.2024</a:t>
             </a:fld>
             <a:endParaRPr lang="ru-RU"/>
           </a:p>
@@ -3346,7 +3348,7 @@
           <a:p>
             <a:fld id="{59B4EDF8-99C2-4B40-889E-2E99E76DA18B}" type="datetimeFigureOut">
               <a:rPr lang="ru-RU" smtClean="0"/>
-              <a:t>18.10.2024</a:t>
+              <a:t>01.11.2024</a:t>
             </a:fld>
             <a:endParaRPr lang="ru-RU"/>
           </a:p>
@@ -3795,15 +3797,15 @@
             </a:br>
             <a:r>
               <a:rPr lang="ru-RU" sz="4800" dirty="0"/>
-              <a:t>Алгоритм со сжатием путей сложности O(</a:t>
-            </a:r>
-            <a:r>
-              <a:rPr lang="ru-RU" sz="4800" dirty="0" err="1"/>
-              <a:t>nG</a:t>
+              <a:t>Алгоритм со сжатием путей сложности O(n</a:t>
+            </a:r>
+            <a:r>
+              <a:rPr lang="en-US" sz="4800" dirty="0"/>
+              <a:t>*</a:t>
             </a:r>
             <a:r>
               <a:rPr lang="ru-RU" sz="4800" dirty="0"/>
-              <a:t>(n))</a:t>
+              <a:t>G(n))</a:t>
             </a:r>
           </a:p>
         </p:txBody>
@@ -3855,6 +3857,2143 @@
 </file>
 
 <file path=ppt/slides/slide10.xml><?xml version="1.0" encoding="utf-8"?>
+<p:sld xmlns:a="http://schemas.openxmlformats.org/drawingml/2006/main" xmlns:r="http://schemas.openxmlformats.org/officeDocument/2006/relationships" xmlns:p="http://schemas.openxmlformats.org/presentationml/2006/main">
+  <p:cSld>
+    <p:spTree>
+      <p:nvGrpSpPr>
+        <p:cNvPr id="1" name=""/>
+        <p:cNvGrpSpPr/>
+        <p:nvPr/>
+      </p:nvGrpSpPr>
+      <p:grpSpPr>
+        <a:xfrm>
+          <a:off x="0" y="0"/>
+          <a:ext cx="0" cy="0"/>
+          <a:chOff x="0" y="0"/>
+          <a:chExt cx="0" cy="0"/>
+        </a:xfrm>
+      </p:grpSpPr>
+      <p:sp>
+        <p:nvSpPr>
+          <p:cNvPr id="2" name="Заголовок 1">
+            <a:extLst>
+              <a:ext uri="{FF2B5EF4-FFF2-40B4-BE49-F238E27FC236}">
+                <a16:creationId xmlns:a16="http://schemas.microsoft.com/office/drawing/2014/main" id="{7F8B410A-2CF3-44C4-A8FF-F7496B71A078}"/>
+              </a:ext>
+            </a:extLst>
+          </p:cNvPr>
+          <p:cNvSpPr>
+            <a:spLocks noGrp="1"/>
+          </p:cNvSpPr>
+          <p:nvPr>
+            <p:ph type="title"/>
+          </p:nvPr>
+        </p:nvSpPr>
+        <p:spPr>
+          <a:xfrm>
+            <a:off x="142875" y="-101600"/>
+            <a:ext cx="10515600" cy="1325563"/>
+          </a:xfrm>
+        </p:spPr>
+        <p:txBody>
+          <a:bodyPr/>
+          <a:lstStyle/>
+          <a:p>
+            <a:r>
+              <a:rPr lang="ru-RU" dirty="0"/>
+              <a:t>Реализация через размерность</a:t>
+            </a:r>
+          </a:p>
+        </p:txBody>
+      </p:sp>
+      <p:sp>
+        <p:nvSpPr>
+          <p:cNvPr id="3" name="Объект 2">
+            <a:extLst>
+              <a:ext uri="{FF2B5EF4-FFF2-40B4-BE49-F238E27FC236}">
+                <a16:creationId xmlns:a16="http://schemas.microsoft.com/office/drawing/2014/main" id="{D8F1CDA7-E2FA-469A-AE75-4E866C384482}"/>
+              </a:ext>
+            </a:extLst>
+          </p:cNvPr>
+          <p:cNvSpPr>
+            <a:spLocks noGrp="1"/>
+          </p:cNvSpPr>
+          <p:nvPr>
+            <p:ph idx="1"/>
+          </p:nvPr>
+        </p:nvSpPr>
+        <p:spPr>
+          <a:xfrm>
+            <a:off x="142875" y="809625"/>
+            <a:ext cx="10991850" cy="4814888"/>
+          </a:xfrm>
+        </p:spPr>
+        <p:txBody>
+          <a:bodyPr>
+            <a:noAutofit/>
+          </a:bodyPr>
+          <a:lstStyle/>
+          <a:p>
+            <a:pPr marL="0" indent="0">
+              <a:buNone/>
+            </a:pPr>
+            <a:r>
+              <a:rPr lang="en-US" sz="900" b="0" i="1" dirty="0">
+                <a:solidFill>
+                  <a:srgbClr val="78DCE8"/>
+                </a:solidFill>
+                <a:effectLst/>
+                <a:latin typeface="Consolas" panose="020B0609020204030204" pitchFamily="49" charset="0"/>
+              </a:rPr>
+              <a:t>def</a:t>
+            </a:r>
+            <a:r>
+              <a:rPr lang="en-US" sz="900" b="0" dirty="0">
+                <a:solidFill>
+                  <a:srgbClr val="FCFCFA"/>
+                </a:solidFill>
+                <a:effectLst/>
+                <a:latin typeface="Consolas" panose="020B0609020204030204" pitchFamily="49" charset="0"/>
+              </a:rPr>
+              <a:t> </a:t>
+            </a:r>
+            <a:r>
+              <a:rPr lang="en-US" sz="900" b="0" dirty="0" err="1">
+                <a:solidFill>
+                  <a:srgbClr val="A9DC76"/>
+                </a:solidFill>
+                <a:effectLst/>
+                <a:latin typeface="Consolas" panose="020B0609020204030204" pitchFamily="49" charset="0"/>
+              </a:rPr>
+              <a:t>init</a:t>
+            </a:r>
+            <a:r>
+              <a:rPr lang="en-US" sz="900" b="0" dirty="0">
+                <a:solidFill>
+                  <a:srgbClr val="939293"/>
+                </a:solidFill>
+                <a:effectLst/>
+                <a:latin typeface="Consolas" panose="020B0609020204030204" pitchFamily="49" charset="0"/>
+              </a:rPr>
+              <a:t>(</a:t>
+            </a:r>
+            <a:r>
+              <a:rPr lang="en-US" sz="900" b="0" i="1" dirty="0" err="1">
+                <a:solidFill>
+                  <a:srgbClr val="FC9867"/>
+                </a:solidFill>
+                <a:effectLst/>
+                <a:latin typeface="Consolas" panose="020B0609020204030204" pitchFamily="49" charset="0"/>
+              </a:rPr>
+              <a:t>count_sets</a:t>
+            </a:r>
+            <a:r>
+              <a:rPr lang="en-US" sz="900" b="0" dirty="0">
+                <a:solidFill>
+                  <a:srgbClr val="939293"/>
+                </a:solidFill>
+                <a:effectLst/>
+                <a:latin typeface="Consolas" panose="020B0609020204030204" pitchFamily="49" charset="0"/>
+              </a:rPr>
+              <a:t>:</a:t>
+            </a:r>
+            <a:r>
+              <a:rPr lang="en-US" sz="900" b="0" dirty="0">
+                <a:solidFill>
+                  <a:srgbClr val="FCFCFA"/>
+                </a:solidFill>
+                <a:effectLst/>
+                <a:latin typeface="Consolas" panose="020B0609020204030204" pitchFamily="49" charset="0"/>
+              </a:rPr>
+              <a:t> </a:t>
+            </a:r>
+            <a:r>
+              <a:rPr lang="en-US" sz="900" b="0" i="1" dirty="0">
+                <a:solidFill>
+                  <a:srgbClr val="78DCE8"/>
+                </a:solidFill>
+                <a:effectLst/>
+                <a:latin typeface="Consolas" panose="020B0609020204030204" pitchFamily="49" charset="0"/>
+              </a:rPr>
+              <a:t>int</a:t>
+            </a:r>
+            <a:r>
+              <a:rPr lang="en-US" sz="900" b="0" dirty="0">
+                <a:solidFill>
+                  <a:srgbClr val="939293"/>
+                </a:solidFill>
+                <a:effectLst/>
+                <a:latin typeface="Consolas" panose="020B0609020204030204" pitchFamily="49" charset="0"/>
+              </a:rPr>
+              <a:t>):</a:t>
+            </a:r>
+            <a:endParaRPr lang="en-US" sz="900" b="0" dirty="0">
+              <a:solidFill>
+                <a:srgbClr val="FCFCFA"/>
+              </a:solidFill>
+              <a:effectLst/>
+              <a:latin typeface="Consolas" panose="020B0609020204030204" pitchFamily="49" charset="0"/>
+            </a:endParaRPr>
+          </a:p>
+          <a:p>
+            <a:pPr marL="0" indent="0">
+              <a:buNone/>
+            </a:pPr>
+            <a:r>
+              <a:rPr lang="en-US" sz="900" b="0" dirty="0">
+                <a:solidFill>
+                  <a:srgbClr val="FCFCFA"/>
+                </a:solidFill>
+                <a:effectLst/>
+                <a:latin typeface="Consolas" panose="020B0609020204030204" pitchFamily="49" charset="0"/>
+              </a:rPr>
+              <a:t>    </a:t>
+            </a:r>
+            <a:r>
+              <a:rPr lang="en-US" sz="900" b="0" i="1" dirty="0">
+                <a:solidFill>
+                  <a:srgbClr val="FF6188"/>
+                </a:solidFill>
+                <a:effectLst/>
+                <a:latin typeface="Consolas" panose="020B0609020204030204" pitchFamily="49" charset="0"/>
+              </a:rPr>
+              <a:t>global</a:t>
+            </a:r>
+            <a:r>
+              <a:rPr lang="en-US" sz="900" b="0" dirty="0">
+                <a:solidFill>
+                  <a:srgbClr val="FCFCFA"/>
+                </a:solidFill>
+                <a:effectLst/>
+                <a:latin typeface="Consolas" panose="020B0609020204030204" pitchFamily="49" charset="0"/>
+              </a:rPr>
+              <a:t> parents</a:t>
+            </a:r>
+          </a:p>
+          <a:p>
+            <a:pPr marL="0" indent="0">
+              <a:buNone/>
+            </a:pPr>
+            <a:r>
+              <a:rPr lang="en-US" sz="900" b="0" dirty="0">
+                <a:solidFill>
+                  <a:srgbClr val="FCFCFA"/>
+                </a:solidFill>
+                <a:effectLst/>
+                <a:latin typeface="Consolas" panose="020B0609020204030204" pitchFamily="49" charset="0"/>
+              </a:rPr>
+              <a:t>    </a:t>
+            </a:r>
+            <a:r>
+              <a:rPr lang="en-US" sz="900" b="0" dirty="0">
+                <a:solidFill>
+                  <a:srgbClr val="FF6188"/>
+                </a:solidFill>
+                <a:effectLst/>
+                <a:latin typeface="Consolas" panose="020B0609020204030204" pitchFamily="49" charset="0"/>
+              </a:rPr>
+              <a:t>for</a:t>
+            </a:r>
+            <a:r>
+              <a:rPr lang="en-US" sz="900" b="0" dirty="0">
+                <a:solidFill>
+                  <a:srgbClr val="FCFCFA"/>
+                </a:solidFill>
+                <a:effectLst/>
+                <a:latin typeface="Consolas" panose="020B0609020204030204" pitchFamily="49" charset="0"/>
+              </a:rPr>
+              <a:t> </a:t>
+            </a:r>
+            <a:r>
+              <a:rPr lang="en-US" sz="900" b="0" dirty="0" err="1">
+                <a:solidFill>
+                  <a:srgbClr val="FCFCFA"/>
+                </a:solidFill>
+                <a:effectLst/>
+                <a:latin typeface="Consolas" panose="020B0609020204030204" pitchFamily="49" charset="0"/>
+              </a:rPr>
+              <a:t>set_id</a:t>
+            </a:r>
+            <a:r>
+              <a:rPr lang="en-US" sz="900" b="0" dirty="0">
+                <a:solidFill>
+                  <a:srgbClr val="FCFCFA"/>
+                </a:solidFill>
+                <a:effectLst/>
+                <a:latin typeface="Consolas" panose="020B0609020204030204" pitchFamily="49" charset="0"/>
+              </a:rPr>
+              <a:t> </a:t>
+            </a:r>
+            <a:r>
+              <a:rPr lang="en-US" sz="900" b="0" dirty="0">
+                <a:solidFill>
+                  <a:srgbClr val="FF6188"/>
+                </a:solidFill>
+                <a:effectLst/>
+                <a:latin typeface="Consolas" panose="020B0609020204030204" pitchFamily="49" charset="0"/>
+              </a:rPr>
+              <a:t>in</a:t>
+            </a:r>
+            <a:r>
+              <a:rPr lang="en-US" sz="900" b="0" dirty="0">
+                <a:solidFill>
+                  <a:srgbClr val="FCFCFA"/>
+                </a:solidFill>
+                <a:effectLst/>
+                <a:latin typeface="Consolas" panose="020B0609020204030204" pitchFamily="49" charset="0"/>
+              </a:rPr>
+              <a:t> </a:t>
+            </a:r>
+            <a:r>
+              <a:rPr lang="en-US" sz="900" b="0" dirty="0">
+                <a:solidFill>
+                  <a:srgbClr val="A9DC76"/>
+                </a:solidFill>
+                <a:effectLst/>
+                <a:latin typeface="Consolas" panose="020B0609020204030204" pitchFamily="49" charset="0"/>
+              </a:rPr>
+              <a:t>range</a:t>
+            </a:r>
+            <a:r>
+              <a:rPr lang="en-US" sz="900" b="0" dirty="0">
+                <a:solidFill>
+                  <a:srgbClr val="939293"/>
+                </a:solidFill>
+                <a:effectLst/>
+                <a:latin typeface="Consolas" panose="020B0609020204030204" pitchFamily="49" charset="0"/>
+              </a:rPr>
+              <a:t>(</a:t>
+            </a:r>
+            <a:r>
+              <a:rPr lang="en-US" sz="900" b="0" dirty="0" err="1">
+                <a:solidFill>
+                  <a:srgbClr val="FCFCFA"/>
+                </a:solidFill>
+                <a:effectLst/>
+                <a:latin typeface="Consolas" panose="020B0609020204030204" pitchFamily="49" charset="0"/>
+              </a:rPr>
+              <a:t>count_sets</a:t>
+            </a:r>
+            <a:r>
+              <a:rPr lang="en-US" sz="900" b="0" dirty="0">
+                <a:solidFill>
+                  <a:srgbClr val="939293"/>
+                </a:solidFill>
+                <a:effectLst/>
+                <a:latin typeface="Consolas" panose="020B0609020204030204" pitchFamily="49" charset="0"/>
+              </a:rPr>
+              <a:t>):</a:t>
+            </a:r>
+            <a:endParaRPr lang="en-US" sz="900" b="0" dirty="0">
+              <a:solidFill>
+                <a:srgbClr val="FCFCFA"/>
+              </a:solidFill>
+              <a:effectLst/>
+              <a:latin typeface="Consolas" panose="020B0609020204030204" pitchFamily="49" charset="0"/>
+            </a:endParaRPr>
+          </a:p>
+          <a:p>
+            <a:pPr marL="0" indent="0">
+              <a:buNone/>
+            </a:pPr>
+            <a:r>
+              <a:rPr lang="en-US" sz="900" b="0" dirty="0">
+                <a:solidFill>
+                  <a:srgbClr val="FCFCFA"/>
+                </a:solidFill>
+                <a:effectLst/>
+                <a:latin typeface="Consolas" panose="020B0609020204030204" pitchFamily="49" charset="0"/>
+              </a:rPr>
+              <a:t>        </a:t>
+            </a:r>
+            <a:r>
+              <a:rPr lang="en-US" sz="900" b="0" dirty="0" err="1">
+                <a:solidFill>
+                  <a:srgbClr val="FCFCFA"/>
+                </a:solidFill>
+                <a:effectLst/>
+                <a:latin typeface="Consolas" panose="020B0609020204030204" pitchFamily="49" charset="0"/>
+              </a:rPr>
+              <a:t>parents</a:t>
+            </a:r>
+            <a:r>
+              <a:rPr lang="en-US" sz="900" b="0" dirty="0" err="1">
+                <a:solidFill>
+                  <a:srgbClr val="939293"/>
+                </a:solidFill>
+                <a:effectLst/>
+                <a:latin typeface="Consolas" panose="020B0609020204030204" pitchFamily="49" charset="0"/>
+              </a:rPr>
+              <a:t>.</a:t>
+            </a:r>
+            <a:r>
+              <a:rPr lang="en-US" sz="900" b="0" dirty="0" err="1">
+                <a:solidFill>
+                  <a:srgbClr val="A9DC76"/>
+                </a:solidFill>
+                <a:effectLst/>
+                <a:latin typeface="Consolas" panose="020B0609020204030204" pitchFamily="49" charset="0"/>
+              </a:rPr>
+              <a:t>append</a:t>
+            </a:r>
+            <a:r>
+              <a:rPr lang="en-US" sz="900" b="0" dirty="0">
+                <a:solidFill>
+                  <a:srgbClr val="939293"/>
+                </a:solidFill>
+                <a:effectLst/>
+                <a:latin typeface="Consolas" panose="020B0609020204030204" pitchFamily="49" charset="0"/>
+              </a:rPr>
+              <a:t>(</a:t>
+            </a:r>
+            <a:r>
+              <a:rPr lang="en-US" sz="900" b="0" dirty="0" err="1">
+                <a:solidFill>
+                  <a:srgbClr val="FCFCFA"/>
+                </a:solidFill>
+                <a:effectLst/>
+                <a:latin typeface="Consolas" panose="020B0609020204030204" pitchFamily="49" charset="0"/>
+              </a:rPr>
+              <a:t>set_id</a:t>
+            </a:r>
+            <a:r>
+              <a:rPr lang="en-US" sz="900" b="0" dirty="0">
+                <a:solidFill>
+                  <a:srgbClr val="939293"/>
+                </a:solidFill>
+                <a:effectLst/>
+                <a:latin typeface="Consolas" panose="020B0609020204030204" pitchFamily="49" charset="0"/>
+              </a:rPr>
+              <a:t>)</a:t>
+            </a:r>
+            <a:endParaRPr lang="en-US" sz="900" b="0" dirty="0">
+              <a:solidFill>
+                <a:srgbClr val="FCFCFA"/>
+              </a:solidFill>
+              <a:effectLst/>
+              <a:latin typeface="Consolas" panose="020B0609020204030204" pitchFamily="49" charset="0"/>
+            </a:endParaRPr>
+          </a:p>
+          <a:p>
+            <a:pPr marL="0" indent="0">
+              <a:buNone/>
+            </a:pPr>
+            <a:r>
+              <a:rPr lang="en-US" sz="900" b="0" dirty="0">
+                <a:solidFill>
+                  <a:srgbClr val="FCFCFA"/>
+                </a:solidFill>
+                <a:effectLst/>
+                <a:latin typeface="Consolas" panose="020B0609020204030204" pitchFamily="49" charset="0"/>
+              </a:rPr>
+              <a:t>        </a:t>
+            </a:r>
+            <a:r>
+              <a:rPr lang="en-US" sz="900" b="0" dirty="0" err="1">
+                <a:solidFill>
+                  <a:srgbClr val="FCFCFA"/>
+                </a:solidFill>
+                <a:effectLst/>
+                <a:latin typeface="Consolas" panose="020B0609020204030204" pitchFamily="49" charset="0"/>
+              </a:rPr>
+              <a:t>size</a:t>
+            </a:r>
+            <a:r>
+              <a:rPr lang="en-US" sz="900" b="0" dirty="0" err="1">
+                <a:solidFill>
+                  <a:srgbClr val="939293"/>
+                </a:solidFill>
+                <a:effectLst/>
+                <a:latin typeface="Consolas" panose="020B0609020204030204" pitchFamily="49" charset="0"/>
+              </a:rPr>
+              <a:t>.</a:t>
+            </a:r>
+            <a:r>
+              <a:rPr lang="en-US" sz="900" b="0" dirty="0" err="1">
+                <a:solidFill>
+                  <a:srgbClr val="A9DC76"/>
+                </a:solidFill>
+                <a:effectLst/>
+                <a:latin typeface="Consolas" panose="020B0609020204030204" pitchFamily="49" charset="0"/>
+              </a:rPr>
+              <a:t>append</a:t>
+            </a:r>
+            <a:r>
+              <a:rPr lang="en-US" sz="900" b="0" dirty="0">
+                <a:solidFill>
+                  <a:srgbClr val="939293"/>
+                </a:solidFill>
+                <a:effectLst/>
+                <a:latin typeface="Consolas" panose="020B0609020204030204" pitchFamily="49" charset="0"/>
+              </a:rPr>
+              <a:t>(</a:t>
+            </a:r>
+            <a:r>
+              <a:rPr lang="en-US" sz="900" b="0" dirty="0">
+                <a:solidFill>
+                  <a:srgbClr val="AB9DF2"/>
+                </a:solidFill>
+                <a:effectLst/>
+                <a:latin typeface="Consolas" panose="020B0609020204030204" pitchFamily="49" charset="0"/>
+              </a:rPr>
+              <a:t>1</a:t>
+            </a:r>
+            <a:r>
+              <a:rPr lang="en-US" sz="900" b="0" dirty="0">
+                <a:solidFill>
+                  <a:srgbClr val="939293"/>
+                </a:solidFill>
+                <a:effectLst/>
+                <a:latin typeface="Consolas" panose="020B0609020204030204" pitchFamily="49" charset="0"/>
+              </a:rPr>
+              <a:t>)</a:t>
+            </a:r>
+            <a:endParaRPr lang="en-US" sz="900" b="0" dirty="0">
+              <a:solidFill>
+                <a:srgbClr val="FCFCFA"/>
+              </a:solidFill>
+              <a:effectLst/>
+              <a:latin typeface="Consolas" panose="020B0609020204030204" pitchFamily="49" charset="0"/>
+            </a:endParaRPr>
+          </a:p>
+          <a:p>
+            <a:pPr marL="0" indent="0">
+              <a:buNone/>
+            </a:pPr>
+            <a:br>
+              <a:rPr lang="en-US" sz="900" b="0" dirty="0">
+                <a:solidFill>
+                  <a:srgbClr val="FCFCFA"/>
+                </a:solidFill>
+                <a:effectLst/>
+                <a:latin typeface="Consolas" panose="020B0609020204030204" pitchFamily="49" charset="0"/>
+              </a:rPr>
+            </a:br>
+            <a:br>
+              <a:rPr lang="en-US" sz="900" b="0" dirty="0">
+                <a:solidFill>
+                  <a:srgbClr val="FCFCFA"/>
+                </a:solidFill>
+                <a:effectLst/>
+                <a:latin typeface="Consolas" panose="020B0609020204030204" pitchFamily="49" charset="0"/>
+              </a:rPr>
+            </a:br>
+            <a:r>
+              <a:rPr lang="en-US" sz="900" b="0" i="1" dirty="0">
+                <a:solidFill>
+                  <a:srgbClr val="78DCE8"/>
+                </a:solidFill>
+                <a:effectLst/>
+                <a:latin typeface="Consolas" panose="020B0609020204030204" pitchFamily="49" charset="0"/>
+              </a:rPr>
+              <a:t>def</a:t>
+            </a:r>
+            <a:r>
+              <a:rPr lang="en-US" sz="900" b="0" dirty="0">
+                <a:solidFill>
+                  <a:srgbClr val="FCFCFA"/>
+                </a:solidFill>
+                <a:effectLst/>
+                <a:latin typeface="Consolas" panose="020B0609020204030204" pitchFamily="49" charset="0"/>
+              </a:rPr>
+              <a:t> </a:t>
+            </a:r>
+            <a:r>
+              <a:rPr lang="en-US" sz="900" b="0" dirty="0">
+                <a:solidFill>
+                  <a:srgbClr val="A9DC76"/>
+                </a:solidFill>
+                <a:effectLst/>
+                <a:latin typeface="Consolas" panose="020B0609020204030204" pitchFamily="49" charset="0"/>
+              </a:rPr>
+              <a:t>find</a:t>
+            </a:r>
+            <a:r>
+              <a:rPr lang="en-US" sz="900" b="0" dirty="0">
+                <a:solidFill>
+                  <a:srgbClr val="939293"/>
+                </a:solidFill>
+                <a:effectLst/>
+                <a:latin typeface="Consolas" panose="020B0609020204030204" pitchFamily="49" charset="0"/>
+              </a:rPr>
+              <a:t>(</a:t>
+            </a:r>
+            <a:r>
+              <a:rPr lang="en-US" sz="900" b="0" i="1" dirty="0">
+                <a:solidFill>
+                  <a:srgbClr val="FC9867"/>
+                </a:solidFill>
+                <a:effectLst/>
+                <a:latin typeface="Consolas" panose="020B0609020204030204" pitchFamily="49" charset="0"/>
+              </a:rPr>
+              <a:t>node</a:t>
+            </a:r>
+            <a:r>
+              <a:rPr lang="en-US" sz="900" b="0" dirty="0">
+                <a:solidFill>
+                  <a:srgbClr val="939293"/>
+                </a:solidFill>
+                <a:effectLst/>
+                <a:latin typeface="Consolas" panose="020B0609020204030204" pitchFamily="49" charset="0"/>
+              </a:rPr>
+              <a:t>:</a:t>
+            </a:r>
+            <a:r>
+              <a:rPr lang="en-US" sz="900" b="0" dirty="0">
+                <a:solidFill>
+                  <a:srgbClr val="FCFCFA"/>
+                </a:solidFill>
+                <a:effectLst/>
+                <a:latin typeface="Consolas" panose="020B0609020204030204" pitchFamily="49" charset="0"/>
+              </a:rPr>
+              <a:t> </a:t>
+            </a:r>
+            <a:r>
+              <a:rPr lang="en-US" sz="900" b="0" i="1" dirty="0">
+                <a:solidFill>
+                  <a:srgbClr val="78DCE8"/>
+                </a:solidFill>
+                <a:effectLst/>
+                <a:latin typeface="Consolas" panose="020B0609020204030204" pitchFamily="49" charset="0"/>
+              </a:rPr>
+              <a:t>int</a:t>
+            </a:r>
+            <a:r>
+              <a:rPr lang="en-US" sz="900" b="0" dirty="0">
+                <a:solidFill>
+                  <a:srgbClr val="939293"/>
+                </a:solidFill>
+                <a:effectLst/>
+                <a:latin typeface="Consolas" panose="020B0609020204030204" pitchFamily="49" charset="0"/>
+              </a:rPr>
+              <a:t>)</a:t>
+            </a:r>
+            <a:r>
+              <a:rPr lang="en-US" sz="900" b="0" dirty="0">
+                <a:solidFill>
+                  <a:srgbClr val="FCFCFA"/>
+                </a:solidFill>
+                <a:effectLst/>
+                <a:latin typeface="Consolas" panose="020B0609020204030204" pitchFamily="49" charset="0"/>
+              </a:rPr>
+              <a:t> </a:t>
+            </a:r>
+            <a:r>
+              <a:rPr lang="en-US" sz="900" b="0" dirty="0">
+                <a:solidFill>
+                  <a:srgbClr val="939293"/>
+                </a:solidFill>
+                <a:effectLst/>
+                <a:latin typeface="Consolas" panose="020B0609020204030204" pitchFamily="49" charset="0"/>
+              </a:rPr>
+              <a:t>-&gt;</a:t>
+            </a:r>
+            <a:r>
+              <a:rPr lang="en-US" sz="900" b="0" dirty="0">
+                <a:solidFill>
+                  <a:srgbClr val="FCFCFA"/>
+                </a:solidFill>
+                <a:effectLst/>
+                <a:latin typeface="Consolas" panose="020B0609020204030204" pitchFamily="49" charset="0"/>
+              </a:rPr>
+              <a:t> </a:t>
+            </a:r>
+            <a:r>
+              <a:rPr lang="en-US" sz="900" b="0" i="1" dirty="0">
+                <a:solidFill>
+                  <a:srgbClr val="78DCE8"/>
+                </a:solidFill>
+                <a:effectLst/>
+                <a:latin typeface="Consolas" panose="020B0609020204030204" pitchFamily="49" charset="0"/>
+              </a:rPr>
+              <a:t>int</a:t>
+            </a:r>
+            <a:r>
+              <a:rPr lang="en-US" sz="900" b="0" dirty="0">
+                <a:solidFill>
+                  <a:srgbClr val="939293"/>
+                </a:solidFill>
+                <a:effectLst/>
+                <a:latin typeface="Consolas" panose="020B0609020204030204" pitchFamily="49" charset="0"/>
+              </a:rPr>
+              <a:t>:</a:t>
+            </a:r>
+            <a:endParaRPr lang="en-US" sz="900" b="0" dirty="0">
+              <a:solidFill>
+                <a:srgbClr val="FCFCFA"/>
+              </a:solidFill>
+              <a:effectLst/>
+              <a:latin typeface="Consolas" panose="020B0609020204030204" pitchFamily="49" charset="0"/>
+            </a:endParaRPr>
+          </a:p>
+          <a:p>
+            <a:pPr marL="0" indent="0">
+              <a:buNone/>
+            </a:pPr>
+            <a:r>
+              <a:rPr lang="en-US" sz="900" b="0" dirty="0">
+                <a:solidFill>
+                  <a:srgbClr val="FCFCFA"/>
+                </a:solidFill>
+                <a:effectLst/>
+                <a:latin typeface="Consolas" panose="020B0609020204030204" pitchFamily="49" charset="0"/>
+              </a:rPr>
+              <a:t>    </a:t>
+            </a:r>
+            <a:r>
+              <a:rPr lang="en-US" sz="900" b="0" i="1" dirty="0">
+                <a:solidFill>
+                  <a:srgbClr val="FF6188"/>
+                </a:solidFill>
+                <a:effectLst/>
+                <a:latin typeface="Consolas" panose="020B0609020204030204" pitchFamily="49" charset="0"/>
+              </a:rPr>
+              <a:t>global</a:t>
+            </a:r>
+            <a:r>
+              <a:rPr lang="en-US" sz="900" b="0" dirty="0">
+                <a:solidFill>
+                  <a:srgbClr val="FCFCFA"/>
+                </a:solidFill>
+                <a:effectLst/>
+                <a:latin typeface="Consolas" panose="020B0609020204030204" pitchFamily="49" charset="0"/>
+              </a:rPr>
+              <a:t> parents</a:t>
+            </a:r>
+          </a:p>
+          <a:p>
+            <a:pPr marL="0" indent="0">
+              <a:buNone/>
+            </a:pPr>
+            <a:r>
+              <a:rPr lang="en-US" sz="900" b="0" dirty="0">
+                <a:solidFill>
+                  <a:srgbClr val="FCFCFA"/>
+                </a:solidFill>
+                <a:effectLst/>
+                <a:latin typeface="Consolas" panose="020B0609020204030204" pitchFamily="49" charset="0"/>
+              </a:rPr>
+              <a:t>    </a:t>
+            </a:r>
+            <a:r>
+              <a:rPr lang="en-US" sz="900" b="0" dirty="0">
+                <a:solidFill>
+                  <a:srgbClr val="FF6188"/>
+                </a:solidFill>
+                <a:effectLst/>
+                <a:latin typeface="Consolas" panose="020B0609020204030204" pitchFamily="49" charset="0"/>
+              </a:rPr>
+              <a:t>if</a:t>
+            </a:r>
+            <a:r>
+              <a:rPr lang="en-US" sz="900" b="0" dirty="0">
+                <a:solidFill>
+                  <a:srgbClr val="FCFCFA"/>
+                </a:solidFill>
+                <a:effectLst/>
+                <a:latin typeface="Consolas" panose="020B0609020204030204" pitchFamily="49" charset="0"/>
+              </a:rPr>
+              <a:t> node </a:t>
+            </a:r>
+            <a:r>
+              <a:rPr lang="en-US" sz="900" b="0" dirty="0">
+                <a:solidFill>
+                  <a:srgbClr val="FF6188"/>
+                </a:solidFill>
+                <a:effectLst/>
+                <a:latin typeface="Consolas" panose="020B0609020204030204" pitchFamily="49" charset="0"/>
+              </a:rPr>
+              <a:t>!=</a:t>
+            </a:r>
+            <a:r>
+              <a:rPr lang="en-US" sz="900" b="0" dirty="0">
+                <a:solidFill>
+                  <a:srgbClr val="FCFCFA"/>
+                </a:solidFill>
+                <a:effectLst/>
+                <a:latin typeface="Consolas" panose="020B0609020204030204" pitchFamily="49" charset="0"/>
+              </a:rPr>
+              <a:t> parents</a:t>
+            </a:r>
+            <a:r>
+              <a:rPr lang="en-US" sz="900" b="0" dirty="0">
+                <a:solidFill>
+                  <a:srgbClr val="939293"/>
+                </a:solidFill>
+                <a:effectLst/>
+                <a:latin typeface="Consolas" panose="020B0609020204030204" pitchFamily="49" charset="0"/>
+              </a:rPr>
+              <a:t>[</a:t>
+            </a:r>
+            <a:r>
+              <a:rPr lang="en-US" sz="900" b="0" dirty="0">
+                <a:solidFill>
+                  <a:srgbClr val="FCFCFA"/>
+                </a:solidFill>
+                <a:effectLst/>
+                <a:latin typeface="Consolas" panose="020B0609020204030204" pitchFamily="49" charset="0"/>
+              </a:rPr>
+              <a:t>node</a:t>
+            </a:r>
+            <a:r>
+              <a:rPr lang="en-US" sz="900" b="0" dirty="0">
+                <a:solidFill>
+                  <a:srgbClr val="939293"/>
+                </a:solidFill>
+                <a:effectLst/>
+                <a:latin typeface="Consolas" panose="020B0609020204030204" pitchFamily="49" charset="0"/>
+              </a:rPr>
+              <a:t>]:</a:t>
+            </a:r>
+            <a:endParaRPr lang="en-US" sz="900" b="0" dirty="0">
+              <a:solidFill>
+                <a:srgbClr val="FCFCFA"/>
+              </a:solidFill>
+              <a:effectLst/>
+              <a:latin typeface="Consolas" panose="020B0609020204030204" pitchFamily="49" charset="0"/>
+            </a:endParaRPr>
+          </a:p>
+          <a:p>
+            <a:pPr marL="0" indent="0">
+              <a:buNone/>
+            </a:pPr>
+            <a:r>
+              <a:rPr lang="en-US" sz="900" b="0" dirty="0">
+                <a:solidFill>
+                  <a:srgbClr val="FCFCFA"/>
+                </a:solidFill>
+                <a:effectLst/>
+                <a:latin typeface="Consolas" panose="020B0609020204030204" pitchFamily="49" charset="0"/>
+              </a:rPr>
+              <a:t>        parents</a:t>
+            </a:r>
+            <a:r>
+              <a:rPr lang="en-US" sz="900" b="0" dirty="0">
+                <a:solidFill>
+                  <a:srgbClr val="939293"/>
+                </a:solidFill>
+                <a:effectLst/>
+                <a:latin typeface="Consolas" panose="020B0609020204030204" pitchFamily="49" charset="0"/>
+              </a:rPr>
+              <a:t>[</a:t>
+            </a:r>
+            <a:r>
+              <a:rPr lang="en-US" sz="900" b="0" dirty="0">
+                <a:solidFill>
+                  <a:srgbClr val="FCFCFA"/>
+                </a:solidFill>
+                <a:effectLst/>
+                <a:latin typeface="Consolas" panose="020B0609020204030204" pitchFamily="49" charset="0"/>
+              </a:rPr>
+              <a:t>node</a:t>
+            </a:r>
+            <a:r>
+              <a:rPr lang="en-US" sz="900" b="0" dirty="0">
+                <a:solidFill>
+                  <a:srgbClr val="939293"/>
+                </a:solidFill>
+                <a:effectLst/>
+                <a:latin typeface="Consolas" panose="020B0609020204030204" pitchFamily="49" charset="0"/>
+              </a:rPr>
+              <a:t>]</a:t>
+            </a:r>
+            <a:r>
+              <a:rPr lang="en-US" sz="900" b="0" dirty="0">
+                <a:solidFill>
+                  <a:srgbClr val="FCFCFA"/>
+                </a:solidFill>
+                <a:effectLst/>
+                <a:latin typeface="Consolas" panose="020B0609020204030204" pitchFamily="49" charset="0"/>
+              </a:rPr>
+              <a:t> </a:t>
+            </a:r>
+            <a:r>
+              <a:rPr lang="en-US" sz="900" b="0" dirty="0">
+                <a:solidFill>
+                  <a:srgbClr val="FF6188"/>
+                </a:solidFill>
+                <a:effectLst/>
+                <a:latin typeface="Consolas" panose="020B0609020204030204" pitchFamily="49" charset="0"/>
+              </a:rPr>
+              <a:t>=</a:t>
+            </a:r>
+            <a:r>
+              <a:rPr lang="en-US" sz="900" b="0" dirty="0">
+                <a:solidFill>
+                  <a:srgbClr val="FCFCFA"/>
+                </a:solidFill>
+                <a:effectLst/>
+                <a:latin typeface="Consolas" panose="020B0609020204030204" pitchFamily="49" charset="0"/>
+              </a:rPr>
+              <a:t> </a:t>
+            </a:r>
+            <a:r>
+              <a:rPr lang="en-US" sz="900" b="0" dirty="0">
+                <a:solidFill>
+                  <a:srgbClr val="A9DC76"/>
+                </a:solidFill>
+                <a:effectLst/>
+                <a:latin typeface="Consolas" panose="020B0609020204030204" pitchFamily="49" charset="0"/>
+              </a:rPr>
+              <a:t>find</a:t>
+            </a:r>
+            <a:r>
+              <a:rPr lang="en-US" sz="900" b="0" dirty="0">
+                <a:solidFill>
+                  <a:srgbClr val="939293"/>
+                </a:solidFill>
+                <a:effectLst/>
+                <a:latin typeface="Consolas" panose="020B0609020204030204" pitchFamily="49" charset="0"/>
+              </a:rPr>
+              <a:t>(</a:t>
+            </a:r>
+            <a:r>
+              <a:rPr lang="en-US" sz="900" b="0" dirty="0">
+                <a:solidFill>
+                  <a:srgbClr val="FCFCFA"/>
+                </a:solidFill>
+                <a:effectLst/>
+                <a:latin typeface="Consolas" panose="020B0609020204030204" pitchFamily="49" charset="0"/>
+              </a:rPr>
+              <a:t>parents</a:t>
+            </a:r>
+            <a:r>
+              <a:rPr lang="en-US" sz="900" b="0" dirty="0">
+                <a:solidFill>
+                  <a:srgbClr val="939293"/>
+                </a:solidFill>
+                <a:effectLst/>
+                <a:latin typeface="Consolas" panose="020B0609020204030204" pitchFamily="49" charset="0"/>
+              </a:rPr>
+              <a:t>[</a:t>
+            </a:r>
+            <a:r>
+              <a:rPr lang="en-US" sz="900" b="0" dirty="0">
+                <a:solidFill>
+                  <a:srgbClr val="FCFCFA"/>
+                </a:solidFill>
+                <a:effectLst/>
+                <a:latin typeface="Consolas" panose="020B0609020204030204" pitchFamily="49" charset="0"/>
+              </a:rPr>
+              <a:t>node</a:t>
+            </a:r>
+            <a:r>
+              <a:rPr lang="en-US" sz="900" b="0" dirty="0">
+                <a:solidFill>
+                  <a:srgbClr val="939293"/>
+                </a:solidFill>
+                <a:effectLst/>
+                <a:latin typeface="Consolas" panose="020B0609020204030204" pitchFamily="49" charset="0"/>
+              </a:rPr>
+              <a:t>])</a:t>
+            </a:r>
+            <a:endParaRPr lang="en-US" sz="900" b="0" dirty="0">
+              <a:solidFill>
+                <a:srgbClr val="FCFCFA"/>
+              </a:solidFill>
+              <a:effectLst/>
+              <a:latin typeface="Consolas" panose="020B0609020204030204" pitchFamily="49" charset="0"/>
+            </a:endParaRPr>
+          </a:p>
+          <a:p>
+            <a:pPr marL="0" indent="0">
+              <a:buNone/>
+            </a:pPr>
+            <a:r>
+              <a:rPr lang="en-US" sz="900" b="0" dirty="0">
+                <a:solidFill>
+                  <a:srgbClr val="FCFCFA"/>
+                </a:solidFill>
+                <a:effectLst/>
+                <a:latin typeface="Consolas" panose="020B0609020204030204" pitchFamily="49" charset="0"/>
+              </a:rPr>
+              <a:t>    </a:t>
+            </a:r>
+            <a:r>
+              <a:rPr lang="en-US" sz="900" b="0" dirty="0">
+                <a:solidFill>
+                  <a:srgbClr val="FF6188"/>
+                </a:solidFill>
+                <a:effectLst/>
+                <a:latin typeface="Consolas" panose="020B0609020204030204" pitchFamily="49" charset="0"/>
+              </a:rPr>
+              <a:t>return</a:t>
+            </a:r>
+            <a:r>
+              <a:rPr lang="en-US" sz="900" b="0" dirty="0">
+                <a:solidFill>
+                  <a:srgbClr val="FCFCFA"/>
+                </a:solidFill>
+                <a:effectLst/>
+                <a:latin typeface="Consolas" panose="020B0609020204030204" pitchFamily="49" charset="0"/>
+              </a:rPr>
+              <a:t> parents</a:t>
+            </a:r>
+            <a:r>
+              <a:rPr lang="en-US" sz="900" b="0" dirty="0">
+                <a:solidFill>
+                  <a:srgbClr val="939293"/>
+                </a:solidFill>
+                <a:effectLst/>
+                <a:latin typeface="Consolas" panose="020B0609020204030204" pitchFamily="49" charset="0"/>
+              </a:rPr>
+              <a:t>[</a:t>
+            </a:r>
+            <a:r>
+              <a:rPr lang="en-US" sz="900" b="0" dirty="0">
+                <a:solidFill>
+                  <a:srgbClr val="FCFCFA"/>
+                </a:solidFill>
+                <a:effectLst/>
+                <a:latin typeface="Consolas" panose="020B0609020204030204" pitchFamily="49" charset="0"/>
+              </a:rPr>
+              <a:t>node</a:t>
+            </a:r>
+            <a:r>
+              <a:rPr lang="en-US" sz="900" b="0" dirty="0">
+                <a:solidFill>
+                  <a:srgbClr val="939293"/>
+                </a:solidFill>
+                <a:effectLst/>
+                <a:latin typeface="Consolas" panose="020B0609020204030204" pitchFamily="49" charset="0"/>
+              </a:rPr>
+              <a:t>]</a:t>
+            </a:r>
+            <a:endParaRPr lang="en-US" sz="900" b="0" dirty="0">
+              <a:solidFill>
+                <a:srgbClr val="FCFCFA"/>
+              </a:solidFill>
+              <a:effectLst/>
+              <a:latin typeface="Consolas" panose="020B0609020204030204" pitchFamily="49" charset="0"/>
+            </a:endParaRPr>
+          </a:p>
+          <a:p>
+            <a:pPr marL="0" indent="0">
+              <a:buNone/>
+            </a:pPr>
+            <a:br>
+              <a:rPr lang="en-US" sz="900" b="0" dirty="0">
+                <a:solidFill>
+                  <a:srgbClr val="FCFCFA"/>
+                </a:solidFill>
+                <a:effectLst/>
+                <a:latin typeface="Consolas" panose="020B0609020204030204" pitchFamily="49" charset="0"/>
+              </a:rPr>
+            </a:br>
+            <a:br>
+              <a:rPr lang="en-US" sz="900" b="0" dirty="0">
+                <a:solidFill>
+                  <a:srgbClr val="FCFCFA"/>
+                </a:solidFill>
+                <a:effectLst/>
+                <a:latin typeface="Consolas" panose="020B0609020204030204" pitchFamily="49" charset="0"/>
+              </a:rPr>
+            </a:br>
+            <a:r>
+              <a:rPr lang="en-US" sz="900" b="0" i="1" dirty="0">
+                <a:solidFill>
+                  <a:srgbClr val="78DCE8"/>
+                </a:solidFill>
+                <a:effectLst/>
+                <a:latin typeface="Consolas" panose="020B0609020204030204" pitchFamily="49" charset="0"/>
+              </a:rPr>
+              <a:t>def</a:t>
+            </a:r>
+            <a:r>
+              <a:rPr lang="en-US" sz="900" b="0" dirty="0">
+                <a:solidFill>
+                  <a:srgbClr val="FCFCFA"/>
+                </a:solidFill>
+                <a:effectLst/>
+                <a:latin typeface="Consolas" panose="020B0609020204030204" pitchFamily="49" charset="0"/>
+              </a:rPr>
+              <a:t> </a:t>
+            </a:r>
+            <a:r>
+              <a:rPr lang="en-US" sz="900" b="0" dirty="0">
+                <a:solidFill>
+                  <a:srgbClr val="A9DC76"/>
+                </a:solidFill>
+                <a:effectLst/>
+                <a:latin typeface="Consolas" panose="020B0609020204030204" pitchFamily="49" charset="0"/>
+              </a:rPr>
+              <a:t>union</a:t>
+            </a:r>
+            <a:r>
+              <a:rPr lang="en-US" sz="900" b="0" dirty="0">
+                <a:solidFill>
+                  <a:srgbClr val="939293"/>
+                </a:solidFill>
+                <a:effectLst/>
+                <a:latin typeface="Consolas" panose="020B0609020204030204" pitchFamily="49" charset="0"/>
+              </a:rPr>
+              <a:t>(</a:t>
+            </a:r>
+            <a:r>
+              <a:rPr lang="en-US" sz="900" b="0" i="1" dirty="0" err="1">
+                <a:solidFill>
+                  <a:srgbClr val="FC9867"/>
+                </a:solidFill>
+                <a:effectLst/>
+                <a:latin typeface="Consolas" panose="020B0609020204030204" pitchFamily="49" charset="0"/>
+              </a:rPr>
+              <a:t>set_to_connect</a:t>
+            </a:r>
+            <a:r>
+              <a:rPr lang="en-US" sz="900" b="0" dirty="0">
+                <a:solidFill>
+                  <a:srgbClr val="939293"/>
+                </a:solidFill>
+                <a:effectLst/>
+                <a:latin typeface="Consolas" panose="020B0609020204030204" pitchFamily="49" charset="0"/>
+              </a:rPr>
+              <a:t>:</a:t>
+            </a:r>
+            <a:r>
+              <a:rPr lang="en-US" sz="900" b="0" dirty="0">
+                <a:solidFill>
+                  <a:srgbClr val="FCFCFA"/>
+                </a:solidFill>
+                <a:effectLst/>
+                <a:latin typeface="Consolas" panose="020B0609020204030204" pitchFamily="49" charset="0"/>
+              </a:rPr>
+              <a:t> </a:t>
+            </a:r>
+            <a:r>
+              <a:rPr lang="en-US" sz="900" b="0" i="1" dirty="0">
+                <a:solidFill>
+                  <a:srgbClr val="78DCE8"/>
+                </a:solidFill>
+                <a:effectLst/>
+                <a:latin typeface="Consolas" panose="020B0609020204030204" pitchFamily="49" charset="0"/>
+              </a:rPr>
+              <a:t>int</a:t>
+            </a:r>
+            <a:r>
+              <a:rPr lang="en-US" sz="900" b="0" dirty="0">
+                <a:solidFill>
+                  <a:srgbClr val="939293"/>
+                </a:solidFill>
+                <a:effectLst/>
+                <a:latin typeface="Consolas" panose="020B0609020204030204" pitchFamily="49" charset="0"/>
+              </a:rPr>
+              <a:t>,</a:t>
+            </a:r>
+            <a:r>
+              <a:rPr lang="en-US" sz="900" b="0" dirty="0">
+                <a:solidFill>
+                  <a:srgbClr val="FCFCFA"/>
+                </a:solidFill>
+                <a:effectLst/>
+                <a:latin typeface="Consolas" panose="020B0609020204030204" pitchFamily="49" charset="0"/>
+              </a:rPr>
+              <a:t> </a:t>
+            </a:r>
+            <a:r>
+              <a:rPr lang="en-US" sz="900" b="0" i="1" dirty="0" err="1">
+                <a:solidFill>
+                  <a:srgbClr val="FC9867"/>
+                </a:solidFill>
+                <a:effectLst/>
+                <a:latin typeface="Consolas" panose="020B0609020204030204" pitchFamily="49" charset="0"/>
+              </a:rPr>
+              <a:t>set_connector</a:t>
+            </a:r>
+            <a:r>
+              <a:rPr lang="en-US" sz="900" b="0" dirty="0">
+                <a:solidFill>
+                  <a:srgbClr val="939293"/>
+                </a:solidFill>
+                <a:effectLst/>
+                <a:latin typeface="Consolas" panose="020B0609020204030204" pitchFamily="49" charset="0"/>
+              </a:rPr>
+              <a:t>:</a:t>
+            </a:r>
+            <a:r>
+              <a:rPr lang="en-US" sz="900" b="0" dirty="0">
+                <a:solidFill>
+                  <a:srgbClr val="FCFCFA"/>
+                </a:solidFill>
+                <a:effectLst/>
+                <a:latin typeface="Consolas" panose="020B0609020204030204" pitchFamily="49" charset="0"/>
+              </a:rPr>
+              <a:t> </a:t>
+            </a:r>
+            <a:r>
+              <a:rPr lang="en-US" sz="900" b="0" i="1" dirty="0">
+                <a:solidFill>
+                  <a:srgbClr val="78DCE8"/>
+                </a:solidFill>
+                <a:effectLst/>
+                <a:latin typeface="Consolas" panose="020B0609020204030204" pitchFamily="49" charset="0"/>
+              </a:rPr>
+              <a:t>int</a:t>
+            </a:r>
+            <a:r>
+              <a:rPr lang="en-US" sz="900" b="0" dirty="0">
+                <a:solidFill>
+                  <a:srgbClr val="939293"/>
+                </a:solidFill>
+                <a:effectLst/>
+                <a:latin typeface="Consolas" panose="020B0609020204030204" pitchFamily="49" charset="0"/>
+              </a:rPr>
+              <a:t>):</a:t>
+            </a:r>
+            <a:endParaRPr lang="en-US" sz="900" b="0" dirty="0">
+              <a:solidFill>
+                <a:srgbClr val="FCFCFA"/>
+              </a:solidFill>
+              <a:effectLst/>
+              <a:latin typeface="Consolas" panose="020B0609020204030204" pitchFamily="49" charset="0"/>
+            </a:endParaRPr>
+          </a:p>
+          <a:p>
+            <a:pPr marL="0" indent="0">
+              <a:buNone/>
+            </a:pPr>
+            <a:r>
+              <a:rPr lang="en-US" sz="900" b="0" dirty="0">
+                <a:solidFill>
+                  <a:srgbClr val="FCFCFA"/>
+                </a:solidFill>
+                <a:effectLst/>
+                <a:latin typeface="Consolas" panose="020B0609020204030204" pitchFamily="49" charset="0"/>
+              </a:rPr>
+              <a:t>    </a:t>
+            </a:r>
+            <a:r>
+              <a:rPr lang="en-US" sz="900" b="0" i="1" dirty="0">
+                <a:solidFill>
+                  <a:srgbClr val="FF6188"/>
+                </a:solidFill>
+                <a:effectLst/>
+                <a:latin typeface="Consolas" panose="020B0609020204030204" pitchFamily="49" charset="0"/>
+              </a:rPr>
+              <a:t>global</a:t>
+            </a:r>
+            <a:r>
+              <a:rPr lang="en-US" sz="900" b="0" dirty="0">
+                <a:solidFill>
+                  <a:srgbClr val="FCFCFA"/>
+                </a:solidFill>
+                <a:effectLst/>
+                <a:latin typeface="Consolas" panose="020B0609020204030204" pitchFamily="49" charset="0"/>
+              </a:rPr>
+              <a:t> parents</a:t>
+            </a:r>
+          </a:p>
+          <a:p>
+            <a:pPr marL="0" indent="0">
+              <a:buNone/>
+            </a:pPr>
+            <a:r>
+              <a:rPr lang="en-US" sz="900" b="0" dirty="0">
+                <a:solidFill>
+                  <a:srgbClr val="FCFCFA"/>
+                </a:solidFill>
+                <a:effectLst/>
+                <a:latin typeface="Consolas" panose="020B0609020204030204" pitchFamily="49" charset="0"/>
+              </a:rPr>
+              <a:t>    </a:t>
+            </a:r>
+            <a:r>
+              <a:rPr lang="en-US" sz="900" b="0" dirty="0" err="1">
+                <a:solidFill>
+                  <a:srgbClr val="FCFCFA"/>
+                </a:solidFill>
+                <a:effectLst/>
+                <a:latin typeface="Consolas" panose="020B0609020204030204" pitchFamily="49" charset="0"/>
+              </a:rPr>
+              <a:t>set_connector_parent</a:t>
+            </a:r>
+            <a:r>
+              <a:rPr lang="en-US" sz="900" b="0" dirty="0">
+                <a:solidFill>
+                  <a:srgbClr val="FCFCFA"/>
+                </a:solidFill>
+                <a:effectLst/>
+                <a:latin typeface="Consolas" panose="020B0609020204030204" pitchFamily="49" charset="0"/>
+              </a:rPr>
+              <a:t> </a:t>
+            </a:r>
+            <a:r>
+              <a:rPr lang="en-US" sz="900" b="0" dirty="0">
+                <a:solidFill>
+                  <a:srgbClr val="FF6188"/>
+                </a:solidFill>
+                <a:effectLst/>
+                <a:latin typeface="Consolas" panose="020B0609020204030204" pitchFamily="49" charset="0"/>
+              </a:rPr>
+              <a:t>=</a:t>
+            </a:r>
+            <a:r>
+              <a:rPr lang="en-US" sz="900" b="0" dirty="0">
+                <a:solidFill>
+                  <a:srgbClr val="FCFCFA"/>
+                </a:solidFill>
+                <a:effectLst/>
+                <a:latin typeface="Consolas" panose="020B0609020204030204" pitchFamily="49" charset="0"/>
+              </a:rPr>
+              <a:t> </a:t>
+            </a:r>
+            <a:r>
+              <a:rPr lang="en-US" sz="900" b="0" dirty="0">
+                <a:solidFill>
+                  <a:srgbClr val="A9DC76"/>
+                </a:solidFill>
+                <a:effectLst/>
+                <a:latin typeface="Consolas" panose="020B0609020204030204" pitchFamily="49" charset="0"/>
+              </a:rPr>
+              <a:t>find</a:t>
+            </a:r>
+            <a:r>
+              <a:rPr lang="en-US" sz="900" b="0" dirty="0">
+                <a:solidFill>
+                  <a:srgbClr val="939293"/>
+                </a:solidFill>
+                <a:effectLst/>
+                <a:latin typeface="Consolas" panose="020B0609020204030204" pitchFamily="49" charset="0"/>
+              </a:rPr>
+              <a:t>(</a:t>
+            </a:r>
+            <a:r>
+              <a:rPr lang="en-US" sz="900" b="0" dirty="0" err="1">
+                <a:solidFill>
+                  <a:srgbClr val="FCFCFA"/>
+                </a:solidFill>
+                <a:effectLst/>
+                <a:latin typeface="Consolas" panose="020B0609020204030204" pitchFamily="49" charset="0"/>
+              </a:rPr>
+              <a:t>set_connector</a:t>
+            </a:r>
+            <a:r>
+              <a:rPr lang="en-US" sz="900" b="0" dirty="0">
+                <a:solidFill>
+                  <a:srgbClr val="939293"/>
+                </a:solidFill>
+                <a:effectLst/>
+                <a:latin typeface="Consolas" panose="020B0609020204030204" pitchFamily="49" charset="0"/>
+              </a:rPr>
+              <a:t>)</a:t>
+            </a:r>
+            <a:endParaRPr lang="en-US" sz="900" b="0" dirty="0">
+              <a:solidFill>
+                <a:srgbClr val="FCFCFA"/>
+              </a:solidFill>
+              <a:effectLst/>
+              <a:latin typeface="Consolas" panose="020B0609020204030204" pitchFamily="49" charset="0"/>
+            </a:endParaRPr>
+          </a:p>
+          <a:p>
+            <a:pPr marL="0" indent="0">
+              <a:buNone/>
+            </a:pPr>
+            <a:r>
+              <a:rPr lang="en-US" sz="900" b="0" dirty="0">
+                <a:solidFill>
+                  <a:srgbClr val="FCFCFA"/>
+                </a:solidFill>
+                <a:effectLst/>
+                <a:latin typeface="Consolas" panose="020B0609020204030204" pitchFamily="49" charset="0"/>
+              </a:rPr>
+              <a:t>    </a:t>
+            </a:r>
+            <a:r>
+              <a:rPr lang="en-US" sz="900" b="0" dirty="0" err="1">
+                <a:solidFill>
+                  <a:srgbClr val="FCFCFA"/>
+                </a:solidFill>
+                <a:effectLst/>
+                <a:latin typeface="Consolas" panose="020B0609020204030204" pitchFamily="49" charset="0"/>
+              </a:rPr>
+              <a:t>set_to_connect_parent</a:t>
+            </a:r>
+            <a:r>
+              <a:rPr lang="en-US" sz="900" b="0" dirty="0">
+                <a:solidFill>
+                  <a:srgbClr val="FCFCFA"/>
+                </a:solidFill>
+                <a:effectLst/>
+                <a:latin typeface="Consolas" panose="020B0609020204030204" pitchFamily="49" charset="0"/>
+              </a:rPr>
+              <a:t> </a:t>
+            </a:r>
+            <a:r>
+              <a:rPr lang="en-US" sz="900" b="0" dirty="0">
+                <a:solidFill>
+                  <a:srgbClr val="FF6188"/>
+                </a:solidFill>
+                <a:effectLst/>
+                <a:latin typeface="Consolas" panose="020B0609020204030204" pitchFamily="49" charset="0"/>
+              </a:rPr>
+              <a:t>=</a:t>
+            </a:r>
+            <a:r>
+              <a:rPr lang="en-US" sz="900" b="0" dirty="0">
+                <a:solidFill>
+                  <a:srgbClr val="FCFCFA"/>
+                </a:solidFill>
+                <a:effectLst/>
+                <a:latin typeface="Consolas" panose="020B0609020204030204" pitchFamily="49" charset="0"/>
+              </a:rPr>
+              <a:t> </a:t>
+            </a:r>
+            <a:r>
+              <a:rPr lang="en-US" sz="900" b="0" dirty="0">
+                <a:solidFill>
+                  <a:srgbClr val="A9DC76"/>
+                </a:solidFill>
+                <a:effectLst/>
+                <a:latin typeface="Consolas" panose="020B0609020204030204" pitchFamily="49" charset="0"/>
+              </a:rPr>
+              <a:t>find</a:t>
+            </a:r>
+            <a:r>
+              <a:rPr lang="en-US" sz="900" b="0" dirty="0">
+                <a:solidFill>
+                  <a:srgbClr val="939293"/>
+                </a:solidFill>
+                <a:effectLst/>
+                <a:latin typeface="Consolas" panose="020B0609020204030204" pitchFamily="49" charset="0"/>
+              </a:rPr>
+              <a:t>(</a:t>
+            </a:r>
+            <a:r>
+              <a:rPr lang="en-US" sz="900" b="0" dirty="0" err="1">
+                <a:solidFill>
+                  <a:srgbClr val="FCFCFA"/>
+                </a:solidFill>
+                <a:effectLst/>
+                <a:latin typeface="Consolas" panose="020B0609020204030204" pitchFamily="49" charset="0"/>
+              </a:rPr>
+              <a:t>set_to_connect</a:t>
+            </a:r>
+            <a:r>
+              <a:rPr lang="en-US" sz="900" b="0" dirty="0">
+                <a:solidFill>
+                  <a:srgbClr val="939293"/>
+                </a:solidFill>
+                <a:effectLst/>
+                <a:latin typeface="Consolas" panose="020B0609020204030204" pitchFamily="49" charset="0"/>
+              </a:rPr>
+              <a:t>)</a:t>
+            </a:r>
+            <a:endParaRPr lang="en-US" sz="900" b="0" dirty="0">
+              <a:solidFill>
+                <a:srgbClr val="FCFCFA"/>
+              </a:solidFill>
+              <a:effectLst/>
+              <a:latin typeface="Consolas" panose="020B0609020204030204" pitchFamily="49" charset="0"/>
+            </a:endParaRPr>
+          </a:p>
+          <a:p>
+            <a:pPr marL="0" indent="0">
+              <a:buNone/>
+            </a:pPr>
+            <a:r>
+              <a:rPr lang="en-US" sz="900" b="0" dirty="0">
+                <a:solidFill>
+                  <a:srgbClr val="FCFCFA"/>
+                </a:solidFill>
+                <a:effectLst/>
+                <a:latin typeface="Consolas" panose="020B0609020204030204" pitchFamily="49" charset="0"/>
+              </a:rPr>
+              <a:t>    </a:t>
+            </a:r>
+            <a:r>
+              <a:rPr lang="en-US" sz="900" b="0" dirty="0">
+                <a:solidFill>
+                  <a:srgbClr val="FF6188"/>
+                </a:solidFill>
+                <a:effectLst/>
+                <a:latin typeface="Consolas" panose="020B0609020204030204" pitchFamily="49" charset="0"/>
+              </a:rPr>
+              <a:t>if</a:t>
+            </a:r>
+            <a:r>
+              <a:rPr lang="en-US" sz="900" b="0" dirty="0">
+                <a:solidFill>
+                  <a:srgbClr val="FCFCFA"/>
+                </a:solidFill>
+                <a:effectLst/>
+                <a:latin typeface="Consolas" panose="020B0609020204030204" pitchFamily="49" charset="0"/>
+              </a:rPr>
+              <a:t> </a:t>
+            </a:r>
+            <a:r>
+              <a:rPr lang="en-US" sz="900" b="0" dirty="0" err="1">
+                <a:solidFill>
+                  <a:srgbClr val="FCFCFA"/>
+                </a:solidFill>
+                <a:effectLst/>
+                <a:latin typeface="Consolas" panose="020B0609020204030204" pitchFamily="49" charset="0"/>
+              </a:rPr>
+              <a:t>set_connector_parent</a:t>
+            </a:r>
+            <a:r>
+              <a:rPr lang="en-US" sz="900" b="0" dirty="0">
+                <a:solidFill>
+                  <a:srgbClr val="FCFCFA"/>
+                </a:solidFill>
+                <a:effectLst/>
+                <a:latin typeface="Consolas" panose="020B0609020204030204" pitchFamily="49" charset="0"/>
+              </a:rPr>
+              <a:t> </a:t>
+            </a:r>
+            <a:r>
+              <a:rPr lang="en-US" sz="900" b="0" dirty="0">
+                <a:solidFill>
+                  <a:srgbClr val="FF6188"/>
+                </a:solidFill>
+                <a:effectLst/>
+                <a:latin typeface="Consolas" panose="020B0609020204030204" pitchFamily="49" charset="0"/>
+              </a:rPr>
+              <a:t>!=</a:t>
+            </a:r>
+            <a:r>
+              <a:rPr lang="en-US" sz="900" b="0" dirty="0">
+                <a:solidFill>
+                  <a:srgbClr val="FCFCFA"/>
+                </a:solidFill>
+                <a:effectLst/>
+                <a:latin typeface="Consolas" panose="020B0609020204030204" pitchFamily="49" charset="0"/>
+              </a:rPr>
+              <a:t> </a:t>
+            </a:r>
+            <a:r>
+              <a:rPr lang="en-US" sz="900" b="0" dirty="0" err="1">
+                <a:solidFill>
+                  <a:srgbClr val="FCFCFA"/>
+                </a:solidFill>
+                <a:effectLst/>
+                <a:latin typeface="Consolas" panose="020B0609020204030204" pitchFamily="49" charset="0"/>
+              </a:rPr>
+              <a:t>set_to_connect_parent</a:t>
+            </a:r>
+            <a:r>
+              <a:rPr lang="en-US" sz="900" b="0" dirty="0">
+                <a:solidFill>
+                  <a:srgbClr val="939293"/>
+                </a:solidFill>
+                <a:effectLst/>
+                <a:latin typeface="Consolas" panose="020B0609020204030204" pitchFamily="49" charset="0"/>
+              </a:rPr>
+              <a:t>:</a:t>
+            </a:r>
+            <a:endParaRPr lang="en-US" sz="900" b="0" dirty="0">
+              <a:solidFill>
+                <a:srgbClr val="FCFCFA"/>
+              </a:solidFill>
+              <a:effectLst/>
+              <a:latin typeface="Consolas" panose="020B0609020204030204" pitchFamily="49" charset="0"/>
+            </a:endParaRPr>
+          </a:p>
+          <a:p>
+            <a:pPr marL="0" indent="0">
+              <a:buNone/>
+            </a:pPr>
+            <a:r>
+              <a:rPr lang="en-US" sz="900" b="0" dirty="0">
+                <a:solidFill>
+                  <a:srgbClr val="FCFCFA"/>
+                </a:solidFill>
+                <a:effectLst/>
+                <a:latin typeface="Consolas" panose="020B0609020204030204" pitchFamily="49" charset="0"/>
+              </a:rPr>
+              <a:t>        </a:t>
+            </a:r>
+            <a:r>
+              <a:rPr lang="en-US" sz="900" b="0" dirty="0">
+                <a:solidFill>
+                  <a:srgbClr val="FF6188"/>
+                </a:solidFill>
+                <a:effectLst/>
+                <a:latin typeface="Consolas" panose="020B0609020204030204" pitchFamily="49" charset="0"/>
+              </a:rPr>
+              <a:t>if</a:t>
+            </a:r>
+            <a:r>
+              <a:rPr lang="en-US" sz="900" b="0" dirty="0">
+                <a:solidFill>
+                  <a:srgbClr val="FCFCFA"/>
+                </a:solidFill>
+                <a:effectLst/>
+                <a:latin typeface="Consolas" panose="020B0609020204030204" pitchFamily="49" charset="0"/>
+              </a:rPr>
+              <a:t> size</a:t>
+            </a:r>
+            <a:r>
+              <a:rPr lang="en-US" sz="900" b="0" dirty="0">
+                <a:solidFill>
+                  <a:srgbClr val="939293"/>
+                </a:solidFill>
+                <a:effectLst/>
+                <a:latin typeface="Consolas" panose="020B0609020204030204" pitchFamily="49" charset="0"/>
+              </a:rPr>
+              <a:t>[</a:t>
+            </a:r>
+            <a:r>
+              <a:rPr lang="en-US" sz="900" b="0" dirty="0" err="1">
+                <a:solidFill>
+                  <a:srgbClr val="FCFCFA"/>
+                </a:solidFill>
+                <a:effectLst/>
+                <a:latin typeface="Consolas" panose="020B0609020204030204" pitchFamily="49" charset="0"/>
+              </a:rPr>
+              <a:t>set_connector_parent</a:t>
+            </a:r>
+            <a:r>
+              <a:rPr lang="en-US" sz="900" b="0" dirty="0">
+                <a:solidFill>
+                  <a:srgbClr val="939293"/>
+                </a:solidFill>
+                <a:effectLst/>
+                <a:latin typeface="Consolas" panose="020B0609020204030204" pitchFamily="49" charset="0"/>
+              </a:rPr>
+              <a:t>]</a:t>
+            </a:r>
+            <a:r>
+              <a:rPr lang="en-US" sz="900" b="0" dirty="0">
+                <a:solidFill>
+                  <a:srgbClr val="FCFCFA"/>
+                </a:solidFill>
+                <a:effectLst/>
+                <a:latin typeface="Consolas" panose="020B0609020204030204" pitchFamily="49" charset="0"/>
+              </a:rPr>
+              <a:t> </a:t>
+            </a:r>
+            <a:r>
+              <a:rPr lang="en-US" sz="900" b="0" dirty="0">
+                <a:solidFill>
+                  <a:srgbClr val="FF6188"/>
+                </a:solidFill>
+                <a:effectLst/>
+                <a:latin typeface="Consolas" panose="020B0609020204030204" pitchFamily="49" charset="0"/>
+              </a:rPr>
+              <a:t>&lt;</a:t>
+            </a:r>
+            <a:r>
+              <a:rPr lang="en-US" sz="900" b="0" dirty="0">
+                <a:solidFill>
+                  <a:srgbClr val="FCFCFA"/>
+                </a:solidFill>
+                <a:effectLst/>
+                <a:latin typeface="Consolas" panose="020B0609020204030204" pitchFamily="49" charset="0"/>
+              </a:rPr>
+              <a:t> size</a:t>
+            </a:r>
+            <a:r>
+              <a:rPr lang="en-US" sz="900" b="0" dirty="0">
+                <a:solidFill>
+                  <a:srgbClr val="939293"/>
+                </a:solidFill>
+                <a:effectLst/>
+                <a:latin typeface="Consolas" panose="020B0609020204030204" pitchFamily="49" charset="0"/>
+              </a:rPr>
+              <a:t>[</a:t>
+            </a:r>
+            <a:r>
+              <a:rPr lang="en-US" sz="900" b="0" dirty="0" err="1">
+                <a:solidFill>
+                  <a:srgbClr val="FCFCFA"/>
+                </a:solidFill>
+                <a:effectLst/>
+                <a:latin typeface="Consolas" panose="020B0609020204030204" pitchFamily="49" charset="0"/>
+              </a:rPr>
+              <a:t>set_to_connect</a:t>
+            </a:r>
+            <a:r>
+              <a:rPr lang="en-US" sz="900" b="0" dirty="0">
+                <a:solidFill>
+                  <a:srgbClr val="939293"/>
+                </a:solidFill>
+                <a:effectLst/>
+                <a:latin typeface="Consolas" panose="020B0609020204030204" pitchFamily="49" charset="0"/>
+              </a:rPr>
+              <a:t>]:</a:t>
+            </a:r>
+            <a:endParaRPr lang="en-US" sz="900" b="0" dirty="0">
+              <a:solidFill>
+                <a:srgbClr val="FCFCFA"/>
+              </a:solidFill>
+              <a:effectLst/>
+              <a:latin typeface="Consolas" panose="020B0609020204030204" pitchFamily="49" charset="0"/>
+            </a:endParaRPr>
+          </a:p>
+          <a:p>
+            <a:pPr marL="0" indent="0">
+              <a:buNone/>
+            </a:pPr>
+            <a:r>
+              <a:rPr lang="en-US" sz="900" b="0" dirty="0">
+                <a:solidFill>
+                  <a:srgbClr val="FCFCFA"/>
+                </a:solidFill>
+                <a:effectLst/>
+                <a:latin typeface="Consolas" panose="020B0609020204030204" pitchFamily="49" charset="0"/>
+              </a:rPr>
+              <a:t>            </a:t>
+            </a:r>
+            <a:r>
+              <a:rPr lang="en-US" sz="900" b="0" dirty="0" err="1">
+                <a:solidFill>
+                  <a:srgbClr val="FCFCFA"/>
+                </a:solidFill>
+                <a:effectLst/>
+                <a:latin typeface="Consolas" panose="020B0609020204030204" pitchFamily="49" charset="0"/>
+              </a:rPr>
+              <a:t>set_connector_parent</a:t>
+            </a:r>
+            <a:r>
+              <a:rPr lang="en-US" sz="900" b="0" dirty="0">
+                <a:solidFill>
+                  <a:srgbClr val="939293"/>
+                </a:solidFill>
+                <a:effectLst/>
+                <a:latin typeface="Consolas" panose="020B0609020204030204" pitchFamily="49" charset="0"/>
+              </a:rPr>
+              <a:t>,</a:t>
+            </a:r>
+            <a:r>
+              <a:rPr lang="en-US" sz="900" b="0" dirty="0">
+                <a:solidFill>
+                  <a:srgbClr val="FCFCFA"/>
+                </a:solidFill>
+                <a:effectLst/>
+                <a:latin typeface="Consolas" panose="020B0609020204030204" pitchFamily="49" charset="0"/>
+              </a:rPr>
+              <a:t> </a:t>
+            </a:r>
+            <a:r>
+              <a:rPr lang="en-US" sz="900" b="0" dirty="0" err="1">
+                <a:solidFill>
+                  <a:srgbClr val="FCFCFA"/>
+                </a:solidFill>
+                <a:effectLst/>
+                <a:latin typeface="Consolas" panose="020B0609020204030204" pitchFamily="49" charset="0"/>
+              </a:rPr>
+              <a:t>set_to_connect_parent</a:t>
+            </a:r>
+            <a:r>
+              <a:rPr lang="en-US" sz="900" b="0" dirty="0">
+                <a:solidFill>
+                  <a:srgbClr val="FCFCFA"/>
+                </a:solidFill>
+                <a:effectLst/>
+                <a:latin typeface="Consolas" panose="020B0609020204030204" pitchFamily="49" charset="0"/>
+              </a:rPr>
+              <a:t> </a:t>
+            </a:r>
+            <a:r>
+              <a:rPr lang="en-US" sz="900" b="0" dirty="0">
+                <a:solidFill>
+                  <a:srgbClr val="FF6188"/>
+                </a:solidFill>
+                <a:effectLst/>
+                <a:latin typeface="Consolas" panose="020B0609020204030204" pitchFamily="49" charset="0"/>
+              </a:rPr>
+              <a:t>=</a:t>
+            </a:r>
+            <a:r>
+              <a:rPr lang="en-US" sz="900" b="0" dirty="0">
+                <a:solidFill>
+                  <a:srgbClr val="FCFCFA"/>
+                </a:solidFill>
+                <a:effectLst/>
+                <a:latin typeface="Consolas" panose="020B0609020204030204" pitchFamily="49" charset="0"/>
+              </a:rPr>
+              <a:t> </a:t>
+            </a:r>
+            <a:r>
+              <a:rPr lang="en-US" sz="900" b="0" dirty="0" err="1">
+                <a:solidFill>
+                  <a:srgbClr val="FCFCFA"/>
+                </a:solidFill>
+                <a:effectLst/>
+                <a:latin typeface="Consolas" panose="020B0609020204030204" pitchFamily="49" charset="0"/>
+              </a:rPr>
+              <a:t>set_to_connect_parent</a:t>
+            </a:r>
+            <a:r>
+              <a:rPr lang="en-US" sz="900" b="0" dirty="0">
+                <a:solidFill>
+                  <a:srgbClr val="939293"/>
+                </a:solidFill>
+                <a:effectLst/>
+                <a:latin typeface="Consolas" panose="020B0609020204030204" pitchFamily="49" charset="0"/>
+              </a:rPr>
+              <a:t>,</a:t>
+            </a:r>
+            <a:r>
+              <a:rPr lang="en-US" sz="900" b="0" dirty="0">
+                <a:solidFill>
+                  <a:srgbClr val="FCFCFA"/>
+                </a:solidFill>
+                <a:effectLst/>
+                <a:latin typeface="Consolas" panose="020B0609020204030204" pitchFamily="49" charset="0"/>
+              </a:rPr>
+              <a:t> </a:t>
+            </a:r>
+            <a:r>
+              <a:rPr lang="en-US" sz="900" b="0" dirty="0" err="1">
+                <a:solidFill>
+                  <a:srgbClr val="FCFCFA"/>
+                </a:solidFill>
+                <a:effectLst/>
+                <a:latin typeface="Consolas" panose="020B0609020204030204" pitchFamily="49" charset="0"/>
+              </a:rPr>
+              <a:t>set_connector_parent</a:t>
+            </a:r>
+            <a:endParaRPr lang="en-US" sz="900" b="0" dirty="0">
+              <a:solidFill>
+                <a:srgbClr val="FCFCFA"/>
+              </a:solidFill>
+              <a:effectLst/>
+              <a:latin typeface="Consolas" panose="020B0609020204030204" pitchFamily="49" charset="0"/>
+            </a:endParaRPr>
+          </a:p>
+          <a:p>
+            <a:pPr marL="0" indent="0">
+              <a:buNone/>
+            </a:pPr>
+            <a:r>
+              <a:rPr lang="en-US" sz="900" b="0" dirty="0">
+                <a:solidFill>
+                  <a:srgbClr val="FCFCFA"/>
+                </a:solidFill>
+                <a:effectLst/>
+                <a:latin typeface="Consolas" panose="020B0609020204030204" pitchFamily="49" charset="0"/>
+              </a:rPr>
+              <a:t>        parents</a:t>
+            </a:r>
+            <a:r>
+              <a:rPr lang="en-US" sz="900" b="0" dirty="0">
+                <a:solidFill>
+                  <a:srgbClr val="939293"/>
+                </a:solidFill>
+                <a:effectLst/>
+                <a:latin typeface="Consolas" panose="020B0609020204030204" pitchFamily="49" charset="0"/>
+              </a:rPr>
+              <a:t>[</a:t>
+            </a:r>
+            <a:r>
+              <a:rPr lang="en-US" sz="900" b="0" dirty="0" err="1">
+                <a:solidFill>
+                  <a:srgbClr val="FCFCFA"/>
+                </a:solidFill>
+                <a:effectLst/>
+                <a:latin typeface="Consolas" panose="020B0609020204030204" pitchFamily="49" charset="0"/>
+              </a:rPr>
+              <a:t>set_to_connect_parent</a:t>
+            </a:r>
+            <a:r>
+              <a:rPr lang="en-US" sz="900" b="0" dirty="0">
+                <a:solidFill>
+                  <a:srgbClr val="939293"/>
+                </a:solidFill>
+                <a:effectLst/>
+                <a:latin typeface="Consolas" panose="020B0609020204030204" pitchFamily="49" charset="0"/>
+              </a:rPr>
+              <a:t>]</a:t>
+            </a:r>
+            <a:r>
+              <a:rPr lang="en-US" sz="900" b="0" dirty="0">
+                <a:solidFill>
+                  <a:srgbClr val="FCFCFA"/>
+                </a:solidFill>
+                <a:effectLst/>
+                <a:latin typeface="Consolas" panose="020B0609020204030204" pitchFamily="49" charset="0"/>
+              </a:rPr>
+              <a:t> </a:t>
+            </a:r>
+            <a:r>
+              <a:rPr lang="en-US" sz="900" b="0" dirty="0">
+                <a:solidFill>
+                  <a:srgbClr val="FF6188"/>
+                </a:solidFill>
+                <a:effectLst/>
+                <a:latin typeface="Consolas" panose="020B0609020204030204" pitchFamily="49" charset="0"/>
+              </a:rPr>
+              <a:t>=</a:t>
+            </a:r>
+            <a:r>
+              <a:rPr lang="en-US" sz="900" b="0" dirty="0">
+                <a:solidFill>
+                  <a:srgbClr val="FCFCFA"/>
+                </a:solidFill>
+                <a:effectLst/>
+                <a:latin typeface="Consolas" panose="020B0609020204030204" pitchFamily="49" charset="0"/>
+              </a:rPr>
+              <a:t> </a:t>
+            </a:r>
+            <a:r>
+              <a:rPr lang="en-US" sz="900" b="0" dirty="0" err="1">
+                <a:solidFill>
+                  <a:srgbClr val="FCFCFA"/>
+                </a:solidFill>
+                <a:effectLst/>
+                <a:latin typeface="Consolas" panose="020B0609020204030204" pitchFamily="49" charset="0"/>
+              </a:rPr>
+              <a:t>set_connector_parent</a:t>
+            </a:r>
+            <a:endParaRPr lang="en-US" sz="900" b="0" dirty="0">
+              <a:solidFill>
+                <a:srgbClr val="FCFCFA"/>
+              </a:solidFill>
+              <a:effectLst/>
+              <a:latin typeface="Consolas" panose="020B0609020204030204" pitchFamily="49" charset="0"/>
+            </a:endParaRPr>
+          </a:p>
+          <a:p>
+            <a:pPr marL="0" indent="0">
+              <a:buNone/>
+            </a:pPr>
+            <a:r>
+              <a:rPr lang="en-US" sz="900" b="0" dirty="0">
+                <a:solidFill>
+                  <a:srgbClr val="FCFCFA"/>
+                </a:solidFill>
+                <a:effectLst/>
+                <a:latin typeface="Consolas" panose="020B0609020204030204" pitchFamily="49" charset="0"/>
+              </a:rPr>
+              <a:t>        size</a:t>
+            </a:r>
+            <a:r>
+              <a:rPr lang="en-US" sz="900" b="0" dirty="0">
+                <a:solidFill>
+                  <a:srgbClr val="939293"/>
+                </a:solidFill>
+                <a:effectLst/>
+                <a:latin typeface="Consolas" panose="020B0609020204030204" pitchFamily="49" charset="0"/>
+              </a:rPr>
+              <a:t>[</a:t>
+            </a:r>
+            <a:r>
+              <a:rPr lang="en-US" sz="900" b="0" dirty="0" err="1">
+                <a:solidFill>
+                  <a:srgbClr val="FCFCFA"/>
+                </a:solidFill>
+                <a:effectLst/>
+                <a:latin typeface="Consolas" panose="020B0609020204030204" pitchFamily="49" charset="0"/>
+              </a:rPr>
+              <a:t>set_connector_parent</a:t>
+            </a:r>
+            <a:r>
+              <a:rPr lang="en-US" sz="900" b="0" dirty="0">
+                <a:solidFill>
+                  <a:srgbClr val="939293"/>
+                </a:solidFill>
+                <a:effectLst/>
+                <a:latin typeface="Consolas" panose="020B0609020204030204" pitchFamily="49" charset="0"/>
+              </a:rPr>
+              <a:t>]</a:t>
+            </a:r>
+            <a:r>
+              <a:rPr lang="en-US" sz="900" b="0" dirty="0">
+                <a:solidFill>
+                  <a:srgbClr val="FCFCFA"/>
+                </a:solidFill>
+                <a:effectLst/>
+                <a:latin typeface="Consolas" panose="020B0609020204030204" pitchFamily="49" charset="0"/>
+              </a:rPr>
+              <a:t> </a:t>
+            </a:r>
+            <a:r>
+              <a:rPr lang="en-US" sz="900" b="0" dirty="0">
+                <a:solidFill>
+                  <a:srgbClr val="FF6188"/>
+                </a:solidFill>
+                <a:effectLst/>
+                <a:latin typeface="Consolas" panose="020B0609020204030204" pitchFamily="49" charset="0"/>
+              </a:rPr>
+              <a:t>+=</a:t>
+            </a:r>
+            <a:r>
+              <a:rPr lang="en-US" sz="900" b="0" dirty="0">
+                <a:solidFill>
+                  <a:srgbClr val="FCFCFA"/>
+                </a:solidFill>
+                <a:effectLst/>
+                <a:latin typeface="Consolas" panose="020B0609020204030204" pitchFamily="49" charset="0"/>
+              </a:rPr>
+              <a:t> size</a:t>
+            </a:r>
+            <a:r>
+              <a:rPr lang="en-US" sz="900" b="0" dirty="0">
+                <a:solidFill>
+                  <a:srgbClr val="939293"/>
+                </a:solidFill>
+                <a:effectLst/>
+                <a:latin typeface="Consolas" panose="020B0609020204030204" pitchFamily="49" charset="0"/>
+              </a:rPr>
+              <a:t>[</a:t>
+            </a:r>
+            <a:r>
+              <a:rPr lang="en-US" sz="900" b="0" dirty="0" err="1">
+                <a:solidFill>
+                  <a:srgbClr val="FCFCFA"/>
+                </a:solidFill>
+                <a:effectLst/>
+                <a:latin typeface="Consolas" panose="020B0609020204030204" pitchFamily="49" charset="0"/>
+              </a:rPr>
+              <a:t>set_to_connect_parent</a:t>
+            </a:r>
+            <a:r>
+              <a:rPr lang="en-US" sz="900" b="0" dirty="0">
+                <a:solidFill>
+                  <a:srgbClr val="939293"/>
+                </a:solidFill>
+                <a:effectLst/>
+                <a:latin typeface="Consolas" panose="020B0609020204030204" pitchFamily="49" charset="0"/>
+              </a:rPr>
+              <a:t>]</a:t>
+            </a:r>
+            <a:endParaRPr lang="en-US" sz="900" b="0" dirty="0">
+              <a:solidFill>
+                <a:srgbClr val="FCFCFA"/>
+              </a:solidFill>
+              <a:effectLst/>
+              <a:latin typeface="Consolas" panose="020B0609020204030204" pitchFamily="49" charset="0"/>
+            </a:endParaRPr>
+          </a:p>
+          <a:p>
+            <a:pPr marL="0" indent="0">
+              <a:buNone/>
+            </a:pPr>
+            <a:br>
+              <a:rPr lang="en-US" sz="900" b="0" dirty="0">
+                <a:solidFill>
+                  <a:srgbClr val="FCFCFA"/>
+                </a:solidFill>
+                <a:effectLst/>
+                <a:latin typeface="Consolas" panose="020B0609020204030204" pitchFamily="49" charset="0"/>
+              </a:rPr>
+            </a:br>
+            <a:br>
+              <a:rPr lang="en-US" sz="900" b="0" dirty="0">
+                <a:solidFill>
+                  <a:srgbClr val="FCFCFA"/>
+                </a:solidFill>
+                <a:effectLst/>
+                <a:latin typeface="Consolas" panose="020B0609020204030204" pitchFamily="49" charset="0"/>
+              </a:rPr>
+            </a:br>
+            <a:r>
+              <a:rPr lang="en-US" sz="900" b="0" dirty="0">
+                <a:solidFill>
+                  <a:srgbClr val="FCFCFA"/>
+                </a:solidFill>
+                <a:effectLst/>
+                <a:latin typeface="Consolas" panose="020B0609020204030204" pitchFamily="49" charset="0"/>
+              </a:rPr>
+              <a:t>parents </a:t>
+            </a:r>
+            <a:r>
+              <a:rPr lang="en-US" sz="900" b="0" dirty="0">
+                <a:solidFill>
+                  <a:srgbClr val="FF6188"/>
+                </a:solidFill>
+                <a:effectLst/>
+                <a:latin typeface="Consolas" panose="020B0609020204030204" pitchFamily="49" charset="0"/>
+              </a:rPr>
+              <a:t>=</a:t>
+            </a:r>
+            <a:r>
+              <a:rPr lang="en-US" sz="900" b="0" dirty="0">
+                <a:solidFill>
+                  <a:srgbClr val="FCFCFA"/>
+                </a:solidFill>
+                <a:effectLst/>
+                <a:latin typeface="Consolas" panose="020B0609020204030204" pitchFamily="49" charset="0"/>
+              </a:rPr>
+              <a:t> </a:t>
+            </a:r>
+            <a:r>
+              <a:rPr lang="en-US" sz="900" b="0" dirty="0">
+                <a:solidFill>
+                  <a:srgbClr val="939293"/>
+                </a:solidFill>
+                <a:effectLst/>
+                <a:latin typeface="Consolas" panose="020B0609020204030204" pitchFamily="49" charset="0"/>
+              </a:rPr>
+              <a:t>[]</a:t>
+            </a:r>
+            <a:endParaRPr lang="en-US" sz="900" b="0" dirty="0">
+              <a:solidFill>
+                <a:srgbClr val="FCFCFA"/>
+              </a:solidFill>
+              <a:effectLst/>
+              <a:latin typeface="Consolas" panose="020B0609020204030204" pitchFamily="49" charset="0"/>
+            </a:endParaRPr>
+          </a:p>
+          <a:p>
+            <a:pPr marL="0" indent="0">
+              <a:buNone/>
+            </a:pPr>
+            <a:r>
+              <a:rPr lang="en-US" sz="900" b="0" dirty="0">
+                <a:solidFill>
+                  <a:srgbClr val="FCFCFA"/>
+                </a:solidFill>
+                <a:effectLst/>
+                <a:latin typeface="Consolas" panose="020B0609020204030204" pitchFamily="49" charset="0"/>
+              </a:rPr>
+              <a:t>size </a:t>
+            </a:r>
+            <a:r>
+              <a:rPr lang="en-US" sz="900" b="0" dirty="0">
+                <a:solidFill>
+                  <a:srgbClr val="FF6188"/>
+                </a:solidFill>
+                <a:effectLst/>
+                <a:latin typeface="Consolas" panose="020B0609020204030204" pitchFamily="49" charset="0"/>
+              </a:rPr>
+              <a:t>=</a:t>
+            </a:r>
+            <a:r>
+              <a:rPr lang="en-US" sz="900" b="0" dirty="0">
+                <a:solidFill>
+                  <a:srgbClr val="FCFCFA"/>
+                </a:solidFill>
+                <a:effectLst/>
+                <a:latin typeface="Consolas" panose="020B0609020204030204" pitchFamily="49" charset="0"/>
+              </a:rPr>
+              <a:t> </a:t>
+            </a:r>
+            <a:r>
+              <a:rPr lang="en-US" sz="900" b="0" dirty="0">
+                <a:solidFill>
+                  <a:srgbClr val="939293"/>
+                </a:solidFill>
+                <a:effectLst/>
+                <a:latin typeface="Consolas" panose="020B0609020204030204" pitchFamily="49" charset="0"/>
+              </a:rPr>
+              <a:t>[]</a:t>
+            </a:r>
+            <a:endParaRPr lang="en-US" sz="900" b="0" dirty="0">
+              <a:solidFill>
+                <a:srgbClr val="FCFCFA"/>
+              </a:solidFill>
+              <a:effectLst/>
+              <a:latin typeface="Consolas" panose="020B0609020204030204" pitchFamily="49" charset="0"/>
+            </a:endParaRPr>
+          </a:p>
+        </p:txBody>
+      </p:sp>
+    </p:spTree>
+    <p:extLst>
+      <p:ext uri="{BB962C8B-B14F-4D97-AF65-F5344CB8AC3E}">
+        <p14:creationId xmlns:p14="http://schemas.microsoft.com/office/powerpoint/2010/main" val="1459797214"/>
+      </p:ext>
+    </p:extLst>
+  </p:cSld>
+  <p:clrMapOvr>
+    <a:masterClrMapping/>
+  </p:clrMapOvr>
+</p:sld>
+</file>
+
+<file path=ppt/slides/slide11.xml><?xml version="1.0" encoding="utf-8"?>
 <p:sld xmlns:a="http://schemas.openxmlformats.org/drawingml/2006/main" xmlns:r="http://schemas.openxmlformats.org/officeDocument/2006/relationships" xmlns:p="http://schemas.openxmlformats.org/presentationml/2006/main">
   <p:cSld>
     <p:spTree>
@@ -6084,7 +8223,7 @@
 </p:sld>
 </file>
 
-<file path=ppt/slides/slide11.xml><?xml version="1.0" encoding="utf-8"?>
+<file path=ppt/slides/slide12.xml><?xml version="1.0" encoding="utf-8"?>
 <p:sld xmlns:a="http://schemas.openxmlformats.org/drawingml/2006/main" xmlns:r="http://schemas.openxmlformats.org/officeDocument/2006/relationships" xmlns:p="http://schemas.openxmlformats.org/presentationml/2006/main">
   <p:cSld>
     <p:spTree>
@@ -6156,73 +8295,127 @@
               <a:buNone/>
             </a:pPr>
             <a:r>
-              <a:rPr lang="ru-RU" b="1" i="0" dirty="0">
+              <a:rPr lang="ru-RU" i="0" dirty="0">
                 <a:effectLst/>
                 <a:latin typeface="-apple-system"/>
               </a:rPr>
               <a:t>Задача о покраске </a:t>
             </a:r>
             <a:r>
-              <a:rPr lang="ru-RU" b="1" i="0" dirty="0" err="1">
+              <a:rPr lang="ru-RU" i="0" dirty="0" err="1">
                 <a:effectLst/>
                 <a:latin typeface="-apple-system"/>
               </a:rPr>
               <a:t>подотрезков</a:t>
             </a:r>
             <a:r>
-              <a:rPr lang="ru-RU" b="1" i="0" dirty="0">
+              <a:rPr lang="ru-RU" i="0" dirty="0">
                 <a:effectLst/>
                 <a:latin typeface="-apple-system"/>
               </a:rPr>
-              <a:t> (Заливка)</a:t>
-            </a:r>
-            <a:r>
-              <a:rPr lang="ru-RU" b="0" i="0" dirty="0">
-                <a:effectLst/>
-                <a:latin typeface="-apple-system"/>
-              </a:rPr>
-              <a:t>. </a:t>
-            </a:r>
+              <a:t> (Заливка). </a:t>
+            </a:r>
+            <a:endParaRPr lang="ru-RU" dirty="0">
+              <a:latin typeface="-apple-system"/>
+            </a:endParaRPr>
           </a:p>
           <a:p>
             <a:pPr marL="0" indent="0" algn="l">
               <a:buNone/>
             </a:pPr>
             <a:r>
-              <a:rPr lang="ru-RU" b="1" i="0" dirty="0">
+              <a:rPr lang="ru-RU" b="0" i="0" dirty="0">
                 <a:effectLst/>
                 <a:latin typeface="-apple-system"/>
               </a:rPr>
-              <a:t>Задача о добавлении друзей в социальной сети</a:t>
-            </a:r>
-            <a:r>
-              <a:rPr lang="ru-RU" b="0" i="0" dirty="0">
+              <a:t>Алгоритм </a:t>
+            </a:r>
+            <a:r>
+              <a:rPr lang="ru-RU" b="0" i="0" dirty="0" err="1">
                 <a:effectLst/>
                 <a:latin typeface="-apple-system"/>
               </a:rPr>
-              <a:t>. Нужно узнавать, связаны ли два человека цепочкой общих друзей. </a:t>
-            </a:r>
+              <a:t>К</a:t>
+            </a:r>
+            <a:r>
+              <a:rPr lang="ru-RU" dirty="0" err="1">
+                <a:latin typeface="-apple-system"/>
+              </a:rPr>
+              <a:t>раскала</a:t>
+            </a:r>
+            <a:endParaRPr lang="ru-RU" dirty="0">
+              <a:latin typeface="-apple-system"/>
+            </a:endParaRPr>
           </a:p>
           <a:p>
             <a:pPr marL="0" indent="0" algn="l">
               <a:buNone/>
             </a:pPr>
             <a:r>
-              <a:rPr lang="ru-RU" b="1" i="0" dirty="0">
+              <a:rPr lang="ru-RU" b="0" i="0" dirty="0">
                 <a:effectLst/>
                 <a:latin typeface="-apple-system"/>
               </a:rPr>
-              <a:t>Задача о постройке дорог между городами</a:t>
-            </a:r>
-            <a:r>
-              <a:rPr lang="ru-RU" b="0" i="0" dirty="0">
-                <a:effectLst/>
-                <a:latin typeface="-apple-system"/>
-              </a:rPr>
-              <a:t>. Периодически требуется отвечать на запросы о достижимости одного города из другого.</a:t>
-            </a:r>
-          </a:p>
-          <a:p>
+              <a:t>Алгоритм Прима</a:t>
+            </a:r>
+          </a:p>
+          <a:p>
+            <a:pPr marL="0" indent="0">
+              <a:buNone/>
+            </a:pPr>
+            <a:r>
+              <a:rPr lang="ru-RU" dirty="0"/>
+              <a:t>Поддержка компонент связности графа</a:t>
+            </a:r>
+          </a:p>
+          <a:p>
+            <a:pPr marL="0" indent="0">
+              <a:buNone/>
+            </a:pPr>
+            <a:r>
+              <a:rPr lang="ru-RU" dirty="0"/>
+              <a:t>Поиск компонент связанности на изображении</a:t>
+            </a:r>
+          </a:p>
+          <a:p>
+            <a:pPr marL="0" indent="0">
+              <a:buNone/>
+            </a:pPr>
+            <a:r>
+              <a:rPr lang="ru-RU" dirty="0"/>
+              <a:t>Поддержка дополнительной информации для каждого множества</a:t>
+            </a:r>
+          </a:p>
+          <a:p>
+            <a:pPr marL="0" indent="0">
+              <a:buNone/>
+            </a:pPr>
+            <a:r>
+              <a:rPr lang="ru-RU" dirty="0"/>
+              <a:t>Алгоритм нахождения минимума на отрезке</a:t>
+            </a:r>
+          </a:p>
+          <a:p>
+            <a:pPr marL="0" indent="0">
+              <a:buNone/>
+            </a:pPr>
+            <a:r>
+              <a:rPr lang="ru-RU" dirty="0"/>
+              <a:t>Проверка чётности </a:t>
+            </a:r>
+            <a:r>
+              <a:rPr lang="ru-RU" dirty="0" err="1"/>
+              <a:t>двудольности</a:t>
+            </a:r>
+            <a:r>
+              <a:rPr lang="ru-RU" dirty="0"/>
+              <a:t> графа</a:t>
+            </a:r>
+          </a:p>
+          <a:p>
+            <a:pPr marL="0" indent="0">
+              <a:buNone/>
+            </a:pPr>
             <a:endParaRPr lang="ru-RU" dirty="0"/>
           </a:p>
         </p:txBody>
@@ -6231,6 +8424,113 @@
     <p:extLst>
       <p:ext uri="{BB962C8B-B14F-4D97-AF65-F5344CB8AC3E}">
         <p14:creationId xmlns:p14="http://schemas.microsoft.com/office/powerpoint/2010/main" val="1459892810"/>
+      </p:ext>
+    </p:extLst>
+  </p:cSld>
+  <p:clrMapOvr>
+    <a:masterClrMapping/>
+  </p:clrMapOvr>
+</p:sld>
+</file>
+
+<file path=ppt/slides/slide13.xml><?xml version="1.0" encoding="utf-8"?>
+<p:sld xmlns:a="http://schemas.openxmlformats.org/drawingml/2006/main" xmlns:r="http://schemas.openxmlformats.org/officeDocument/2006/relationships" xmlns:p="http://schemas.openxmlformats.org/presentationml/2006/main">
+  <p:cSld>
+    <p:spTree>
+      <p:nvGrpSpPr>
+        <p:cNvPr id="1" name=""/>
+        <p:cNvGrpSpPr/>
+        <p:nvPr/>
+      </p:nvGrpSpPr>
+      <p:grpSpPr>
+        <a:xfrm>
+          <a:off x="0" y="0"/>
+          <a:ext cx="0" cy="0"/>
+          <a:chOff x="0" y="0"/>
+          <a:chExt cx="0" cy="0"/>
+        </a:xfrm>
+      </p:grpSpPr>
+      <p:sp>
+        <p:nvSpPr>
+          <p:cNvPr id="2" name="Заголовок 1">
+            <a:extLst>
+              <a:ext uri="{FF2B5EF4-FFF2-40B4-BE49-F238E27FC236}">
+                <a16:creationId xmlns:a16="http://schemas.microsoft.com/office/drawing/2014/main" id="{7936AE4B-0743-4BE6-8B93-117EBBC54BDC}"/>
+              </a:ext>
+            </a:extLst>
+          </p:cNvPr>
+          <p:cNvSpPr>
+            <a:spLocks noGrp="1"/>
+          </p:cNvSpPr>
+          <p:nvPr>
+            <p:ph type="title"/>
+          </p:nvPr>
+        </p:nvSpPr>
+        <p:spPr/>
+        <p:txBody>
+          <a:bodyPr/>
+          <a:lstStyle/>
+          <a:p>
+            <a:r>
+              <a:rPr lang="ru-RU" dirty="0"/>
+              <a:t>Задачи для практики</a:t>
+            </a:r>
+          </a:p>
+        </p:txBody>
+      </p:sp>
+      <p:pic>
+        <p:nvPicPr>
+          <p:cNvPr id="1026" name="Picture 2">
+            <a:extLst>
+              <a:ext uri="{FF2B5EF4-FFF2-40B4-BE49-F238E27FC236}">
+                <a16:creationId xmlns:a16="http://schemas.microsoft.com/office/drawing/2014/main" id="{44797ED5-9912-4F99-97F5-744F9BAB056E}"/>
+              </a:ext>
+            </a:extLst>
+          </p:cNvPr>
+          <p:cNvPicPr>
+            <a:picLocks noGrp="1" noChangeAspect="1" noChangeArrowheads="1"/>
+          </p:cNvPicPr>
+          <p:nvPr>
+            <p:ph idx="1"/>
+          </p:nvPr>
+        </p:nvPicPr>
+        <p:blipFill>
+          <a:blip r:embed="rId2">
+            <a:extLst>
+              <a:ext uri="{28A0092B-C50C-407E-A947-70E740481C1C}">
+                <a14:useLocalDpi xmlns:a14="http://schemas.microsoft.com/office/drawing/2010/main" val="0"/>
+              </a:ext>
+            </a:extLst>
+          </a:blip>
+          <a:srcRect/>
+          <a:stretch>
+            <a:fillRect/>
+          </a:stretch>
+        </p:blipFill>
+        <p:spPr bwMode="auto">
+          <a:xfrm>
+            <a:off x="3914274" y="1578937"/>
+            <a:ext cx="4518860" cy="4518860"/>
+          </a:xfrm>
+          <a:prstGeom prst="rect">
+            <a:avLst/>
+          </a:prstGeom>
+          <a:noFill/>
+          <a:extLst>
+            <a:ext uri="{909E8E84-426E-40DD-AFC4-6F175D3DCCD1}">
+              <a14:hiddenFill xmlns:a14="http://schemas.microsoft.com/office/drawing/2010/main">
+                <a:solidFill>
+                  <a:srgbClr val="FFFFFF"/>
+                </a:solidFill>
+              </a14:hiddenFill>
+            </a:ext>
+          </a:extLst>
+        </p:spPr>
+      </p:pic>
+    </p:spTree>
+    <p:extLst>
+      <p:ext uri="{BB962C8B-B14F-4D97-AF65-F5344CB8AC3E}">
+        <p14:creationId xmlns:p14="http://schemas.microsoft.com/office/powerpoint/2010/main" val="2587219683"/>
       </p:ext>
     </p:extLst>
   </p:cSld>
@@ -12957,6 +15257,168 @@
 </file>
 
 <file path=ppt/slides/slide7.xml><?xml version="1.0" encoding="utf-8"?>
+<p:sld xmlns:a="http://schemas.openxmlformats.org/drawingml/2006/main" xmlns:r="http://schemas.openxmlformats.org/officeDocument/2006/relationships" xmlns:p="http://schemas.openxmlformats.org/presentationml/2006/main">
+  <p:cSld>
+    <p:spTree>
+      <p:nvGrpSpPr>
+        <p:cNvPr id="1" name=""/>
+        <p:cNvGrpSpPr/>
+        <p:nvPr/>
+      </p:nvGrpSpPr>
+      <p:grpSpPr>
+        <a:xfrm>
+          <a:off x="0" y="0"/>
+          <a:ext cx="0" cy="0"/>
+          <a:chOff x="0" y="0"/>
+          <a:chExt cx="0" cy="0"/>
+        </a:xfrm>
+      </p:grpSpPr>
+      <p:sp>
+        <p:nvSpPr>
+          <p:cNvPr id="2" name="Заголовок 1">
+            <a:extLst>
+              <a:ext uri="{FF2B5EF4-FFF2-40B4-BE49-F238E27FC236}">
+                <a16:creationId xmlns:a16="http://schemas.microsoft.com/office/drawing/2014/main" id="{95AE9FB2-B077-4BCC-921B-26FED1F22499}"/>
+              </a:ext>
+            </a:extLst>
+          </p:cNvPr>
+          <p:cNvSpPr>
+            <a:spLocks noGrp="1"/>
+          </p:cNvSpPr>
+          <p:nvPr>
+            <p:ph type="title"/>
+          </p:nvPr>
+        </p:nvSpPr>
+        <p:spPr/>
+        <p:txBody>
+          <a:bodyPr/>
+          <a:lstStyle/>
+          <a:p>
+            <a:r>
+              <a:rPr lang="ru-RU" dirty="0"/>
+              <a:t>Доказательство асимптотики</a:t>
+            </a:r>
+          </a:p>
+        </p:txBody>
+      </p:sp>
+      <p:sp>
+        <p:nvSpPr>
+          <p:cNvPr id="3" name="Объект 2">
+            <a:extLst>
+              <a:ext uri="{FF2B5EF4-FFF2-40B4-BE49-F238E27FC236}">
+                <a16:creationId xmlns:a16="http://schemas.microsoft.com/office/drawing/2014/main" id="{5CF690FA-71B8-4DB8-99CE-6A6F821CB230}"/>
+              </a:ext>
+            </a:extLst>
+          </p:cNvPr>
+          <p:cNvSpPr>
+            <a:spLocks noGrp="1"/>
+          </p:cNvSpPr>
+          <p:nvPr>
+            <p:ph idx="1"/>
+          </p:nvPr>
+        </p:nvSpPr>
+        <p:spPr/>
+        <p:txBody>
+          <a:bodyPr>
+            <a:normAutofit/>
+          </a:bodyPr>
+          <a:lstStyle/>
+          <a:p>
+            <a:pPr marL="0" indent="0">
+              <a:buNone/>
+            </a:pPr>
+            <a:r>
+              <a:rPr lang="ru-RU" dirty="0">
+                <a:effectLst/>
+                <a:latin typeface="Times New Roman" panose="02020603050405020304" pitchFamily="18" charset="0"/>
+                <a:ea typeface="Calibri" panose="020F0502020204030204" pitchFamily="34" charset="0"/>
+                <a:cs typeface="Times New Roman" panose="02020603050405020304" pitchFamily="18" charset="0"/>
+              </a:rPr>
+              <a:t>Зафиксируем произвольный элемент и проследим, как на него воздействовали операции объединения. </a:t>
+            </a:r>
+          </a:p>
+          <a:p>
+            <a:pPr marL="0" indent="0">
+              <a:buNone/>
+            </a:pPr>
+            <a:r>
+              <a:rPr lang="ru-RU" dirty="0">
+                <a:effectLst/>
+                <a:latin typeface="Times New Roman" panose="02020603050405020304" pitchFamily="18" charset="0"/>
+                <a:ea typeface="Calibri" panose="020F0502020204030204" pitchFamily="34" charset="0"/>
+                <a:cs typeface="Times New Roman" panose="02020603050405020304" pitchFamily="18" charset="0"/>
+              </a:rPr>
+              <a:t>Когда на элемент воздействовали первый раз, можно утверждать, что размер его нового множества будет как минимум 2. </a:t>
+            </a:r>
+          </a:p>
+          <a:p>
+            <a:pPr marL="0" indent="0">
+              <a:buNone/>
+            </a:pPr>
+            <a:r>
+              <a:rPr lang="ru-RU" dirty="0">
+                <a:effectLst/>
+                <a:latin typeface="Times New Roman" panose="02020603050405020304" pitchFamily="18" charset="0"/>
+                <a:ea typeface="Calibri" panose="020F0502020204030204" pitchFamily="34" charset="0"/>
+                <a:cs typeface="Times New Roman" panose="02020603050405020304" pitchFamily="18" charset="0"/>
+              </a:rPr>
+              <a:t>Когда на элемент воздействовали второй раз — можно утверждать, что он попадёт в множество размера не менее 4 (так как мы добавляем меньшее множество в большее). И так далее — на элемент могло воздействовать максимум операций объединения. </a:t>
+            </a:r>
+          </a:p>
+          <a:p>
+            <a:pPr marL="0" indent="0">
+              <a:buNone/>
+            </a:pPr>
+            <a:r>
+              <a:rPr lang="ru-RU" dirty="0">
+                <a:effectLst/>
+                <a:latin typeface="Times New Roman" panose="02020603050405020304" pitchFamily="18" charset="0"/>
+                <a:ea typeface="Calibri" panose="020F0502020204030204" pitchFamily="34" charset="0"/>
+                <a:cs typeface="Times New Roman" panose="02020603050405020304" pitchFamily="18" charset="0"/>
+              </a:rPr>
+              <a:t>Таким образом, в сумме по всем вершинам это составляет O(</a:t>
+            </a:r>
+            <a:r>
+              <a:rPr lang="ru-RU" dirty="0" err="1">
+                <a:effectLst/>
+                <a:latin typeface="Times New Roman" panose="02020603050405020304" pitchFamily="18" charset="0"/>
+                <a:ea typeface="Calibri" panose="020F0502020204030204" pitchFamily="34" charset="0"/>
+                <a:cs typeface="Times New Roman" panose="02020603050405020304" pitchFamily="18" charset="0"/>
+              </a:rPr>
+              <a:t>nlogn</a:t>
+            </a:r>
+            <a:r>
+              <a:rPr lang="ru-RU" dirty="0">
+                <a:effectLst/>
+                <a:latin typeface="Times New Roman" panose="02020603050405020304" pitchFamily="18" charset="0"/>
+                <a:ea typeface="Calibri" panose="020F0502020204030204" pitchFamily="34" charset="0"/>
+                <a:cs typeface="Times New Roman" panose="02020603050405020304" pitchFamily="18" charset="0"/>
+              </a:rPr>
+              <a:t>)</a:t>
+            </a:r>
+            <a:endParaRPr lang="ru-RU" dirty="0">
+              <a:effectLst/>
+              <a:latin typeface="Calibri" panose="020F0502020204030204" pitchFamily="34" charset="0"/>
+              <a:ea typeface="Calibri" panose="020F0502020204030204" pitchFamily="34" charset="0"/>
+              <a:cs typeface="Times New Roman" panose="02020603050405020304" pitchFamily="18" charset="0"/>
+            </a:endParaRPr>
+          </a:p>
+        </p:txBody>
+      </p:sp>
+    </p:spTree>
+    <p:extLst>
+      <p:ext uri="{BB962C8B-B14F-4D97-AF65-F5344CB8AC3E}">
+        <p14:creationId xmlns:p14="http://schemas.microsoft.com/office/powerpoint/2010/main" val="853713822"/>
+      </p:ext>
+    </p:extLst>
+  </p:cSld>
+  <p:clrMapOvr>
+    <a:masterClrMapping/>
+  </p:clrMapOvr>
+</p:sld>
+</file>
+
+<file path=ppt/slides/slide8.xml><?xml version="1.0" encoding="utf-8"?>
 <p:sld xmlns:a="http://schemas.openxmlformats.org/drawingml/2006/main" xmlns:r="http://schemas.openxmlformats.org/officeDocument/2006/relationships" xmlns:p="http://schemas.openxmlformats.org/presentationml/2006/main">
   <p:cSld>
     <p:spTree>
@@ -13629,7 +16091,7 @@
 </p:sld>
 </file>
 
-<file path=ppt/slides/slide8.xml><?xml version="1.0" encoding="utf-8"?>
+<file path=ppt/slides/slide9.xml><?xml version="1.0" encoding="utf-8"?>
 <p:sld xmlns:a="http://schemas.openxmlformats.org/drawingml/2006/main" xmlns:r="http://schemas.openxmlformats.org/officeDocument/2006/relationships" xmlns:p="http://schemas.openxmlformats.org/presentationml/2006/main">
   <p:cSld>
     <p:spTree>
@@ -13753,2143 +16215,6 @@
     <p:extLst>
       <p:ext uri="{BB962C8B-B14F-4D97-AF65-F5344CB8AC3E}">
         <p14:creationId xmlns:p14="http://schemas.microsoft.com/office/powerpoint/2010/main" val="2872317450"/>
-      </p:ext>
-    </p:extLst>
-  </p:cSld>
-  <p:clrMapOvr>
-    <a:masterClrMapping/>
-  </p:clrMapOvr>
-</p:sld>
-</file>
-
-<file path=ppt/slides/slide9.xml><?xml version="1.0" encoding="utf-8"?>
-<p:sld xmlns:a="http://schemas.openxmlformats.org/drawingml/2006/main" xmlns:r="http://schemas.openxmlformats.org/officeDocument/2006/relationships" xmlns:p="http://schemas.openxmlformats.org/presentationml/2006/main">
-  <p:cSld>
-    <p:spTree>
-      <p:nvGrpSpPr>
-        <p:cNvPr id="1" name=""/>
-        <p:cNvGrpSpPr/>
-        <p:nvPr/>
-      </p:nvGrpSpPr>
-      <p:grpSpPr>
-        <a:xfrm>
-          <a:off x="0" y="0"/>
-          <a:ext cx="0" cy="0"/>
-          <a:chOff x="0" y="0"/>
-          <a:chExt cx="0" cy="0"/>
-        </a:xfrm>
-      </p:grpSpPr>
-      <p:sp>
-        <p:nvSpPr>
-          <p:cNvPr id="2" name="Заголовок 1">
-            <a:extLst>
-              <a:ext uri="{FF2B5EF4-FFF2-40B4-BE49-F238E27FC236}">
-                <a16:creationId xmlns:a16="http://schemas.microsoft.com/office/drawing/2014/main" id="{7F8B410A-2CF3-44C4-A8FF-F7496B71A078}"/>
-              </a:ext>
-            </a:extLst>
-          </p:cNvPr>
-          <p:cNvSpPr>
-            <a:spLocks noGrp="1"/>
-          </p:cNvSpPr>
-          <p:nvPr>
-            <p:ph type="title"/>
-          </p:nvPr>
-        </p:nvSpPr>
-        <p:spPr>
-          <a:xfrm>
-            <a:off x="142875" y="-101600"/>
-            <a:ext cx="10515600" cy="1325563"/>
-          </a:xfrm>
-        </p:spPr>
-        <p:txBody>
-          <a:bodyPr/>
-          <a:lstStyle/>
-          <a:p>
-            <a:r>
-              <a:rPr lang="ru-RU" dirty="0"/>
-              <a:t>Реализация через размерность</a:t>
-            </a:r>
-          </a:p>
-        </p:txBody>
-      </p:sp>
-      <p:sp>
-        <p:nvSpPr>
-          <p:cNvPr id="3" name="Объект 2">
-            <a:extLst>
-              <a:ext uri="{FF2B5EF4-FFF2-40B4-BE49-F238E27FC236}">
-                <a16:creationId xmlns:a16="http://schemas.microsoft.com/office/drawing/2014/main" id="{D8F1CDA7-E2FA-469A-AE75-4E866C384482}"/>
-              </a:ext>
-            </a:extLst>
-          </p:cNvPr>
-          <p:cNvSpPr>
-            <a:spLocks noGrp="1"/>
-          </p:cNvSpPr>
-          <p:nvPr>
-            <p:ph idx="1"/>
-          </p:nvPr>
-        </p:nvSpPr>
-        <p:spPr>
-          <a:xfrm>
-            <a:off x="142875" y="809625"/>
-            <a:ext cx="10991850" cy="4814888"/>
-          </a:xfrm>
-        </p:spPr>
-        <p:txBody>
-          <a:bodyPr>
-            <a:noAutofit/>
-          </a:bodyPr>
-          <a:lstStyle/>
-          <a:p>
-            <a:pPr marL="0" indent="0">
-              <a:buNone/>
-            </a:pPr>
-            <a:r>
-              <a:rPr lang="en-US" sz="900" b="0" i="1" dirty="0">
-                <a:solidFill>
-                  <a:srgbClr val="78DCE8"/>
-                </a:solidFill>
-                <a:effectLst/>
-                <a:latin typeface="Consolas" panose="020B0609020204030204" pitchFamily="49" charset="0"/>
-              </a:rPr>
-              <a:t>def</a:t>
-            </a:r>
-            <a:r>
-              <a:rPr lang="en-US" sz="900" b="0" dirty="0">
-                <a:solidFill>
-                  <a:srgbClr val="FCFCFA"/>
-                </a:solidFill>
-                <a:effectLst/>
-                <a:latin typeface="Consolas" panose="020B0609020204030204" pitchFamily="49" charset="0"/>
-              </a:rPr>
-              <a:t> </a:t>
-            </a:r>
-            <a:r>
-              <a:rPr lang="en-US" sz="900" b="0" dirty="0" err="1">
-                <a:solidFill>
-                  <a:srgbClr val="A9DC76"/>
-                </a:solidFill>
-                <a:effectLst/>
-                <a:latin typeface="Consolas" panose="020B0609020204030204" pitchFamily="49" charset="0"/>
-              </a:rPr>
-              <a:t>init</a:t>
-            </a:r>
-            <a:r>
-              <a:rPr lang="en-US" sz="900" b="0" dirty="0">
-                <a:solidFill>
-                  <a:srgbClr val="939293"/>
-                </a:solidFill>
-                <a:effectLst/>
-                <a:latin typeface="Consolas" panose="020B0609020204030204" pitchFamily="49" charset="0"/>
-              </a:rPr>
-              <a:t>(</a:t>
-            </a:r>
-            <a:r>
-              <a:rPr lang="en-US" sz="900" b="0" i="1" dirty="0" err="1">
-                <a:solidFill>
-                  <a:srgbClr val="FC9867"/>
-                </a:solidFill>
-                <a:effectLst/>
-                <a:latin typeface="Consolas" panose="020B0609020204030204" pitchFamily="49" charset="0"/>
-              </a:rPr>
-              <a:t>count_sets</a:t>
-            </a:r>
-            <a:r>
-              <a:rPr lang="en-US" sz="900" b="0" dirty="0">
-                <a:solidFill>
-                  <a:srgbClr val="939293"/>
-                </a:solidFill>
-                <a:effectLst/>
-                <a:latin typeface="Consolas" panose="020B0609020204030204" pitchFamily="49" charset="0"/>
-              </a:rPr>
-              <a:t>:</a:t>
-            </a:r>
-            <a:r>
-              <a:rPr lang="en-US" sz="900" b="0" dirty="0">
-                <a:solidFill>
-                  <a:srgbClr val="FCFCFA"/>
-                </a:solidFill>
-                <a:effectLst/>
-                <a:latin typeface="Consolas" panose="020B0609020204030204" pitchFamily="49" charset="0"/>
-              </a:rPr>
-              <a:t> </a:t>
-            </a:r>
-            <a:r>
-              <a:rPr lang="en-US" sz="900" b="0" i="1" dirty="0">
-                <a:solidFill>
-                  <a:srgbClr val="78DCE8"/>
-                </a:solidFill>
-                <a:effectLst/>
-                <a:latin typeface="Consolas" panose="020B0609020204030204" pitchFamily="49" charset="0"/>
-              </a:rPr>
-              <a:t>int</a:t>
-            </a:r>
-            <a:r>
-              <a:rPr lang="en-US" sz="900" b="0" dirty="0">
-                <a:solidFill>
-                  <a:srgbClr val="939293"/>
-                </a:solidFill>
-                <a:effectLst/>
-                <a:latin typeface="Consolas" panose="020B0609020204030204" pitchFamily="49" charset="0"/>
-              </a:rPr>
-              <a:t>):</a:t>
-            </a:r>
-            <a:endParaRPr lang="en-US" sz="900" b="0" dirty="0">
-              <a:solidFill>
-                <a:srgbClr val="FCFCFA"/>
-              </a:solidFill>
-              <a:effectLst/>
-              <a:latin typeface="Consolas" panose="020B0609020204030204" pitchFamily="49" charset="0"/>
-            </a:endParaRPr>
-          </a:p>
-          <a:p>
-            <a:pPr marL="0" indent="0">
-              <a:buNone/>
-            </a:pPr>
-            <a:r>
-              <a:rPr lang="en-US" sz="900" b="0" dirty="0">
-                <a:solidFill>
-                  <a:srgbClr val="FCFCFA"/>
-                </a:solidFill>
-                <a:effectLst/>
-                <a:latin typeface="Consolas" panose="020B0609020204030204" pitchFamily="49" charset="0"/>
-              </a:rPr>
-              <a:t>    </a:t>
-            </a:r>
-            <a:r>
-              <a:rPr lang="en-US" sz="900" b="0" i="1" dirty="0">
-                <a:solidFill>
-                  <a:srgbClr val="FF6188"/>
-                </a:solidFill>
-                <a:effectLst/>
-                <a:latin typeface="Consolas" panose="020B0609020204030204" pitchFamily="49" charset="0"/>
-              </a:rPr>
-              <a:t>global</a:t>
-            </a:r>
-            <a:r>
-              <a:rPr lang="en-US" sz="900" b="0" dirty="0">
-                <a:solidFill>
-                  <a:srgbClr val="FCFCFA"/>
-                </a:solidFill>
-                <a:effectLst/>
-                <a:latin typeface="Consolas" panose="020B0609020204030204" pitchFamily="49" charset="0"/>
-              </a:rPr>
-              <a:t> parents</a:t>
-            </a:r>
-          </a:p>
-          <a:p>
-            <a:pPr marL="0" indent="0">
-              <a:buNone/>
-            </a:pPr>
-            <a:r>
-              <a:rPr lang="en-US" sz="900" b="0" dirty="0">
-                <a:solidFill>
-                  <a:srgbClr val="FCFCFA"/>
-                </a:solidFill>
-                <a:effectLst/>
-                <a:latin typeface="Consolas" panose="020B0609020204030204" pitchFamily="49" charset="0"/>
-              </a:rPr>
-              <a:t>    </a:t>
-            </a:r>
-            <a:r>
-              <a:rPr lang="en-US" sz="900" b="0" dirty="0">
-                <a:solidFill>
-                  <a:srgbClr val="FF6188"/>
-                </a:solidFill>
-                <a:effectLst/>
-                <a:latin typeface="Consolas" panose="020B0609020204030204" pitchFamily="49" charset="0"/>
-              </a:rPr>
-              <a:t>for</a:t>
-            </a:r>
-            <a:r>
-              <a:rPr lang="en-US" sz="900" b="0" dirty="0">
-                <a:solidFill>
-                  <a:srgbClr val="FCFCFA"/>
-                </a:solidFill>
-                <a:effectLst/>
-                <a:latin typeface="Consolas" panose="020B0609020204030204" pitchFamily="49" charset="0"/>
-              </a:rPr>
-              <a:t> </a:t>
-            </a:r>
-            <a:r>
-              <a:rPr lang="en-US" sz="900" b="0" dirty="0" err="1">
-                <a:solidFill>
-                  <a:srgbClr val="FCFCFA"/>
-                </a:solidFill>
-                <a:effectLst/>
-                <a:latin typeface="Consolas" panose="020B0609020204030204" pitchFamily="49" charset="0"/>
-              </a:rPr>
-              <a:t>set_id</a:t>
-            </a:r>
-            <a:r>
-              <a:rPr lang="en-US" sz="900" b="0" dirty="0">
-                <a:solidFill>
-                  <a:srgbClr val="FCFCFA"/>
-                </a:solidFill>
-                <a:effectLst/>
-                <a:latin typeface="Consolas" panose="020B0609020204030204" pitchFamily="49" charset="0"/>
-              </a:rPr>
-              <a:t> </a:t>
-            </a:r>
-            <a:r>
-              <a:rPr lang="en-US" sz="900" b="0" dirty="0">
-                <a:solidFill>
-                  <a:srgbClr val="FF6188"/>
-                </a:solidFill>
-                <a:effectLst/>
-                <a:latin typeface="Consolas" panose="020B0609020204030204" pitchFamily="49" charset="0"/>
-              </a:rPr>
-              <a:t>in</a:t>
-            </a:r>
-            <a:r>
-              <a:rPr lang="en-US" sz="900" b="0" dirty="0">
-                <a:solidFill>
-                  <a:srgbClr val="FCFCFA"/>
-                </a:solidFill>
-                <a:effectLst/>
-                <a:latin typeface="Consolas" panose="020B0609020204030204" pitchFamily="49" charset="0"/>
-              </a:rPr>
-              <a:t> </a:t>
-            </a:r>
-            <a:r>
-              <a:rPr lang="en-US" sz="900" b="0" dirty="0">
-                <a:solidFill>
-                  <a:srgbClr val="A9DC76"/>
-                </a:solidFill>
-                <a:effectLst/>
-                <a:latin typeface="Consolas" panose="020B0609020204030204" pitchFamily="49" charset="0"/>
-              </a:rPr>
-              <a:t>range</a:t>
-            </a:r>
-            <a:r>
-              <a:rPr lang="en-US" sz="900" b="0" dirty="0">
-                <a:solidFill>
-                  <a:srgbClr val="939293"/>
-                </a:solidFill>
-                <a:effectLst/>
-                <a:latin typeface="Consolas" panose="020B0609020204030204" pitchFamily="49" charset="0"/>
-              </a:rPr>
-              <a:t>(</a:t>
-            </a:r>
-            <a:r>
-              <a:rPr lang="en-US" sz="900" b="0" dirty="0" err="1">
-                <a:solidFill>
-                  <a:srgbClr val="FCFCFA"/>
-                </a:solidFill>
-                <a:effectLst/>
-                <a:latin typeface="Consolas" panose="020B0609020204030204" pitchFamily="49" charset="0"/>
-              </a:rPr>
-              <a:t>count_sets</a:t>
-            </a:r>
-            <a:r>
-              <a:rPr lang="en-US" sz="900" b="0" dirty="0">
-                <a:solidFill>
-                  <a:srgbClr val="939293"/>
-                </a:solidFill>
-                <a:effectLst/>
-                <a:latin typeface="Consolas" panose="020B0609020204030204" pitchFamily="49" charset="0"/>
-              </a:rPr>
-              <a:t>):</a:t>
-            </a:r>
-            <a:endParaRPr lang="en-US" sz="900" b="0" dirty="0">
-              <a:solidFill>
-                <a:srgbClr val="FCFCFA"/>
-              </a:solidFill>
-              <a:effectLst/>
-              <a:latin typeface="Consolas" panose="020B0609020204030204" pitchFamily="49" charset="0"/>
-            </a:endParaRPr>
-          </a:p>
-          <a:p>
-            <a:pPr marL="0" indent="0">
-              <a:buNone/>
-            </a:pPr>
-            <a:r>
-              <a:rPr lang="en-US" sz="900" b="0" dirty="0">
-                <a:solidFill>
-                  <a:srgbClr val="FCFCFA"/>
-                </a:solidFill>
-                <a:effectLst/>
-                <a:latin typeface="Consolas" panose="020B0609020204030204" pitchFamily="49" charset="0"/>
-              </a:rPr>
-              <a:t>        </a:t>
-            </a:r>
-            <a:r>
-              <a:rPr lang="en-US" sz="900" b="0" dirty="0" err="1">
-                <a:solidFill>
-                  <a:srgbClr val="FCFCFA"/>
-                </a:solidFill>
-                <a:effectLst/>
-                <a:latin typeface="Consolas" panose="020B0609020204030204" pitchFamily="49" charset="0"/>
-              </a:rPr>
-              <a:t>parents</a:t>
-            </a:r>
-            <a:r>
-              <a:rPr lang="en-US" sz="900" b="0" dirty="0" err="1">
-                <a:solidFill>
-                  <a:srgbClr val="939293"/>
-                </a:solidFill>
-                <a:effectLst/>
-                <a:latin typeface="Consolas" panose="020B0609020204030204" pitchFamily="49" charset="0"/>
-              </a:rPr>
-              <a:t>.</a:t>
-            </a:r>
-            <a:r>
-              <a:rPr lang="en-US" sz="900" b="0" dirty="0" err="1">
-                <a:solidFill>
-                  <a:srgbClr val="A9DC76"/>
-                </a:solidFill>
-                <a:effectLst/>
-                <a:latin typeface="Consolas" panose="020B0609020204030204" pitchFamily="49" charset="0"/>
-              </a:rPr>
-              <a:t>append</a:t>
-            </a:r>
-            <a:r>
-              <a:rPr lang="en-US" sz="900" b="0" dirty="0">
-                <a:solidFill>
-                  <a:srgbClr val="939293"/>
-                </a:solidFill>
-                <a:effectLst/>
-                <a:latin typeface="Consolas" panose="020B0609020204030204" pitchFamily="49" charset="0"/>
-              </a:rPr>
-              <a:t>(</a:t>
-            </a:r>
-            <a:r>
-              <a:rPr lang="en-US" sz="900" b="0" dirty="0" err="1">
-                <a:solidFill>
-                  <a:srgbClr val="FCFCFA"/>
-                </a:solidFill>
-                <a:effectLst/>
-                <a:latin typeface="Consolas" panose="020B0609020204030204" pitchFamily="49" charset="0"/>
-              </a:rPr>
-              <a:t>set_id</a:t>
-            </a:r>
-            <a:r>
-              <a:rPr lang="en-US" sz="900" b="0" dirty="0">
-                <a:solidFill>
-                  <a:srgbClr val="939293"/>
-                </a:solidFill>
-                <a:effectLst/>
-                <a:latin typeface="Consolas" panose="020B0609020204030204" pitchFamily="49" charset="0"/>
-              </a:rPr>
-              <a:t>)</a:t>
-            </a:r>
-            <a:endParaRPr lang="en-US" sz="900" b="0" dirty="0">
-              <a:solidFill>
-                <a:srgbClr val="FCFCFA"/>
-              </a:solidFill>
-              <a:effectLst/>
-              <a:latin typeface="Consolas" panose="020B0609020204030204" pitchFamily="49" charset="0"/>
-            </a:endParaRPr>
-          </a:p>
-          <a:p>
-            <a:pPr marL="0" indent="0">
-              <a:buNone/>
-            </a:pPr>
-            <a:r>
-              <a:rPr lang="en-US" sz="900" b="0" dirty="0">
-                <a:solidFill>
-                  <a:srgbClr val="FCFCFA"/>
-                </a:solidFill>
-                <a:effectLst/>
-                <a:latin typeface="Consolas" panose="020B0609020204030204" pitchFamily="49" charset="0"/>
-              </a:rPr>
-              <a:t>        </a:t>
-            </a:r>
-            <a:r>
-              <a:rPr lang="en-US" sz="900" b="0" dirty="0" err="1">
-                <a:solidFill>
-                  <a:srgbClr val="FCFCFA"/>
-                </a:solidFill>
-                <a:effectLst/>
-                <a:latin typeface="Consolas" panose="020B0609020204030204" pitchFamily="49" charset="0"/>
-              </a:rPr>
-              <a:t>size</a:t>
-            </a:r>
-            <a:r>
-              <a:rPr lang="en-US" sz="900" b="0" dirty="0" err="1">
-                <a:solidFill>
-                  <a:srgbClr val="939293"/>
-                </a:solidFill>
-                <a:effectLst/>
-                <a:latin typeface="Consolas" panose="020B0609020204030204" pitchFamily="49" charset="0"/>
-              </a:rPr>
-              <a:t>.</a:t>
-            </a:r>
-            <a:r>
-              <a:rPr lang="en-US" sz="900" b="0" dirty="0" err="1">
-                <a:solidFill>
-                  <a:srgbClr val="A9DC76"/>
-                </a:solidFill>
-                <a:effectLst/>
-                <a:latin typeface="Consolas" panose="020B0609020204030204" pitchFamily="49" charset="0"/>
-              </a:rPr>
-              <a:t>append</a:t>
-            </a:r>
-            <a:r>
-              <a:rPr lang="en-US" sz="900" b="0" dirty="0">
-                <a:solidFill>
-                  <a:srgbClr val="939293"/>
-                </a:solidFill>
-                <a:effectLst/>
-                <a:latin typeface="Consolas" panose="020B0609020204030204" pitchFamily="49" charset="0"/>
-              </a:rPr>
-              <a:t>(</a:t>
-            </a:r>
-            <a:r>
-              <a:rPr lang="en-US" sz="900" b="0" dirty="0">
-                <a:solidFill>
-                  <a:srgbClr val="AB9DF2"/>
-                </a:solidFill>
-                <a:effectLst/>
-                <a:latin typeface="Consolas" panose="020B0609020204030204" pitchFamily="49" charset="0"/>
-              </a:rPr>
-              <a:t>1</a:t>
-            </a:r>
-            <a:r>
-              <a:rPr lang="en-US" sz="900" b="0" dirty="0">
-                <a:solidFill>
-                  <a:srgbClr val="939293"/>
-                </a:solidFill>
-                <a:effectLst/>
-                <a:latin typeface="Consolas" panose="020B0609020204030204" pitchFamily="49" charset="0"/>
-              </a:rPr>
-              <a:t>)</a:t>
-            </a:r>
-            <a:endParaRPr lang="en-US" sz="900" b="0" dirty="0">
-              <a:solidFill>
-                <a:srgbClr val="FCFCFA"/>
-              </a:solidFill>
-              <a:effectLst/>
-              <a:latin typeface="Consolas" panose="020B0609020204030204" pitchFamily="49" charset="0"/>
-            </a:endParaRPr>
-          </a:p>
-          <a:p>
-            <a:pPr marL="0" indent="0">
-              <a:buNone/>
-            </a:pPr>
-            <a:br>
-              <a:rPr lang="en-US" sz="900" b="0" dirty="0">
-                <a:solidFill>
-                  <a:srgbClr val="FCFCFA"/>
-                </a:solidFill>
-                <a:effectLst/>
-                <a:latin typeface="Consolas" panose="020B0609020204030204" pitchFamily="49" charset="0"/>
-              </a:rPr>
-            </a:br>
-            <a:br>
-              <a:rPr lang="en-US" sz="900" b="0" dirty="0">
-                <a:solidFill>
-                  <a:srgbClr val="FCFCFA"/>
-                </a:solidFill>
-                <a:effectLst/>
-                <a:latin typeface="Consolas" panose="020B0609020204030204" pitchFamily="49" charset="0"/>
-              </a:rPr>
-            </a:br>
-            <a:r>
-              <a:rPr lang="en-US" sz="900" b="0" i="1" dirty="0">
-                <a:solidFill>
-                  <a:srgbClr val="78DCE8"/>
-                </a:solidFill>
-                <a:effectLst/>
-                <a:latin typeface="Consolas" panose="020B0609020204030204" pitchFamily="49" charset="0"/>
-              </a:rPr>
-              <a:t>def</a:t>
-            </a:r>
-            <a:r>
-              <a:rPr lang="en-US" sz="900" b="0" dirty="0">
-                <a:solidFill>
-                  <a:srgbClr val="FCFCFA"/>
-                </a:solidFill>
-                <a:effectLst/>
-                <a:latin typeface="Consolas" panose="020B0609020204030204" pitchFamily="49" charset="0"/>
-              </a:rPr>
-              <a:t> </a:t>
-            </a:r>
-            <a:r>
-              <a:rPr lang="en-US" sz="900" b="0" dirty="0">
-                <a:solidFill>
-                  <a:srgbClr val="A9DC76"/>
-                </a:solidFill>
-                <a:effectLst/>
-                <a:latin typeface="Consolas" panose="020B0609020204030204" pitchFamily="49" charset="0"/>
-              </a:rPr>
-              <a:t>find</a:t>
-            </a:r>
-            <a:r>
-              <a:rPr lang="en-US" sz="900" b="0" dirty="0">
-                <a:solidFill>
-                  <a:srgbClr val="939293"/>
-                </a:solidFill>
-                <a:effectLst/>
-                <a:latin typeface="Consolas" panose="020B0609020204030204" pitchFamily="49" charset="0"/>
-              </a:rPr>
-              <a:t>(</a:t>
-            </a:r>
-            <a:r>
-              <a:rPr lang="en-US" sz="900" b="0" i="1" dirty="0">
-                <a:solidFill>
-                  <a:srgbClr val="FC9867"/>
-                </a:solidFill>
-                <a:effectLst/>
-                <a:latin typeface="Consolas" panose="020B0609020204030204" pitchFamily="49" charset="0"/>
-              </a:rPr>
-              <a:t>node</a:t>
-            </a:r>
-            <a:r>
-              <a:rPr lang="en-US" sz="900" b="0" dirty="0">
-                <a:solidFill>
-                  <a:srgbClr val="939293"/>
-                </a:solidFill>
-                <a:effectLst/>
-                <a:latin typeface="Consolas" panose="020B0609020204030204" pitchFamily="49" charset="0"/>
-              </a:rPr>
-              <a:t>:</a:t>
-            </a:r>
-            <a:r>
-              <a:rPr lang="en-US" sz="900" b="0" dirty="0">
-                <a:solidFill>
-                  <a:srgbClr val="FCFCFA"/>
-                </a:solidFill>
-                <a:effectLst/>
-                <a:latin typeface="Consolas" panose="020B0609020204030204" pitchFamily="49" charset="0"/>
-              </a:rPr>
-              <a:t> </a:t>
-            </a:r>
-            <a:r>
-              <a:rPr lang="en-US" sz="900" b="0" i="1" dirty="0">
-                <a:solidFill>
-                  <a:srgbClr val="78DCE8"/>
-                </a:solidFill>
-                <a:effectLst/>
-                <a:latin typeface="Consolas" panose="020B0609020204030204" pitchFamily="49" charset="0"/>
-              </a:rPr>
-              <a:t>int</a:t>
-            </a:r>
-            <a:r>
-              <a:rPr lang="en-US" sz="900" b="0" dirty="0">
-                <a:solidFill>
-                  <a:srgbClr val="939293"/>
-                </a:solidFill>
-                <a:effectLst/>
-                <a:latin typeface="Consolas" panose="020B0609020204030204" pitchFamily="49" charset="0"/>
-              </a:rPr>
-              <a:t>)</a:t>
-            </a:r>
-            <a:r>
-              <a:rPr lang="en-US" sz="900" b="0" dirty="0">
-                <a:solidFill>
-                  <a:srgbClr val="FCFCFA"/>
-                </a:solidFill>
-                <a:effectLst/>
-                <a:latin typeface="Consolas" panose="020B0609020204030204" pitchFamily="49" charset="0"/>
-              </a:rPr>
-              <a:t> </a:t>
-            </a:r>
-            <a:r>
-              <a:rPr lang="en-US" sz="900" b="0" dirty="0">
-                <a:solidFill>
-                  <a:srgbClr val="939293"/>
-                </a:solidFill>
-                <a:effectLst/>
-                <a:latin typeface="Consolas" panose="020B0609020204030204" pitchFamily="49" charset="0"/>
-              </a:rPr>
-              <a:t>-&gt;</a:t>
-            </a:r>
-            <a:r>
-              <a:rPr lang="en-US" sz="900" b="0" dirty="0">
-                <a:solidFill>
-                  <a:srgbClr val="FCFCFA"/>
-                </a:solidFill>
-                <a:effectLst/>
-                <a:latin typeface="Consolas" panose="020B0609020204030204" pitchFamily="49" charset="0"/>
-              </a:rPr>
-              <a:t> </a:t>
-            </a:r>
-            <a:r>
-              <a:rPr lang="en-US" sz="900" b="0" i="1" dirty="0">
-                <a:solidFill>
-                  <a:srgbClr val="78DCE8"/>
-                </a:solidFill>
-                <a:effectLst/>
-                <a:latin typeface="Consolas" panose="020B0609020204030204" pitchFamily="49" charset="0"/>
-              </a:rPr>
-              <a:t>int</a:t>
-            </a:r>
-            <a:r>
-              <a:rPr lang="en-US" sz="900" b="0" dirty="0">
-                <a:solidFill>
-                  <a:srgbClr val="939293"/>
-                </a:solidFill>
-                <a:effectLst/>
-                <a:latin typeface="Consolas" panose="020B0609020204030204" pitchFamily="49" charset="0"/>
-              </a:rPr>
-              <a:t>:</a:t>
-            </a:r>
-            <a:endParaRPr lang="en-US" sz="900" b="0" dirty="0">
-              <a:solidFill>
-                <a:srgbClr val="FCFCFA"/>
-              </a:solidFill>
-              <a:effectLst/>
-              <a:latin typeface="Consolas" panose="020B0609020204030204" pitchFamily="49" charset="0"/>
-            </a:endParaRPr>
-          </a:p>
-          <a:p>
-            <a:pPr marL="0" indent="0">
-              <a:buNone/>
-            </a:pPr>
-            <a:r>
-              <a:rPr lang="en-US" sz="900" b="0" dirty="0">
-                <a:solidFill>
-                  <a:srgbClr val="FCFCFA"/>
-                </a:solidFill>
-                <a:effectLst/>
-                <a:latin typeface="Consolas" panose="020B0609020204030204" pitchFamily="49" charset="0"/>
-              </a:rPr>
-              <a:t>    </a:t>
-            </a:r>
-            <a:r>
-              <a:rPr lang="en-US" sz="900" b="0" i="1" dirty="0">
-                <a:solidFill>
-                  <a:srgbClr val="FF6188"/>
-                </a:solidFill>
-                <a:effectLst/>
-                <a:latin typeface="Consolas" panose="020B0609020204030204" pitchFamily="49" charset="0"/>
-              </a:rPr>
-              <a:t>global</a:t>
-            </a:r>
-            <a:r>
-              <a:rPr lang="en-US" sz="900" b="0" dirty="0">
-                <a:solidFill>
-                  <a:srgbClr val="FCFCFA"/>
-                </a:solidFill>
-                <a:effectLst/>
-                <a:latin typeface="Consolas" panose="020B0609020204030204" pitchFamily="49" charset="0"/>
-              </a:rPr>
-              <a:t> parents</a:t>
-            </a:r>
-          </a:p>
-          <a:p>
-            <a:pPr marL="0" indent="0">
-              <a:buNone/>
-            </a:pPr>
-            <a:r>
-              <a:rPr lang="en-US" sz="900" b="0" dirty="0">
-                <a:solidFill>
-                  <a:srgbClr val="FCFCFA"/>
-                </a:solidFill>
-                <a:effectLst/>
-                <a:latin typeface="Consolas" panose="020B0609020204030204" pitchFamily="49" charset="0"/>
-              </a:rPr>
-              <a:t>    </a:t>
-            </a:r>
-            <a:r>
-              <a:rPr lang="en-US" sz="900" b="0" dirty="0">
-                <a:solidFill>
-                  <a:srgbClr val="FF6188"/>
-                </a:solidFill>
-                <a:effectLst/>
-                <a:latin typeface="Consolas" panose="020B0609020204030204" pitchFamily="49" charset="0"/>
-              </a:rPr>
-              <a:t>if</a:t>
-            </a:r>
-            <a:r>
-              <a:rPr lang="en-US" sz="900" b="0" dirty="0">
-                <a:solidFill>
-                  <a:srgbClr val="FCFCFA"/>
-                </a:solidFill>
-                <a:effectLst/>
-                <a:latin typeface="Consolas" panose="020B0609020204030204" pitchFamily="49" charset="0"/>
-              </a:rPr>
-              <a:t> node </a:t>
-            </a:r>
-            <a:r>
-              <a:rPr lang="en-US" sz="900" b="0" dirty="0">
-                <a:solidFill>
-                  <a:srgbClr val="FF6188"/>
-                </a:solidFill>
-                <a:effectLst/>
-                <a:latin typeface="Consolas" panose="020B0609020204030204" pitchFamily="49" charset="0"/>
-              </a:rPr>
-              <a:t>!=</a:t>
-            </a:r>
-            <a:r>
-              <a:rPr lang="en-US" sz="900" b="0" dirty="0">
-                <a:solidFill>
-                  <a:srgbClr val="FCFCFA"/>
-                </a:solidFill>
-                <a:effectLst/>
-                <a:latin typeface="Consolas" panose="020B0609020204030204" pitchFamily="49" charset="0"/>
-              </a:rPr>
-              <a:t> parents</a:t>
-            </a:r>
-            <a:r>
-              <a:rPr lang="en-US" sz="900" b="0" dirty="0">
-                <a:solidFill>
-                  <a:srgbClr val="939293"/>
-                </a:solidFill>
-                <a:effectLst/>
-                <a:latin typeface="Consolas" panose="020B0609020204030204" pitchFamily="49" charset="0"/>
-              </a:rPr>
-              <a:t>[</a:t>
-            </a:r>
-            <a:r>
-              <a:rPr lang="en-US" sz="900" b="0" dirty="0">
-                <a:solidFill>
-                  <a:srgbClr val="FCFCFA"/>
-                </a:solidFill>
-                <a:effectLst/>
-                <a:latin typeface="Consolas" panose="020B0609020204030204" pitchFamily="49" charset="0"/>
-              </a:rPr>
-              <a:t>node</a:t>
-            </a:r>
-            <a:r>
-              <a:rPr lang="en-US" sz="900" b="0" dirty="0">
-                <a:solidFill>
-                  <a:srgbClr val="939293"/>
-                </a:solidFill>
-                <a:effectLst/>
-                <a:latin typeface="Consolas" panose="020B0609020204030204" pitchFamily="49" charset="0"/>
-              </a:rPr>
-              <a:t>]:</a:t>
-            </a:r>
-            <a:endParaRPr lang="en-US" sz="900" b="0" dirty="0">
-              <a:solidFill>
-                <a:srgbClr val="FCFCFA"/>
-              </a:solidFill>
-              <a:effectLst/>
-              <a:latin typeface="Consolas" panose="020B0609020204030204" pitchFamily="49" charset="0"/>
-            </a:endParaRPr>
-          </a:p>
-          <a:p>
-            <a:pPr marL="0" indent="0">
-              <a:buNone/>
-            </a:pPr>
-            <a:r>
-              <a:rPr lang="en-US" sz="900" b="0" dirty="0">
-                <a:solidFill>
-                  <a:srgbClr val="FCFCFA"/>
-                </a:solidFill>
-                <a:effectLst/>
-                <a:latin typeface="Consolas" panose="020B0609020204030204" pitchFamily="49" charset="0"/>
-              </a:rPr>
-              <a:t>        parents</a:t>
-            </a:r>
-            <a:r>
-              <a:rPr lang="en-US" sz="900" b="0" dirty="0">
-                <a:solidFill>
-                  <a:srgbClr val="939293"/>
-                </a:solidFill>
-                <a:effectLst/>
-                <a:latin typeface="Consolas" panose="020B0609020204030204" pitchFamily="49" charset="0"/>
-              </a:rPr>
-              <a:t>[</a:t>
-            </a:r>
-            <a:r>
-              <a:rPr lang="en-US" sz="900" b="0" dirty="0">
-                <a:solidFill>
-                  <a:srgbClr val="FCFCFA"/>
-                </a:solidFill>
-                <a:effectLst/>
-                <a:latin typeface="Consolas" panose="020B0609020204030204" pitchFamily="49" charset="0"/>
-              </a:rPr>
-              <a:t>node</a:t>
-            </a:r>
-            <a:r>
-              <a:rPr lang="en-US" sz="900" b="0" dirty="0">
-                <a:solidFill>
-                  <a:srgbClr val="939293"/>
-                </a:solidFill>
-                <a:effectLst/>
-                <a:latin typeface="Consolas" panose="020B0609020204030204" pitchFamily="49" charset="0"/>
-              </a:rPr>
-              <a:t>]</a:t>
-            </a:r>
-            <a:r>
-              <a:rPr lang="en-US" sz="900" b="0" dirty="0">
-                <a:solidFill>
-                  <a:srgbClr val="FCFCFA"/>
-                </a:solidFill>
-                <a:effectLst/>
-                <a:latin typeface="Consolas" panose="020B0609020204030204" pitchFamily="49" charset="0"/>
-              </a:rPr>
-              <a:t> </a:t>
-            </a:r>
-            <a:r>
-              <a:rPr lang="en-US" sz="900" b="0" dirty="0">
-                <a:solidFill>
-                  <a:srgbClr val="FF6188"/>
-                </a:solidFill>
-                <a:effectLst/>
-                <a:latin typeface="Consolas" panose="020B0609020204030204" pitchFamily="49" charset="0"/>
-              </a:rPr>
-              <a:t>=</a:t>
-            </a:r>
-            <a:r>
-              <a:rPr lang="en-US" sz="900" b="0" dirty="0">
-                <a:solidFill>
-                  <a:srgbClr val="FCFCFA"/>
-                </a:solidFill>
-                <a:effectLst/>
-                <a:latin typeface="Consolas" panose="020B0609020204030204" pitchFamily="49" charset="0"/>
-              </a:rPr>
-              <a:t> </a:t>
-            </a:r>
-            <a:r>
-              <a:rPr lang="en-US" sz="900" b="0" dirty="0">
-                <a:solidFill>
-                  <a:srgbClr val="A9DC76"/>
-                </a:solidFill>
-                <a:effectLst/>
-                <a:latin typeface="Consolas" panose="020B0609020204030204" pitchFamily="49" charset="0"/>
-              </a:rPr>
-              <a:t>find</a:t>
-            </a:r>
-            <a:r>
-              <a:rPr lang="en-US" sz="900" b="0" dirty="0">
-                <a:solidFill>
-                  <a:srgbClr val="939293"/>
-                </a:solidFill>
-                <a:effectLst/>
-                <a:latin typeface="Consolas" panose="020B0609020204030204" pitchFamily="49" charset="0"/>
-              </a:rPr>
-              <a:t>(</a:t>
-            </a:r>
-            <a:r>
-              <a:rPr lang="en-US" sz="900" b="0" dirty="0">
-                <a:solidFill>
-                  <a:srgbClr val="FCFCFA"/>
-                </a:solidFill>
-                <a:effectLst/>
-                <a:latin typeface="Consolas" panose="020B0609020204030204" pitchFamily="49" charset="0"/>
-              </a:rPr>
-              <a:t>parents</a:t>
-            </a:r>
-            <a:r>
-              <a:rPr lang="en-US" sz="900" b="0" dirty="0">
-                <a:solidFill>
-                  <a:srgbClr val="939293"/>
-                </a:solidFill>
-                <a:effectLst/>
-                <a:latin typeface="Consolas" panose="020B0609020204030204" pitchFamily="49" charset="0"/>
-              </a:rPr>
-              <a:t>[</a:t>
-            </a:r>
-            <a:r>
-              <a:rPr lang="en-US" sz="900" b="0" dirty="0">
-                <a:solidFill>
-                  <a:srgbClr val="FCFCFA"/>
-                </a:solidFill>
-                <a:effectLst/>
-                <a:latin typeface="Consolas" panose="020B0609020204030204" pitchFamily="49" charset="0"/>
-              </a:rPr>
-              <a:t>node</a:t>
-            </a:r>
-            <a:r>
-              <a:rPr lang="en-US" sz="900" b="0" dirty="0">
-                <a:solidFill>
-                  <a:srgbClr val="939293"/>
-                </a:solidFill>
-                <a:effectLst/>
-                <a:latin typeface="Consolas" panose="020B0609020204030204" pitchFamily="49" charset="0"/>
-              </a:rPr>
-              <a:t>])</a:t>
-            </a:r>
-            <a:endParaRPr lang="en-US" sz="900" b="0" dirty="0">
-              <a:solidFill>
-                <a:srgbClr val="FCFCFA"/>
-              </a:solidFill>
-              <a:effectLst/>
-              <a:latin typeface="Consolas" panose="020B0609020204030204" pitchFamily="49" charset="0"/>
-            </a:endParaRPr>
-          </a:p>
-          <a:p>
-            <a:pPr marL="0" indent="0">
-              <a:buNone/>
-            </a:pPr>
-            <a:r>
-              <a:rPr lang="en-US" sz="900" b="0" dirty="0">
-                <a:solidFill>
-                  <a:srgbClr val="FCFCFA"/>
-                </a:solidFill>
-                <a:effectLst/>
-                <a:latin typeface="Consolas" panose="020B0609020204030204" pitchFamily="49" charset="0"/>
-              </a:rPr>
-              <a:t>    </a:t>
-            </a:r>
-            <a:r>
-              <a:rPr lang="en-US" sz="900" b="0" dirty="0">
-                <a:solidFill>
-                  <a:srgbClr val="FF6188"/>
-                </a:solidFill>
-                <a:effectLst/>
-                <a:latin typeface="Consolas" panose="020B0609020204030204" pitchFamily="49" charset="0"/>
-              </a:rPr>
-              <a:t>return</a:t>
-            </a:r>
-            <a:r>
-              <a:rPr lang="en-US" sz="900" b="0" dirty="0">
-                <a:solidFill>
-                  <a:srgbClr val="FCFCFA"/>
-                </a:solidFill>
-                <a:effectLst/>
-                <a:latin typeface="Consolas" panose="020B0609020204030204" pitchFamily="49" charset="0"/>
-              </a:rPr>
-              <a:t> parents</a:t>
-            </a:r>
-            <a:r>
-              <a:rPr lang="en-US" sz="900" b="0" dirty="0">
-                <a:solidFill>
-                  <a:srgbClr val="939293"/>
-                </a:solidFill>
-                <a:effectLst/>
-                <a:latin typeface="Consolas" panose="020B0609020204030204" pitchFamily="49" charset="0"/>
-              </a:rPr>
-              <a:t>[</a:t>
-            </a:r>
-            <a:r>
-              <a:rPr lang="en-US" sz="900" b="0" dirty="0">
-                <a:solidFill>
-                  <a:srgbClr val="FCFCFA"/>
-                </a:solidFill>
-                <a:effectLst/>
-                <a:latin typeface="Consolas" panose="020B0609020204030204" pitchFamily="49" charset="0"/>
-              </a:rPr>
-              <a:t>node</a:t>
-            </a:r>
-            <a:r>
-              <a:rPr lang="en-US" sz="900" b="0" dirty="0">
-                <a:solidFill>
-                  <a:srgbClr val="939293"/>
-                </a:solidFill>
-                <a:effectLst/>
-                <a:latin typeface="Consolas" panose="020B0609020204030204" pitchFamily="49" charset="0"/>
-              </a:rPr>
-              <a:t>]</a:t>
-            </a:r>
-            <a:endParaRPr lang="en-US" sz="900" b="0" dirty="0">
-              <a:solidFill>
-                <a:srgbClr val="FCFCFA"/>
-              </a:solidFill>
-              <a:effectLst/>
-              <a:latin typeface="Consolas" panose="020B0609020204030204" pitchFamily="49" charset="0"/>
-            </a:endParaRPr>
-          </a:p>
-          <a:p>
-            <a:pPr marL="0" indent="0">
-              <a:buNone/>
-            </a:pPr>
-            <a:br>
-              <a:rPr lang="en-US" sz="900" b="0" dirty="0">
-                <a:solidFill>
-                  <a:srgbClr val="FCFCFA"/>
-                </a:solidFill>
-                <a:effectLst/>
-                <a:latin typeface="Consolas" panose="020B0609020204030204" pitchFamily="49" charset="0"/>
-              </a:rPr>
-            </a:br>
-            <a:br>
-              <a:rPr lang="en-US" sz="900" b="0" dirty="0">
-                <a:solidFill>
-                  <a:srgbClr val="FCFCFA"/>
-                </a:solidFill>
-                <a:effectLst/>
-                <a:latin typeface="Consolas" panose="020B0609020204030204" pitchFamily="49" charset="0"/>
-              </a:rPr>
-            </a:br>
-            <a:r>
-              <a:rPr lang="en-US" sz="900" b="0" i="1" dirty="0">
-                <a:solidFill>
-                  <a:srgbClr val="78DCE8"/>
-                </a:solidFill>
-                <a:effectLst/>
-                <a:latin typeface="Consolas" panose="020B0609020204030204" pitchFamily="49" charset="0"/>
-              </a:rPr>
-              <a:t>def</a:t>
-            </a:r>
-            <a:r>
-              <a:rPr lang="en-US" sz="900" b="0" dirty="0">
-                <a:solidFill>
-                  <a:srgbClr val="FCFCFA"/>
-                </a:solidFill>
-                <a:effectLst/>
-                <a:latin typeface="Consolas" panose="020B0609020204030204" pitchFamily="49" charset="0"/>
-              </a:rPr>
-              <a:t> </a:t>
-            </a:r>
-            <a:r>
-              <a:rPr lang="en-US" sz="900" b="0" dirty="0">
-                <a:solidFill>
-                  <a:srgbClr val="A9DC76"/>
-                </a:solidFill>
-                <a:effectLst/>
-                <a:latin typeface="Consolas" panose="020B0609020204030204" pitchFamily="49" charset="0"/>
-              </a:rPr>
-              <a:t>union</a:t>
-            </a:r>
-            <a:r>
-              <a:rPr lang="en-US" sz="900" b="0" dirty="0">
-                <a:solidFill>
-                  <a:srgbClr val="939293"/>
-                </a:solidFill>
-                <a:effectLst/>
-                <a:latin typeface="Consolas" panose="020B0609020204030204" pitchFamily="49" charset="0"/>
-              </a:rPr>
-              <a:t>(</a:t>
-            </a:r>
-            <a:r>
-              <a:rPr lang="en-US" sz="900" b="0" i="1" dirty="0" err="1">
-                <a:solidFill>
-                  <a:srgbClr val="FC9867"/>
-                </a:solidFill>
-                <a:effectLst/>
-                <a:latin typeface="Consolas" panose="020B0609020204030204" pitchFamily="49" charset="0"/>
-              </a:rPr>
-              <a:t>set_to_connect</a:t>
-            </a:r>
-            <a:r>
-              <a:rPr lang="en-US" sz="900" b="0" dirty="0">
-                <a:solidFill>
-                  <a:srgbClr val="939293"/>
-                </a:solidFill>
-                <a:effectLst/>
-                <a:latin typeface="Consolas" panose="020B0609020204030204" pitchFamily="49" charset="0"/>
-              </a:rPr>
-              <a:t>:</a:t>
-            </a:r>
-            <a:r>
-              <a:rPr lang="en-US" sz="900" b="0" dirty="0">
-                <a:solidFill>
-                  <a:srgbClr val="FCFCFA"/>
-                </a:solidFill>
-                <a:effectLst/>
-                <a:latin typeface="Consolas" panose="020B0609020204030204" pitchFamily="49" charset="0"/>
-              </a:rPr>
-              <a:t> </a:t>
-            </a:r>
-            <a:r>
-              <a:rPr lang="en-US" sz="900" b="0" i="1" dirty="0">
-                <a:solidFill>
-                  <a:srgbClr val="78DCE8"/>
-                </a:solidFill>
-                <a:effectLst/>
-                <a:latin typeface="Consolas" panose="020B0609020204030204" pitchFamily="49" charset="0"/>
-              </a:rPr>
-              <a:t>int</a:t>
-            </a:r>
-            <a:r>
-              <a:rPr lang="en-US" sz="900" b="0" dirty="0">
-                <a:solidFill>
-                  <a:srgbClr val="939293"/>
-                </a:solidFill>
-                <a:effectLst/>
-                <a:latin typeface="Consolas" panose="020B0609020204030204" pitchFamily="49" charset="0"/>
-              </a:rPr>
-              <a:t>,</a:t>
-            </a:r>
-            <a:r>
-              <a:rPr lang="en-US" sz="900" b="0" dirty="0">
-                <a:solidFill>
-                  <a:srgbClr val="FCFCFA"/>
-                </a:solidFill>
-                <a:effectLst/>
-                <a:latin typeface="Consolas" panose="020B0609020204030204" pitchFamily="49" charset="0"/>
-              </a:rPr>
-              <a:t> </a:t>
-            </a:r>
-            <a:r>
-              <a:rPr lang="en-US" sz="900" b="0" i="1" dirty="0" err="1">
-                <a:solidFill>
-                  <a:srgbClr val="FC9867"/>
-                </a:solidFill>
-                <a:effectLst/>
-                <a:latin typeface="Consolas" panose="020B0609020204030204" pitchFamily="49" charset="0"/>
-              </a:rPr>
-              <a:t>set_connector</a:t>
-            </a:r>
-            <a:r>
-              <a:rPr lang="en-US" sz="900" b="0" dirty="0">
-                <a:solidFill>
-                  <a:srgbClr val="939293"/>
-                </a:solidFill>
-                <a:effectLst/>
-                <a:latin typeface="Consolas" panose="020B0609020204030204" pitchFamily="49" charset="0"/>
-              </a:rPr>
-              <a:t>:</a:t>
-            </a:r>
-            <a:r>
-              <a:rPr lang="en-US" sz="900" b="0" dirty="0">
-                <a:solidFill>
-                  <a:srgbClr val="FCFCFA"/>
-                </a:solidFill>
-                <a:effectLst/>
-                <a:latin typeface="Consolas" panose="020B0609020204030204" pitchFamily="49" charset="0"/>
-              </a:rPr>
-              <a:t> </a:t>
-            </a:r>
-            <a:r>
-              <a:rPr lang="en-US" sz="900" b="0" i="1" dirty="0">
-                <a:solidFill>
-                  <a:srgbClr val="78DCE8"/>
-                </a:solidFill>
-                <a:effectLst/>
-                <a:latin typeface="Consolas" panose="020B0609020204030204" pitchFamily="49" charset="0"/>
-              </a:rPr>
-              <a:t>int</a:t>
-            </a:r>
-            <a:r>
-              <a:rPr lang="en-US" sz="900" b="0" dirty="0">
-                <a:solidFill>
-                  <a:srgbClr val="939293"/>
-                </a:solidFill>
-                <a:effectLst/>
-                <a:latin typeface="Consolas" panose="020B0609020204030204" pitchFamily="49" charset="0"/>
-              </a:rPr>
-              <a:t>):</a:t>
-            </a:r>
-            <a:endParaRPr lang="en-US" sz="900" b="0" dirty="0">
-              <a:solidFill>
-                <a:srgbClr val="FCFCFA"/>
-              </a:solidFill>
-              <a:effectLst/>
-              <a:latin typeface="Consolas" panose="020B0609020204030204" pitchFamily="49" charset="0"/>
-            </a:endParaRPr>
-          </a:p>
-          <a:p>
-            <a:pPr marL="0" indent="0">
-              <a:buNone/>
-            </a:pPr>
-            <a:r>
-              <a:rPr lang="en-US" sz="900" b="0" dirty="0">
-                <a:solidFill>
-                  <a:srgbClr val="FCFCFA"/>
-                </a:solidFill>
-                <a:effectLst/>
-                <a:latin typeface="Consolas" panose="020B0609020204030204" pitchFamily="49" charset="0"/>
-              </a:rPr>
-              <a:t>    </a:t>
-            </a:r>
-            <a:r>
-              <a:rPr lang="en-US" sz="900" b="0" i="1" dirty="0">
-                <a:solidFill>
-                  <a:srgbClr val="FF6188"/>
-                </a:solidFill>
-                <a:effectLst/>
-                <a:latin typeface="Consolas" panose="020B0609020204030204" pitchFamily="49" charset="0"/>
-              </a:rPr>
-              <a:t>global</a:t>
-            </a:r>
-            <a:r>
-              <a:rPr lang="en-US" sz="900" b="0" dirty="0">
-                <a:solidFill>
-                  <a:srgbClr val="FCFCFA"/>
-                </a:solidFill>
-                <a:effectLst/>
-                <a:latin typeface="Consolas" panose="020B0609020204030204" pitchFamily="49" charset="0"/>
-              </a:rPr>
-              <a:t> parents</a:t>
-            </a:r>
-          </a:p>
-          <a:p>
-            <a:pPr marL="0" indent="0">
-              <a:buNone/>
-            </a:pPr>
-            <a:r>
-              <a:rPr lang="en-US" sz="900" b="0" dirty="0">
-                <a:solidFill>
-                  <a:srgbClr val="FCFCFA"/>
-                </a:solidFill>
-                <a:effectLst/>
-                <a:latin typeface="Consolas" panose="020B0609020204030204" pitchFamily="49" charset="0"/>
-              </a:rPr>
-              <a:t>    </a:t>
-            </a:r>
-            <a:r>
-              <a:rPr lang="en-US" sz="900" b="0" dirty="0" err="1">
-                <a:solidFill>
-                  <a:srgbClr val="FCFCFA"/>
-                </a:solidFill>
-                <a:effectLst/>
-                <a:latin typeface="Consolas" panose="020B0609020204030204" pitchFamily="49" charset="0"/>
-              </a:rPr>
-              <a:t>set_connector_parent</a:t>
-            </a:r>
-            <a:r>
-              <a:rPr lang="en-US" sz="900" b="0" dirty="0">
-                <a:solidFill>
-                  <a:srgbClr val="FCFCFA"/>
-                </a:solidFill>
-                <a:effectLst/>
-                <a:latin typeface="Consolas" panose="020B0609020204030204" pitchFamily="49" charset="0"/>
-              </a:rPr>
-              <a:t> </a:t>
-            </a:r>
-            <a:r>
-              <a:rPr lang="en-US" sz="900" b="0" dirty="0">
-                <a:solidFill>
-                  <a:srgbClr val="FF6188"/>
-                </a:solidFill>
-                <a:effectLst/>
-                <a:latin typeface="Consolas" panose="020B0609020204030204" pitchFamily="49" charset="0"/>
-              </a:rPr>
-              <a:t>=</a:t>
-            </a:r>
-            <a:r>
-              <a:rPr lang="en-US" sz="900" b="0" dirty="0">
-                <a:solidFill>
-                  <a:srgbClr val="FCFCFA"/>
-                </a:solidFill>
-                <a:effectLst/>
-                <a:latin typeface="Consolas" panose="020B0609020204030204" pitchFamily="49" charset="0"/>
-              </a:rPr>
-              <a:t> </a:t>
-            </a:r>
-            <a:r>
-              <a:rPr lang="en-US" sz="900" b="0" dirty="0">
-                <a:solidFill>
-                  <a:srgbClr val="A9DC76"/>
-                </a:solidFill>
-                <a:effectLst/>
-                <a:latin typeface="Consolas" panose="020B0609020204030204" pitchFamily="49" charset="0"/>
-              </a:rPr>
-              <a:t>find</a:t>
-            </a:r>
-            <a:r>
-              <a:rPr lang="en-US" sz="900" b="0" dirty="0">
-                <a:solidFill>
-                  <a:srgbClr val="939293"/>
-                </a:solidFill>
-                <a:effectLst/>
-                <a:latin typeface="Consolas" panose="020B0609020204030204" pitchFamily="49" charset="0"/>
-              </a:rPr>
-              <a:t>(</a:t>
-            </a:r>
-            <a:r>
-              <a:rPr lang="en-US" sz="900" b="0" dirty="0" err="1">
-                <a:solidFill>
-                  <a:srgbClr val="FCFCFA"/>
-                </a:solidFill>
-                <a:effectLst/>
-                <a:latin typeface="Consolas" panose="020B0609020204030204" pitchFamily="49" charset="0"/>
-              </a:rPr>
-              <a:t>set_connector</a:t>
-            </a:r>
-            <a:r>
-              <a:rPr lang="en-US" sz="900" b="0" dirty="0">
-                <a:solidFill>
-                  <a:srgbClr val="939293"/>
-                </a:solidFill>
-                <a:effectLst/>
-                <a:latin typeface="Consolas" panose="020B0609020204030204" pitchFamily="49" charset="0"/>
-              </a:rPr>
-              <a:t>)</a:t>
-            </a:r>
-            <a:endParaRPr lang="en-US" sz="900" b="0" dirty="0">
-              <a:solidFill>
-                <a:srgbClr val="FCFCFA"/>
-              </a:solidFill>
-              <a:effectLst/>
-              <a:latin typeface="Consolas" panose="020B0609020204030204" pitchFamily="49" charset="0"/>
-            </a:endParaRPr>
-          </a:p>
-          <a:p>
-            <a:pPr marL="0" indent="0">
-              <a:buNone/>
-            </a:pPr>
-            <a:r>
-              <a:rPr lang="en-US" sz="900" b="0" dirty="0">
-                <a:solidFill>
-                  <a:srgbClr val="FCFCFA"/>
-                </a:solidFill>
-                <a:effectLst/>
-                <a:latin typeface="Consolas" panose="020B0609020204030204" pitchFamily="49" charset="0"/>
-              </a:rPr>
-              <a:t>    </a:t>
-            </a:r>
-            <a:r>
-              <a:rPr lang="en-US" sz="900" b="0" dirty="0" err="1">
-                <a:solidFill>
-                  <a:srgbClr val="FCFCFA"/>
-                </a:solidFill>
-                <a:effectLst/>
-                <a:latin typeface="Consolas" panose="020B0609020204030204" pitchFamily="49" charset="0"/>
-              </a:rPr>
-              <a:t>set_to_connect_parent</a:t>
-            </a:r>
-            <a:r>
-              <a:rPr lang="en-US" sz="900" b="0" dirty="0">
-                <a:solidFill>
-                  <a:srgbClr val="FCFCFA"/>
-                </a:solidFill>
-                <a:effectLst/>
-                <a:latin typeface="Consolas" panose="020B0609020204030204" pitchFamily="49" charset="0"/>
-              </a:rPr>
-              <a:t> </a:t>
-            </a:r>
-            <a:r>
-              <a:rPr lang="en-US" sz="900" b="0" dirty="0">
-                <a:solidFill>
-                  <a:srgbClr val="FF6188"/>
-                </a:solidFill>
-                <a:effectLst/>
-                <a:latin typeface="Consolas" panose="020B0609020204030204" pitchFamily="49" charset="0"/>
-              </a:rPr>
-              <a:t>=</a:t>
-            </a:r>
-            <a:r>
-              <a:rPr lang="en-US" sz="900" b="0" dirty="0">
-                <a:solidFill>
-                  <a:srgbClr val="FCFCFA"/>
-                </a:solidFill>
-                <a:effectLst/>
-                <a:latin typeface="Consolas" panose="020B0609020204030204" pitchFamily="49" charset="0"/>
-              </a:rPr>
-              <a:t> </a:t>
-            </a:r>
-            <a:r>
-              <a:rPr lang="en-US" sz="900" b="0" dirty="0">
-                <a:solidFill>
-                  <a:srgbClr val="A9DC76"/>
-                </a:solidFill>
-                <a:effectLst/>
-                <a:latin typeface="Consolas" panose="020B0609020204030204" pitchFamily="49" charset="0"/>
-              </a:rPr>
-              <a:t>find</a:t>
-            </a:r>
-            <a:r>
-              <a:rPr lang="en-US" sz="900" b="0" dirty="0">
-                <a:solidFill>
-                  <a:srgbClr val="939293"/>
-                </a:solidFill>
-                <a:effectLst/>
-                <a:latin typeface="Consolas" panose="020B0609020204030204" pitchFamily="49" charset="0"/>
-              </a:rPr>
-              <a:t>(</a:t>
-            </a:r>
-            <a:r>
-              <a:rPr lang="en-US" sz="900" b="0" dirty="0" err="1">
-                <a:solidFill>
-                  <a:srgbClr val="FCFCFA"/>
-                </a:solidFill>
-                <a:effectLst/>
-                <a:latin typeface="Consolas" panose="020B0609020204030204" pitchFamily="49" charset="0"/>
-              </a:rPr>
-              <a:t>set_to_connect</a:t>
-            </a:r>
-            <a:r>
-              <a:rPr lang="en-US" sz="900" b="0" dirty="0">
-                <a:solidFill>
-                  <a:srgbClr val="939293"/>
-                </a:solidFill>
-                <a:effectLst/>
-                <a:latin typeface="Consolas" panose="020B0609020204030204" pitchFamily="49" charset="0"/>
-              </a:rPr>
-              <a:t>)</a:t>
-            </a:r>
-            <a:endParaRPr lang="en-US" sz="900" b="0" dirty="0">
-              <a:solidFill>
-                <a:srgbClr val="FCFCFA"/>
-              </a:solidFill>
-              <a:effectLst/>
-              <a:latin typeface="Consolas" panose="020B0609020204030204" pitchFamily="49" charset="0"/>
-            </a:endParaRPr>
-          </a:p>
-          <a:p>
-            <a:pPr marL="0" indent="0">
-              <a:buNone/>
-            </a:pPr>
-            <a:r>
-              <a:rPr lang="en-US" sz="900" b="0" dirty="0">
-                <a:solidFill>
-                  <a:srgbClr val="FCFCFA"/>
-                </a:solidFill>
-                <a:effectLst/>
-                <a:latin typeface="Consolas" panose="020B0609020204030204" pitchFamily="49" charset="0"/>
-              </a:rPr>
-              <a:t>    </a:t>
-            </a:r>
-            <a:r>
-              <a:rPr lang="en-US" sz="900" b="0" dirty="0">
-                <a:solidFill>
-                  <a:srgbClr val="FF6188"/>
-                </a:solidFill>
-                <a:effectLst/>
-                <a:latin typeface="Consolas" panose="020B0609020204030204" pitchFamily="49" charset="0"/>
-              </a:rPr>
-              <a:t>if</a:t>
-            </a:r>
-            <a:r>
-              <a:rPr lang="en-US" sz="900" b="0" dirty="0">
-                <a:solidFill>
-                  <a:srgbClr val="FCFCFA"/>
-                </a:solidFill>
-                <a:effectLst/>
-                <a:latin typeface="Consolas" panose="020B0609020204030204" pitchFamily="49" charset="0"/>
-              </a:rPr>
-              <a:t> </a:t>
-            </a:r>
-            <a:r>
-              <a:rPr lang="en-US" sz="900" b="0" dirty="0" err="1">
-                <a:solidFill>
-                  <a:srgbClr val="FCFCFA"/>
-                </a:solidFill>
-                <a:effectLst/>
-                <a:latin typeface="Consolas" panose="020B0609020204030204" pitchFamily="49" charset="0"/>
-              </a:rPr>
-              <a:t>set_connector_parent</a:t>
-            </a:r>
-            <a:r>
-              <a:rPr lang="en-US" sz="900" b="0" dirty="0">
-                <a:solidFill>
-                  <a:srgbClr val="FCFCFA"/>
-                </a:solidFill>
-                <a:effectLst/>
-                <a:latin typeface="Consolas" panose="020B0609020204030204" pitchFamily="49" charset="0"/>
-              </a:rPr>
-              <a:t> </a:t>
-            </a:r>
-            <a:r>
-              <a:rPr lang="en-US" sz="900" b="0" dirty="0">
-                <a:solidFill>
-                  <a:srgbClr val="FF6188"/>
-                </a:solidFill>
-                <a:effectLst/>
-                <a:latin typeface="Consolas" panose="020B0609020204030204" pitchFamily="49" charset="0"/>
-              </a:rPr>
-              <a:t>!=</a:t>
-            </a:r>
-            <a:r>
-              <a:rPr lang="en-US" sz="900" b="0" dirty="0">
-                <a:solidFill>
-                  <a:srgbClr val="FCFCFA"/>
-                </a:solidFill>
-                <a:effectLst/>
-                <a:latin typeface="Consolas" panose="020B0609020204030204" pitchFamily="49" charset="0"/>
-              </a:rPr>
-              <a:t> </a:t>
-            </a:r>
-            <a:r>
-              <a:rPr lang="en-US" sz="900" b="0" dirty="0" err="1">
-                <a:solidFill>
-                  <a:srgbClr val="FCFCFA"/>
-                </a:solidFill>
-                <a:effectLst/>
-                <a:latin typeface="Consolas" panose="020B0609020204030204" pitchFamily="49" charset="0"/>
-              </a:rPr>
-              <a:t>set_to_connect_parent</a:t>
-            </a:r>
-            <a:r>
-              <a:rPr lang="en-US" sz="900" b="0" dirty="0">
-                <a:solidFill>
-                  <a:srgbClr val="939293"/>
-                </a:solidFill>
-                <a:effectLst/>
-                <a:latin typeface="Consolas" panose="020B0609020204030204" pitchFamily="49" charset="0"/>
-              </a:rPr>
-              <a:t>:</a:t>
-            </a:r>
-            <a:endParaRPr lang="en-US" sz="900" b="0" dirty="0">
-              <a:solidFill>
-                <a:srgbClr val="FCFCFA"/>
-              </a:solidFill>
-              <a:effectLst/>
-              <a:latin typeface="Consolas" panose="020B0609020204030204" pitchFamily="49" charset="0"/>
-            </a:endParaRPr>
-          </a:p>
-          <a:p>
-            <a:pPr marL="0" indent="0">
-              <a:buNone/>
-            </a:pPr>
-            <a:r>
-              <a:rPr lang="en-US" sz="900" b="0" dirty="0">
-                <a:solidFill>
-                  <a:srgbClr val="FCFCFA"/>
-                </a:solidFill>
-                <a:effectLst/>
-                <a:latin typeface="Consolas" panose="020B0609020204030204" pitchFamily="49" charset="0"/>
-              </a:rPr>
-              <a:t>        </a:t>
-            </a:r>
-            <a:r>
-              <a:rPr lang="en-US" sz="900" b="0" dirty="0">
-                <a:solidFill>
-                  <a:srgbClr val="FF6188"/>
-                </a:solidFill>
-                <a:effectLst/>
-                <a:latin typeface="Consolas" panose="020B0609020204030204" pitchFamily="49" charset="0"/>
-              </a:rPr>
-              <a:t>if</a:t>
-            </a:r>
-            <a:r>
-              <a:rPr lang="en-US" sz="900" b="0" dirty="0">
-                <a:solidFill>
-                  <a:srgbClr val="FCFCFA"/>
-                </a:solidFill>
-                <a:effectLst/>
-                <a:latin typeface="Consolas" panose="020B0609020204030204" pitchFamily="49" charset="0"/>
-              </a:rPr>
-              <a:t> size</a:t>
-            </a:r>
-            <a:r>
-              <a:rPr lang="en-US" sz="900" b="0" dirty="0">
-                <a:solidFill>
-                  <a:srgbClr val="939293"/>
-                </a:solidFill>
-                <a:effectLst/>
-                <a:latin typeface="Consolas" panose="020B0609020204030204" pitchFamily="49" charset="0"/>
-              </a:rPr>
-              <a:t>[</a:t>
-            </a:r>
-            <a:r>
-              <a:rPr lang="en-US" sz="900" b="0" dirty="0" err="1">
-                <a:solidFill>
-                  <a:srgbClr val="FCFCFA"/>
-                </a:solidFill>
-                <a:effectLst/>
-                <a:latin typeface="Consolas" panose="020B0609020204030204" pitchFamily="49" charset="0"/>
-              </a:rPr>
-              <a:t>set_connector_parent</a:t>
-            </a:r>
-            <a:r>
-              <a:rPr lang="en-US" sz="900" b="0" dirty="0">
-                <a:solidFill>
-                  <a:srgbClr val="939293"/>
-                </a:solidFill>
-                <a:effectLst/>
-                <a:latin typeface="Consolas" panose="020B0609020204030204" pitchFamily="49" charset="0"/>
-              </a:rPr>
-              <a:t>]</a:t>
-            </a:r>
-            <a:r>
-              <a:rPr lang="en-US" sz="900" b="0" dirty="0">
-                <a:solidFill>
-                  <a:srgbClr val="FCFCFA"/>
-                </a:solidFill>
-                <a:effectLst/>
-                <a:latin typeface="Consolas" panose="020B0609020204030204" pitchFamily="49" charset="0"/>
-              </a:rPr>
-              <a:t> </a:t>
-            </a:r>
-            <a:r>
-              <a:rPr lang="en-US" sz="900" b="0" dirty="0">
-                <a:solidFill>
-                  <a:srgbClr val="FF6188"/>
-                </a:solidFill>
-                <a:effectLst/>
-                <a:latin typeface="Consolas" panose="020B0609020204030204" pitchFamily="49" charset="0"/>
-              </a:rPr>
-              <a:t>&lt;</a:t>
-            </a:r>
-            <a:r>
-              <a:rPr lang="en-US" sz="900" b="0" dirty="0">
-                <a:solidFill>
-                  <a:srgbClr val="FCFCFA"/>
-                </a:solidFill>
-                <a:effectLst/>
-                <a:latin typeface="Consolas" panose="020B0609020204030204" pitchFamily="49" charset="0"/>
-              </a:rPr>
-              <a:t> size</a:t>
-            </a:r>
-            <a:r>
-              <a:rPr lang="en-US" sz="900" b="0" dirty="0">
-                <a:solidFill>
-                  <a:srgbClr val="939293"/>
-                </a:solidFill>
-                <a:effectLst/>
-                <a:latin typeface="Consolas" panose="020B0609020204030204" pitchFamily="49" charset="0"/>
-              </a:rPr>
-              <a:t>[</a:t>
-            </a:r>
-            <a:r>
-              <a:rPr lang="en-US" sz="900" b="0" dirty="0" err="1">
-                <a:solidFill>
-                  <a:srgbClr val="FCFCFA"/>
-                </a:solidFill>
-                <a:effectLst/>
-                <a:latin typeface="Consolas" panose="020B0609020204030204" pitchFamily="49" charset="0"/>
-              </a:rPr>
-              <a:t>set_to_connect</a:t>
-            </a:r>
-            <a:r>
-              <a:rPr lang="en-US" sz="900" b="0" dirty="0">
-                <a:solidFill>
-                  <a:srgbClr val="939293"/>
-                </a:solidFill>
-                <a:effectLst/>
-                <a:latin typeface="Consolas" panose="020B0609020204030204" pitchFamily="49" charset="0"/>
-              </a:rPr>
-              <a:t>]:</a:t>
-            </a:r>
-            <a:endParaRPr lang="en-US" sz="900" b="0" dirty="0">
-              <a:solidFill>
-                <a:srgbClr val="FCFCFA"/>
-              </a:solidFill>
-              <a:effectLst/>
-              <a:latin typeface="Consolas" panose="020B0609020204030204" pitchFamily="49" charset="0"/>
-            </a:endParaRPr>
-          </a:p>
-          <a:p>
-            <a:pPr marL="0" indent="0">
-              <a:buNone/>
-            </a:pPr>
-            <a:r>
-              <a:rPr lang="en-US" sz="900" b="0" dirty="0">
-                <a:solidFill>
-                  <a:srgbClr val="FCFCFA"/>
-                </a:solidFill>
-                <a:effectLst/>
-                <a:latin typeface="Consolas" panose="020B0609020204030204" pitchFamily="49" charset="0"/>
-              </a:rPr>
-              <a:t>            </a:t>
-            </a:r>
-            <a:r>
-              <a:rPr lang="en-US" sz="900" b="0" dirty="0" err="1">
-                <a:solidFill>
-                  <a:srgbClr val="FCFCFA"/>
-                </a:solidFill>
-                <a:effectLst/>
-                <a:latin typeface="Consolas" panose="020B0609020204030204" pitchFamily="49" charset="0"/>
-              </a:rPr>
-              <a:t>set_connector_parent</a:t>
-            </a:r>
-            <a:r>
-              <a:rPr lang="en-US" sz="900" b="0" dirty="0">
-                <a:solidFill>
-                  <a:srgbClr val="939293"/>
-                </a:solidFill>
-                <a:effectLst/>
-                <a:latin typeface="Consolas" panose="020B0609020204030204" pitchFamily="49" charset="0"/>
-              </a:rPr>
-              <a:t>,</a:t>
-            </a:r>
-            <a:r>
-              <a:rPr lang="en-US" sz="900" b="0" dirty="0">
-                <a:solidFill>
-                  <a:srgbClr val="FCFCFA"/>
-                </a:solidFill>
-                <a:effectLst/>
-                <a:latin typeface="Consolas" panose="020B0609020204030204" pitchFamily="49" charset="0"/>
-              </a:rPr>
-              <a:t> </a:t>
-            </a:r>
-            <a:r>
-              <a:rPr lang="en-US" sz="900" b="0" dirty="0" err="1">
-                <a:solidFill>
-                  <a:srgbClr val="FCFCFA"/>
-                </a:solidFill>
-                <a:effectLst/>
-                <a:latin typeface="Consolas" panose="020B0609020204030204" pitchFamily="49" charset="0"/>
-              </a:rPr>
-              <a:t>set_to_connect_parent</a:t>
-            </a:r>
-            <a:r>
-              <a:rPr lang="en-US" sz="900" b="0" dirty="0">
-                <a:solidFill>
-                  <a:srgbClr val="FCFCFA"/>
-                </a:solidFill>
-                <a:effectLst/>
-                <a:latin typeface="Consolas" panose="020B0609020204030204" pitchFamily="49" charset="0"/>
-              </a:rPr>
-              <a:t> </a:t>
-            </a:r>
-            <a:r>
-              <a:rPr lang="en-US" sz="900" b="0" dirty="0">
-                <a:solidFill>
-                  <a:srgbClr val="FF6188"/>
-                </a:solidFill>
-                <a:effectLst/>
-                <a:latin typeface="Consolas" panose="020B0609020204030204" pitchFamily="49" charset="0"/>
-              </a:rPr>
-              <a:t>=</a:t>
-            </a:r>
-            <a:r>
-              <a:rPr lang="en-US" sz="900" b="0" dirty="0">
-                <a:solidFill>
-                  <a:srgbClr val="FCFCFA"/>
-                </a:solidFill>
-                <a:effectLst/>
-                <a:latin typeface="Consolas" panose="020B0609020204030204" pitchFamily="49" charset="0"/>
-              </a:rPr>
-              <a:t> </a:t>
-            </a:r>
-            <a:r>
-              <a:rPr lang="en-US" sz="900" b="0" dirty="0" err="1">
-                <a:solidFill>
-                  <a:srgbClr val="FCFCFA"/>
-                </a:solidFill>
-                <a:effectLst/>
-                <a:latin typeface="Consolas" panose="020B0609020204030204" pitchFamily="49" charset="0"/>
-              </a:rPr>
-              <a:t>set_to_connect_parent</a:t>
-            </a:r>
-            <a:r>
-              <a:rPr lang="en-US" sz="900" b="0" dirty="0">
-                <a:solidFill>
-                  <a:srgbClr val="939293"/>
-                </a:solidFill>
-                <a:effectLst/>
-                <a:latin typeface="Consolas" panose="020B0609020204030204" pitchFamily="49" charset="0"/>
-              </a:rPr>
-              <a:t>,</a:t>
-            </a:r>
-            <a:r>
-              <a:rPr lang="en-US" sz="900" b="0" dirty="0">
-                <a:solidFill>
-                  <a:srgbClr val="FCFCFA"/>
-                </a:solidFill>
-                <a:effectLst/>
-                <a:latin typeface="Consolas" panose="020B0609020204030204" pitchFamily="49" charset="0"/>
-              </a:rPr>
-              <a:t> </a:t>
-            </a:r>
-            <a:r>
-              <a:rPr lang="en-US" sz="900" b="0" dirty="0" err="1">
-                <a:solidFill>
-                  <a:srgbClr val="FCFCFA"/>
-                </a:solidFill>
-                <a:effectLst/>
-                <a:latin typeface="Consolas" panose="020B0609020204030204" pitchFamily="49" charset="0"/>
-              </a:rPr>
-              <a:t>set_connector_parent</a:t>
-            </a:r>
-            <a:endParaRPr lang="en-US" sz="900" b="0" dirty="0">
-              <a:solidFill>
-                <a:srgbClr val="FCFCFA"/>
-              </a:solidFill>
-              <a:effectLst/>
-              <a:latin typeface="Consolas" panose="020B0609020204030204" pitchFamily="49" charset="0"/>
-            </a:endParaRPr>
-          </a:p>
-          <a:p>
-            <a:pPr marL="0" indent="0">
-              <a:buNone/>
-            </a:pPr>
-            <a:r>
-              <a:rPr lang="en-US" sz="900" b="0" dirty="0">
-                <a:solidFill>
-                  <a:srgbClr val="FCFCFA"/>
-                </a:solidFill>
-                <a:effectLst/>
-                <a:latin typeface="Consolas" panose="020B0609020204030204" pitchFamily="49" charset="0"/>
-              </a:rPr>
-              <a:t>        parents</a:t>
-            </a:r>
-            <a:r>
-              <a:rPr lang="en-US" sz="900" b="0" dirty="0">
-                <a:solidFill>
-                  <a:srgbClr val="939293"/>
-                </a:solidFill>
-                <a:effectLst/>
-                <a:latin typeface="Consolas" panose="020B0609020204030204" pitchFamily="49" charset="0"/>
-              </a:rPr>
-              <a:t>[</a:t>
-            </a:r>
-            <a:r>
-              <a:rPr lang="en-US" sz="900" b="0" dirty="0" err="1">
-                <a:solidFill>
-                  <a:srgbClr val="FCFCFA"/>
-                </a:solidFill>
-                <a:effectLst/>
-                <a:latin typeface="Consolas" panose="020B0609020204030204" pitchFamily="49" charset="0"/>
-              </a:rPr>
-              <a:t>set_to_connect_parent</a:t>
-            </a:r>
-            <a:r>
-              <a:rPr lang="en-US" sz="900" b="0" dirty="0">
-                <a:solidFill>
-                  <a:srgbClr val="939293"/>
-                </a:solidFill>
-                <a:effectLst/>
-                <a:latin typeface="Consolas" panose="020B0609020204030204" pitchFamily="49" charset="0"/>
-              </a:rPr>
-              <a:t>]</a:t>
-            </a:r>
-            <a:r>
-              <a:rPr lang="en-US" sz="900" b="0" dirty="0">
-                <a:solidFill>
-                  <a:srgbClr val="FCFCFA"/>
-                </a:solidFill>
-                <a:effectLst/>
-                <a:latin typeface="Consolas" panose="020B0609020204030204" pitchFamily="49" charset="0"/>
-              </a:rPr>
-              <a:t> </a:t>
-            </a:r>
-            <a:r>
-              <a:rPr lang="en-US" sz="900" b="0" dirty="0">
-                <a:solidFill>
-                  <a:srgbClr val="FF6188"/>
-                </a:solidFill>
-                <a:effectLst/>
-                <a:latin typeface="Consolas" panose="020B0609020204030204" pitchFamily="49" charset="0"/>
-              </a:rPr>
-              <a:t>=</a:t>
-            </a:r>
-            <a:r>
-              <a:rPr lang="en-US" sz="900" b="0" dirty="0">
-                <a:solidFill>
-                  <a:srgbClr val="FCFCFA"/>
-                </a:solidFill>
-                <a:effectLst/>
-                <a:latin typeface="Consolas" panose="020B0609020204030204" pitchFamily="49" charset="0"/>
-              </a:rPr>
-              <a:t> </a:t>
-            </a:r>
-            <a:r>
-              <a:rPr lang="en-US" sz="900" b="0" dirty="0" err="1">
-                <a:solidFill>
-                  <a:srgbClr val="FCFCFA"/>
-                </a:solidFill>
-                <a:effectLst/>
-                <a:latin typeface="Consolas" panose="020B0609020204030204" pitchFamily="49" charset="0"/>
-              </a:rPr>
-              <a:t>set_connector_parent</a:t>
-            </a:r>
-            <a:endParaRPr lang="en-US" sz="900" b="0" dirty="0">
-              <a:solidFill>
-                <a:srgbClr val="FCFCFA"/>
-              </a:solidFill>
-              <a:effectLst/>
-              <a:latin typeface="Consolas" panose="020B0609020204030204" pitchFamily="49" charset="0"/>
-            </a:endParaRPr>
-          </a:p>
-          <a:p>
-            <a:pPr marL="0" indent="0">
-              <a:buNone/>
-            </a:pPr>
-            <a:r>
-              <a:rPr lang="en-US" sz="900" b="0" dirty="0">
-                <a:solidFill>
-                  <a:srgbClr val="FCFCFA"/>
-                </a:solidFill>
-                <a:effectLst/>
-                <a:latin typeface="Consolas" panose="020B0609020204030204" pitchFamily="49" charset="0"/>
-              </a:rPr>
-              <a:t>        size</a:t>
-            </a:r>
-            <a:r>
-              <a:rPr lang="en-US" sz="900" b="0" dirty="0">
-                <a:solidFill>
-                  <a:srgbClr val="939293"/>
-                </a:solidFill>
-                <a:effectLst/>
-                <a:latin typeface="Consolas" panose="020B0609020204030204" pitchFamily="49" charset="0"/>
-              </a:rPr>
-              <a:t>[</a:t>
-            </a:r>
-            <a:r>
-              <a:rPr lang="en-US" sz="900" b="0" dirty="0" err="1">
-                <a:solidFill>
-                  <a:srgbClr val="FCFCFA"/>
-                </a:solidFill>
-                <a:effectLst/>
-                <a:latin typeface="Consolas" panose="020B0609020204030204" pitchFamily="49" charset="0"/>
-              </a:rPr>
-              <a:t>set_connector_parent</a:t>
-            </a:r>
-            <a:r>
-              <a:rPr lang="en-US" sz="900" b="0" dirty="0">
-                <a:solidFill>
-                  <a:srgbClr val="939293"/>
-                </a:solidFill>
-                <a:effectLst/>
-                <a:latin typeface="Consolas" panose="020B0609020204030204" pitchFamily="49" charset="0"/>
-              </a:rPr>
-              <a:t>]</a:t>
-            </a:r>
-            <a:r>
-              <a:rPr lang="en-US" sz="900" b="0" dirty="0">
-                <a:solidFill>
-                  <a:srgbClr val="FCFCFA"/>
-                </a:solidFill>
-                <a:effectLst/>
-                <a:latin typeface="Consolas" panose="020B0609020204030204" pitchFamily="49" charset="0"/>
-              </a:rPr>
-              <a:t> </a:t>
-            </a:r>
-            <a:r>
-              <a:rPr lang="en-US" sz="900" b="0" dirty="0">
-                <a:solidFill>
-                  <a:srgbClr val="FF6188"/>
-                </a:solidFill>
-                <a:effectLst/>
-                <a:latin typeface="Consolas" panose="020B0609020204030204" pitchFamily="49" charset="0"/>
-              </a:rPr>
-              <a:t>+=</a:t>
-            </a:r>
-            <a:r>
-              <a:rPr lang="en-US" sz="900" b="0" dirty="0">
-                <a:solidFill>
-                  <a:srgbClr val="FCFCFA"/>
-                </a:solidFill>
-                <a:effectLst/>
-                <a:latin typeface="Consolas" panose="020B0609020204030204" pitchFamily="49" charset="0"/>
-              </a:rPr>
-              <a:t> size</a:t>
-            </a:r>
-            <a:r>
-              <a:rPr lang="en-US" sz="900" b="0" dirty="0">
-                <a:solidFill>
-                  <a:srgbClr val="939293"/>
-                </a:solidFill>
-                <a:effectLst/>
-                <a:latin typeface="Consolas" panose="020B0609020204030204" pitchFamily="49" charset="0"/>
-              </a:rPr>
-              <a:t>[</a:t>
-            </a:r>
-            <a:r>
-              <a:rPr lang="en-US" sz="900" b="0" dirty="0" err="1">
-                <a:solidFill>
-                  <a:srgbClr val="FCFCFA"/>
-                </a:solidFill>
-                <a:effectLst/>
-                <a:latin typeface="Consolas" panose="020B0609020204030204" pitchFamily="49" charset="0"/>
-              </a:rPr>
-              <a:t>set_to_connect_parent</a:t>
-            </a:r>
-            <a:r>
-              <a:rPr lang="en-US" sz="900" b="0" dirty="0">
-                <a:solidFill>
-                  <a:srgbClr val="939293"/>
-                </a:solidFill>
-                <a:effectLst/>
-                <a:latin typeface="Consolas" panose="020B0609020204030204" pitchFamily="49" charset="0"/>
-              </a:rPr>
-              <a:t>]</a:t>
-            </a:r>
-            <a:endParaRPr lang="en-US" sz="900" b="0" dirty="0">
-              <a:solidFill>
-                <a:srgbClr val="FCFCFA"/>
-              </a:solidFill>
-              <a:effectLst/>
-              <a:latin typeface="Consolas" panose="020B0609020204030204" pitchFamily="49" charset="0"/>
-            </a:endParaRPr>
-          </a:p>
-          <a:p>
-            <a:pPr marL="0" indent="0">
-              <a:buNone/>
-            </a:pPr>
-            <a:br>
-              <a:rPr lang="en-US" sz="900" b="0" dirty="0">
-                <a:solidFill>
-                  <a:srgbClr val="FCFCFA"/>
-                </a:solidFill>
-                <a:effectLst/>
-                <a:latin typeface="Consolas" panose="020B0609020204030204" pitchFamily="49" charset="0"/>
-              </a:rPr>
-            </a:br>
-            <a:br>
-              <a:rPr lang="en-US" sz="900" b="0" dirty="0">
-                <a:solidFill>
-                  <a:srgbClr val="FCFCFA"/>
-                </a:solidFill>
-                <a:effectLst/>
-                <a:latin typeface="Consolas" panose="020B0609020204030204" pitchFamily="49" charset="0"/>
-              </a:rPr>
-            </a:br>
-            <a:r>
-              <a:rPr lang="en-US" sz="900" b="0" dirty="0">
-                <a:solidFill>
-                  <a:srgbClr val="FCFCFA"/>
-                </a:solidFill>
-                <a:effectLst/>
-                <a:latin typeface="Consolas" panose="020B0609020204030204" pitchFamily="49" charset="0"/>
-              </a:rPr>
-              <a:t>parents </a:t>
-            </a:r>
-            <a:r>
-              <a:rPr lang="en-US" sz="900" b="0" dirty="0">
-                <a:solidFill>
-                  <a:srgbClr val="FF6188"/>
-                </a:solidFill>
-                <a:effectLst/>
-                <a:latin typeface="Consolas" panose="020B0609020204030204" pitchFamily="49" charset="0"/>
-              </a:rPr>
-              <a:t>=</a:t>
-            </a:r>
-            <a:r>
-              <a:rPr lang="en-US" sz="900" b="0" dirty="0">
-                <a:solidFill>
-                  <a:srgbClr val="FCFCFA"/>
-                </a:solidFill>
-                <a:effectLst/>
-                <a:latin typeface="Consolas" panose="020B0609020204030204" pitchFamily="49" charset="0"/>
-              </a:rPr>
-              <a:t> </a:t>
-            </a:r>
-            <a:r>
-              <a:rPr lang="en-US" sz="900" b="0" dirty="0">
-                <a:solidFill>
-                  <a:srgbClr val="939293"/>
-                </a:solidFill>
-                <a:effectLst/>
-                <a:latin typeface="Consolas" panose="020B0609020204030204" pitchFamily="49" charset="0"/>
-              </a:rPr>
-              <a:t>[]</a:t>
-            </a:r>
-            <a:endParaRPr lang="en-US" sz="900" b="0" dirty="0">
-              <a:solidFill>
-                <a:srgbClr val="FCFCFA"/>
-              </a:solidFill>
-              <a:effectLst/>
-              <a:latin typeface="Consolas" panose="020B0609020204030204" pitchFamily="49" charset="0"/>
-            </a:endParaRPr>
-          </a:p>
-          <a:p>
-            <a:pPr marL="0" indent="0">
-              <a:buNone/>
-            </a:pPr>
-            <a:r>
-              <a:rPr lang="en-US" sz="900" b="0" dirty="0">
-                <a:solidFill>
-                  <a:srgbClr val="FCFCFA"/>
-                </a:solidFill>
-                <a:effectLst/>
-                <a:latin typeface="Consolas" panose="020B0609020204030204" pitchFamily="49" charset="0"/>
-              </a:rPr>
-              <a:t>size </a:t>
-            </a:r>
-            <a:r>
-              <a:rPr lang="en-US" sz="900" b="0" dirty="0">
-                <a:solidFill>
-                  <a:srgbClr val="FF6188"/>
-                </a:solidFill>
-                <a:effectLst/>
-                <a:latin typeface="Consolas" panose="020B0609020204030204" pitchFamily="49" charset="0"/>
-              </a:rPr>
-              <a:t>=</a:t>
-            </a:r>
-            <a:r>
-              <a:rPr lang="en-US" sz="900" b="0" dirty="0">
-                <a:solidFill>
-                  <a:srgbClr val="FCFCFA"/>
-                </a:solidFill>
-                <a:effectLst/>
-                <a:latin typeface="Consolas" panose="020B0609020204030204" pitchFamily="49" charset="0"/>
-              </a:rPr>
-              <a:t> </a:t>
-            </a:r>
-            <a:r>
-              <a:rPr lang="en-US" sz="900" b="0" dirty="0">
-                <a:solidFill>
-                  <a:srgbClr val="939293"/>
-                </a:solidFill>
-                <a:effectLst/>
-                <a:latin typeface="Consolas" panose="020B0609020204030204" pitchFamily="49" charset="0"/>
-              </a:rPr>
-              <a:t>[]</a:t>
-            </a:r>
-            <a:endParaRPr lang="en-US" sz="900" b="0" dirty="0">
-              <a:solidFill>
-                <a:srgbClr val="FCFCFA"/>
-              </a:solidFill>
-              <a:effectLst/>
-              <a:latin typeface="Consolas" panose="020B0609020204030204" pitchFamily="49" charset="0"/>
-            </a:endParaRPr>
-          </a:p>
-        </p:txBody>
-      </p:sp>
-    </p:spTree>
-    <p:extLst>
-      <p:ext uri="{BB962C8B-B14F-4D97-AF65-F5344CB8AC3E}">
-        <p14:creationId xmlns:p14="http://schemas.microsoft.com/office/powerpoint/2010/main" val="1459797214"/>
       </p:ext>
     </p:extLst>
   </p:cSld>
